--- a/rpg수정수정수정.pptx
+++ b/rpg수정수정수정.pptx
@@ -4284,7 +4284,7 @@
         </p:nvSpPr>
         <p:spPr>
           <a:xfrm>
-            <a:off x="7712519" y="2624203"/>
+            <a:off x="6548352" y="2677119"/>
             <a:ext cx="1362261" cy="965533"/>
           </a:xfrm>
           <a:prstGeom prst="rect">
@@ -5017,8 +5017,8 @@
         </p:nvCxnSpPr>
         <p:spPr>
           <a:xfrm>
-            <a:off x="6087315" y="2177737"/>
-            <a:ext cx="2306335" cy="446466"/>
+            <a:off x="6087314" y="2177737"/>
+            <a:ext cx="1142168" cy="499382"/>
           </a:xfrm>
           <a:prstGeom prst="line">
             <a:avLst/>
@@ -5610,7 +5610,7 @@
         </p:nvSpPr>
         <p:spPr>
           <a:xfrm>
-            <a:off x="9019421" y="3144725"/>
+            <a:off x="8133067" y="3080045"/>
             <a:ext cx="730041" cy="697909"/>
           </a:xfrm>
           <a:prstGeom prst="rect">
@@ -5675,7 +5675,7 @@
         </p:nvSpPr>
         <p:spPr>
           <a:xfrm>
-            <a:off x="9974946" y="3194171"/>
+            <a:off x="9062133" y="3080046"/>
             <a:ext cx="813472" cy="697908"/>
           </a:xfrm>
           <a:prstGeom prst="rect">
@@ -5970,9 +5970,9 @@
           <p:nvPr/>
         </p:nvCxnSpPr>
         <p:spPr>
-          <a:xfrm>
-            <a:off x="9238394" y="1549331"/>
-            <a:ext cx="146048" cy="1595394"/>
+          <a:xfrm rot="5400000">
+            <a:off x="8102884" y="1944535"/>
+            <a:ext cx="1530714" cy="740306"/>
           </a:xfrm>
           <a:prstGeom prst="line">
             <a:avLst/>
@@ -6003,9 +6003,9 @@
           <p:nvPr/>
         </p:nvCxnSpPr>
         <p:spPr>
-          <a:xfrm>
-            <a:off x="9238394" y="1549331"/>
-            <a:ext cx="1143288" cy="1644840"/>
+          <a:xfrm rot="16200000" flipH="1">
+            <a:off x="8588274" y="2199451"/>
+            <a:ext cx="1530715" cy="230475"/>
           </a:xfrm>
           <a:prstGeom prst="line">
             <a:avLst/>
@@ -7797,39 +7797,6 @@
           </a:fontRef>
         </p:style>
       </p:cxnSp>
-      <p:cxnSp>
-        <p:nvCxnSpPr>
-          <p:cNvPr id="205" name="선 204"/>
-          <p:cNvCxnSpPr>
-            <a:stCxn id="7" idx="3"/>
-            <a:endCxn id="183" idx="1"/>
-          </p:cNvCxnSpPr>
-          <p:nvPr/>
-        </p:nvCxnSpPr>
-        <p:spPr>
-          <a:xfrm>
-            <a:off x="5272856" y="1929305"/>
-            <a:ext cx="4299012" cy="4086054"/>
-          </a:xfrm>
-          <a:prstGeom prst="line">
-            <a:avLst/>
-          </a:prstGeom>
-        </p:spPr>
-        <p:style>
-          <a:lnRef idx="1">
-            <a:schemeClr val="accent1"/>
-          </a:lnRef>
-          <a:fillRef idx="0">
-            <a:schemeClr val="accent1"/>
-          </a:fillRef>
-          <a:effectRef idx="0">
-            <a:schemeClr val="accent1"/>
-          </a:effectRef>
-          <a:fontRef idx="minor">
-            <a:schemeClr val="tx1"/>
-          </a:fontRef>
-        </p:style>
-      </p:cxnSp>
       <p:sp>
         <p:nvSpPr>
           <p:cNvPr id="206" name="제목 1"/>
@@ -7997,6 +7964,193 @@
           <a:xfrm>
             <a:off x="5272857" y="1929305"/>
             <a:ext cx="4576822" cy="2776365"/>
+          </a:xfrm>
+          <a:prstGeom prst="line">
+            <a:avLst/>
+          </a:prstGeom>
+        </p:spPr>
+        <p:style>
+          <a:lnRef idx="1">
+            <a:schemeClr val="accent1"/>
+          </a:lnRef>
+          <a:fillRef idx="0">
+            <a:schemeClr val="accent1"/>
+          </a:fillRef>
+          <a:effectRef idx="0">
+            <a:schemeClr val="accent1"/>
+          </a:effectRef>
+          <a:fontRef idx="minor">
+            <a:schemeClr val="tx1"/>
+          </a:fontRef>
+        </p:style>
+      </p:cxnSp>
+      <p:sp>
+        <p:nvSpPr>
+          <p:cNvPr id="208" name="제목 1"/>
+          <p:cNvSpPr>
+            <a:spLocks noGrp="1"/>
+          </p:cNvSpPr>
+          <p:nvPr/>
+        </p:nvSpPr>
+        <p:spPr>
+          <a:xfrm>
+            <a:off x="10081454" y="2887122"/>
+            <a:ext cx="1934132" cy="1083756"/>
+          </a:xfrm>
+          <a:prstGeom prst="rect">
+            <a:avLst/>
+          </a:prstGeom>
+          <a:ln>
+            <a:solidFill>
+              <a:srgbClr val="000000">
+                <a:alpha val="100000"/>
+              </a:srgbClr>
+            </a:solidFill>
+          </a:ln>
+        </p:spPr>
+        <p:txBody>
+          <a:bodyPr vert="horz" lIns="91440" tIns="45720" rIns="91440" bIns="45720" anchor="ctr">
+            <a:normAutofit/>
+          </a:bodyPr>
+          <a:p>
+            <a:pPr marL="0" lvl="0" indent="0" algn="ctr" defTabSz="914400" rtl="0" eaLnBrk="1" latinLnBrk="1" hangingPunct="1">
+              <a:lnSpc>
+                <a:spcPct val="100000"/>
+              </a:lnSpc>
+              <a:spcBef>
+                <a:spcPct val="0"/>
+              </a:spcBef>
+              <a:spcAft>
+                <a:spcPts val="0"/>
+              </a:spcAft>
+              <a:buNone/>
+              <a:defRPr/>
+            </a:pPr>
+            <a:r>
+              <a:rPr xmlns:mc="http://schemas.openxmlformats.org/markup-compatibility/2006" xmlns:hp="http://schemas.haansoft.com/office/presentation/8.0" kumimoji="0" lang="ko-KR" altLang="en-US" sz="1500" b="0" i="0" u="none" strike="noStrike" kern="1200" cap="none" spc="0" normalizeH="0" baseline="0" mc:Ignorable="hp" hp:hslEmbossed="0">
+                <a:solidFill>
+                  <a:srgbClr val="000000"/>
+                </a:solidFill>
+                <a:latin typeface="Calibri"/>
+                <a:ea typeface="맑은 고딕"/>
+                <a:cs typeface="Calibri"/>
+              </a:rPr>
+              <a:t>인터페이스</a:t>
+            </a:r>
+            <a:endParaRPr xmlns:mc="http://schemas.openxmlformats.org/markup-compatibility/2006" xmlns:hp="http://schemas.haansoft.com/office/presentation/8.0" kumimoji="0" lang="ko-KR" altLang="en-US" sz="1500" b="0" i="0" u="none" strike="noStrike" kern="1200" cap="none" spc="0" normalizeH="0" baseline="0" mc:Ignorable="hp" hp:hslEmbossed="0">
+              <a:solidFill>
+                <a:srgbClr val="000000"/>
+              </a:solidFill>
+              <a:latin typeface="Calibri"/>
+              <a:ea typeface="맑은 고딕"/>
+              <a:cs typeface="Calibri"/>
+            </a:endParaRPr>
+          </a:p>
+          <a:p>
+            <a:pPr marL="0" lvl="0" indent="0" algn="ctr" defTabSz="914400" rtl="0" eaLnBrk="1" latinLnBrk="1" hangingPunct="1">
+              <a:lnSpc>
+                <a:spcPct val="100000"/>
+              </a:lnSpc>
+              <a:spcBef>
+                <a:spcPct val="0"/>
+              </a:spcBef>
+              <a:spcAft>
+                <a:spcPts val="0"/>
+              </a:spcAft>
+              <a:buNone/>
+              <a:defRPr/>
+            </a:pPr>
+            <a:r>
+              <a:rPr xmlns:mc="http://schemas.openxmlformats.org/markup-compatibility/2006" xmlns:hp="http://schemas.haansoft.com/office/presentation/8.0" kumimoji="0" lang="ko-KR" altLang="en-US" sz="1500" b="0" i="0" u="none" strike="noStrike" kern="1200" cap="none" spc="0" normalizeH="0" baseline="0" mc:Ignorable="hp" hp:hslEmbossed="0">
+                <a:solidFill>
+                  <a:srgbClr val="000000"/>
+                </a:solidFill>
+                <a:latin typeface="Calibri"/>
+                <a:ea typeface="맑은 고딕"/>
+                <a:cs typeface="Calibri"/>
+              </a:rPr>
+              <a:t>몬스터스킬</a:t>
+            </a:r>
+            <a:endParaRPr xmlns:mc="http://schemas.openxmlformats.org/markup-compatibility/2006" xmlns:hp="http://schemas.haansoft.com/office/presentation/8.0" kumimoji="0" lang="ko-KR" altLang="en-US" sz="1500" b="0" i="0" u="none" strike="noStrike" kern="1200" cap="none" spc="0" normalizeH="0" baseline="0" mc:Ignorable="hp" hp:hslEmbossed="0">
+              <a:solidFill>
+                <a:srgbClr val="000000"/>
+              </a:solidFill>
+              <a:latin typeface="Calibri"/>
+              <a:ea typeface="맑은 고딕"/>
+              <a:cs typeface="Calibri"/>
+            </a:endParaRPr>
+          </a:p>
+          <a:p>
+            <a:pPr marL="0" lvl="0" indent="0" algn="ctr" defTabSz="914400" rtl="0" eaLnBrk="1" latinLnBrk="1" hangingPunct="1">
+              <a:lnSpc>
+                <a:spcPct val="100000"/>
+              </a:lnSpc>
+              <a:spcBef>
+                <a:spcPct val="0"/>
+              </a:spcBef>
+              <a:spcAft>
+                <a:spcPts val="0"/>
+              </a:spcAft>
+              <a:buNone/>
+              <a:defRPr/>
+            </a:pPr>
+            <a:r>
+              <a:rPr xmlns:mc="http://schemas.openxmlformats.org/markup-compatibility/2006" xmlns:hp="http://schemas.haansoft.com/office/presentation/8.0" kumimoji="0" lang="ko-KR" altLang="en-US" sz="1500" b="0" i="0" u="none" strike="noStrike" kern="1200" cap="none" spc="0" normalizeH="0" baseline="0" mc:Ignorable="hp" hp:hslEmbossed="0">
+                <a:solidFill>
+                  <a:srgbClr val="000000"/>
+                </a:solidFill>
+                <a:latin typeface="Calibri"/>
+                <a:ea typeface="맑은 고딕"/>
+                <a:cs typeface="Calibri"/>
+              </a:rPr>
+              <a:t>메서드 </a:t>
+            </a:r>
+            <a:r>
+              <a:rPr xmlns:mc="http://schemas.openxmlformats.org/markup-compatibility/2006" xmlns:hp="http://schemas.haansoft.com/office/presentation/8.0" kumimoji="0" lang="en-US" altLang="ko-KR" sz="1500" b="0" i="0" u="none" strike="noStrike" kern="1200" cap="none" spc="0" normalizeH="0" baseline="0" mc:Ignorable="hp" hp:hslEmbossed="0">
+                <a:solidFill>
+                  <a:srgbClr val="000000"/>
+                </a:solidFill>
+                <a:latin typeface="Calibri"/>
+                <a:ea typeface="맑은 고딕"/>
+                <a:cs typeface="Calibri"/>
+              </a:rPr>
+              <a:t>: </a:t>
+            </a:r>
+            <a:r>
+              <a:rPr xmlns:mc="http://schemas.openxmlformats.org/markup-compatibility/2006" xmlns:hp="http://schemas.haansoft.com/office/presentation/8.0" kumimoji="0" lang="ko-KR" altLang="en-US" sz="1500" b="0" i="0" u="none" strike="noStrike" kern="1200" cap="none" spc="0" normalizeH="0" baseline="0" mc:Ignorable="hp" hp:hslEmbossed="0">
+                <a:solidFill>
+                  <a:srgbClr val="000000"/>
+                </a:solidFill>
+                <a:latin typeface="Calibri"/>
+                <a:ea typeface="맑은 고딕"/>
+                <a:cs typeface="Calibri"/>
+              </a:rPr>
+              <a:t>스킬</a:t>
+            </a:r>
+            <a:endParaRPr xmlns:mc="http://schemas.openxmlformats.org/markup-compatibility/2006" xmlns:hp="http://schemas.haansoft.com/office/presentation/8.0" kumimoji="0" lang="ko-KR" altLang="en-US" sz="1500" b="0" i="0" u="none" strike="noStrike" kern="1200" cap="none" spc="0" normalizeH="0" baseline="0" mc:Ignorable="hp" hp:hslEmbossed="0">
+              <a:solidFill>
+                <a:srgbClr val="000000"/>
+              </a:solidFill>
+              <a:latin typeface="Calibri"/>
+              <a:ea typeface="맑은 고딕"/>
+              <a:cs typeface="Calibri"/>
+            </a:endParaRPr>
+          </a:p>
+        </p:txBody>
+      </p:sp>
+      <p:cxnSp>
+        <p:nvCxnSpPr>
+          <p:cNvPr id="209" name="선 208"/>
+          <p:cNvCxnSpPr>
+            <a:stCxn id="7" idx="3"/>
+            <a:endCxn id="208" idx="1"/>
+          </p:cNvCxnSpPr>
+          <p:nvPr/>
+        </p:nvCxnSpPr>
+        <p:spPr>
+          <a:xfrm>
+            <a:off x="5272857" y="1929305"/>
+            <a:ext cx="4808597" cy="1499695"/>
           </a:xfrm>
           <a:prstGeom prst="line">
             <a:avLst/>

--- a/rpg수정수정수정.pptx
+++ b/rpg수정수정수정.pptx
@@ -1,11 +1,12 @@
 
 <file path=ppt/presentation.xml><?xml version="1.0" encoding="utf-8"?>
-<p:presentation xmlns:r="http://schemas.openxmlformats.org/officeDocument/2006/relationships" xmlns:c="http://schemas.openxmlformats.org/drawingml/2006/chart" xmlns:a="http://schemas.openxmlformats.org/drawingml/2006/main" xmlns:dgm="http://schemas.openxmlformats.org/drawingml/2006/diagram" xmlns:dsp="http://schemas.microsoft.com/office/drawing/2008/diagram" xmlns:p="http://schemas.openxmlformats.org/presentationml/2006/main">
+<p:presentation xmlns:a="http://schemas.openxmlformats.org/drawingml/2006/main" xmlns:r="http://schemas.openxmlformats.org/officeDocument/2006/relationships" xmlns:p="http://schemas.openxmlformats.org/presentationml/2006/main">
   <p:sldMasterIdLst>
     <p:sldMasterId id="2147483648" r:id="rId1"/>
   </p:sldMasterIdLst>
   <p:sldIdLst>
     <p:sldId id="256" r:id="rId2"/>
+    <p:sldId id="258" r:id="rId3"/>
   </p:sldIdLst>
   <p:sldSz cx="12192000" cy="6858000"/>
   <p:notesSz cx="6858000" cy="9144000"/>
@@ -104,6 +105,11 @@
       </a:defRPr>
     </a:lvl9pPr>
   </p:defaultTextStyle>
+  <p:extLst>
+    <p:ext uri="{EFAFB233-063F-42B5-8137-9DF3F51BA10A}">
+      <p15:sldGuideLst xmlns:p15="http://schemas.microsoft.com/office/powerpoint/2012/main"/>
+    </p:ext>
+  </p:extLst>
 </p:presentation>
 </file>
 
@@ -254,7 +260,7 @@
           <a:p>
             <a:fld id="{B74977E4-F875-4F5F-B595-3590DFB9EDB3}" type="datetimeFigureOut">
               <a:rPr lang="ko-KR" altLang="en-US" smtClean="0"/>
-              <a:t>2024-09-30</a:t>
+              <a:t>2024-10-13</a:t>
             </a:fld>
             <a:endParaRPr lang="ko-KR" altLang="en-US"/>
           </a:p>
@@ -452,7 +458,7 @@
           <a:p>
             <a:fld id="{B74977E4-F875-4F5F-B595-3590DFB9EDB3}" type="datetimeFigureOut">
               <a:rPr lang="ko-KR" altLang="en-US" smtClean="0"/>
-              <a:t>2024-09-30</a:t>
+              <a:t>2024-10-13</a:t>
             </a:fld>
             <a:endParaRPr lang="ko-KR" altLang="en-US"/>
           </a:p>
@@ -660,7 +666,7 @@
           <a:p>
             <a:fld id="{B74977E4-F875-4F5F-B595-3590DFB9EDB3}" type="datetimeFigureOut">
               <a:rPr lang="ko-KR" altLang="en-US" smtClean="0"/>
-              <a:t>2024-09-30</a:t>
+              <a:t>2024-10-13</a:t>
             </a:fld>
             <a:endParaRPr lang="ko-KR" altLang="en-US"/>
           </a:p>
@@ -858,7 +864,7 @@
           <a:p>
             <a:fld id="{B74977E4-F875-4F5F-B595-3590DFB9EDB3}" type="datetimeFigureOut">
               <a:rPr lang="ko-KR" altLang="en-US" smtClean="0"/>
-              <a:t>2024-09-30</a:t>
+              <a:t>2024-10-13</a:t>
             </a:fld>
             <a:endParaRPr lang="ko-KR" altLang="en-US"/>
           </a:p>
@@ -1133,7 +1139,7 @@
           <a:p>
             <a:fld id="{B74977E4-F875-4F5F-B595-3590DFB9EDB3}" type="datetimeFigureOut">
               <a:rPr lang="ko-KR" altLang="en-US" smtClean="0"/>
-              <a:t>2024-09-30</a:t>
+              <a:t>2024-10-13</a:t>
             </a:fld>
             <a:endParaRPr lang="ko-KR" altLang="en-US"/>
           </a:p>
@@ -1398,7 +1404,7 @@
           <a:p>
             <a:fld id="{B74977E4-F875-4F5F-B595-3590DFB9EDB3}" type="datetimeFigureOut">
               <a:rPr lang="ko-KR" altLang="en-US" smtClean="0"/>
-              <a:t>2024-09-30</a:t>
+              <a:t>2024-10-13</a:t>
             </a:fld>
             <a:endParaRPr lang="ko-KR" altLang="en-US"/>
           </a:p>
@@ -1810,7 +1816,7 @@
           <a:p>
             <a:fld id="{B74977E4-F875-4F5F-B595-3590DFB9EDB3}" type="datetimeFigureOut">
               <a:rPr lang="ko-KR" altLang="en-US" smtClean="0"/>
-              <a:t>2024-09-30</a:t>
+              <a:t>2024-10-13</a:t>
             </a:fld>
             <a:endParaRPr lang="ko-KR" altLang="en-US"/>
           </a:p>
@@ -1951,7 +1957,7 @@
           <a:p>
             <a:fld id="{B74977E4-F875-4F5F-B595-3590DFB9EDB3}" type="datetimeFigureOut">
               <a:rPr lang="ko-KR" altLang="en-US" smtClean="0"/>
-              <a:t>2024-09-30</a:t>
+              <a:t>2024-10-13</a:t>
             </a:fld>
             <a:endParaRPr lang="ko-KR" altLang="en-US"/>
           </a:p>
@@ -2064,7 +2070,7 @@
           <a:p>
             <a:fld id="{B74977E4-F875-4F5F-B595-3590DFB9EDB3}" type="datetimeFigureOut">
               <a:rPr lang="ko-KR" altLang="en-US" smtClean="0"/>
-              <a:t>2024-09-30</a:t>
+              <a:t>2024-10-13</a:t>
             </a:fld>
             <a:endParaRPr lang="ko-KR" altLang="en-US"/>
           </a:p>
@@ -2375,7 +2381,7 @@
           <a:p>
             <a:fld id="{B74977E4-F875-4F5F-B595-3590DFB9EDB3}" type="datetimeFigureOut">
               <a:rPr lang="ko-KR" altLang="en-US" smtClean="0"/>
-              <a:t>2024-09-30</a:t>
+              <a:t>2024-10-13</a:t>
             </a:fld>
             <a:endParaRPr lang="ko-KR" altLang="en-US"/>
           </a:p>
@@ -2663,7 +2669,7 @@
           <a:p>
             <a:fld id="{B74977E4-F875-4F5F-B595-3590DFB9EDB3}" type="datetimeFigureOut">
               <a:rPr lang="ko-KR" altLang="en-US" smtClean="0"/>
-              <a:t>2024-09-30</a:t>
+              <a:t>2024-10-13</a:t>
             </a:fld>
             <a:endParaRPr lang="ko-KR" altLang="en-US"/>
           </a:p>
@@ -2904,7 +2910,7 @@
           <a:p>
             <a:fld id="{B74977E4-F875-4F5F-B595-3590DFB9EDB3}" type="datetimeFigureOut">
               <a:rPr lang="ko-KR" altLang="en-US" smtClean="0"/>
-              <a:t>2024-09-30</a:t>
+              <a:t>2024-10-13</a:t>
             </a:fld>
             <a:endParaRPr lang="ko-KR" altLang="en-US"/>
           </a:p>
@@ -3305,7 +3311,7 @@
 </file>
 
 <file path=ppt/slides/slide1.xml><?xml version="1.0" encoding="utf-8"?>
-<p:sld xmlns:r="http://schemas.openxmlformats.org/officeDocument/2006/relationships" xmlns:c="http://schemas.openxmlformats.org/drawingml/2006/chart" xmlns:a="http://schemas.openxmlformats.org/drawingml/2006/main" xmlns:dgm="http://schemas.openxmlformats.org/drawingml/2006/diagram" xmlns:dsp="http://schemas.microsoft.com/office/drawing/2008/diagram" xmlns:p="http://schemas.openxmlformats.org/presentationml/2006/main">
+<p:sld xmlns:a="http://schemas.openxmlformats.org/drawingml/2006/main" xmlns:r="http://schemas.openxmlformats.org/officeDocument/2006/relationships" xmlns:p="http://schemas.openxmlformats.org/presentationml/2006/main">
   <p:cSld>
     <p:spTree>
       <p:nvGrpSpPr>
@@ -3328,7 +3334,7 @@
             <a:spLocks noGrp="1"/>
           </p:cNvSpPr>
           <p:nvPr>
-            <p:ph type="ctrTitle" idx="0"/>
+            <p:ph type="ctrTitle"/>
           </p:nvPr>
         </p:nvSpPr>
         <p:spPr>
@@ -3541,14 +3547,6 @@
               </a:rPr>
               <a:t>모험가</a:t>
             </a:r>
-            <a:endParaRPr kumimoji="0" lang="ko-KR" altLang="en-US" sz="1200" b="0" i="0" u="none" strike="noStrike" kern="1200" cap="none" spc="0" normalizeH="0" baseline="0">
-              <a:solidFill>
-                <a:srgbClr val="000000"/>
-              </a:solidFill>
-              <a:latin typeface="Calibri"/>
-              <a:ea typeface="맑은 고딕"/>
-              <a:cs typeface="Calibri"/>
-            </a:endParaRPr>
           </a:p>
           <a:p>
             <a:pPr marL="0" lvl="0" indent="0" algn="ctr" defTabSz="914400" rtl="0" eaLnBrk="1" latinLnBrk="1" hangingPunct="1">
@@ -3608,14 +3606,6 @@
               </a:rPr>
               <a:t>exp,level,job,skillatk,needexp,addexp, addhp,</a:t>
             </a:r>
-            <a:endParaRPr lang="en-US" altLang="ko-KR" sz="1200">
-              <a:solidFill>
-                <a:srgbClr val="000000"/>
-              </a:solidFill>
-              <a:latin typeface="Calibri"/>
-              <a:ea typeface="맑은 고딕"/>
-              <a:cs typeface="Calibri"/>
-            </a:endParaRPr>
           </a:p>
           <a:p>
             <a:pPr marL="0" lvl="0" indent="0" algn="ctr" defTabSz="914400" rtl="0" eaLnBrk="1" latinLnBrk="1" hangingPunct="1">
@@ -3642,14 +3632,6 @@
               </a:rPr>
               <a:t>addmp,addatk,addskillatk.maxhp,maxmp</a:t>
             </a:r>
-            <a:endParaRPr lang="en-US" altLang="ko-KR" sz="1200">
-              <a:solidFill>
-                <a:srgbClr val="000000"/>
-              </a:solidFill>
-              <a:latin typeface="Calibri"/>
-              <a:ea typeface="맑은 고딕"/>
-              <a:cs typeface="Calibri"/>
-            </a:endParaRPr>
           </a:p>
           <a:p>
             <a:pPr marL="0" lvl="0" indent="0" algn="ctr" defTabSz="914400" rtl="0" eaLnBrk="1" latinLnBrk="1" hangingPunct="1">
@@ -3698,14 +3680,6 @@
               </a:rPr>
               <a:t>BuyItems</a:t>
             </a:r>
-            <a:endParaRPr lang="en-US" altLang="ko-KR" sz="1200">
-              <a:solidFill>
-                <a:srgbClr val="000000"/>
-              </a:solidFill>
-              <a:latin typeface="Calibri"/>
-              <a:ea typeface="맑은 고딕"/>
-              <a:cs typeface="Calibri"/>
-            </a:endParaRPr>
           </a:p>
         </p:txBody>
       </p:sp>
@@ -3763,14 +3737,6 @@
               </a:rPr>
               <a:t>몬스터</a:t>
             </a:r>
-            <a:endParaRPr kumimoji="0" lang="ko-KR" altLang="en-US" sz="1500" b="0" i="0" u="none" strike="noStrike" kern="1200" cap="none" spc="0" normalizeH="0" baseline="0">
-              <a:solidFill>
-                <a:srgbClr val="000000"/>
-              </a:solidFill>
-              <a:latin typeface="Calibri"/>
-              <a:ea typeface="맑은 고딕"/>
-              <a:cs typeface="Calibri"/>
-            </a:endParaRPr>
           </a:p>
           <a:p>
             <a:pPr marL="0" lvl="0" indent="0" algn="ctr" defTabSz="914400" rtl="0" eaLnBrk="1" latinLnBrk="1" hangingPunct="1">
@@ -3808,14 +3774,6 @@
               </a:rPr>
               <a:t>: species</a:t>
             </a:r>
-            <a:endParaRPr lang="en-US" altLang="ko-KR" sz="1500">
-              <a:solidFill>
-                <a:srgbClr val="000000"/>
-              </a:solidFill>
-              <a:latin typeface="Calibri"/>
-              <a:ea typeface="맑은 고딕"/>
-              <a:cs typeface="Calibri"/>
-            </a:endParaRPr>
           </a:p>
           <a:p>
             <a:pPr marL="0" lvl="0" indent="0" algn="ctr" defTabSz="914400" rtl="0" eaLnBrk="1" latinLnBrk="1" hangingPunct="1">
@@ -3842,14 +3800,6 @@
               </a:rPr>
               <a:t>difficulty</a:t>
             </a:r>
-            <a:endParaRPr lang="en-US" altLang="ko-KR" sz="1500">
-              <a:solidFill>
-                <a:srgbClr val="000000"/>
-              </a:solidFill>
-              <a:latin typeface="Calibri"/>
-              <a:ea typeface="맑은 고딕"/>
-              <a:cs typeface="Calibri"/>
-            </a:endParaRPr>
           </a:p>
         </p:txBody>
       </p:sp>
@@ -3907,14 +3857,6 @@
               </a:rPr>
               <a:t>npc</a:t>
             </a:r>
-            <a:endParaRPr kumimoji="0" lang="en-US" altLang="ko-KR" sz="1300" b="0" i="0" u="none" strike="noStrike" kern="1200" cap="none" spc="0" normalizeH="0" baseline="0">
-              <a:solidFill>
-                <a:srgbClr val="000000"/>
-              </a:solidFill>
-              <a:latin typeface="맑은 고딕"/>
-              <a:ea typeface="맑은 고딕"/>
-              <a:cs typeface="Calibri"/>
-            </a:endParaRPr>
           </a:p>
         </p:txBody>
       </p:sp>
@@ -3983,14 +3925,6 @@
               </a:rPr>
               <a:t>사</a:t>
             </a:r>
-            <a:endParaRPr lang="ko-KR" altLang="en-US" sz="1200">
-              <a:solidFill>
-                <a:srgbClr val="000000"/>
-              </a:solidFill>
-              <a:latin typeface="Calibri"/>
-              <a:ea typeface="맑은 고딕"/>
-              <a:cs typeface="Calibri"/>
-            </a:endParaRPr>
           </a:p>
           <a:p>
             <a:pPr marL="0" lvl="0" indent="0" algn="ctr" defTabSz="914400" rtl="0" eaLnBrk="1" latinLnBrk="1" hangingPunct="1">
@@ -4071,14 +4005,6 @@
               </a:rPr>
               <a:t>궁수</a:t>
             </a:r>
-            <a:endParaRPr kumimoji="0" lang="ko-KR" altLang="en-US" sz="1200" b="0" i="0" u="none" strike="noStrike" kern="1200" cap="none" spc="0" normalizeH="0" baseline="0">
-              <a:solidFill>
-                <a:srgbClr val="000000"/>
-              </a:solidFill>
-              <a:latin typeface="Calibri"/>
-              <a:ea typeface="맑은 고딕"/>
-              <a:cs typeface="Calibri"/>
-            </a:endParaRPr>
           </a:p>
           <a:p>
             <a:pPr lvl="0" algn="ctr">
@@ -4175,14 +4101,6 @@
               </a:rPr>
               <a:t>마법사</a:t>
             </a:r>
-            <a:endParaRPr kumimoji="0" lang="ko-KR" altLang="en-US" sz="1200" b="0" i="0" u="none" strike="noStrike" kern="1200" cap="none" spc="0" normalizeH="0" baseline="0">
-              <a:solidFill>
-                <a:srgbClr val="000000"/>
-              </a:solidFill>
-              <a:latin typeface="Calibri"/>
-              <a:ea typeface="맑은 고딕"/>
-              <a:cs typeface="Calibri"/>
-            </a:endParaRPr>
           </a:p>
           <a:p>
             <a:pPr marL="0" lvl="0" indent="0" algn="ctr" defTabSz="914400" rtl="0" eaLnBrk="1" latinLnBrk="1" hangingPunct="1">
@@ -4263,14 +4181,6 @@
               </a:rPr>
               <a:t>전투지원</a:t>
             </a:r>
-            <a:endParaRPr kumimoji="0" lang="ko-KR" altLang="en-US" sz="1300" b="0" i="0" u="none" strike="noStrike" kern="1200" cap="none" spc="0" normalizeH="0" baseline="0">
-              <a:solidFill>
-                <a:srgbClr val="000000"/>
-              </a:solidFill>
-              <a:latin typeface="맑은 고딕"/>
-              <a:ea typeface="맑은 고딕"/>
-              <a:cs typeface="Calibri"/>
-            </a:endParaRPr>
           </a:p>
         </p:txBody>
       </p:sp>
@@ -4328,14 +4238,6 @@
               </a:rPr>
               <a:t>길잡이</a:t>
             </a:r>
-            <a:endParaRPr kumimoji="0" lang="ko-KR" altLang="en-US" sz="1300" b="0" i="0" u="none" strike="noStrike" kern="1200" cap="none" spc="0" normalizeH="0" baseline="0">
-              <a:solidFill>
-                <a:srgbClr val="000000"/>
-              </a:solidFill>
-              <a:latin typeface="맑은 고딕"/>
-              <a:ea typeface="맑은 고딕"/>
-              <a:cs typeface="Calibri"/>
-            </a:endParaRPr>
           </a:p>
           <a:p>
             <a:pPr marL="0" lvl="0" indent="0" algn="ctr" defTabSz="914400" rtl="0" eaLnBrk="1" latinLnBrk="1" hangingPunct="1">
@@ -4373,14 +4275,6 @@
               </a:rPr>
               <a:t>:</a:t>
             </a:r>
-            <a:endParaRPr kumimoji="0" lang="en-US" altLang="ko-KR" sz="1300" b="0" i="0" u="none" strike="noStrike" kern="1200" cap="none" spc="0" normalizeH="0" baseline="0">
-              <a:solidFill>
-                <a:srgbClr val="000000"/>
-              </a:solidFill>
-              <a:latin typeface="맑은 고딕"/>
-              <a:ea typeface="맑은 고딕"/>
-              <a:cs typeface="Calibri"/>
-            </a:endParaRPr>
           </a:p>
           <a:p>
             <a:pPr marL="0" lvl="0" indent="0" algn="ctr" defTabSz="914400" rtl="0" eaLnBrk="1" latinLnBrk="1" hangingPunct="1">
@@ -4472,14 +4366,6 @@
               </a:rPr>
               <a:t>상급</a:t>
             </a:r>
-            <a:endParaRPr kumimoji="0" lang="ko-KR" altLang="en-US" sz="1500" b="0" i="0" u="none" strike="noStrike" kern="1200" cap="none" spc="0" normalizeH="0" baseline="0">
-              <a:solidFill>
-                <a:srgbClr val="000000"/>
-              </a:solidFill>
-              <a:latin typeface="Calibri"/>
-              <a:ea typeface="맑은 고딕"/>
-              <a:cs typeface="Calibri"/>
-            </a:endParaRPr>
           </a:p>
         </p:txBody>
       </p:sp>
@@ -4537,14 +4423,6 @@
               </a:rPr>
               <a:t>중급</a:t>
             </a:r>
-            <a:endParaRPr kumimoji="0" lang="ko-KR" altLang="en-US" sz="1500" b="0" i="0" u="none" strike="noStrike" kern="1200" cap="none" spc="0" normalizeH="0" baseline="0">
-              <a:solidFill>
-                <a:srgbClr val="000000"/>
-              </a:solidFill>
-              <a:latin typeface="Calibri"/>
-              <a:ea typeface="맑은 고딕"/>
-              <a:cs typeface="Calibri"/>
-            </a:endParaRPr>
           </a:p>
         </p:txBody>
       </p:sp>
@@ -4602,14 +4480,6 @@
               </a:rPr>
               <a:t>하급</a:t>
             </a:r>
-            <a:endParaRPr kumimoji="0" lang="ko-KR" altLang="en-US" sz="1500" b="0" i="0" u="none" strike="noStrike" kern="1200" cap="none" spc="0" normalizeH="0" baseline="0">
-              <a:solidFill>
-                <a:srgbClr val="000000"/>
-              </a:solidFill>
-              <a:latin typeface="Calibri"/>
-              <a:ea typeface="맑은 고딕"/>
-              <a:cs typeface="Calibri"/>
-            </a:endParaRPr>
           </a:p>
         </p:txBody>
       </p:sp>
@@ -4667,14 +4537,6 @@
               </a:rPr>
               <a:t>검류</a:t>
             </a:r>
-            <a:endParaRPr kumimoji="0" lang="ko-KR" altLang="en-US" sz="1500" b="0" i="0" u="none" strike="noStrike" kern="1200" cap="none" spc="0" normalizeH="0" baseline="0">
-              <a:solidFill>
-                <a:srgbClr val="000000"/>
-              </a:solidFill>
-              <a:latin typeface="Calibri"/>
-              <a:ea typeface="맑은 고딕"/>
-              <a:cs typeface="Calibri"/>
-            </a:endParaRPr>
           </a:p>
         </p:txBody>
       </p:sp>
@@ -4732,14 +4594,6 @@
               </a:rPr>
               <a:t>활류</a:t>
             </a:r>
-            <a:endParaRPr kumimoji="0" lang="ko-KR" altLang="en-US" sz="1500" b="0" i="0" u="none" strike="noStrike" kern="1200" cap="none" spc="0" normalizeH="0" baseline="0">
-              <a:solidFill>
-                <a:srgbClr val="000000"/>
-              </a:solidFill>
-              <a:latin typeface="Calibri"/>
-              <a:ea typeface="맑은 고딕"/>
-              <a:cs typeface="Calibri"/>
-            </a:endParaRPr>
           </a:p>
         </p:txBody>
       </p:sp>
@@ -4797,14 +4651,6 @@
               </a:rPr>
               <a:t>봉류</a:t>
             </a:r>
-            <a:endParaRPr kumimoji="0" lang="ko-KR" altLang="en-US" sz="1500" b="0" i="0" u="none" strike="noStrike" kern="1200" cap="none" spc="0" normalizeH="0" baseline="0">
-              <a:solidFill>
-                <a:srgbClr val="000000"/>
-              </a:solidFill>
-              <a:latin typeface="Calibri"/>
-              <a:ea typeface="맑은 고딕"/>
-              <a:cs typeface="Calibri"/>
-            </a:endParaRPr>
           </a:p>
         </p:txBody>
       </p:sp>
@@ -5192,14 +5038,6 @@
               </a:rPr>
               <a:t>인터페이스</a:t>
             </a:r>
-            <a:endParaRPr lang="ko-KR" altLang="en-US" sz="1500">
-              <a:solidFill>
-                <a:srgbClr val="000000"/>
-              </a:solidFill>
-              <a:latin typeface="Calibri"/>
-              <a:ea typeface="맑은 고딕"/>
-              <a:cs typeface="Calibri"/>
-            </a:endParaRPr>
           </a:p>
           <a:p>
             <a:pPr marL="0" lvl="0" indent="0" algn="ctr" defTabSz="914400" rtl="0" eaLnBrk="1" latinLnBrk="1" hangingPunct="1">
@@ -5226,14 +5064,6 @@
               </a:rPr>
               <a:t>공격</a:t>
             </a:r>
-            <a:endParaRPr lang="ko-KR" altLang="en-US" sz="1500">
-              <a:solidFill>
-                <a:srgbClr val="000000"/>
-              </a:solidFill>
-              <a:latin typeface="Calibri"/>
-              <a:ea typeface="맑은 고딕"/>
-              <a:cs typeface="Calibri"/>
-            </a:endParaRPr>
           </a:p>
           <a:p>
             <a:pPr marL="0" lvl="0" indent="0" algn="ctr" defTabSz="914400" rtl="0" eaLnBrk="1" latinLnBrk="1" hangingPunct="1">
@@ -5478,14 +5308,6 @@
               </a:rPr>
               <a:t>소검</a:t>
             </a:r>
-            <a:endParaRPr kumimoji="0" lang="ko-KR" altLang="en-US" sz="1500" b="0" u="none" strike="noStrike" kern="1200" cap="none" spc="0" normalizeH="0" baseline="0">
-              <a:solidFill>
-                <a:srgbClr val="000000"/>
-              </a:solidFill>
-              <a:latin typeface="Calibri"/>
-              <a:ea typeface="맑은 고딕"/>
-              <a:cs typeface="Calibri"/>
-            </a:endParaRPr>
           </a:p>
           <a:p>
             <a:pPr marL="0" lvl="0" indent="0" algn="ctr" defTabSz="914400" rtl="0" eaLnBrk="1" latinLnBrk="1" hangingPunct="1">
@@ -5566,14 +5388,6 @@
               </a:rPr>
               <a:t>둔기</a:t>
             </a:r>
-            <a:endParaRPr kumimoji="0" lang="ko-KR" altLang="en-US" sz="1500" b="0" i="0" u="none" strike="noStrike" kern="1200" cap="none" spc="0" normalizeH="0" baseline="0">
-              <a:solidFill>
-                <a:srgbClr val="000000"/>
-              </a:solidFill>
-              <a:latin typeface="Calibri"/>
-              <a:ea typeface="맑은 고딕"/>
-              <a:cs typeface="Calibri"/>
-            </a:endParaRPr>
           </a:p>
           <a:p>
             <a:pPr marL="0" lvl="0" indent="0" algn="ctr" defTabSz="914400" rtl="0" eaLnBrk="1" latinLnBrk="1" hangingPunct="1">
@@ -5719,14 +5533,6 @@
               </a:rPr>
               <a:t>활</a:t>
             </a:r>
-            <a:endParaRPr kumimoji="0" lang="ko-KR" altLang="en-US" sz="1500" b="0" i="0" u="none" strike="noStrike" kern="1200" cap="none" spc="0" normalizeH="0" baseline="0">
-              <a:solidFill>
-                <a:srgbClr val="000000"/>
-              </a:solidFill>
-              <a:latin typeface="Calibri"/>
-              <a:ea typeface="맑은 고딕"/>
-              <a:cs typeface="Calibri"/>
-            </a:endParaRPr>
           </a:p>
           <a:p>
             <a:pPr marL="0" lvl="0" indent="0" algn="ctr" defTabSz="914400" rtl="0" eaLnBrk="1" latinLnBrk="1" hangingPunct="1">
@@ -6212,14 +6018,6 @@
               </a:rPr>
               <a:t>item</a:t>
             </a:r>
-            <a:endParaRPr lang="en-US" altLang="ko-KR" sz="1300">
-              <a:solidFill>
-                <a:srgbClr val="000000"/>
-              </a:solidFill>
-              <a:latin typeface="맑은 고딕"/>
-              <a:ea typeface="맑은 고딕"/>
-              <a:cs typeface="Calibri"/>
-            </a:endParaRPr>
           </a:p>
           <a:p>
             <a:pPr marL="0" lvl="0" indent="0" algn="ctr" defTabSz="914400" rtl="0" eaLnBrk="1" latinLnBrk="1" hangingPunct="1">
@@ -6257,14 +6055,6 @@
               </a:rPr>
               <a:t>:price, weaponatk</a:t>
             </a:r>
-            <a:endParaRPr lang="en-US" altLang="ko-KR" sz="1300">
-              <a:solidFill>
-                <a:srgbClr val="000000"/>
-              </a:solidFill>
-              <a:latin typeface="맑은 고딕"/>
-              <a:ea typeface="맑은 고딕"/>
-              <a:cs typeface="Calibri"/>
-            </a:endParaRPr>
           </a:p>
         </p:txBody>
       </p:sp>
@@ -6421,14 +6211,6 @@
               </a:rPr>
               <a:t>기계족</a:t>
             </a:r>
-            <a:endParaRPr kumimoji="0" lang="ko-KR" altLang="en-US" sz="1300" b="0" i="0" u="none" strike="noStrike" kern="1200" cap="none" spc="0" normalizeH="0" baseline="0">
-              <a:solidFill>
-                <a:srgbClr val="000000"/>
-              </a:solidFill>
-              <a:latin typeface="맑은 고딕"/>
-              <a:ea typeface="맑은 고딕"/>
-              <a:cs typeface="Calibri"/>
-            </a:endParaRPr>
           </a:p>
         </p:txBody>
       </p:sp>
@@ -6486,14 +6268,6 @@
               </a:rPr>
               <a:t>악마족</a:t>
             </a:r>
-            <a:endParaRPr kumimoji="0" lang="ko-KR" altLang="en-US" sz="1300" b="0" i="0" u="none" strike="noStrike" kern="1200" cap="none" spc="0" normalizeH="0" baseline="0">
-              <a:solidFill>
-                <a:srgbClr val="000000"/>
-              </a:solidFill>
-              <a:latin typeface="맑은 고딕"/>
-              <a:ea typeface="맑은 고딕"/>
-              <a:cs typeface="Calibri"/>
-            </a:endParaRPr>
           </a:p>
         </p:txBody>
       </p:sp>
@@ -6551,14 +6325,6 @@
               </a:rPr>
               <a:t>용족</a:t>
             </a:r>
-            <a:endParaRPr kumimoji="0" lang="ko-KR" altLang="en-US" sz="1300" b="0" i="0" u="none" strike="noStrike" kern="1200" cap="none" spc="0" normalizeH="0" baseline="0">
-              <a:solidFill>
-                <a:srgbClr val="000000"/>
-              </a:solidFill>
-              <a:latin typeface="맑은 고딕"/>
-              <a:ea typeface="맑은 고딕"/>
-              <a:cs typeface="Calibri"/>
-            </a:endParaRPr>
           </a:p>
         </p:txBody>
       </p:sp>
@@ -6715,14 +6481,6 @@
               </a:rPr>
               <a:t>악마보스</a:t>
             </a:r>
-            <a:endParaRPr kumimoji="0" lang="ko-KR" altLang="en-US" sz="1500" b="0" i="0" u="none" strike="noStrike" kern="1200" cap="none" spc="0" normalizeH="0" baseline="0">
-              <a:solidFill>
-                <a:srgbClr val="000000"/>
-              </a:solidFill>
-              <a:latin typeface="Calibri"/>
-              <a:ea typeface="맑은 고딕"/>
-              <a:cs typeface="Calibri"/>
-            </a:endParaRPr>
           </a:p>
         </p:txBody>
       </p:sp>
@@ -6791,14 +6549,6 @@
               </a:rPr>
               <a:t>2</a:t>
             </a:r>
-            <a:endParaRPr kumimoji="0" lang="en-US" altLang="ko-KR" sz="1500" b="0" i="0" u="none" strike="noStrike" kern="1200" cap="none" spc="0" normalizeH="0" baseline="0">
-              <a:solidFill>
-                <a:srgbClr val="000000"/>
-              </a:solidFill>
-              <a:latin typeface="Calibri"/>
-              <a:ea typeface="맑은 고딕"/>
-              <a:cs typeface="Calibri"/>
-            </a:endParaRPr>
           </a:p>
         </p:txBody>
       </p:sp>
@@ -6867,14 +6617,6 @@
               </a:rPr>
               <a:t>1</a:t>
             </a:r>
-            <a:endParaRPr kumimoji="0" lang="en-US" altLang="ko-KR" sz="1500" b="0" i="0" u="none" strike="noStrike" kern="1200" cap="none" spc="0" normalizeH="0" baseline="0">
-              <a:solidFill>
-                <a:srgbClr val="000000"/>
-              </a:solidFill>
-              <a:latin typeface="Calibri"/>
-              <a:ea typeface="맑은 고딕"/>
-              <a:cs typeface="Calibri"/>
-            </a:endParaRPr>
           </a:p>
         </p:txBody>
       </p:sp>
@@ -6932,14 +6674,6 @@
               </a:rPr>
               <a:t>용보스</a:t>
             </a:r>
-            <a:endParaRPr kumimoji="0" lang="ko-KR" altLang="en-US" sz="1500" b="0" i="0" u="none" strike="noStrike" kern="1200" cap="none" spc="0" normalizeH="0" baseline="0">
-              <a:solidFill>
-                <a:srgbClr val="000000"/>
-              </a:solidFill>
-              <a:latin typeface="Calibri"/>
-              <a:ea typeface="맑은 고딕"/>
-              <a:cs typeface="Calibri"/>
-            </a:endParaRPr>
           </a:p>
         </p:txBody>
       </p:sp>
@@ -7008,14 +6742,6 @@
               </a:rPr>
               <a:t>2</a:t>
             </a:r>
-            <a:endParaRPr kumimoji="0" lang="en-US" altLang="ko-KR" sz="1500" b="0" i="0" u="none" strike="noStrike" kern="1200" cap="none" spc="0" normalizeH="0" baseline="0">
-              <a:solidFill>
-                <a:srgbClr val="000000"/>
-              </a:solidFill>
-              <a:latin typeface="Calibri"/>
-              <a:ea typeface="맑은 고딕"/>
-              <a:cs typeface="Calibri"/>
-            </a:endParaRPr>
           </a:p>
         </p:txBody>
       </p:sp>
@@ -7084,14 +6810,6 @@
               </a:rPr>
               <a:t>1</a:t>
             </a:r>
-            <a:endParaRPr kumimoji="0" lang="en-US" altLang="ko-KR" sz="1500" b="0" i="0" u="none" strike="noStrike" kern="1200" cap="none" spc="0" normalizeH="0" baseline="0">
-              <a:solidFill>
-                <a:srgbClr val="000000"/>
-              </a:solidFill>
-              <a:latin typeface="Calibri"/>
-              <a:ea typeface="맑은 고딕"/>
-              <a:cs typeface="Calibri"/>
-            </a:endParaRPr>
           </a:p>
         </p:txBody>
       </p:sp>
@@ -7149,14 +6867,6 @@
               </a:rPr>
               <a:t>기계보스</a:t>
             </a:r>
-            <a:endParaRPr kumimoji="0" lang="ko-KR" altLang="en-US" sz="1500" b="0" i="0" u="none" strike="noStrike" kern="1200" cap="none" spc="0" normalizeH="0" baseline="0">
-              <a:solidFill>
-                <a:srgbClr val="000000"/>
-              </a:solidFill>
-              <a:latin typeface="Calibri"/>
-              <a:ea typeface="맑은 고딕"/>
-              <a:cs typeface="Calibri"/>
-            </a:endParaRPr>
           </a:p>
         </p:txBody>
       </p:sp>
@@ -7225,14 +6935,6 @@
               </a:rPr>
               <a:t>2</a:t>
             </a:r>
-            <a:endParaRPr kumimoji="0" lang="en-US" altLang="ko-KR" sz="1500" b="0" i="0" u="none" strike="noStrike" kern="1200" cap="none" spc="0" normalizeH="0" baseline="0">
-              <a:solidFill>
-                <a:srgbClr val="000000"/>
-              </a:solidFill>
-              <a:latin typeface="Calibri"/>
-              <a:ea typeface="맑은 고딕"/>
-              <a:cs typeface="Calibri"/>
-            </a:endParaRPr>
           </a:p>
         </p:txBody>
       </p:sp>
@@ -7301,14 +7003,6 @@
               </a:rPr>
               <a:t>1</a:t>
             </a:r>
-            <a:endParaRPr kumimoji="0" lang="en-US" altLang="ko-KR" sz="1500" b="0" i="0" u="none" strike="noStrike" kern="1200" cap="none" spc="0" normalizeH="0" baseline="0">
-              <a:solidFill>
-                <a:srgbClr val="000000"/>
-              </a:solidFill>
-              <a:latin typeface="Calibri"/>
-              <a:ea typeface="맑은 고딕"/>
-              <a:cs typeface="Calibri"/>
-            </a:endParaRPr>
           </a:p>
         </p:txBody>
       </p:sp>
@@ -7653,7 +7347,7 @@
               <a:defRPr/>
             </a:pPr>
             <a:r>
-              <a:rPr kumimoji="0" lang="ko-KR" altLang="en-US" sz="1500" b="0" i="0" u="none" strike="noStrike" kern="1200" cap="none" spc="0" normalizeH="0" baseline="0">
+              <a:rPr kumimoji="0" lang="ko-KR" altLang="en-US" sz="1500" b="0" i="0" u="none" strike="noStrike" kern="1200" cap="none" spc="0" normalizeH="0" baseline="0" dirty="0">
                 <a:solidFill>
                   <a:srgbClr val="000000"/>
                 </a:solidFill>
@@ -7663,14 +7357,6 @@
               </a:rPr>
               <a:t>인터페이스</a:t>
             </a:r>
-            <a:endParaRPr kumimoji="0" lang="ko-KR" altLang="en-US" sz="1500" b="0" i="0" u="none" strike="noStrike" kern="1200" cap="none" spc="0" normalizeH="0" baseline="0">
-              <a:solidFill>
-                <a:srgbClr val="000000"/>
-              </a:solidFill>
-              <a:latin typeface="Calibri"/>
-              <a:ea typeface="맑은 고딕"/>
-              <a:cs typeface="Calibri"/>
-            </a:endParaRPr>
           </a:p>
           <a:p>
             <a:pPr marL="0" lvl="0" indent="0" algn="ctr" defTabSz="914400" rtl="0" eaLnBrk="1" latinLnBrk="1" hangingPunct="1">
@@ -7687,7 +7373,7 @@
               <a:defRPr/>
             </a:pPr>
             <a:r>
-              <a:rPr kumimoji="0" lang="ko-KR" altLang="en-US" sz="1500" b="0" i="0" u="none" strike="noStrike" kern="1200" cap="none" spc="0" normalizeH="0" baseline="0">
+              <a:rPr kumimoji="0" lang="ko-KR" altLang="en-US" sz="1500" b="0" i="0" u="none" strike="noStrike" kern="1200" cap="none" spc="0" normalizeH="0" baseline="0" dirty="0">
                 <a:solidFill>
                   <a:srgbClr val="000000"/>
                 </a:solidFill>
@@ -7697,14 +7383,6 @@
               </a:rPr>
               <a:t>스킬</a:t>
             </a:r>
-            <a:endParaRPr kumimoji="0" lang="ko-KR" altLang="en-US" sz="1500" b="0" i="0" u="none" strike="noStrike" kern="1200" cap="none" spc="0" normalizeH="0" baseline="0">
-              <a:solidFill>
-                <a:srgbClr val="000000"/>
-              </a:solidFill>
-              <a:latin typeface="Calibri"/>
-              <a:ea typeface="맑은 고딕"/>
-              <a:cs typeface="Calibri"/>
-            </a:endParaRPr>
           </a:p>
           <a:p>
             <a:pPr marL="0" lvl="0" indent="0" algn="ctr" defTabSz="914400" rtl="0" eaLnBrk="1" latinLnBrk="1" hangingPunct="1">
@@ -7721,7 +7399,7 @@
               <a:defRPr/>
             </a:pPr>
             <a:r>
-              <a:rPr kumimoji="0" lang="ko-KR" altLang="en-US" sz="1500" b="0" i="0" u="none" strike="noStrike" kern="1200" cap="none" spc="0" normalizeH="0" baseline="0">
+              <a:rPr kumimoji="0" lang="ko-KR" altLang="en-US" sz="1500" b="0" i="0" u="none" strike="noStrike" kern="1200" cap="none" spc="0" normalizeH="0" baseline="0" dirty="0">
                 <a:solidFill>
                   <a:srgbClr val="000000"/>
                 </a:solidFill>
@@ -7732,7 +7410,7 @@
               <a:t>메서드 </a:t>
             </a:r>
             <a:r>
-              <a:rPr kumimoji="0" lang="en-US" altLang="ko-KR" sz="1500" b="0" i="0" u="none" strike="noStrike" kern="1200" cap="none" spc="0" normalizeH="0" baseline="0">
+              <a:rPr kumimoji="0" lang="en-US" altLang="ko-KR" sz="1500" b="0" i="0" u="none" strike="noStrike" kern="1200" cap="none" spc="0" normalizeH="0" baseline="0" dirty="0">
                 <a:solidFill>
                   <a:srgbClr val="000000"/>
                 </a:solidFill>
@@ -7743,7 +7421,7 @@
               <a:t>: </a:t>
             </a:r>
             <a:r>
-              <a:rPr kumimoji="0" lang="ko-KR" altLang="en-US" sz="1500" b="0" i="0" u="none" strike="noStrike" kern="1200" cap="none" spc="0" normalizeH="0" baseline="0">
+              <a:rPr kumimoji="0" lang="ko-KR" altLang="en-US" sz="1500" b="0" i="0" u="none" strike="noStrike" kern="1200" cap="none" spc="0" normalizeH="0" baseline="0" dirty="0">
                 <a:solidFill>
                   <a:srgbClr val="000000"/>
                 </a:solidFill>
@@ -7753,14 +7431,6 @@
               </a:rPr>
               <a:t>스킬</a:t>
             </a:r>
-            <a:endParaRPr kumimoji="0" lang="ko-KR" altLang="en-US" sz="1500" b="0" i="0" u="none" strike="noStrike" kern="1200" cap="none" spc="0" normalizeH="0" baseline="0">
-              <a:solidFill>
-                <a:srgbClr val="000000"/>
-              </a:solidFill>
-              <a:latin typeface="Calibri"/>
-              <a:ea typeface="맑은 고딕"/>
-              <a:cs typeface="Calibri"/>
-            </a:endParaRPr>
           </a:p>
         </p:txBody>
       </p:sp>
@@ -7825,6 +7495,7 @@
           <a:bodyPr vert="horz" lIns="91440" tIns="45720" rIns="91440" bIns="45720" anchor="ctr">
             <a:normAutofit/>
           </a:bodyPr>
+          <a:lstStyle/>
           <a:p>
             <a:pPr marL="0" lvl="0" indent="0" algn="ctr" defTabSz="914400" rtl="0" eaLnBrk="1" latinLnBrk="1" hangingPunct="1">
               <a:lnSpc>
@@ -7840,7 +7511,7 @@
               <a:defRPr/>
             </a:pPr>
             <a:r>
-              <a:rPr xmlns:mc="http://schemas.openxmlformats.org/markup-compatibility/2006" xmlns:hp="http://schemas.haansoft.com/office/presentation/8.0" kumimoji="0" lang="ko-KR" altLang="en-US" sz="1500" b="0" i="0" u="none" strike="noStrike" kern="1200" cap="none" spc="0" normalizeH="0" baseline="0" mc:Ignorable="hp" hp:hslEmbossed="0">
+              <a:rPr kumimoji="0" lang="ko-KR" altLang="en-US" sz="1500" b="0" i="0" u="none" strike="noStrike" kern="1200" cap="none" spc="0" normalizeH="0" baseline="0" dirty="0">
                 <a:solidFill>
                   <a:srgbClr val="000000"/>
                 </a:solidFill>
@@ -7850,14 +7521,6 @@
               </a:rPr>
               <a:t>인터페이스</a:t>
             </a:r>
-            <a:endParaRPr xmlns:mc="http://schemas.openxmlformats.org/markup-compatibility/2006" xmlns:hp="http://schemas.haansoft.com/office/presentation/8.0" kumimoji="0" lang="ko-KR" altLang="en-US" sz="1500" b="0" i="0" u="none" strike="noStrike" kern="1200" cap="none" spc="0" normalizeH="0" baseline="0" mc:Ignorable="hp" hp:hslEmbossed="0">
-              <a:solidFill>
-                <a:srgbClr val="000000"/>
-              </a:solidFill>
-              <a:latin typeface="Calibri"/>
-              <a:ea typeface="맑은 고딕"/>
-              <a:cs typeface="Calibri"/>
-            </a:endParaRPr>
           </a:p>
           <a:p>
             <a:pPr marL="0" lvl="0" indent="0" algn="ctr" defTabSz="914400" rtl="0" eaLnBrk="1" latinLnBrk="1" hangingPunct="1">
@@ -7874,7 +7537,7 @@
               <a:defRPr/>
             </a:pPr>
             <a:r>
-              <a:rPr xmlns:mc="http://schemas.openxmlformats.org/markup-compatibility/2006" xmlns:hp="http://schemas.haansoft.com/office/presentation/8.0" kumimoji="0" lang="ko-KR" altLang="en-US" sz="1500" b="0" i="0" u="none" strike="noStrike" kern="1200" cap="none" spc="0" normalizeH="0" baseline="0" mc:Ignorable="hp" hp:hslEmbossed="0">
+              <a:rPr kumimoji="0" lang="ko-KR" altLang="en-US" sz="1500" b="0" i="0" u="none" strike="noStrike" kern="1200" cap="none" spc="0" normalizeH="0" baseline="0" dirty="0" err="1">
                 <a:solidFill>
                   <a:srgbClr val="000000"/>
                 </a:solidFill>
@@ -7884,7 +7547,7 @@
               </a:rPr>
               <a:t>몬스터공격</a:t>
             </a:r>
-            <a:endParaRPr xmlns:mc="http://schemas.openxmlformats.org/markup-compatibility/2006" xmlns:hp="http://schemas.haansoft.com/office/presentation/8.0" kumimoji="0" lang="ko-KR" altLang="en-US" sz="1500" b="0" i="0" u="none" strike="noStrike" kern="1200" cap="none" spc="0" normalizeH="0" baseline="0" mc:Ignorable="hp" hp:hslEmbossed="0">
+            <a:endParaRPr kumimoji="0" lang="ko-KR" altLang="en-US" sz="1500" b="0" i="0" u="none" strike="noStrike" kern="1200" cap="none" spc="0" normalizeH="0" baseline="0" dirty="0">
               <a:solidFill>
                 <a:srgbClr val="000000"/>
               </a:solidFill>
@@ -7908,7 +7571,7 @@
               <a:defRPr/>
             </a:pPr>
             <a:r>
-              <a:rPr xmlns:mc="http://schemas.openxmlformats.org/markup-compatibility/2006" xmlns:hp="http://schemas.haansoft.com/office/presentation/8.0" kumimoji="0" lang="ko-KR" altLang="en-US" sz="1500" b="0" i="0" u="none" strike="noStrike" kern="1200" cap="none" spc="0" normalizeH="0" baseline="0" mc:Ignorable="hp" hp:hslEmbossed="0">
+              <a:rPr kumimoji="0" lang="ko-KR" altLang="en-US" sz="1500" b="0" i="0" u="none" strike="noStrike" kern="1200" cap="none" spc="0" normalizeH="0" baseline="0" dirty="0">
                 <a:solidFill>
                   <a:srgbClr val="000000"/>
                 </a:solidFill>
@@ -7919,7 +7582,7 @@
               <a:t>메서드 </a:t>
             </a:r>
             <a:r>
-              <a:rPr xmlns:mc="http://schemas.openxmlformats.org/markup-compatibility/2006" xmlns:hp="http://schemas.haansoft.com/office/presentation/8.0" kumimoji="0" lang="en-US" altLang="ko-KR" sz="1500" b="0" i="0" u="none" strike="noStrike" kern="1200" cap="none" spc="0" normalizeH="0" baseline="0" mc:Ignorable="hp" hp:hslEmbossed="0">
+              <a:rPr kumimoji="0" lang="en-US" altLang="ko-KR" sz="1500" b="0" i="0" u="none" strike="noStrike" kern="1200" cap="none" spc="0" normalizeH="0" baseline="0" dirty="0">
                 <a:solidFill>
                   <a:srgbClr val="000000"/>
                 </a:solidFill>
@@ -7930,7 +7593,7 @@
               <a:t>: </a:t>
             </a:r>
             <a:r>
-              <a:rPr xmlns:mc="http://schemas.openxmlformats.org/markup-compatibility/2006" xmlns:hp="http://schemas.haansoft.com/office/presentation/8.0" kumimoji="0" lang="ko-KR" altLang="en-US" sz="1500" b="0" i="0" u="none" strike="noStrike" kern="1200" cap="none" spc="0" normalizeH="0" baseline="0" mc:Ignorable="hp" hp:hslEmbossed="0">
+              <a:rPr kumimoji="0" lang="ko-KR" altLang="en-US" sz="1500" b="0" i="0" u="none" strike="noStrike" kern="1200" cap="none" spc="0" normalizeH="0" baseline="0" dirty="0">
                 <a:solidFill>
                   <a:srgbClr val="000000"/>
                 </a:solidFill>
@@ -7940,7 +7603,7 @@
               </a:rPr>
               <a:t>기본공격</a:t>
             </a:r>
-            <a:endParaRPr xmlns:mc="http://schemas.openxmlformats.org/markup-compatibility/2006" xmlns:hp="http://schemas.haansoft.com/office/presentation/8.0" kumimoji="0" lang="en-US" altLang="ko-KR" sz="1500" b="0" i="0" u="none" strike="noStrike" kern="1200" cap="none" spc="0" normalizeH="0" baseline="0" mc:Ignorable="hp" hp:hslEmbossed="0">
+            <a:endParaRPr kumimoji="0" lang="en-US" altLang="ko-KR" sz="1500" b="0" i="0" u="none" strike="noStrike" kern="1200" cap="none" spc="0" normalizeH="0" baseline="0" dirty="0">
               <a:solidFill>
                 <a:srgbClr val="000000"/>
               </a:solidFill>
@@ -8012,6 +7675,7 @@
           <a:bodyPr vert="horz" lIns="91440" tIns="45720" rIns="91440" bIns="45720" anchor="ctr">
             <a:normAutofit/>
           </a:bodyPr>
+          <a:lstStyle/>
           <a:p>
             <a:pPr marL="0" lvl="0" indent="0" algn="ctr" defTabSz="914400" rtl="0" eaLnBrk="1" latinLnBrk="1" hangingPunct="1">
               <a:lnSpc>
@@ -8027,7 +7691,7 @@
               <a:defRPr/>
             </a:pPr>
             <a:r>
-              <a:rPr xmlns:mc="http://schemas.openxmlformats.org/markup-compatibility/2006" xmlns:hp="http://schemas.haansoft.com/office/presentation/8.0" kumimoji="0" lang="ko-KR" altLang="en-US" sz="1500" b="0" i="0" u="none" strike="noStrike" kern="1200" cap="none" spc="0" normalizeH="0" baseline="0" mc:Ignorable="hp" hp:hslEmbossed="0">
+              <a:rPr kumimoji="0" lang="ko-KR" altLang="en-US" sz="1500" b="0" i="0" u="none" strike="noStrike" kern="1200" cap="none" spc="0" normalizeH="0" baseline="0" dirty="0">
                 <a:solidFill>
                   <a:srgbClr val="000000"/>
                 </a:solidFill>
@@ -8037,14 +7701,6 @@
               </a:rPr>
               <a:t>인터페이스</a:t>
             </a:r>
-            <a:endParaRPr xmlns:mc="http://schemas.openxmlformats.org/markup-compatibility/2006" xmlns:hp="http://schemas.haansoft.com/office/presentation/8.0" kumimoji="0" lang="ko-KR" altLang="en-US" sz="1500" b="0" i="0" u="none" strike="noStrike" kern="1200" cap="none" spc="0" normalizeH="0" baseline="0" mc:Ignorable="hp" hp:hslEmbossed="0">
-              <a:solidFill>
-                <a:srgbClr val="000000"/>
-              </a:solidFill>
-              <a:latin typeface="Calibri"/>
-              <a:ea typeface="맑은 고딕"/>
-              <a:cs typeface="Calibri"/>
-            </a:endParaRPr>
           </a:p>
           <a:p>
             <a:pPr marL="0" lvl="0" indent="0" algn="ctr" defTabSz="914400" rtl="0" eaLnBrk="1" latinLnBrk="1" hangingPunct="1">
@@ -8061,7 +7717,7 @@
               <a:defRPr/>
             </a:pPr>
             <a:r>
-              <a:rPr xmlns:mc="http://schemas.openxmlformats.org/markup-compatibility/2006" xmlns:hp="http://schemas.haansoft.com/office/presentation/8.0" kumimoji="0" lang="ko-KR" altLang="en-US" sz="1500" b="0" i="0" u="none" strike="noStrike" kern="1200" cap="none" spc="0" normalizeH="0" baseline="0" mc:Ignorable="hp" hp:hslEmbossed="0">
+              <a:rPr kumimoji="0" lang="ko-KR" altLang="en-US" sz="1500" b="0" i="0" u="none" strike="noStrike" kern="1200" cap="none" spc="0" normalizeH="0" baseline="0" dirty="0" err="1">
                 <a:solidFill>
                   <a:srgbClr val="000000"/>
                 </a:solidFill>
@@ -8071,7 +7727,7 @@
               </a:rPr>
               <a:t>몬스터스킬</a:t>
             </a:r>
-            <a:endParaRPr xmlns:mc="http://schemas.openxmlformats.org/markup-compatibility/2006" xmlns:hp="http://schemas.haansoft.com/office/presentation/8.0" kumimoji="0" lang="ko-KR" altLang="en-US" sz="1500" b="0" i="0" u="none" strike="noStrike" kern="1200" cap="none" spc="0" normalizeH="0" baseline="0" mc:Ignorable="hp" hp:hslEmbossed="0">
+            <a:endParaRPr kumimoji="0" lang="ko-KR" altLang="en-US" sz="1500" b="0" i="0" u="none" strike="noStrike" kern="1200" cap="none" spc="0" normalizeH="0" baseline="0" dirty="0">
               <a:solidFill>
                 <a:srgbClr val="000000"/>
               </a:solidFill>
@@ -8095,7 +7751,7 @@
               <a:defRPr/>
             </a:pPr>
             <a:r>
-              <a:rPr xmlns:mc="http://schemas.openxmlformats.org/markup-compatibility/2006" xmlns:hp="http://schemas.haansoft.com/office/presentation/8.0" kumimoji="0" lang="ko-KR" altLang="en-US" sz="1500" b="0" i="0" u="none" strike="noStrike" kern="1200" cap="none" spc="0" normalizeH="0" baseline="0" mc:Ignorable="hp" hp:hslEmbossed="0">
+              <a:rPr kumimoji="0" lang="ko-KR" altLang="en-US" sz="1500" b="0" i="0" u="none" strike="noStrike" kern="1200" cap="none" spc="0" normalizeH="0" baseline="0" dirty="0">
                 <a:solidFill>
                   <a:srgbClr val="000000"/>
                 </a:solidFill>
@@ -8106,7 +7762,7 @@
               <a:t>메서드 </a:t>
             </a:r>
             <a:r>
-              <a:rPr xmlns:mc="http://schemas.openxmlformats.org/markup-compatibility/2006" xmlns:hp="http://schemas.haansoft.com/office/presentation/8.0" kumimoji="0" lang="en-US" altLang="ko-KR" sz="1500" b="0" i="0" u="none" strike="noStrike" kern="1200" cap="none" spc="0" normalizeH="0" baseline="0" mc:Ignorable="hp" hp:hslEmbossed="0">
+              <a:rPr kumimoji="0" lang="en-US" altLang="ko-KR" sz="1500" b="0" i="0" u="none" strike="noStrike" kern="1200" cap="none" spc="0" normalizeH="0" baseline="0" dirty="0">
                 <a:solidFill>
                   <a:srgbClr val="000000"/>
                 </a:solidFill>
@@ -8117,7 +7773,7 @@
               <a:t>: </a:t>
             </a:r>
             <a:r>
-              <a:rPr xmlns:mc="http://schemas.openxmlformats.org/markup-compatibility/2006" xmlns:hp="http://schemas.haansoft.com/office/presentation/8.0" kumimoji="0" lang="ko-KR" altLang="en-US" sz="1500" b="0" i="0" u="none" strike="noStrike" kern="1200" cap="none" spc="0" normalizeH="0" baseline="0" mc:Ignorable="hp" hp:hslEmbossed="0">
+              <a:rPr kumimoji="0" lang="ko-KR" altLang="en-US" sz="1500" b="0" i="0" u="none" strike="noStrike" kern="1200" cap="none" spc="0" normalizeH="0" baseline="0" dirty="0">
                 <a:solidFill>
                   <a:srgbClr val="000000"/>
                 </a:solidFill>
@@ -8127,14 +7783,6 @@
               </a:rPr>
               <a:t>스킬</a:t>
             </a:r>
-            <a:endParaRPr xmlns:mc="http://schemas.openxmlformats.org/markup-compatibility/2006" xmlns:hp="http://schemas.haansoft.com/office/presentation/8.0" kumimoji="0" lang="ko-KR" altLang="en-US" sz="1500" b="0" i="0" u="none" strike="noStrike" kern="1200" cap="none" spc="0" normalizeH="0" baseline="0" mc:Ignorable="hp" hp:hslEmbossed="0">
-              <a:solidFill>
-                <a:srgbClr val="000000"/>
-              </a:solidFill>
-              <a:latin typeface="Calibri"/>
-              <a:ea typeface="맑은 고딕"/>
-              <a:cs typeface="Calibri"/>
-            </a:endParaRPr>
           </a:p>
         </p:txBody>
       </p:sp>
@@ -8176,11 +7824,4053 @@
   <p:clrMapOvr>
     <a:masterClrMapping/>
   </p:clrMapOvr>
-  <mc:AlternateContent xmlns:mc="http://schemas.openxmlformats.org/markup-compatibility/2006">
-    <mc:Choice xmlns:p14="http://schemas.microsoft.com/office/powerpoint/2010/main" Requires="p14">
-      <p:transition xmlns:mc="http://schemas.openxmlformats.org/markup-compatibility/2006" xmlns:p14="http://schemas.microsoft.com/office/powerpoint/2010/main" mc:Ignorable="p14" p14:dur="500"/>
+  <mc:AlternateContent xmlns:mc="http://schemas.openxmlformats.org/markup-compatibility/2006" xmlns:p14="http://schemas.microsoft.com/office/powerpoint/2010/main">
+    <mc:Choice Requires="p14">
+      <p:transition/>
     </mc:Choice>
-    <mc:Fallback>
+    <mc:Fallback xmlns:dsp="http://schemas.microsoft.com/office/drawing/2008/diagram" xmlns:dgm="http://schemas.openxmlformats.org/drawingml/2006/diagram" xmlns:c="http://schemas.openxmlformats.org/drawingml/2006/chart" xmlns="">
+      <p:transition/>
+    </mc:Fallback>
+  </mc:AlternateContent>
+</p:sld>
+</file>
+
+<file path=ppt/slides/slide2.xml><?xml version="1.0" encoding="utf-8"?>
+<p:sld xmlns:a="http://schemas.openxmlformats.org/drawingml/2006/main" xmlns:r="http://schemas.openxmlformats.org/officeDocument/2006/relationships" xmlns:p="http://schemas.openxmlformats.org/presentationml/2006/main">
+  <p:cSld>
+    <p:spTree>
+      <p:nvGrpSpPr>
+        <p:cNvPr id="1" name="">
+          <a:extLst>
+            <a:ext uri="{FF2B5EF4-FFF2-40B4-BE49-F238E27FC236}">
+              <a16:creationId xmlns:a16="http://schemas.microsoft.com/office/drawing/2014/main" id="{9561454C-691A-F1D3-25C0-F36AD4C89137}"/>
+            </a:ext>
+          </a:extLst>
+        </p:cNvPr>
+        <p:cNvGrpSpPr/>
+        <p:nvPr/>
+      </p:nvGrpSpPr>
+      <p:grpSpPr>
+        <a:xfrm>
+          <a:off x="0" y="0"/>
+          <a:ext cx="0" cy="0"/>
+          <a:chOff x="0" y="0"/>
+          <a:chExt cx="0" cy="0"/>
+        </a:xfrm>
+      </p:grpSpPr>
+      <p:sp>
+        <p:nvSpPr>
+          <p:cNvPr id="4" name="제목 1">
+            <a:extLst>
+              <a:ext uri="{FF2B5EF4-FFF2-40B4-BE49-F238E27FC236}">
+                <a16:creationId xmlns:a16="http://schemas.microsoft.com/office/drawing/2014/main" id="{615A44C1-7054-F80A-322D-033AF15CBEC6}"/>
+              </a:ext>
+            </a:extLst>
+          </p:cNvPr>
+          <p:cNvSpPr>
+            <a:spLocks noGrp="1"/>
+          </p:cNvSpPr>
+          <p:nvPr>
+            <p:ph type="ctrTitle"/>
+          </p:nvPr>
+        </p:nvSpPr>
+        <p:spPr>
+          <a:xfrm>
+            <a:off x="4731526" y="97655"/>
+            <a:ext cx="2514784" cy="705256"/>
+          </a:xfrm>
+          <a:ln>
+            <a:solidFill>
+              <a:schemeClr val="dk1"/>
+            </a:solidFill>
+          </a:ln>
+        </p:spPr>
+        <p:txBody>
+          <a:bodyPr>
+            <a:normAutofit/>
+          </a:bodyPr>
+          <a:lstStyle/>
+          <a:p>
+            <a:pPr lvl="0">
+              <a:defRPr/>
+            </a:pPr>
+            <a:r>
+              <a:rPr lang="en-US" altLang="ko-KR" sz="1300" b="0" dirty="0" err="1">
+                <a:ln w="9525"/>
+                <a:solidFill>
+                  <a:schemeClr val="dk1"/>
+                </a:solidFill>
+                <a:latin typeface="맑은 고딕"/>
+              </a:rPr>
+              <a:t>rpg</a:t>
+            </a:r>
+            <a:br>
+              <a:rPr lang="en-US" altLang="ko-KR" sz="1300" b="0" dirty="0">
+                <a:ln w="9525"/>
+                <a:solidFill>
+                  <a:schemeClr val="dk1"/>
+                </a:solidFill>
+                <a:latin typeface="맑은 고딕"/>
+              </a:rPr>
+            </a:br>
+            <a:r>
+              <a:rPr lang="ko-KR" altLang="en-US" sz="1300" b="0" dirty="0">
+                <a:ln w="9525"/>
+                <a:solidFill>
+                  <a:schemeClr val="dk1"/>
+                </a:solidFill>
+                <a:latin typeface="맑은 고딕"/>
+              </a:rPr>
+              <a:t>변수 </a:t>
+            </a:r>
+            <a:r>
+              <a:rPr lang="en-US" altLang="ko-KR" sz="1300" b="0" dirty="0">
+                <a:ln w="9525"/>
+                <a:solidFill>
+                  <a:schemeClr val="dk1"/>
+                </a:solidFill>
+                <a:latin typeface="맑은 고딕"/>
+              </a:rPr>
+              <a:t>: </a:t>
+            </a:r>
+            <a:r>
+              <a:rPr lang="en-US" altLang="ko-KR" sz="1300" dirty="0">
+                <a:ln w="9525"/>
+                <a:solidFill>
+                  <a:schemeClr val="dk1"/>
+                </a:solidFill>
+                <a:latin typeface="맑은 고딕"/>
+              </a:rPr>
+              <a:t>name, hp, </a:t>
+            </a:r>
+            <a:r>
+              <a:rPr lang="en-US" altLang="ko-KR" sz="1300" dirty="0" err="1">
+                <a:ln w="9525"/>
+                <a:solidFill>
+                  <a:schemeClr val="dk1"/>
+                </a:solidFill>
+                <a:latin typeface="맑은 고딕"/>
+              </a:rPr>
+              <a:t>mp</a:t>
+            </a:r>
+            <a:r>
+              <a:rPr lang="en-US" altLang="ko-KR" sz="1300" dirty="0">
+                <a:ln w="9525"/>
+                <a:solidFill>
+                  <a:schemeClr val="dk1"/>
+                </a:solidFill>
+                <a:latin typeface="맑은 고딕"/>
+              </a:rPr>
+              <a:t>, </a:t>
+            </a:r>
+            <a:r>
+              <a:rPr lang="en-US" altLang="ko-KR" sz="1300" dirty="0" err="1">
+                <a:ln w="9525"/>
+                <a:solidFill>
+                  <a:schemeClr val="dk1"/>
+                </a:solidFill>
+                <a:latin typeface="맑은 고딕"/>
+              </a:rPr>
+              <a:t>atk</a:t>
+            </a:r>
+            <a:br>
+              <a:rPr lang="en-US" altLang="ko-KR" sz="1300" dirty="0">
+                <a:ln w="9525"/>
+                <a:solidFill>
+                  <a:schemeClr val="dk1"/>
+                </a:solidFill>
+                <a:latin typeface="맑은 고딕"/>
+              </a:rPr>
+            </a:br>
+            <a:endParaRPr lang="en-US" altLang="ko-KR" sz="1300" dirty="0">
+              <a:ln w="9525"/>
+              <a:solidFill>
+                <a:schemeClr val="dk1"/>
+              </a:solidFill>
+              <a:latin typeface="맑은 고딕"/>
+            </a:endParaRPr>
+          </a:p>
+        </p:txBody>
+      </p:sp>
+      <p:sp>
+        <p:nvSpPr>
+          <p:cNvPr id="6" name="제목 1">
+            <a:extLst>
+              <a:ext uri="{FF2B5EF4-FFF2-40B4-BE49-F238E27FC236}">
+                <a16:creationId xmlns:a16="http://schemas.microsoft.com/office/drawing/2014/main" id="{06F4FA3D-3AFF-3A8F-0519-87C60324A293}"/>
+              </a:ext>
+            </a:extLst>
+          </p:cNvPr>
+          <p:cNvSpPr>
+            <a:spLocks noGrp="1"/>
+          </p:cNvSpPr>
+          <p:nvPr/>
+        </p:nvSpPr>
+        <p:spPr>
+          <a:xfrm>
+            <a:off x="553047" y="658758"/>
+            <a:ext cx="2470203" cy="1517582"/>
+          </a:xfrm>
+          <a:prstGeom prst="rect">
+            <a:avLst/>
+          </a:prstGeom>
+          <a:ln>
+            <a:solidFill>
+              <a:srgbClr val="000000">
+                <a:alpha val="100000"/>
+              </a:srgbClr>
+            </a:solidFill>
+          </a:ln>
+        </p:spPr>
+        <p:txBody>
+          <a:bodyPr vert="horz" lIns="91440" tIns="45720" rIns="91440" bIns="45720" anchor="ctr">
+            <a:normAutofit lnSpcReduction="10000"/>
+          </a:bodyPr>
+          <a:lstStyle/>
+          <a:p>
+            <a:pPr marL="0" lvl="0" indent="0" algn="ctr" defTabSz="914400" rtl="0" eaLnBrk="1" latinLnBrk="1" hangingPunct="1">
+              <a:lnSpc>
+                <a:spcPct val="100000"/>
+              </a:lnSpc>
+              <a:spcBef>
+                <a:spcPct val="0"/>
+              </a:spcBef>
+              <a:spcAft>
+                <a:spcPts val="0"/>
+              </a:spcAft>
+              <a:buNone/>
+              <a:defRPr/>
+            </a:pPr>
+            <a:r>
+              <a:rPr kumimoji="0" lang="ko-KR" altLang="en-US" sz="1200" b="0" i="0" u="none" strike="noStrike" kern="1200" cap="none" spc="0" normalizeH="0" baseline="0">
+                <a:solidFill>
+                  <a:srgbClr val="000000"/>
+                </a:solidFill>
+                <a:latin typeface="Calibri"/>
+                <a:ea typeface="맑은 고딕"/>
+                <a:cs typeface="Calibri"/>
+              </a:rPr>
+              <a:t>모험가</a:t>
+            </a:r>
+          </a:p>
+          <a:p>
+            <a:pPr marL="0" lvl="0" indent="0" algn="ctr" defTabSz="914400" rtl="0" eaLnBrk="1" latinLnBrk="1" hangingPunct="1">
+              <a:lnSpc>
+                <a:spcPct val="100000"/>
+              </a:lnSpc>
+              <a:spcBef>
+                <a:spcPct val="0"/>
+              </a:spcBef>
+              <a:spcAft>
+                <a:spcPts val="0"/>
+              </a:spcAft>
+              <a:buNone/>
+              <a:defRPr/>
+            </a:pPr>
+            <a:r>
+              <a:rPr lang="ko-KR" altLang="en-US" sz="1200">
+                <a:solidFill>
+                  <a:srgbClr val="000000"/>
+                </a:solidFill>
+                <a:latin typeface="Calibri"/>
+                <a:ea typeface="맑은 고딕"/>
+                <a:cs typeface="Calibri"/>
+              </a:rPr>
+              <a:t>변수 </a:t>
+            </a:r>
+            <a:r>
+              <a:rPr lang="en-US" altLang="ko-KR" sz="1200">
+                <a:solidFill>
+                  <a:srgbClr val="000000"/>
+                </a:solidFill>
+                <a:latin typeface="Calibri"/>
+                <a:ea typeface="맑은 고딕"/>
+                <a:cs typeface="Calibri"/>
+              </a:rPr>
+              <a:t>:  money,</a:t>
+            </a:r>
+            <a:r>
+              <a:rPr lang="ko-KR" altLang="en-US" sz="1200">
+                <a:solidFill>
+                  <a:srgbClr val="000000"/>
+                </a:solidFill>
+                <a:latin typeface="Calibri"/>
+                <a:ea typeface="맑은 고딕"/>
+                <a:cs typeface="Calibri"/>
+              </a:rPr>
+              <a:t> </a:t>
+            </a:r>
+            <a:r>
+              <a:rPr lang="en-US" altLang="ko-KR" sz="1200">
+                <a:solidFill>
+                  <a:srgbClr val="000000"/>
+                </a:solidFill>
+                <a:latin typeface="Calibri"/>
+                <a:ea typeface="맑은 고딕"/>
+                <a:cs typeface="Calibri"/>
+              </a:rPr>
+              <a:t>exp,level,job,skillatk,needexp,addexp, addhp,</a:t>
+            </a:r>
+          </a:p>
+          <a:p>
+            <a:pPr marL="0" lvl="0" indent="0" algn="ctr" defTabSz="914400" rtl="0" eaLnBrk="1" latinLnBrk="1" hangingPunct="1">
+              <a:lnSpc>
+                <a:spcPct val="100000"/>
+              </a:lnSpc>
+              <a:spcBef>
+                <a:spcPct val="0"/>
+              </a:spcBef>
+              <a:spcAft>
+                <a:spcPts val="0"/>
+              </a:spcAft>
+              <a:buNone/>
+              <a:defRPr/>
+            </a:pPr>
+            <a:r>
+              <a:rPr lang="en-US" altLang="ko-KR" sz="1200">
+                <a:solidFill>
+                  <a:srgbClr val="000000"/>
+                </a:solidFill>
+                <a:latin typeface="Calibri"/>
+                <a:ea typeface="맑은 고딕"/>
+                <a:cs typeface="Calibri"/>
+              </a:rPr>
+              <a:t>addmp,addatk,addskillatk.maxhp,maxmp</a:t>
+            </a:r>
+          </a:p>
+          <a:p>
+            <a:pPr marL="0" lvl="0" indent="0" algn="ctr" defTabSz="914400" rtl="0" eaLnBrk="1" latinLnBrk="1" hangingPunct="1">
+              <a:lnSpc>
+                <a:spcPct val="100000"/>
+              </a:lnSpc>
+              <a:spcBef>
+                <a:spcPct val="0"/>
+              </a:spcBef>
+              <a:spcAft>
+                <a:spcPts val="0"/>
+              </a:spcAft>
+              <a:buNone/>
+              <a:defRPr/>
+            </a:pPr>
+            <a:r>
+              <a:rPr kumimoji="0" lang="ko-KR" altLang="en-US" sz="1200" b="0" i="0" u="none" strike="noStrike" kern="1200" cap="none" spc="0" normalizeH="0" baseline="0">
+                <a:solidFill>
+                  <a:srgbClr val="000000"/>
+                </a:solidFill>
+                <a:latin typeface="Calibri"/>
+                <a:ea typeface="맑은 고딕"/>
+                <a:cs typeface="Calibri"/>
+              </a:rPr>
+              <a:t>메서드 </a:t>
+            </a:r>
+            <a:r>
+              <a:rPr kumimoji="0" lang="en-US" altLang="ko-KR" sz="1200" b="0" i="0" u="none" strike="noStrike" kern="1200" cap="none" spc="0" normalizeH="0" baseline="0">
+                <a:solidFill>
+                  <a:srgbClr val="000000"/>
+                </a:solidFill>
+                <a:latin typeface="Calibri"/>
+                <a:ea typeface="맑은 고딕"/>
+                <a:cs typeface="Calibri"/>
+              </a:rPr>
+              <a:t>: ExpUp, MoneyUp, </a:t>
+            </a:r>
+            <a:r>
+              <a:rPr lang="en-US" altLang="ko-KR" sz="1200">
+                <a:solidFill>
+                  <a:srgbClr val="000000"/>
+                </a:solidFill>
+                <a:latin typeface="Calibri"/>
+                <a:ea typeface="맑은 고딕"/>
+                <a:cs typeface="Calibri"/>
+              </a:rPr>
+              <a:t>BuyItems</a:t>
+            </a:r>
+          </a:p>
+        </p:txBody>
+      </p:sp>
+      <p:sp>
+        <p:nvSpPr>
+          <p:cNvPr id="7" name="제목 1">
+            <a:extLst>
+              <a:ext uri="{FF2B5EF4-FFF2-40B4-BE49-F238E27FC236}">
+                <a16:creationId xmlns:a16="http://schemas.microsoft.com/office/drawing/2014/main" id="{A72FC669-E7DA-820E-1DB8-CC77B0BC8D2B}"/>
+              </a:ext>
+            </a:extLst>
+          </p:cNvPr>
+          <p:cNvSpPr>
+            <a:spLocks noGrp="1"/>
+          </p:cNvSpPr>
+          <p:nvPr/>
+        </p:nvSpPr>
+        <p:spPr>
+          <a:xfrm>
+            <a:off x="4153183" y="1440156"/>
+            <a:ext cx="1119674" cy="978297"/>
+          </a:xfrm>
+          <a:prstGeom prst="rect">
+            <a:avLst/>
+          </a:prstGeom>
+          <a:ln>
+            <a:solidFill>
+              <a:srgbClr val="000000">
+                <a:alpha val="100000"/>
+              </a:srgbClr>
+            </a:solidFill>
+          </a:ln>
+        </p:spPr>
+        <p:txBody>
+          <a:bodyPr vert="horz" lIns="91440" tIns="45720" rIns="91440" bIns="45720" anchor="ctr">
+            <a:normAutofit lnSpcReduction="10000"/>
+          </a:bodyPr>
+          <a:lstStyle/>
+          <a:p>
+            <a:pPr marL="0" lvl="0" indent="0" algn="ctr" defTabSz="914400" rtl="0" eaLnBrk="1" latinLnBrk="1" hangingPunct="1">
+              <a:lnSpc>
+                <a:spcPct val="100000"/>
+              </a:lnSpc>
+              <a:spcBef>
+                <a:spcPct val="0"/>
+              </a:spcBef>
+              <a:spcAft>
+                <a:spcPts val="0"/>
+              </a:spcAft>
+              <a:buNone/>
+              <a:defRPr/>
+            </a:pPr>
+            <a:r>
+              <a:rPr kumimoji="0" lang="ko-KR" altLang="en-US" sz="1500" b="0" i="0" u="none" strike="noStrike" kern="1200" cap="none" spc="0" normalizeH="0" baseline="0">
+                <a:solidFill>
+                  <a:srgbClr val="000000"/>
+                </a:solidFill>
+                <a:latin typeface="Calibri"/>
+                <a:ea typeface="맑은 고딕"/>
+                <a:cs typeface="Calibri"/>
+              </a:rPr>
+              <a:t>몬스터</a:t>
+            </a:r>
+          </a:p>
+          <a:p>
+            <a:pPr marL="0" lvl="0" indent="0" algn="ctr" defTabSz="914400" rtl="0" eaLnBrk="1" latinLnBrk="1" hangingPunct="1">
+              <a:lnSpc>
+                <a:spcPct val="100000"/>
+              </a:lnSpc>
+              <a:spcBef>
+                <a:spcPct val="0"/>
+              </a:spcBef>
+              <a:spcAft>
+                <a:spcPts val="0"/>
+              </a:spcAft>
+              <a:buNone/>
+              <a:defRPr/>
+            </a:pPr>
+            <a:r>
+              <a:rPr lang="ko-KR" altLang="en-US" sz="1500">
+                <a:solidFill>
+                  <a:srgbClr val="000000"/>
+                </a:solidFill>
+                <a:latin typeface="Calibri"/>
+                <a:ea typeface="맑은 고딕"/>
+                <a:cs typeface="Calibri"/>
+              </a:rPr>
+              <a:t>변수 </a:t>
+            </a:r>
+            <a:r>
+              <a:rPr lang="en-US" altLang="ko-KR" sz="1500">
+                <a:solidFill>
+                  <a:srgbClr val="000000"/>
+                </a:solidFill>
+                <a:latin typeface="Calibri"/>
+                <a:ea typeface="맑은 고딕"/>
+                <a:cs typeface="Calibri"/>
+              </a:rPr>
+              <a:t>: species</a:t>
+            </a:r>
+          </a:p>
+          <a:p>
+            <a:pPr marL="0" lvl="0" indent="0" algn="ctr" defTabSz="914400" rtl="0" eaLnBrk="1" latinLnBrk="1" hangingPunct="1">
+              <a:lnSpc>
+                <a:spcPct val="100000"/>
+              </a:lnSpc>
+              <a:spcBef>
+                <a:spcPct val="0"/>
+              </a:spcBef>
+              <a:spcAft>
+                <a:spcPts val="0"/>
+              </a:spcAft>
+              <a:buNone/>
+              <a:defRPr/>
+            </a:pPr>
+            <a:r>
+              <a:rPr lang="en-US" altLang="ko-KR" sz="1500">
+                <a:solidFill>
+                  <a:srgbClr val="000000"/>
+                </a:solidFill>
+                <a:latin typeface="Calibri"/>
+                <a:ea typeface="맑은 고딕"/>
+                <a:cs typeface="Calibri"/>
+              </a:rPr>
+              <a:t>difficulty</a:t>
+            </a:r>
+          </a:p>
+        </p:txBody>
+      </p:sp>
+      <p:sp>
+        <p:nvSpPr>
+          <p:cNvPr id="9" name="제목 1">
+            <a:extLst>
+              <a:ext uri="{FF2B5EF4-FFF2-40B4-BE49-F238E27FC236}">
+                <a16:creationId xmlns:a16="http://schemas.microsoft.com/office/drawing/2014/main" id="{7B93BBE6-5BAD-5AFD-F935-622A8CF4FEE2}"/>
+              </a:ext>
+            </a:extLst>
+          </p:cNvPr>
+          <p:cNvSpPr>
+            <a:spLocks noGrp="1"/>
+          </p:cNvSpPr>
+          <p:nvPr/>
+        </p:nvSpPr>
+        <p:spPr>
+          <a:xfrm>
+            <a:off x="133744" y="2455845"/>
+            <a:ext cx="1495551" cy="1304352"/>
+          </a:xfrm>
+          <a:prstGeom prst="rect">
+            <a:avLst/>
+          </a:prstGeom>
+          <a:ln>
+            <a:solidFill>
+              <a:srgbClr val="000000">
+                <a:alpha val="100000"/>
+              </a:srgbClr>
+            </a:solidFill>
+          </a:ln>
+        </p:spPr>
+        <p:txBody>
+          <a:bodyPr vert="horz" lIns="91440" tIns="45720" rIns="91440" bIns="45720" anchor="ctr">
+            <a:normAutofit/>
+          </a:bodyPr>
+          <a:lstStyle/>
+          <a:p>
+            <a:pPr marL="0" lvl="0" indent="0" algn="ctr" defTabSz="914400" rtl="0" eaLnBrk="1" latinLnBrk="1" hangingPunct="1">
+              <a:lnSpc>
+                <a:spcPct val="100000"/>
+              </a:lnSpc>
+              <a:spcBef>
+                <a:spcPct val="0"/>
+              </a:spcBef>
+              <a:spcAft>
+                <a:spcPts val="0"/>
+              </a:spcAft>
+              <a:buNone/>
+              <a:defRPr/>
+            </a:pPr>
+            <a:r>
+              <a:rPr kumimoji="0" lang="ko-KR" altLang="en-US" sz="1200" b="0" i="0" u="none" strike="noStrike" kern="1200" cap="none" spc="0" normalizeH="0" baseline="0">
+                <a:solidFill>
+                  <a:srgbClr val="000000"/>
+                </a:solidFill>
+                <a:latin typeface="Calibri"/>
+                <a:ea typeface="맑은 고딕"/>
+                <a:cs typeface="Calibri"/>
+              </a:rPr>
+              <a:t>전</a:t>
+            </a:r>
+            <a:r>
+              <a:rPr lang="ko-KR" altLang="en-US" sz="1200">
+                <a:solidFill>
+                  <a:srgbClr val="000000"/>
+                </a:solidFill>
+                <a:latin typeface="Calibri"/>
+                <a:ea typeface="맑은 고딕"/>
+                <a:cs typeface="Calibri"/>
+              </a:rPr>
+              <a:t>사</a:t>
+            </a:r>
+          </a:p>
+          <a:p>
+            <a:pPr marL="0" lvl="0" indent="0" algn="ctr" defTabSz="914400" rtl="0" eaLnBrk="1" latinLnBrk="1" hangingPunct="1">
+              <a:lnSpc>
+                <a:spcPct val="100000"/>
+              </a:lnSpc>
+              <a:spcBef>
+                <a:spcPct val="0"/>
+              </a:spcBef>
+              <a:spcAft>
+                <a:spcPts val="0"/>
+              </a:spcAft>
+              <a:buNone/>
+              <a:defRPr/>
+            </a:pPr>
+            <a:endParaRPr kumimoji="0" lang="ko-KR" altLang="en-US" sz="1200" b="0" i="0" u="none" strike="noStrike" kern="1200" cap="none" spc="0" normalizeH="0" baseline="0">
+              <a:solidFill>
+                <a:srgbClr val="000000"/>
+              </a:solidFill>
+              <a:latin typeface="Calibri"/>
+              <a:ea typeface="맑은 고딕"/>
+              <a:cs typeface="Calibri"/>
+            </a:endParaRPr>
+          </a:p>
+        </p:txBody>
+      </p:sp>
+      <p:sp>
+        <p:nvSpPr>
+          <p:cNvPr id="10" name="제목 1">
+            <a:extLst>
+              <a:ext uri="{FF2B5EF4-FFF2-40B4-BE49-F238E27FC236}">
+                <a16:creationId xmlns:a16="http://schemas.microsoft.com/office/drawing/2014/main" id="{DFAC6532-0932-C65A-2954-C805044D6F39}"/>
+              </a:ext>
+            </a:extLst>
+          </p:cNvPr>
+          <p:cNvSpPr>
+            <a:spLocks noGrp="1"/>
+          </p:cNvSpPr>
+          <p:nvPr/>
+        </p:nvSpPr>
+        <p:spPr>
+          <a:xfrm>
+            <a:off x="1788148" y="2460244"/>
+            <a:ext cx="1189036" cy="1293453"/>
+          </a:xfrm>
+          <a:prstGeom prst="rect">
+            <a:avLst/>
+          </a:prstGeom>
+          <a:ln>
+            <a:solidFill>
+              <a:srgbClr val="000000">
+                <a:alpha val="100000"/>
+              </a:srgbClr>
+            </a:solidFill>
+          </a:ln>
+        </p:spPr>
+        <p:txBody>
+          <a:bodyPr vert="horz" lIns="91440" tIns="45720" rIns="91440" bIns="45720" anchor="ctr">
+            <a:noAutofit/>
+          </a:bodyPr>
+          <a:lstStyle/>
+          <a:p>
+            <a:pPr marL="0" lvl="0" indent="0" algn="ctr" defTabSz="914400" rtl="0" eaLnBrk="1" latinLnBrk="1" hangingPunct="1">
+              <a:lnSpc>
+                <a:spcPct val="100000"/>
+              </a:lnSpc>
+              <a:spcBef>
+                <a:spcPct val="0"/>
+              </a:spcBef>
+              <a:spcAft>
+                <a:spcPts val="0"/>
+              </a:spcAft>
+              <a:buNone/>
+              <a:defRPr/>
+            </a:pPr>
+            <a:r>
+              <a:rPr kumimoji="0" lang="ko-KR" altLang="en-US" sz="1200" b="0" i="0" u="none" strike="noStrike" kern="1200" cap="none" spc="0" normalizeH="0" baseline="0">
+                <a:solidFill>
+                  <a:srgbClr val="000000"/>
+                </a:solidFill>
+                <a:latin typeface="Calibri"/>
+                <a:ea typeface="맑은 고딕"/>
+                <a:cs typeface="Calibri"/>
+              </a:rPr>
+              <a:t>궁수</a:t>
+            </a:r>
+          </a:p>
+          <a:p>
+            <a:pPr lvl="0" algn="ctr">
+              <a:spcBef>
+                <a:spcPct val="0"/>
+              </a:spcBef>
+              <a:defRPr/>
+            </a:pPr>
+            <a:endParaRPr lang="en-US" altLang="ko-KR" sz="1200">
+              <a:solidFill>
+                <a:srgbClr val="000000"/>
+              </a:solidFill>
+              <a:latin typeface="Calibri"/>
+              <a:ea typeface="맑은 고딕"/>
+              <a:cs typeface="Calibri"/>
+            </a:endParaRPr>
+          </a:p>
+          <a:p>
+            <a:pPr marL="0" lvl="0" indent="0" algn="ctr" defTabSz="914400" rtl="0" eaLnBrk="1" latinLnBrk="1" hangingPunct="1">
+              <a:lnSpc>
+                <a:spcPct val="100000"/>
+              </a:lnSpc>
+              <a:spcBef>
+                <a:spcPct val="0"/>
+              </a:spcBef>
+              <a:spcAft>
+                <a:spcPts val="0"/>
+              </a:spcAft>
+              <a:buNone/>
+              <a:defRPr/>
+            </a:pPr>
+            <a:endParaRPr kumimoji="0" lang="ko-KR" altLang="en-US" sz="1200" b="0" i="0" u="none" strike="noStrike" kern="1200" cap="none" spc="0" normalizeH="0" baseline="0">
+              <a:solidFill>
+                <a:srgbClr val="000000"/>
+              </a:solidFill>
+              <a:latin typeface="Calibri"/>
+              <a:ea typeface="맑은 고딕"/>
+              <a:cs typeface="Calibri"/>
+            </a:endParaRPr>
+          </a:p>
+        </p:txBody>
+      </p:sp>
+      <p:sp>
+        <p:nvSpPr>
+          <p:cNvPr id="11" name="제목 1">
+            <a:extLst>
+              <a:ext uri="{FF2B5EF4-FFF2-40B4-BE49-F238E27FC236}">
+                <a16:creationId xmlns:a16="http://schemas.microsoft.com/office/drawing/2014/main" id="{819B0718-8622-3FB6-B57F-74B002071D05}"/>
+              </a:ext>
+            </a:extLst>
+          </p:cNvPr>
+          <p:cNvSpPr>
+            <a:spLocks noGrp="1"/>
+          </p:cNvSpPr>
+          <p:nvPr/>
+        </p:nvSpPr>
+        <p:spPr>
+          <a:xfrm>
+            <a:off x="3085122" y="2480418"/>
+            <a:ext cx="1256826" cy="1216431"/>
+          </a:xfrm>
+          <a:prstGeom prst="rect">
+            <a:avLst/>
+          </a:prstGeom>
+          <a:ln>
+            <a:solidFill>
+              <a:srgbClr val="000000">
+                <a:alpha val="100000"/>
+              </a:srgbClr>
+            </a:solidFill>
+          </a:ln>
+        </p:spPr>
+        <p:txBody>
+          <a:bodyPr vert="horz" lIns="91440" tIns="45720" rIns="91440" bIns="45720" anchor="ctr">
+            <a:normAutofit/>
+          </a:bodyPr>
+          <a:lstStyle/>
+          <a:p>
+            <a:pPr marL="0" lvl="0" indent="0" algn="ctr" defTabSz="914400" rtl="0" eaLnBrk="1" latinLnBrk="1" hangingPunct="1">
+              <a:lnSpc>
+                <a:spcPct val="100000"/>
+              </a:lnSpc>
+              <a:spcBef>
+                <a:spcPct val="0"/>
+              </a:spcBef>
+              <a:spcAft>
+                <a:spcPts val="0"/>
+              </a:spcAft>
+              <a:buNone/>
+              <a:defRPr/>
+            </a:pPr>
+            <a:r>
+              <a:rPr kumimoji="0" lang="ko-KR" altLang="en-US" sz="1200" b="0" i="0" u="none" strike="noStrike" kern="1200" cap="none" spc="0" normalizeH="0" baseline="0">
+                <a:solidFill>
+                  <a:srgbClr val="000000"/>
+                </a:solidFill>
+                <a:latin typeface="Calibri"/>
+                <a:ea typeface="맑은 고딕"/>
+                <a:cs typeface="Calibri"/>
+              </a:rPr>
+              <a:t>마법사</a:t>
+            </a:r>
+          </a:p>
+          <a:p>
+            <a:pPr marL="0" lvl="0" indent="0" algn="ctr" defTabSz="914400" rtl="0" eaLnBrk="1" latinLnBrk="1" hangingPunct="1">
+              <a:lnSpc>
+                <a:spcPct val="100000"/>
+              </a:lnSpc>
+              <a:spcBef>
+                <a:spcPct val="0"/>
+              </a:spcBef>
+              <a:spcAft>
+                <a:spcPts val="0"/>
+              </a:spcAft>
+              <a:buNone/>
+              <a:defRPr/>
+            </a:pPr>
+            <a:endParaRPr kumimoji="0" lang="ko-KR" altLang="en-US" sz="1200" b="0" i="0" u="none" strike="noStrike" kern="1200" cap="none" spc="0" normalizeH="0" baseline="0">
+              <a:solidFill>
+                <a:srgbClr val="000000"/>
+              </a:solidFill>
+              <a:latin typeface="Calibri"/>
+              <a:ea typeface="맑은 고딕"/>
+              <a:cs typeface="Calibri"/>
+            </a:endParaRPr>
+          </a:p>
+        </p:txBody>
+      </p:sp>
+      <p:sp>
+        <p:nvSpPr>
+          <p:cNvPr id="14" name="제목 1">
+            <a:extLst>
+              <a:ext uri="{FF2B5EF4-FFF2-40B4-BE49-F238E27FC236}">
+                <a16:creationId xmlns:a16="http://schemas.microsoft.com/office/drawing/2014/main" id="{16FAF825-F4FB-8E08-1E9B-0AF6ABD6E076}"/>
+              </a:ext>
+            </a:extLst>
+          </p:cNvPr>
+          <p:cNvSpPr>
+            <a:spLocks noGrp="1"/>
+          </p:cNvSpPr>
+          <p:nvPr/>
+        </p:nvSpPr>
+        <p:spPr>
+          <a:xfrm>
+            <a:off x="5414502" y="2568725"/>
+            <a:ext cx="807868" cy="793815"/>
+          </a:xfrm>
+          <a:prstGeom prst="rect">
+            <a:avLst/>
+          </a:prstGeom>
+          <a:ln>
+            <a:solidFill>
+              <a:srgbClr val="000000">
+                <a:alpha val="100000"/>
+              </a:srgbClr>
+            </a:solidFill>
+          </a:ln>
+        </p:spPr>
+        <p:txBody>
+          <a:bodyPr vert="horz" lIns="91440" tIns="45720" rIns="91440" bIns="45720" anchor="ctr">
+            <a:normAutofit/>
+          </a:bodyPr>
+          <a:lstStyle/>
+          <a:p>
+            <a:pPr marL="0" lvl="0" indent="0" algn="ctr" defTabSz="914400" rtl="0" eaLnBrk="1" latinLnBrk="1" hangingPunct="1">
+              <a:lnSpc>
+                <a:spcPct val="100000"/>
+              </a:lnSpc>
+              <a:spcBef>
+                <a:spcPct val="0"/>
+              </a:spcBef>
+              <a:spcAft>
+                <a:spcPts val="0"/>
+              </a:spcAft>
+              <a:buNone/>
+              <a:defRPr/>
+            </a:pPr>
+            <a:r>
+              <a:rPr kumimoji="0" lang="en-US" altLang="ko-KR" sz="1300" b="0" i="0" u="none" strike="noStrike" kern="1200" cap="none" spc="0" normalizeH="0" baseline="0" dirty="0" err="1">
+                <a:solidFill>
+                  <a:srgbClr val="000000"/>
+                </a:solidFill>
+                <a:latin typeface="맑은 고딕"/>
+                <a:ea typeface="맑은 고딕"/>
+                <a:cs typeface="Calibri"/>
+              </a:rPr>
+              <a:t>npc</a:t>
+            </a:r>
+            <a:endParaRPr kumimoji="0" lang="ko-KR" altLang="en-US" sz="1300" b="0" i="0" u="none" strike="noStrike" kern="1200" cap="none" spc="0" normalizeH="0" baseline="0" dirty="0">
+              <a:solidFill>
+                <a:srgbClr val="000000"/>
+              </a:solidFill>
+              <a:latin typeface="맑은 고딕"/>
+              <a:ea typeface="맑은 고딕"/>
+              <a:cs typeface="Calibri"/>
+            </a:endParaRPr>
+          </a:p>
+        </p:txBody>
+      </p:sp>
+      <p:sp>
+        <p:nvSpPr>
+          <p:cNvPr id="20" name="제목 1">
+            <a:extLst>
+              <a:ext uri="{FF2B5EF4-FFF2-40B4-BE49-F238E27FC236}">
+                <a16:creationId xmlns:a16="http://schemas.microsoft.com/office/drawing/2014/main" id="{A67A2917-47BE-A5C9-A23B-95F19520B590}"/>
+              </a:ext>
+            </a:extLst>
+          </p:cNvPr>
+          <p:cNvSpPr>
+            <a:spLocks noGrp="1"/>
+          </p:cNvSpPr>
+          <p:nvPr/>
+        </p:nvSpPr>
+        <p:spPr>
+          <a:xfrm>
+            <a:off x="7810758" y="1213369"/>
+            <a:ext cx="579520" cy="408154"/>
+          </a:xfrm>
+          <a:prstGeom prst="rect">
+            <a:avLst/>
+          </a:prstGeom>
+          <a:ln>
+            <a:solidFill>
+              <a:srgbClr val="000000">
+                <a:alpha val="100000"/>
+              </a:srgbClr>
+            </a:solidFill>
+          </a:ln>
+        </p:spPr>
+        <p:txBody>
+          <a:bodyPr vert="horz" lIns="91440" tIns="45720" rIns="91440" bIns="45720" anchor="ctr">
+            <a:normAutofit/>
+          </a:bodyPr>
+          <a:lstStyle/>
+          <a:p>
+            <a:pPr marL="0" lvl="0" indent="0" algn="ctr" defTabSz="914400" rtl="0" eaLnBrk="1" latinLnBrk="1" hangingPunct="1">
+              <a:lnSpc>
+                <a:spcPct val="100000"/>
+              </a:lnSpc>
+              <a:spcBef>
+                <a:spcPct val="0"/>
+              </a:spcBef>
+              <a:spcAft>
+                <a:spcPts val="0"/>
+              </a:spcAft>
+              <a:buNone/>
+              <a:defRPr/>
+            </a:pPr>
+            <a:r>
+              <a:rPr kumimoji="0" lang="ko-KR" altLang="en-US" sz="1500" b="0" i="0" u="none" strike="noStrike" kern="1200" cap="none" spc="0" normalizeH="0" baseline="0">
+                <a:solidFill>
+                  <a:srgbClr val="000000"/>
+                </a:solidFill>
+                <a:latin typeface="Calibri"/>
+                <a:ea typeface="맑은 고딕"/>
+                <a:cs typeface="Calibri"/>
+              </a:rPr>
+              <a:t>검류</a:t>
+            </a:r>
+          </a:p>
+        </p:txBody>
+      </p:sp>
+      <p:sp>
+        <p:nvSpPr>
+          <p:cNvPr id="21" name="제목 1">
+            <a:extLst>
+              <a:ext uri="{FF2B5EF4-FFF2-40B4-BE49-F238E27FC236}">
+                <a16:creationId xmlns:a16="http://schemas.microsoft.com/office/drawing/2014/main" id="{064D7EF8-DB41-B0D9-F49C-DF2D03ACD49A}"/>
+              </a:ext>
+            </a:extLst>
+          </p:cNvPr>
+          <p:cNvSpPr>
+            <a:spLocks noGrp="1"/>
+          </p:cNvSpPr>
+          <p:nvPr/>
+        </p:nvSpPr>
+        <p:spPr>
+          <a:xfrm>
+            <a:off x="8948634" y="1141177"/>
+            <a:ext cx="579520" cy="408154"/>
+          </a:xfrm>
+          <a:prstGeom prst="rect">
+            <a:avLst/>
+          </a:prstGeom>
+          <a:ln>
+            <a:solidFill>
+              <a:srgbClr val="000000">
+                <a:alpha val="100000"/>
+              </a:srgbClr>
+            </a:solidFill>
+          </a:ln>
+        </p:spPr>
+        <p:txBody>
+          <a:bodyPr vert="horz" lIns="91440" tIns="45720" rIns="91440" bIns="45720" anchor="ctr">
+            <a:normAutofit/>
+          </a:bodyPr>
+          <a:lstStyle/>
+          <a:p>
+            <a:pPr marL="0" lvl="0" indent="0" algn="ctr" defTabSz="914400" rtl="0" eaLnBrk="1" latinLnBrk="1" hangingPunct="1">
+              <a:lnSpc>
+                <a:spcPct val="100000"/>
+              </a:lnSpc>
+              <a:spcBef>
+                <a:spcPct val="0"/>
+              </a:spcBef>
+              <a:spcAft>
+                <a:spcPts val="0"/>
+              </a:spcAft>
+              <a:buNone/>
+              <a:defRPr/>
+            </a:pPr>
+            <a:r>
+              <a:rPr kumimoji="0" lang="ko-KR" altLang="en-US" sz="1500" b="0" i="0" u="none" strike="noStrike" kern="1200" cap="none" spc="0" normalizeH="0" baseline="0">
+                <a:solidFill>
+                  <a:srgbClr val="000000"/>
+                </a:solidFill>
+                <a:latin typeface="Calibri"/>
+                <a:ea typeface="맑은 고딕"/>
+                <a:cs typeface="Calibri"/>
+              </a:rPr>
+              <a:t>활류</a:t>
+            </a:r>
+          </a:p>
+        </p:txBody>
+      </p:sp>
+      <p:sp>
+        <p:nvSpPr>
+          <p:cNvPr id="22" name="제목 1">
+            <a:extLst>
+              <a:ext uri="{FF2B5EF4-FFF2-40B4-BE49-F238E27FC236}">
+                <a16:creationId xmlns:a16="http://schemas.microsoft.com/office/drawing/2014/main" id="{F657BFE4-C169-0D44-C7BE-3DA4FC4CC053}"/>
+              </a:ext>
+            </a:extLst>
+          </p:cNvPr>
+          <p:cNvSpPr>
+            <a:spLocks noGrp="1"/>
+          </p:cNvSpPr>
+          <p:nvPr/>
+        </p:nvSpPr>
+        <p:spPr>
+          <a:xfrm>
+            <a:off x="9821906" y="1045779"/>
+            <a:ext cx="579520" cy="408154"/>
+          </a:xfrm>
+          <a:prstGeom prst="rect">
+            <a:avLst/>
+          </a:prstGeom>
+          <a:ln>
+            <a:solidFill>
+              <a:srgbClr val="000000">
+                <a:alpha val="100000"/>
+              </a:srgbClr>
+            </a:solidFill>
+          </a:ln>
+        </p:spPr>
+        <p:txBody>
+          <a:bodyPr vert="horz" lIns="91440" tIns="45720" rIns="91440" bIns="45720" anchor="ctr">
+            <a:normAutofit/>
+          </a:bodyPr>
+          <a:lstStyle/>
+          <a:p>
+            <a:pPr marL="0" lvl="0" indent="0" algn="ctr" defTabSz="914400" rtl="0" eaLnBrk="1" latinLnBrk="1" hangingPunct="1">
+              <a:lnSpc>
+                <a:spcPct val="100000"/>
+              </a:lnSpc>
+              <a:spcBef>
+                <a:spcPct val="0"/>
+              </a:spcBef>
+              <a:spcAft>
+                <a:spcPts val="0"/>
+              </a:spcAft>
+              <a:buNone/>
+              <a:defRPr/>
+            </a:pPr>
+            <a:r>
+              <a:rPr kumimoji="0" lang="ko-KR" altLang="en-US" sz="1500" b="0" i="0" u="none" strike="noStrike" kern="1200" cap="none" spc="0" normalizeH="0" baseline="0">
+                <a:solidFill>
+                  <a:srgbClr val="000000"/>
+                </a:solidFill>
+                <a:latin typeface="Calibri"/>
+                <a:ea typeface="맑은 고딕"/>
+                <a:cs typeface="Calibri"/>
+              </a:rPr>
+              <a:t>봉류</a:t>
+            </a:r>
+          </a:p>
+        </p:txBody>
+      </p:sp>
+      <p:cxnSp>
+        <p:nvCxnSpPr>
+          <p:cNvPr id="24" name="직선 연결선 23">
+            <a:extLst>
+              <a:ext uri="{FF2B5EF4-FFF2-40B4-BE49-F238E27FC236}">
+                <a16:creationId xmlns:a16="http://schemas.microsoft.com/office/drawing/2014/main" id="{2414916F-7C74-3F5F-CD37-97593EEC94A2}"/>
+              </a:ext>
+            </a:extLst>
+          </p:cNvPr>
+          <p:cNvCxnSpPr>
+            <a:cxnSpLocks/>
+            <a:stCxn id="4" idx="1"/>
+            <a:endCxn id="6" idx="3"/>
+          </p:cNvCxnSpPr>
+          <p:nvPr/>
+        </p:nvCxnSpPr>
+        <p:spPr>
+          <a:xfrm flipH="1">
+            <a:off x="3023250" y="450283"/>
+            <a:ext cx="1708276" cy="967266"/>
+          </a:xfrm>
+          <a:prstGeom prst="line">
+            <a:avLst/>
+          </a:prstGeom>
+        </p:spPr>
+        <p:style>
+          <a:lnRef idx="1">
+            <a:schemeClr val="accent1"/>
+          </a:lnRef>
+          <a:fillRef idx="0">
+            <a:schemeClr val="accent1"/>
+          </a:fillRef>
+          <a:effectRef idx="0">
+            <a:schemeClr val="accent1"/>
+          </a:effectRef>
+          <a:fontRef idx="minor">
+            <a:schemeClr val="tx1"/>
+          </a:fontRef>
+        </p:style>
+      </p:cxnSp>
+      <p:cxnSp>
+        <p:nvCxnSpPr>
+          <p:cNvPr id="26" name="직선 연결선 25">
+            <a:extLst>
+              <a:ext uri="{FF2B5EF4-FFF2-40B4-BE49-F238E27FC236}">
+                <a16:creationId xmlns:a16="http://schemas.microsoft.com/office/drawing/2014/main" id="{6350069B-70EF-CD1A-A190-0068BDBDF993}"/>
+              </a:ext>
+            </a:extLst>
+          </p:cNvPr>
+          <p:cNvCxnSpPr>
+            <a:cxnSpLocks/>
+            <a:stCxn id="4" idx="2"/>
+            <a:endCxn id="7" idx="0"/>
+          </p:cNvCxnSpPr>
+          <p:nvPr/>
+        </p:nvCxnSpPr>
+        <p:spPr>
+          <a:xfrm flipH="1">
+            <a:off x="4713020" y="802911"/>
+            <a:ext cx="1275898" cy="637245"/>
+          </a:xfrm>
+          <a:prstGeom prst="line">
+            <a:avLst/>
+          </a:prstGeom>
+        </p:spPr>
+        <p:style>
+          <a:lnRef idx="1">
+            <a:schemeClr val="accent1"/>
+          </a:lnRef>
+          <a:fillRef idx="0">
+            <a:schemeClr val="accent1"/>
+          </a:fillRef>
+          <a:effectRef idx="0">
+            <a:schemeClr val="accent1"/>
+          </a:effectRef>
+          <a:fontRef idx="minor">
+            <a:schemeClr val="tx1"/>
+          </a:fontRef>
+        </p:style>
+      </p:cxnSp>
+      <p:cxnSp>
+        <p:nvCxnSpPr>
+          <p:cNvPr id="30" name="직선 연결선 29">
+            <a:extLst>
+              <a:ext uri="{FF2B5EF4-FFF2-40B4-BE49-F238E27FC236}">
+                <a16:creationId xmlns:a16="http://schemas.microsoft.com/office/drawing/2014/main" id="{1E052515-34AF-0FC1-8F04-473A0F998E03}"/>
+              </a:ext>
+            </a:extLst>
+          </p:cNvPr>
+          <p:cNvCxnSpPr>
+            <a:stCxn id="6" idx="2"/>
+            <a:endCxn id="9" idx="0"/>
+          </p:cNvCxnSpPr>
+          <p:nvPr/>
+        </p:nvCxnSpPr>
+        <p:spPr>
+          <a:xfrm flipH="1">
+            <a:off x="881520" y="2176340"/>
+            <a:ext cx="906629" cy="279505"/>
+          </a:xfrm>
+          <a:prstGeom prst="line">
+            <a:avLst/>
+          </a:prstGeom>
+        </p:spPr>
+        <p:style>
+          <a:lnRef idx="1">
+            <a:schemeClr val="accent1"/>
+          </a:lnRef>
+          <a:fillRef idx="0">
+            <a:schemeClr val="accent1"/>
+          </a:fillRef>
+          <a:effectRef idx="0">
+            <a:schemeClr val="accent1"/>
+          </a:effectRef>
+          <a:fontRef idx="minor">
+            <a:schemeClr val="tx1"/>
+          </a:fontRef>
+        </p:style>
+      </p:cxnSp>
+      <p:cxnSp>
+        <p:nvCxnSpPr>
+          <p:cNvPr id="32" name="직선 연결선 31">
+            <a:extLst>
+              <a:ext uri="{FF2B5EF4-FFF2-40B4-BE49-F238E27FC236}">
+                <a16:creationId xmlns:a16="http://schemas.microsoft.com/office/drawing/2014/main" id="{37C2DE09-783A-BFBB-3D51-C7EFCCE69925}"/>
+              </a:ext>
+            </a:extLst>
+          </p:cNvPr>
+          <p:cNvCxnSpPr>
+            <a:stCxn id="6" idx="2"/>
+            <a:endCxn id="10" idx="0"/>
+          </p:cNvCxnSpPr>
+          <p:nvPr/>
+        </p:nvCxnSpPr>
+        <p:spPr>
+          <a:xfrm>
+            <a:off x="1788149" y="2176340"/>
+            <a:ext cx="594517" cy="283904"/>
+          </a:xfrm>
+          <a:prstGeom prst="line">
+            <a:avLst/>
+          </a:prstGeom>
+        </p:spPr>
+        <p:style>
+          <a:lnRef idx="1">
+            <a:schemeClr val="accent1"/>
+          </a:lnRef>
+          <a:fillRef idx="0">
+            <a:schemeClr val="accent1"/>
+          </a:fillRef>
+          <a:effectRef idx="0">
+            <a:schemeClr val="accent1"/>
+          </a:effectRef>
+          <a:fontRef idx="minor">
+            <a:schemeClr val="tx1"/>
+          </a:fontRef>
+        </p:style>
+      </p:cxnSp>
+      <p:cxnSp>
+        <p:nvCxnSpPr>
+          <p:cNvPr id="34" name="직선 연결선 33">
+            <a:extLst>
+              <a:ext uri="{FF2B5EF4-FFF2-40B4-BE49-F238E27FC236}">
+                <a16:creationId xmlns:a16="http://schemas.microsoft.com/office/drawing/2014/main" id="{4A927310-C861-E7F6-E1E2-C0204B22CA74}"/>
+              </a:ext>
+            </a:extLst>
+          </p:cNvPr>
+          <p:cNvCxnSpPr>
+            <a:stCxn id="6" idx="2"/>
+            <a:endCxn id="11" idx="0"/>
+          </p:cNvCxnSpPr>
+          <p:nvPr/>
+        </p:nvCxnSpPr>
+        <p:spPr>
+          <a:xfrm>
+            <a:off x="1788149" y="2176340"/>
+            <a:ext cx="1925386" cy="304078"/>
+          </a:xfrm>
+          <a:prstGeom prst="line">
+            <a:avLst/>
+          </a:prstGeom>
+        </p:spPr>
+        <p:style>
+          <a:lnRef idx="1">
+            <a:schemeClr val="accent1"/>
+          </a:lnRef>
+          <a:fillRef idx="0">
+            <a:schemeClr val="accent1"/>
+          </a:fillRef>
+          <a:effectRef idx="0">
+            <a:schemeClr val="accent1"/>
+          </a:effectRef>
+          <a:fontRef idx="minor">
+            <a:schemeClr val="tx1"/>
+          </a:fontRef>
+        </p:style>
+      </p:cxnSp>
+      <p:sp>
+        <p:nvSpPr>
+          <p:cNvPr id="59" name="제목 1">
+            <a:extLst>
+              <a:ext uri="{FF2B5EF4-FFF2-40B4-BE49-F238E27FC236}">
+                <a16:creationId xmlns:a16="http://schemas.microsoft.com/office/drawing/2014/main" id="{371C91A4-B356-5F6A-4A38-9AEA9FFB2103}"/>
+              </a:ext>
+            </a:extLst>
+          </p:cNvPr>
+          <p:cNvSpPr>
+            <a:spLocks noGrp="1"/>
+          </p:cNvSpPr>
+          <p:nvPr/>
+        </p:nvSpPr>
+        <p:spPr>
+          <a:xfrm>
+            <a:off x="873426" y="4626550"/>
+            <a:ext cx="1934132" cy="1229277"/>
+          </a:xfrm>
+          <a:prstGeom prst="rect">
+            <a:avLst/>
+          </a:prstGeom>
+          <a:ln>
+            <a:solidFill>
+              <a:srgbClr val="000000">
+                <a:alpha val="100000"/>
+              </a:srgbClr>
+            </a:solidFill>
+          </a:ln>
+        </p:spPr>
+        <p:txBody>
+          <a:bodyPr vert="horz" lIns="91440" tIns="45720" rIns="91440" bIns="45720" anchor="ctr">
+            <a:normAutofit/>
+          </a:bodyPr>
+          <a:lstStyle/>
+          <a:p>
+            <a:pPr marL="0" lvl="0" indent="0" algn="ctr" defTabSz="914400" rtl="0" eaLnBrk="1" latinLnBrk="1" hangingPunct="1">
+              <a:lnSpc>
+                <a:spcPct val="100000"/>
+              </a:lnSpc>
+              <a:spcBef>
+                <a:spcPct val="0"/>
+              </a:spcBef>
+              <a:spcAft>
+                <a:spcPts val="0"/>
+              </a:spcAft>
+              <a:buNone/>
+              <a:defRPr/>
+            </a:pPr>
+            <a:r>
+              <a:rPr lang="ko-KR" altLang="en-US" sz="1500">
+                <a:solidFill>
+                  <a:srgbClr val="000000"/>
+                </a:solidFill>
+                <a:latin typeface="Calibri"/>
+                <a:ea typeface="맑은 고딕"/>
+                <a:cs typeface="Calibri"/>
+              </a:rPr>
+              <a:t>인터페이스</a:t>
+            </a:r>
+          </a:p>
+          <a:p>
+            <a:pPr marL="0" lvl="0" indent="0" algn="ctr" defTabSz="914400" rtl="0" eaLnBrk="1" latinLnBrk="1" hangingPunct="1">
+              <a:lnSpc>
+                <a:spcPct val="100000"/>
+              </a:lnSpc>
+              <a:spcBef>
+                <a:spcPct val="0"/>
+              </a:spcBef>
+              <a:spcAft>
+                <a:spcPts val="0"/>
+              </a:spcAft>
+              <a:buNone/>
+              <a:defRPr/>
+            </a:pPr>
+            <a:r>
+              <a:rPr lang="ko-KR" altLang="en-US" sz="1500">
+                <a:solidFill>
+                  <a:srgbClr val="000000"/>
+                </a:solidFill>
+                <a:latin typeface="Calibri"/>
+                <a:ea typeface="맑은 고딕"/>
+                <a:cs typeface="Calibri"/>
+              </a:rPr>
+              <a:t>공격</a:t>
+            </a:r>
+          </a:p>
+          <a:p>
+            <a:pPr marL="0" lvl="0" indent="0" algn="ctr" defTabSz="914400" rtl="0" eaLnBrk="1" latinLnBrk="1" hangingPunct="1">
+              <a:lnSpc>
+                <a:spcPct val="100000"/>
+              </a:lnSpc>
+              <a:spcBef>
+                <a:spcPct val="0"/>
+              </a:spcBef>
+              <a:spcAft>
+                <a:spcPts val="0"/>
+              </a:spcAft>
+              <a:buNone/>
+              <a:defRPr/>
+            </a:pPr>
+            <a:r>
+              <a:rPr lang="ko-KR" altLang="en-US" sz="1500">
+                <a:solidFill>
+                  <a:srgbClr val="000000"/>
+                </a:solidFill>
+                <a:latin typeface="Calibri"/>
+                <a:ea typeface="맑은 고딕"/>
+                <a:cs typeface="Calibri"/>
+              </a:rPr>
+              <a:t>메서드 </a:t>
+            </a:r>
+            <a:r>
+              <a:rPr lang="en-US" altLang="ko-KR" sz="1500">
+                <a:solidFill>
+                  <a:srgbClr val="000000"/>
+                </a:solidFill>
+                <a:latin typeface="Calibri"/>
+                <a:ea typeface="맑은 고딕"/>
+                <a:cs typeface="Calibri"/>
+              </a:rPr>
+              <a:t>: </a:t>
+            </a:r>
+            <a:r>
+              <a:rPr lang="ko-KR" altLang="en-US" sz="1500">
+                <a:solidFill>
+                  <a:srgbClr val="000000"/>
+                </a:solidFill>
+                <a:latin typeface="Calibri"/>
+                <a:ea typeface="맑은 고딕"/>
+                <a:cs typeface="Calibri"/>
+              </a:rPr>
+              <a:t>기본공격</a:t>
+            </a:r>
+            <a:endParaRPr lang="en-US" altLang="ko-KR" sz="1500">
+              <a:solidFill>
+                <a:srgbClr val="000000"/>
+              </a:solidFill>
+              <a:latin typeface="Calibri"/>
+              <a:ea typeface="맑은 고딕"/>
+              <a:cs typeface="Calibri"/>
+            </a:endParaRPr>
+          </a:p>
+        </p:txBody>
+      </p:sp>
+      <p:cxnSp>
+        <p:nvCxnSpPr>
+          <p:cNvPr id="61" name="직선 연결선 60">
+            <a:extLst>
+              <a:ext uri="{FF2B5EF4-FFF2-40B4-BE49-F238E27FC236}">
+                <a16:creationId xmlns:a16="http://schemas.microsoft.com/office/drawing/2014/main" id="{50B5C9AD-8C14-B7F5-E6B0-794365044A53}"/>
+              </a:ext>
+            </a:extLst>
+          </p:cNvPr>
+          <p:cNvCxnSpPr>
+            <a:stCxn id="6" idx="2"/>
+            <a:endCxn id="59" idx="0"/>
+          </p:cNvCxnSpPr>
+          <p:nvPr/>
+        </p:nvCxnSpPr>
+        <p:spPr>
+          <a:xfrm>
+            <a:off x="1788149" y="2176340"/>
+            <a:ext cx="52343" cy="2450210"/>
+          </a:xfrm>
+          <a:prstGeom prst="line">
+            <a:avLst/>
+          </a:prstGeom>
+        </p:spPr>
+        <p:style>
+          <a:lnRef idx="1">
+            <a:schemeClr val="accent1"/>
+          </a:lnRef>
+          <a:fillRef idx="0">
+            <a:schemeClr val="accent1"/>
+          </a:fillRef>
+          <a:effectRef idx="0">
+            <a:schemeClr val="accent1"/>
+          </a:effectRef>
+          <a:fontRef idx="minor">
+            <a:schemeClr val="tx1"/>
+          </a:fontRef>
+        </p:style>
+      </p:cxnSp>
+      <p:cxnSp>
+        <p:nvCxnSpPr>
+          <p:cNvPr id="65" name="직선 연결선 64">
+            <a:extLst>
+              <a:ext uri="{FF2B5EF4-FFF2-40B4-BE49-F238E27FC236}">
+                <a16:creationId xmlns:a16="http://schemas.microsoft.com/office/drawing/2014/main" id="{27176E17-3D09-1CDE-7066-DE6956876566}"/>
+              </a:ext>
+            </a:extLst>
+          </p:cNvPr>
+          <p:cNvCxnSpPr>
+            <a:stCxn id="14" idx="1"/>
+            <a:endCxn id="59" idx="3"/>
+          </p:cNvCxnSpPr>
+          <p:nvPr/>
+        </p:nvCxnSpPr>
+        <p:spPr>
+          <a:xfrm flipH="1">
+            <a:off x="2807558" y="2965633"/>
+            <a:ext cx="2606944" cy="2275556"/>
+          </a:xfrm>
+          <a:prstGeom prst="line">
+            <a:avLst/>
+          </a:prstGeom>
+        </p:spPr>
+        <p:style>
+          <a:lnRef idx="1">
+            <a:schemeClr val="accent1"/>
+          </a:lnRef>
+          <a:fillRef idx="0">
+            <a:schemeClr val="accent1"/>
+          </a:fillRef>
+          <a:effectRef idx="0">
+            <a:schemeClr val="accent1"/>
+          </a:effectRef>
+          <a:fontRef idx="minor">
+            <a:schemeClr val="tx1"/>
+          </a:fontRef>
+        </p:style>
+      </p:cxnSp>
+      <p:sp>
+        <p:nvSpPr>
+          <p:cNvPr id="66" name="제목 1">
+            <a:extLst>
+              <a:ext uri="{FF2B5EF4-FFF2-40B4-BE49-F238E27FC236}">
+                <a16:creationId xmlns:a16="http://schemas.microsoft.com/office/drawing/2014/main" id="{EE7957DF-463B-B324-959C-F975C5E842BE}"/>
+              </a:ext>
+            </a:extLst>
+          </p:cNvPr>
+          <p:cNvSpPr>
+            <a:spLocks noGrp="1"/>
+          </p:cNvSpPr>
+          <p:nvPr/>
+        </p:nvSpPr>
+        <p:spPr>
+          <a:xfrm>
+            <a:off x="7143312" y="1694465"/>
+            <a:ext cx="963872" cy="631711"/>
+          </a:xfrm>
+          <a:prstGeom prst="rect">
+            <a:avLst/>
+          </a:prstGeom>
+          <a:ln>
+            <a:solidFill>
+              <a:srgbClr val="000000">
+                <a:alpha val="100000"/>
+              </a:srgbClr>
+            </a:solidFill>
+          </a:ln>
+        </p:spPr>
+        <p:txBody>
+          <a:bodyPr vert="horz" lIns="91440" tIns="45720" rIns="91440" bIns="45720" anchor="ctr">
+            <a:normAutofit/>
+          </a:bodyPr>
+          <a:lstStyle/>
+          <a:p>
+            <a:pPr marL="0" lvl="0" indent="0" algn="ctr" defTabSz="914400" rtl="0" eaLnBrk="1" latinLnBrk="1" hangingPunct="1">
+              <a:lnSpc>
+                <a:spcPct val="100000"/>
+              </a:lnSpc>
+              <a:spcBef>
+                <a:spcPct val="0"/>
+              </a:spcBef>
+              <a:spcAft>
+                <a:spcPts val="0"/>
+              </a:spcAft>
+              <a:buNone/>
+              <a:defRPr/>
+            </a:pPr>
+            <a:r>
+              <a:rPr kumimoji="0" lang="ko-KR" altLang="en-US" sz="1500" b="0" i="0" u="none" strike="noStrike" kern="1200" cap="none" spc="0" normalizeH="0" baseline="0">
+                <a:solidFill>
+                  <a:srgbClr val="000000"/>
+                </a:solidFill>
+                <a:latin typeface="Calibri"/>
+                <a:ea typeface="맑은 고딕"/>
+                <a:cs typeface="Calibri"/>
+              </a:rPr>
+              <a:t>대검</a:t>
+            </a:r>
+            <a:endParaRPr kumimoji="0" lang="en-US" altLang="ko-KR" sz="1500" b="0" i="0" u="none" strike="noStrike" kern="1200" cap="none" spc="0" normalizeH="0" baseline="0">
+              <a:solidFill>
+                <a:srgbClr val="000000"/>
+              </a:solidFill>
+              <a:latin typeface="Calibri"/>
+              <a:ea typeface="맑은 고딕"/>
+              <a:cs typeface="Calibri"/>
+            </a:endParaRPr>
+          </a:p>
+        </p:txBody>
+      </p:sp>
+      <p:sp>
+        <p:nvSpPr>
+          <p:cNvPr id="67" name="제목 1">
+            <a:extLst>
+              <a:ext uri="{FF2B5EF4-FFF2-40B4-BE49-F238E27FC236}">
+                <a16:creationId xmlns:a16="http://schemas.microsoft.com/office/drawing/2014/main" id="{847C37CE-1314-2D60-6EF9-6AF117DC54DB}"/>
+              </a:ext>
+            </a:extLst>
+          </p:cNvPr>
+          <p:cNvSpPr>
+            <a:spLocks noGrp="1"/>
+          </p:cNvSpPr>
+          <p:nvPr/>
+        </p:nvSpPr>
+        <p:spPr>
+          <a:xfrm>
+            <a:off x="8205814" y="1726744"/>
+            <a:ext cx="662138" cy="697909"/>
+          </a:xfrm>
+          <a:prstGeom prst="rect">
+            <a:avLst/>
+          </a:prstGeom>
+          <a:ln>
+            <a:solidFill>
+              <a:srgbClr val="000000">
+                <a:alpha val="100000"/>
+              </a:srgbClr>
+            </a:solidFill>
+          </a:ln>
+        </p:spPr>
+        <p:txBody>
+          <a:bodyPr vert="horz" lIns="91440" tIns="45720" rIns="91440" bIns="45720" anchor="ctr">
+            <a:normAutofit/>
+          </a:bodyPr>
+          <a:lstStyle/>
+          <a:p>
+            <a:pPr marL="0" lvl="0" indent="0" algn="ctr" defTabSz="914400" rtl="0" eaLnBrk="1" latinLnBrk="1" hangingPunct="1">
+              <a:lnSpc>
+                <a:spcPct val="100000"/>
+              </a:lnSpc>
+              <a:spcBef>
+                <a:spcPct val="0"/>
+              </a:spcBef>
+              <a:spcAft>
+                <a:spcPts val="0"/>
+              </a:spcAft>
+              <a:buNone/>
+              <a:defRPr/>
+            </a:pPr>
+            <a:r>
+              <a:rPr kumimoji="0" lang="ko-KR" altLang="en-US" sz="1500" b="0" u="none" strike="noStrike" kern="1200" cap="none" spc="0" normalizeH="0" baseline="0">
+                <a:solidFill>
+                  <a:srgbClr val="000000"/>
+                </a:solidFill>
+                <a:latin typeface="Calibri"/>
+                <a:ea typeface="맑은 고딕"/>
+                <a:cs typeface="Calibri"/>
+              </a:rPr>
+              <a:t>소검</a:t>
+            </a:r>
+          </a:p>
+          <a:p>
+            <a:pPr marL="0" lvl="0" indent="0" algn="ctr" defTabSz="914400" rtl="0" eaLnBrk="1" latinLnBrk="1" hangingPunct="1">
+              <a:lnSpc>
+                <a:spcPct val="100000"/>
+              </a:lnSpc>
+              <a:spcBef>
+                <a:spcPct val="0"/>
+              </a:spcBef>
+              <a:spcAft>
+                <a:spcPts val="0"/>
+              </a:spcAft>
+              <a:buNone/>
+              <a:defRPr/>
+            </a:pPr>
+            <a:endParaRPr lang="en-US" altLang="ko-KR" sz="1500" i="1">
+              <a:solidFill>
+                <a:srgbClr val="000000"/>
+              </a:solidFill>
+              <a:latin typeface="Calibri"/>
+              <a:ea typeface="맑은 고딕"/>
+              <a:cs typeface="Calibri"/>
+            </a:endParaRPr>
+          </a:p>
+        </p:txBody>
+      </p:sp>
+      <p:sp>
+        <p:nvSpPr>
+          <p:cNvPr id="68" name="제목 1">
+            <a:extLst>
+              <a:ext uri="{FF2B5EF4-FFF2-40B4-BE49-F238E27FC236}">
+                <a16:creationId xmlns:a16="http://schemas.microsoft.com/office/drawing/2014/main" id="{6F1F13EA-712A-A26D-271C-77485003FEAE}"/>
+              </a:ext>
+            </a:extLst>
+          </p:cNvPr>
+          <p:cNvSpPr>
+            <a:spLocks noGrp="1"/>
+          </p:cNvSpPr>
+          <p:nvPr/>
+        </p:nvSpPr>
+        <p:spPr>
+          <a:xfrm>
+            <a:off x="9015779" y="1782509"/>
+            <a:ext cx="579520" cy="697909"/>
+          </a:xfrm>
+          <a:prstGeom prst="rect">
+            <a:avLst/>
+          </a:prstGeom>
+          <a:ln>
+            <a:solidFill>
+              <a:srgbClr val="000000">
+                <a:alpha val="100000"/>
+              </a:srgbClr>
+            </a:solidFill>
+          </a:ln>
+        </p:spPr>
+        <p:txBody>
+          <a:bodyPr vert="horz" lIns="91440" tIns="45720" rIns="91440" bIns="45720" anchor="ctr">
+            <a:normAutofit/>
+          </a:bodyPr>
+          <a:lstStyle/>
+          <a:p>
+            <a:pPr marL="0" lvl="0" indent="0" algn="ctr" defTabSz="914400" rtl="0" eaLnBrk="1" latinLnBrk="1" hangingPunct="1">
+              <a:lnSpc>
+                <a:spcPct val="100000"/>
+              </a:lnSpc>
+              <a:spcBef>
+                <a:spcPct val="0"/>
+              </a:spcBef>
+              <a:spcAft>
+                <a:spcPts val="0"/>
+              </a:spcAft>
+              <a:buNone/>
+              <a:defRPr/>
+            </a:pPr>
+            <a:r>
+              <a:rPr kumimoji="0" lang="ko-KR" altLang="en-US" sz="1500" b="0" i="0" u="none" strike="noStrike" kern="1200" cap="none" spc="0" normalizeH="0" baseline="0">
+                <a:solidFill>
+                  <a:srgbClr val="000000"/>
+                </a:solidFill>
+                <a:latin typeface="Calibri"/>
+                <a:ea typeface="맑은 고딕"/>
+                <a:cs typeface="Calibri"/>
+              </a:rPr>
+              <a:t>둔기</a:t>
+            </a:r>
+          </a:p>
+          <a:p>
+            <a:pPr marL="0" lvl="0" indent="0" algn="ctr" defTabSz="914400" rtl="0" eaLnBrk="1" latinLnBrk="1" hangingPunct="1">
+              <a:lnSpc>
+                <a:spcPct val="100000"/>
+              </a:lnSpc>
+              <a:spcBef>
+                <a:spcPct val="0"/>
+              </a:spcBef>
+              <a:spcAft>
+                <a:spcPts val="0"/>
+              </a:spcAft>
+              <a:buNone/>
+              <a:defRPr/>
+            </a:pPr>
+            <a:endParaRPr kumimoji="0" lang="ko-KR" altLang="en-US" sz="1500" b="0" i="0" u="none" strike="noStrike" kern="1200" cap="none" spc="0" normalizeH="0" baseline="0">
+              <a:solidFill>
+                <a:srgbClr val="000000"/>
+              </a:solidFill>
+              <a:latin typeface="Calibri"/>
+              <a:ea typeface="맑은 고딕"/>
+              <a:cs typeface="Calibri"/>
+            </a:endParaRPr>
+          </a:p>
+        </p:txBody>
+      </p:sp>
+      <p:sp>
+        <p:nvSpPr>
+          <p:cNvPr id="69" name="제목 1">
+            <a:extLst>
+              <a:ext uri="{FF2B5EF4-FFF2-40B4-BE49-F238E27FC236}">
+                <a16:creationId xmlns:a16="http://schemas.microsoft.com/office/drawing/2014/main" id="{11EC2A90-06F9-DA13-3994-BAEA090BDCD9}"/>
+              </a:ext>
+            </a:extLst>
+          </p:cNvPr>
+          <p:cNvSpPr>
+            <a:spLocks noGrp="1"/>
+          </p:cNvSpPr>
+          <p:nvPr/>
+        </p:nvSpPr>
+        <p:spPr>
+          <a:xfrm>
+            <a:off x="8133067" y="3080045"/>
+            <a:ext cx="730041" cy="697909"/>
+          </a:xfrm>
+          <a:prstGeom prst="rect">
+            <a:avLst/>
+          </a:prstGeom>
+          <a:ln>
+            <a:solidFill>
+              <a:srgbClr val="000000">
+                <a:alpha val="100000"/>
+              </a:srgbClr>
+            </a:solidFill>
+          </a:ln>
+        </p:spPr>
+        <p:txBody>
+          <a:bodyPr vert="horz" lIns="91440" tIns="45720" rIns="91440" bIns="45720" anchor="ctr">
+            <a:normAutofit/>
+          </a:bodyPr>
+          <a:lstStyle/>
+          <a:p>
+            <a:pPr marL="0" lvl="0" indent="0" algn="ctr" defTabSz="914400" rtl="0" eaLnBrk="1" latinLnBrk="1" hangingPunct="1">
+              <a:lnSpc>
+                <a:spcPct val="100000"/>
+              </a:lnSpc>
+              <a:spcBef>
+                <a:spcPct val="0"/>
+              </a:spcBef>
+              <a:spcAft>
+                <a:spcPts val="0"/>
+              </a:spcAft>
+              <a:buNone/>
+              <a:defRPr/>
+            </a:pPr>
+            <a:r>
+              <a:rPr kumimoji="0" lang="ko-KR" altLang="en-US" sz="1500" b="0" i="0" u="none" strike="noStrike" kern="1200" cap="none" spc="0" normalizeH="0" baseline="0">
+                <a:solidFill>
+                  <a:srgbClr val="000000"/>
+                </a:solidFill>
+                <a:latin typeface="Calibri"/>
+                <a:ea typeface="맑은 고딕"/>
+                <a:cs typeface="Calibri"/>
+              </a:rPr>
+              <a:t>석궁</a:t>
+            </a:r>
+            <a:endParaRPr kumimoji="0" lang="en-US" altLang="ko-KR" sz="1500" b="0" i="0" u="none" strike="noStrike" kern="1200" cap="none" spc="0" normalizeH="0" baseline="0">
+              <a:solidFill>
+                <a:srgbClr val="000000"/>
+              </a:solidFill>
+              <a:latin typeface="Calibri"/>
+              <a:ea typeface="맑은 고딕"/>
+              <a:cs typeface="Calibri"/>
+            </a:endParaRPr>
+          </a:p>
+        </p:txBody>
+      </p:sp>
+      <p:sp>
+        <p:nvSpPr>
+          <p:cNvPr id="70" name="제목 1">
+            <a:extLst>
+              <a:ext uri="{FF2B5EF4-FFF2-40B4-BE49-F238E27FC236}">
+                <a16:creationId xmlns:a16="http://schemas.microsoft.com/office/drawing/2014/main" id="{BDC0AB02-B6E1-B21D-1FE8-0B3EC1F43E9B}"/>
+              </a:ext>
+            </a:extLst>
+          </p:cNvPr>
+          <p:cNvSpPr>
+            <a:spLocks noGrp="1"/>
+          </p:cNvSpPr>
+          <p:nvPr/>
+        </p:nvSpPr>
+        <p:spPr>
+          <a:xfrm>
+            <a:off x="9062133" y="3080046"/>
+            <a:ext cx="813472" cy="697908"/>
+          </a:xfrm>
+          <a:prstGeom prst="rect">
+            <a:avLst/>
+          </a:prstGeom>
+          <a:ln>
+            <a:solidFill>
+              <a:srgbClr val="000000">
+                <a:alpha val="100000"/>
+              </a:srgbClr>
+            </a:solidFill>
+          </a:ln>
+        </p:spPr>
+        <p:txBody>
+          <a:bodyPr vert="horz" lIns="91440" tIns="45720" rIns="91440" bIns="45720" anchor="ctr">
+            <a:normAutofit/>
+          </a:bodyPr>
+          <a:lstStyle/>
+          <a:p>
+            <a:pPr marL="0" lvl="0" indent="0" algn="ctr" defTabSz="914400" rtl="0" eaLnBrk="1" latinLnBrk="1" hangingPunct="1">
+              <a:lnSpc>
+                <a:spcPct val="100000"/>
+              </a:lnSpc>
+              <a:spcBef>
+                <a:spcPct val="0"/>
+              </a:spcBef>
+              <a:spcAft>
+                <a:spcPts val="0"/>
+              </a:spcAft>
+              <a:buNone/>
+              <a:defRPr/>
+            </a:pPr>
+            <a:r>
+              <a:rPr kumimoji="0" lang="ko-KR" altLang="en-US" sz="1500" b="0" i="0" u="none" strike="noStrike" kern="1200" cap="none" spc="0" normalizeH="0" baseline="0">
+                <a:solidFill>
+                  <a:srgbClr val="000000"/>
+                </a:solidFill>
+                <a:latin typeface="Calibri"/>
+                <a:ea typeface="맑은 고딕"/>
+                <a:cs typeface="Calibri"/>
+              </a:rPr>
+              <a:t>활</a:t>
+            </a:r>
+          </a:p>
+          <a:p>
+            <a:pPr marL="0" lvl="0" indent="0" algn="ctr" defTabSz="914400" rtl="0" eaLnBrk="1" latinLnBrk="1" hangingPunct="1">
+              <a:lnSpc>
+                <a:spcPct val="100000"/>
+              </a:lnSpc>
+              <a:spcBef>
+                <a:spcPct val="0"/>
+              </a:spcBef>
+              <a:spcAft>
+                <a:spcPts val="0"/>
+              </a:spcAft>
+              <a:buNone/>
+              <a:defRPr/>
+            </a:pPr>
+            <a:endParaRPr lang="en-US" altLang="ko-KR" sz="1500">
+              <a:solidFill>
+                <a:srgbClr val="000000"/>
+              </a:solidFill>
+              <a:latin typeface="Calibri"/>
+              <a:ea typeface="맑은 고딕"/>
+              <a:cs typeface="Calibri"/>
+            </a:endParaRPr>
+          </a:p>
+        </p:txBody>
+      </p:sp>
+      <p:sp>
+        <p:nvSpPr>
+          <p:cNvPr id="72" name="제목 1">
+            <a:extLst>
+              <a:ext uri="{FF2B5EF4-FFF2-40B4-BE49-F238E27FC236}">
+                <a16:creationId xmlns:a16="http://schemas.microsoft.com/office/drawing/2014/main" id="{3855B808-17F3-15FF-B998-34BEA0D5E3F1}"/>
+              </a:ext>
+            </a:extLst>
+          </p:cNvPr>
+          <p:cNvSpPr>
+            <a:spLocks noGrp="1"/>
+          </p:cNvSpPr>
+          <p:nvPr/>
+        </p:nvSpPr>
+        <p:spPr>
+          <a:xfrm>
+            <a:off x="10897008" y="1818778"/>
+            <a:ext cx="1016126" cy="805425"/>
+          </a:xfrm>
+          <a:prstGeom prst="rect">
+            <a:avLst/>
+          </a:prstGeom>
+          <a:ln>
+            <a:solidFill>
+              <a:srgbClr val="000000">
+                <a:alpha val="100000"/>
+              </a:srgbClr>
+            </a:solidFill>
+          </a:ln>
+        </p:spPr>
+        <p:txBody>
+          <a:bodyPr vert="horz" lIns="91440" tIns="45720" rIns="91440" bIns="45720" anchor="ctr">
+            <a:normAutofit/>
+          </a:bodyPr>
+          <a:lstStyle/>
+          <a:p>
+            <a:pPr marL="0" lvl="0" indent="0" algn="ctr" defTabSz="914400" rtl="0" eaLnBrk="1" latinLnBrk="1" hangingPunct="1">
+              <a:lnSpc>
+                <a:spcPct val="100000"/>
+              </a:lnSpc>
+              <a:spcBef>
+                <a:spcPct val="0"/>
+              </a:spcBef>
+              <a:spcAft>
+                <a:spcPts val="0"/>
+              </a:spcAft>
+              <a:buNone/>
+              <a:defRPr/>
+            </a:pPr>
+            <a:r>
+              <a:rPr kumimoji="0" lang="ko-KR" altLang="en-US" sz="1500" b="0" i="0" u="none" strike="noStrike" kern="1200" cap="none" spc="0" normalizeH="0" baseline="0">
+                <a:solidFill>
+                  <a:srgbClr val="000000"/>
+                </a:solidFill>
+                <a:latin typeface="Calibri"/>
+                <a:ea typeface="맑은 고딕"/>
+                <a:cs typeface="Calibri"/>
+              </a:rPr>
+              <a:t>빗자루</a:t>
+            </a:r>
+            <a:r>
+              <a:rPr lang="en-US" altLang="ko-KR" sz="1500">
+                <a:solidFill>
+                  <a:srgbClr val="000000"/>
+                </a:solidFill>
+                <a:latin typeface="Calibri"/>
+                <a:ea typeface="맑은 고딕"/>
+                <a:cs typeface="Calibri"/>
+              </a:rPr>
+              <a:t> </a:t>
+            </a:r>
+            <a:endParaRPr kumimoji="0" lang="ko-KR" altLang="en-US" sz="1500" b="0" i="0" u="none" strike="noStrike" kern="1200" cap="none" spc="0" normalizeH="0" baseline="0">
+              <a:solidFill>
+                <a:srgbClr val="000000"/>
+              </a:solidFill>
+              <a:latin typeface="Calibri"/>
+              <a:ea typeface="맑은 고딕"/>
+              <a:cs typeface="Calibri"/>
+            </a:endParaRPr>
+          </a:p>
+        </p:txBody>
+      </p:sp>
+      <p:sp>
+        <p:nvSpPr>
+          <p:cNvPr id="73" name="제목 1">
+            <a:extLst>
+              <a:ext uri="{FF2B5EF4-FFF2-40B4-BE49-F238E27FC236}">
+                <a16:creationId xmlns:a16="http://schemas.microsoft.com/office/drawing/2014/main" id="{7426E2D9-AFDA-0BBE-7FED-3229CB97C1D7}"/>
+              </a:ext>
+            </a:extLst>
+          </p:cNvPr>
+          <p:cNvSpPr>
+            <a:spLocks noGrp="1"/>
+          </p:cNvSpPr>
+          <p:nvPr/>
+        </p:nvSpPr>
+        <p:spPr>
+          <a:xfrm>
+            <a:off x="10897008" y="1022952"/>
+            <a:ext cx="1165640" cy="662394"/>
+          </a:xfrm>
+          <a:prstGeom prst="rect">
+            <a:avLst/>
+          </a:prstGeom>
+          <a:ln>
+            <a:solidFill>
+              <a:srgbClr val="000000">
+                <a:alpha val="100000"/>
+              </a:srgbClr>
+            </a:solidFill>
+          </a:ln>
+        </p:spPr>
+        <p:txBody>
+          <a:bodyPr vert="horz" lIns="91440" tIns="45720" rIns="91440" bIns="45720" anchor="ctr">
+            <a:normAutofit/>
+          </a:bodyPr>
+          <a:lstStyle/>
+          <a:p>
+            <a:pPr marL="0" lvl="0" indent="0" algn="ctr" defTabSz="914400" rtl="0" eaLnBrk="1" latinLnBrk="1" hangingPunct="1">
+              <a:lnSpc>
+                <a:spcPct val="100000"/>
+              </a:lnSpc>
+              <a:spcBef>
+                <a:spcPct val="0"/>
+              </a:spcBef>
+              <a:spcAft>
+                <a:spcPts val="0"/>
+              </a:spcAft>
+              <a:buNone/>
+              <a:defRPr/>
+            </a:pPr>
+            <a:r>
+              <a:rPr lang="ko-KR" altLang="en-US" sz="1500">
+                <a:solidFill>
+                  <a:srgbClr val="000000"/>
+                </a:solidFill>
+                <a:latin typeface="Calibri"/>
+                <a:ea typeface="맑은 고딕"/>
+                <a:cs typeface="Calibri"/>
+              </a:rPr>
+              <a:t>완드</a:t>
+            </a:r>
+            <a:endParaRPr lang="en-US" altLang="ko-KR" sz="1500">
+              <a:solidFill>
+                <a:srgbClr val="000000"/>
+              </a:solidFill>
+              <a:latin typeface="Calibri"/>
+              <a:ea typeface="맑은 고딕"/>
+              <a:cs typeface="Calibri"/>
+            </a:endParaRPr>
+          </a:p>
+        </p:txBody>
+      </p:sp>
+      <p:cxnSp>
+        <p:nvCxnSpPr>
+          <p:cNvPr id="75" name="직선 연결선 74">
+            <a:extLst>
+              <a:ext uri="{FF2B5EF4-FFF2-40B4-BE49-F238E27FC236}">
+                <a16:creationId xmlns:a16="http://schemas.microsoft.com/office/drawing/2014/main" id="{FA4EF5FD-1310-480C-AA86-077F6102C64B}"/>
+              </a:ext>
+            </a:extLst>
+          </p:cNvPr>
+          <p:cNvCxnSpPr>
+            <a:stCxn id="22" idx="3"/>
+            <a:endCxn id="73" idx="1"/>
+          </p:cNvCxnSpPr>
+          <p:nvPr/>
+        </p:nvCxnSpPr>
+        <p:spPr>
+          <a:xfrm>
+            <a:off x="10401426" y="1249856"/>
+            <a:ext cx="495582" cy="104293"/>
+          </a:xfrm>
+          <a:prstGeom prst="line">
+            <a:avLst/>
+          </a:prstGeom>
+        </p:spPr>
+        <p:style>
+          <a:lnRef idx="1">
+            <a:schemeClr val="accent1"/>
+          </a:lnRef>
+          <a:fillRef idx="0">
+            <a:schemeClr val="accent1"/>
+          </a:fillRef>
+          <a:effectRef idx="0">
+            <a:schemeClr val="accent1"/>
+          </a:effectRef>
+          <a:fontRef idx="minor">
+            <a:schemeClr val="tx1"/>
+          </a:fontRef>
+        </p:style>
+      </p:cxnSp>
+      <p:cxnSp>
+        <p:nvCxnSpPr>
+          <p:cNvPr id="77" name="직선 연결선 76">
+            <a:extLst>
+              <a:ext uri="{FF2B5EF4-FFF2-40B4-BE49-F238E27FC236}">
+                <a16:creationId xmlns:a16="http://schemas.microsoft.com/office/drawing/2014/main" id="{494578C3-1F62-14B3-50E0-CD22A9A630B4}"/>
+              </a:ext>
+            </a:extLst>
+          </p:cNvPr>
+          <p:cNvCxnSpPr>
+            <a:stCxn id="22" idx="3"/>
+            <a:endCxn id="72" idx="1"/>
+          </p:cNvCxnSpPr>
+          <p:nvPr/>
+        </p:nvCxnSpPr>
+        <p:spPr>
+          <a:xfrm>
+            <a:off x="10401426" y="1249856"/>
+            <a:ext cx="495582" cy="971635"/>
+          </a:xfrm>
+          <a:prstGeom prst="line">
+            <a:avLst/>
+          </a:prstGeom>
+        </p:spPr>
+        <p:style>
+          <a:lnRef idx="1">
+            <a:schemeClr val="accent1"/>
+          </a:lnRef>
+          <a:fillRef idx="0">
+            <a:schemeClr val="accent1"/>
+          </a:fillRef>
+          <a:effectRef idx="0">
+            <a:schemeClr val="accent1"/>
+          </a:effectRef>
+          <a:fontRef idx="minor">
+            <a:schemeClr val="tx1"/>
+          </a:fontRef>
+        </p:style>
+      </p:cxnSp>
+      <p:cxnSp>
+        <p:nvCxnSpPr>
+          <p:cNvPr id="79" name="직선 연결선 78">
+            <a:extLst>
+              <a:ext uri="{FF2B5EF4-FFF2-40B4-BE49-F238E27FC236}">
+                <a16:creationId xmlns:a16="http://schemas.microsoft.com/office/drawing/2014/main" id="{959072C2-06C2-07C2-73EF-1BDA59595514}"/>
+              </a:ext>
+            </a:extLst>
+          </p:cNvPr>
+          <p:cNvCxnSpPr>
+            <a:stCxn id="21" idx="2"/>
+            <a:endCxn id="69" idx="0"/>
+          </p:cNvCxnSpPr>
+          <p:nvPr/>
+        </p:nvCxnSpPr>
+        <p:spPr>
+          <a:xfrm rot="5400000">
+            <a:off x="8102884" y="1944535"/>
+            <a:ext cx="1530714" cy="740306"/>
+          </a:xfrm>
+          <a:prstGeom prst="line">
+            <a:avLst/>
+          </a:prstGeom>
+        </p:spPr>
+        <p:style>
+          <a:lnRef idx="1">
+            <a:schemeClr val="accent1"/>
+          </a:lnRef>
+          <a:fillRef idx="0">
+            <a:schemeClr val="accent1"/>
+          </a:fillRef>
+          <a:effectRef idx="0">
+            <a:schemeClr val="accent1"/>
+          </a:effectRef>
+          <a:fontRef idx="minor">
+            <a:schemeClr val="tx1"/>
+          </a:fontRef>
+        </p:style>
+      </p:cxnSp>
+      <p:cxnSp>
+        <p:nvCxnSpPr>
+          <p:cNvPr id="81" name="직선 연결선 80">
+            <a:extLst>
+              <a:ext uri="{FF2B5EF4-FFF2-40B4-BE49-F238E27FC236}">
+                <a16:creationId xmlns:a16="http://schemas.microsoft.com/office/drawing/2014/main" id="{7B65E813-6BCC-5C8A-08EF-46634303E735}"/>
+              </a:ext>
+            </a:extLst>
+          </p:cNvPr>
+          <p:cNvCxnSpPr>
+            <a:stCxn id="21" idx="2"/>
+            <a:endCxn id="70" idx="0"/>
+          </p:cNvCxnSpPr>
+          <p:nvPr/>
+        </p:nvCxnSpPr>
+        <p:spPr>
+          <a:xfrm rot="16200000" flipH="1">
+            <a:off x="8588274" y="2199451"/>
+            <a:ext cx="1530715" cy="230475"/>
+          </a:xfrm>
+          <a:prstGeom prst="line">
+            <a:avLst/>
+          </a:prstGeom>
+        </p:spPr>
+        <p:style>
+          <a:lnRef idx="1">
+            <a:schemeClr val="accent1"/>
+          </a:lnRef>
+          <a:fillRef idx="0">
+            <a:schemeClr val="accent1"/>
+          </a:fillRef>
+          <a:effectRef idx="0">
+            <a:schemeClr val="accent1"/>
+          </a:effectRef>
+          <a:fontRef idx="minor">
+            <a:schemeClr val="tx1"/>
+          </a:fontRef>
+        </p:style>
+      </p:cxnSp>
+      <p:cxnSp>
+        <p:nvCxnSpPr>
+          <p:cNvPr id="86" name="직선 연결선 85">
+            <a:extLst>
+              <a:ext uri="{FF2B5EF4-FFF2-40B4-BE49-F238E27FC236}">
+                <a16:creationId xmlns:a16="http://schemas.microsoft.com/office/drawing/2014/main" id="{B47C2ED7-D53C-F3FA-4940-0357B674F660}"/>
+              </a:ext>
+            </a:extLst>
+          </p:cNvPr>
+          <p:cNvCxnSpPr>
+            <a:stCxn id="20" idx="2"/>
+            <a:endCxn id="66" idx="0"/>
+          </p:cNvCxnSpPr>
+          <p:nvPr/>
+        </p:nvCxnSpPr>
+        <p:spPr>
+          <a:xfrm flipH="1">
+            <a:off x="7625248" y="1621523"/>
+            <a:ext cx="475270" cy="72942"/>
+          </a:xfrm>
+          <a:prstGeom prst="line">
+            <a:avLst/>
+          </a:prstGeom>
+        </p:spPr>
+        <p:style>
+          <a:lnRef idx="1">
+            <a:schemeClr val="accent1"/>
+          </a:lnRef>
+          <a:fillRef idx="0">
+            <a:schemeClr val="accent1"/>
+          </a:fillRef>
+          <a:effectRef idx="0">
+            <a:schemeClr val="accent1"/>
+          </a:effectRef>
+          <a:fontRef idx="minor">
+            <a:schemeClr val="tx1"/>
+          </a:fontRef>
+        </p:style>
+      </p:cxnSp>
+      <p:cxnSp>
+        <p:nvCxnSpPr>
+          <p:cNvPr id="88" name="직선 연결선 87">
+            <a:extLst>
+              <a:ext uri="{FF2B5EF4-FFF2-40B4-BE49-F238E27FC236}">
+                <a16:creationId xmlns:a16="http://schemas.microsoft.com/office/drawing/2014/main" id="{F312F633-4F7E-0961-2AC9-C65A902456C2}"/>
+              </a:ext>
+            </a:extLst>
+          </p:cNvPr>
+          <p:cNvCxnSpPr>
+            <a:stCxn id="20" idx="2"/>
+            <a:endCxn id="67" idx="0"/>
+          </p:cNvCxnSpPr>
+          <p:nvPr/>
+        </p:nvCxnSpPr>
+        <p:spPr>
+          <a:xfrm>
+            <a:off x="8100518" y="1621523"/>
+            <a:ext cx="436365" cy="105221"/>
+          </a:xfrm>
+          <a:prstGeom prst="line">
+            <a:avLst/>
+          </a:prstGeom>
+        </p:spPr>
+        <p:style>
+          <a:lnRef idx="1">
+            <a:schemeClr val="accent1"/>
+          </a:lnRef>
+          <a:fillRef idx="0">
+            <a:schemeClr val="accent1"/>
+          </a:fillRef>
+          <a:effectRef idx="0">
+            <a:schemeClr val="accent1"/>
+          </a:effectRef>
+          <a:fontRef idx="minor">
+            <a:schemeClr val="tx1"/>
+          </a:fontRef>
+        </p:style>
+      </p:cxnSp>
+      <p:cxnSp>
+        <p:nvCxnSpPr>
+          <p:cNvPr id="90" name="직선 연결선 89">
+            <a:extLst>
+              <a:ext uri="{FF2B5EF4-FFF2-40B4-BE49-F238E27FC236}">
+                <a16:creationId xmlns:a16="http://schemas.microsoft.com/office/drawing/2014/main" id="{9E88DA08-CB6D-AAB9-7205-B8E2D3AB9E02}"/>
+              </a:ext>
+            </a:extLst>
+          </p:cNvPr>
+          <p:cNvCxnSpPr>
+            <a:stCxn id="20" idx="2"/>
+            <a:endCxn id="68" idx="0"/>
+          </p:cNvCxnSpPr>
+          <p:nvPr/>
+        </p:nvCxnSpPr>
+        <p:spPr>
+          <a:xfrm>
+            <a:off x="8100518" y="1621523"/>
+            <a:ext cx="1205021" cy="160986"/>
+          </a:xfrm>
+          <a:prstGeom prst="line">
+            <a:avLst/>
+          </a:prstGeom>
+        </p:spPr>
+        <p:style>
+          <a:lnRef idx="1">
+            <a:schemeClr val="accent1"/>
+          </a:lnRef>
+          <a:fillRef idx="0">
+            <a:schemeClr val="accent1"/>
+          </a:fillRef>
+          <a:effectRef idx="0">
+            <a:schemeClr val="accent1"/>
+          </a:effectRef>
+          <a:fontRef idx="minor">
+            <a:schemeClr val="tx1"/>
+          </a:fontRef>
+        </p:style>
+      </p:cxnSp>
+      <p:sp>
+        <p:nvSpPr>
+          <p:cNvPr id="118" name="제목 1">
+            <a:extLst>
+              <a:ext uri="{FF2B5EF4-FFF2-40B4-BE49-F238E27FC236}">
+                <a16:creationId xmlns:a16="http://schemas.microsoft.com/office/drawing/2014/main" id="{0FEC93D2-CB7F-FA4F-12A1-D779B55D23B1}"/>
+              </a:ext>
+            </a:extLst>
+          </p:cNvPr>
+          <p:cNvSpPr>
+            <a:spLocks noGrp="1"/>
+          </p:cNvSpPr>
+          <p:nvPr/>
+        </p:nvSpPr>
+        <p:spPr>
+          <a:xfrm>
+            <a:off x="7844644" y="158958"/>
+            <a:ext cx="1171135" cy="629244"/>
+          </a:xfrm>
+          <a:prstGeom prst="rect">
+            <a:avLst/>
+          </a:prstGeom>
+          <a:ln>
+            <a:solidFill>
+              <a:srgbClr val="000000">
+                <a:alpha val="100000"/>
+              </a:srgbClr>
+            </a:solidFill>
+          </a:ln>
+        </p:spPr>
+        <p:txBody>
+          <a:bodyPr vert="horz" lIns="91440" tIns="45720" rIns="91440" bIns="45720" anchor="ctr">
+            <a:normAutofit fontScale="92500" lnSpcReduction="10000"/>
+          </a:bodyPr>
+          <a:lstStyle/>
+          <a:p>
+            <a:pPr marL="0" lvl="0" indent="0" algn="ctr" defTabSz="914400" rtl="0" eaLnBrk="1" latinLnBrk="1" hangingPunct="1">
+              <a:lnSpc>
+                <a:spcPct val="100000"/>
+              </a:lnSpc>
+              <a:spcBef>
+                <a:spcPct val="0"/>
+              </a:spcBef>
+              <a:spcAft>
+                <a:spcPts val="0"/>
+              </a:spcAft>
+              <a:buNone/>
+              <a:defRPr/>
+            </a:pPr>
+            <a:r>
+              <a:rPr lang="en-US" altLang="ko-KR" sz="1300">
+                <a:solidFill>
+                  <a:srgbClr val="000000"/>
+                </a:solidFill>
+                <a:latin typeface="맑은 고딕"/>
+                <a:ea typeface="맑은 고딕"/>
+                <a:cs typeface="Calibri"/>
+              </a:rPr>
+              <a:t>item</a:t>
+            </a:r>
+          </a:p>
+          <a:p>
+            <a:pPr marL="0" lvl="0" indent="0" algn="ctr" defTabSz="914400" rtl="0" eaLnBrk="1" latinLnBrk="1" hangingPunct="1">
+              <a:lnSpc>
+                <a:spcPct val="100000"/>
+              </a:lnSpc>
+              <a:spcBef>
+                <a:spcPct val="0"/>
+              </a:spcBef>
+              <a:spcAft>
+                <a:spcPts val="0"/>
+              </a:spcAft>
+              <a:buNone/>
+              <a:defRPr/>
+            </a:pPr>
+            <a:r>
+              <a:rPr lang="ko-KR" altLang="en-US" sz="1300">
+                <a:solidFill>
+                  <a:srgbClr val="000000"/>
+                </a:solidFill>
+                <a:latin typeface="맑은 고딕"/>
+                <a:ea typeface="맑은 고딕"/>
+                <a:cs typeface="Calibri"/>
+              </a:rPr>
+              <a:t>변수</a:t>
+            </a:r>
+            <a:r>
+              <a:rPr lang="en-US" altLang="ko-KR" sz="1300">
+                <a:solidFill>
+                  <a:srgbClr val="000000"/>
+                </a:solidFill>
+                <a:latin typeface="맑은 고딕"/>
+                <a:ea typeface="맑은 고딕"/>
+                <a:cs typeface="Calibri"/>
+              </a:rPr>
+              <a:t>:price, weaponatk</a:t>
+            </a:r>
+          </a:p>
+        </p:txBody>
+      </p:sp>
+      <p:cxnSp>
+        <p:nvCxnSpPr>
+          <p:cNvPr id="141" name="직선 연결선 140">
+            <a:extLst>
+              <a:ext uri="{FF2B5EF4-FFF2-40B4-BE49-F238E27FC236}">
+                <a16:creationId xmlns:a16="http://schemas.microsoft.com/office/drawing/2014/main" id="{3AE9DE76-4B7D-E138-BB0F-F3D00F905C0B}"/>
+              </a:ext>
+            </a:extLst>
+          </p:cNvPr>
+          <p:cNvCxnSpPr>
+            <a:stCxn id="118" idx="2"/>
+            <a:endCxn id="20" idx="0"/>
+          </p:cNvCxnSpPr>
+          <p:nvPr/>
+        </p:nvCxnSpPr>
+        <p:spPr>
+          <a:xfrm flipH="1">
+            <a:off x="8100518" y="788202"/>
+            <a:ext cx="329694" cy="425167"/>
+          </a:xfrm>
+          <a:prstGeom prst="line">
+            <a:avLst/>
+          </a:prstGeom>
+        </p:spPr>
+        <p:style>
+          <a:lnRef idx="1">
+            <a:schemeClr val="accent1"/>
+          </a:lnRef>
+          <a:fillRef idx="0">
+            <a:schemeClr val="accent1"/>
+          </a:fillRef>
+          <a:effectRef idx="0">
+            <a:schemeClr val="accent1"/>
+          </a:effectRef>
+          <a:fontRef idx="minor">
+            <a:schemeClr val="tx1"/>
+          </a:fontRef>
+        </p:style>
+      </p:cxnSp>
+      <p:cxnSp>
+        <p:nvCxnSpPr>
+          <p:cNvPr id="143" name="직선 연결선 142">
+            <a:extLst>
+              <a:ext uri="{FF2B5EF4-FFF2-40B4-BE49-F238E27FC236}">
+                <a16:creationId xmlns:a16="http://schemas.microsoft.com/office/drawing/2014/main" id="{4D12AD52-9158-FDEA-2A0A-BBD3CAF8062F}"/>
+              </a:ext>
+            </a:extLst>
+          </p:cNvPr>
+          <p:cNvCxnSpPr>
+            <a:stCxn id="118" idx="2"/>
+            <a:endCxn id="21" idx="0"/>
+          </p:cNvCxnSpPr>
+          <p:nvPr/>
+        </p:nvCxnSpPr>
+        <p:spPr>
+          <a:xfrm>
+            <a:off x="8430212" y="788202"/>
+            <a:ext cx="808182" cy="352975"/>
+          </a:xfrm>
+          <a:prstGeom prst="line">
+            <a:avLst/>
+          </a:prstGeom>
+        </p:spPr>
+        <p:style>
+          <a:lnRef idx="1">
+            <a:schemeClr val="accent1"/>
+          </a:lnRef>
+          <a:fillRef idx="0">
+            <a:schemeClr val="accent1"/>
+          </a:fillRef>
+          <a:effectRef idx="0">
+            <a:schemeClr val="accent1"/>
+          </a:effectRef>
+          <a:fontRef idx="minor">
+            <a:schemeClr val="tx1"/>
+          </a:fontRef>
+        </p:style>
+      </p:cxnSp>
+      <p:cxnSp>
+        <p:nvCxnSpPr>
+          <p:cNvPr id="145" name="직선 연결선 144">
+            <a:extLst>
+              <a:ext uri="{FF2B5EF4-FFF2-40B4-BE49-F238E27FC236}">
+                <a16:creationId xmlns:a16="http://schemas.microsoft.com/office/drawing/2014/main" id="{76C925E9-E1D7-CCC2-F29A-BDEAF6BF4B8F}"/>
+              </a:ext>
+            </a:extLst>
+          </p:cNvPr>
+          <p:cNvCxnSpPr>
+            <a:stCxn id="118" idx="2"/>
+            <a:endCxn id="22" idx="0"/>
+          </p:cNvCxnSpPr>
+          <p:nvPr/>
+        </p:nvCxnSpPr>
+        <p:spPr>
+          <a:xfrm>
+            <a:off x="8430212" y="788202"/>
+            <a:ext cx="1681454" cy="257577"/>
+          </a:xfrm>
+          <a:prstGeom prst="line">
+            <a:avLst/>
+          </a:prstGeom>
+        </p:spPr>
+        <p:style>
+          <a:lnRef idx="1">
+            <a:schemeClr val="accent1"/>
+          </a:lnRef>
+          <a:fillRef idx="0">
+            <a:schemeClr val="accent1"/>
+          </a:fillRef>
+          <a:effectRef idx="0">
+            <a:schemeClr val="accent1"/>
+          </a:effectRef>
+          <a:fontRef idx="minor">
+            <a:schemeClr val="tx1"/>
+          </a:fontRef>
+        </p:style>
+      </p:cxnSp>
+      <p:sp>
+        <p:nvSpPr>
+          <p:cNvPr id="156" name="제목 1">
+            <a:extLst>
+              <a:ext uri="{FF2B5EF4-FFF2-40B4-BE49-F238E27FC236}">
+                <a16:creationId xmlns:a16="http://schemas.microsoft.com/office/drawing/2014/main" id="{43966A03-96AA-6C50-C757-4A16E5A6FAE9}"/>
+              </a:ext>
+            </a:extLst>
+          </p:cNvPr>
+          <p:cNvSpPr>
+            <a:spLocks noGrp="1"/>
+          </p:cNvSpPr>
+          <p:nvPr/>
+        </p:nvSpPr>
+        <p:spPr>
+          <a:xfrm>
+            <a:off x="5487526" y="3713312"/>
+            <a:ext cx="807868" cy="793815"/>
+          </a:xfrm>
+          <a:prstGeom prst="rect">
+            <a:avLst/>
+          </a:prstGeom>
+          <a:ln>
+            <a:solidFill>
+              <a:srgbClr val="000000">
+                <a:alpha val="100000"/>
+              </a:srgbClr>
+            </a:solidFill>
+          </a:ln>
+        </p:spPr>
+        <p:txBody>
+          <a:bodyPr vert="horz" lIns="91440" tIns="45720" rIns="91440" bIns="45720" anchor="ctr">
+            <a:normAutofit/>
+          </a:bodyPr>
+          <a:lstStyle/>
+          <a:p>
+            <a:pPr marL="0" lvl="0" indent="0" algn="ctr" defTabSz="914400" rtl="0" eaLnBrk="1" latinLnBrk="1" hangingPunct="1">
+              <a:lnSpc>
+                <a:spcPct val="100000"/>
+              </a:lnSpc>
+              <a:spcBef>
+                <a:spcPct val="0"/>
+              </a:spcBef>
+              <a:spcAft>
+                <a:spcPts val="0"/>
+              </a:spcAft>
+              <a:buNone/>
+              <a:defRPr/>
+            </a:pPr>
+            <a:r>
+              <a:rPr kumimoji="0" lang="ko-KR" altLang="en-US" sz="1300" b="0" i="0" u="none" strike="noStrike" kern="1200" cap="none" spc="0" normalizeH="0" baseline="0">
+                <a:solidFill>
+                  <a:srgbClr val="000000"/>
+                </a:solidFill>
+                <a:latin typeface="맑은 고딕"/>
+                <a:ea typeface="맑은 고딕"/>
+                <a:cs typeface="Calibri"/>
+              </a:rPr>
+              <a:t>기계족</a:t>
+            </a:r>
+          </a:p>
+        </p:txBody>
+      </p:sp>
+      <p:sp>
+        <p:nvSpPr>
+          <p:cNvPr id="157" name="제목 1">
+            <a:extLst>
+              <a:ext uri="{FF2B5EF4-FFF2-40B4-BE49-F238E27FC236}">
+                <a16:creationId xmlns:a16="http://schemas.microsoft.com/office/drawing/2014/main" id="{145CEC6E-C066-C7A9-8C9D-3A5C4973ECD8}"/>
+              </a:ext>
+            </a:extLst>
+          </p:cNvPr>
+          <p:cNvSpPr>
+            <a:spLocks noGrp="1"/>
+          </p:cNvSpPr>
+          <p:nvPr/>
+        </p:nvSpPr>
+        <p:spPr>
+          <a:xfrm>
+            <a:off x="4515448" y="3759879"/>
+            <a:ext cx="807868" cy="793815"/>
+          </a:xfrm>
+          <a:prstGeom prst="rect">
+            <a:avLst/>
+          </a:prstGeom>
+          <a:ln>
+            <a:solidFill>
+              <a:srgbClr val="000000">
+                <a:alpha val="100000"/>
+              </a:srgbClr>
+            </a:solidFill>
+          </a:ln>
+        </p:spPr>
+        <p:txBody>
+          <a:bodyPr vert="horz" lIns="91440" tIns="45720" rIns="91440" bIns="45720" anchor="ctr">
+            <a:normAutofit/>
+          </a:bodyPr>
+          <a:lstStyle/>
+          <a:p>
+            <a:pPr marL="0" lvl="0" indent="0" algn="ctr" defTabSz="914400" rtl="0" eaLnBrk="1" latinLnBrk="1" hangingPunct="1">
+              <a:lnSpc>
+                <a:spcPct val="100000"/>
+              </a:lnSpc>
+              <a:spcBef>
+                <a:spcPct val="0"/>
+              </a:spcBef>
+              <a:spcAft>
+                <a:spcPts val="0"/>
+              </a:spcAft>
+              <a:buNone/>
+              <a:defRPr/>
+            </a:pPr>
+            <a:r>
+              <a:rPr kumimoji="0" lang="ko-KR" altLang="en-US" sz="1300" b="0" i="0" u="none" strike="noStrike" kern="1200" cap="none" spc="0" normalizeH="0" baseline="0">
+                <a:solidFill>
+                  <a:srgbClr val="000000"/>
+                </a:solidFill>
+                <a:latin typeface="맑은 고딕"/>
+                <a:ea typeface="맑은 고딕"/>
+                <a:cs typeface="Calibri"/>
+              </a:rPr>
+              <a:t>악마족</a:t>
+            </a:r>
+          </a:p>
+        </p:txBody>
+      </p:sp>
+      <p:sp>
+        <p:nvSpPr>
+          <p:cNvPr id="158" name="제목 1">
+            <a:extLst>
+              <a:ext uri="{FF2B5EF4-FFF2-40B4-BE49-F238E27FC236}">
+                <a16:creationId xmlns:a16="http://schemas.microsoft.com/office/drawing/2014/main" id="{5B63EC10-F019-939E-07B4-39EA8E47E823}"/>
+              </a:ext>
+            </a:extLst>
+          </p:cNvPr>
+          <p:cNvSpPr>
+            <a:spLocks noGrp="1"/>
+          </p:cNvSpPr>
+          <p:nvPr/>
+        </p:nvSpPr>
+        <p:spPr>
+          <a:xfrm>
+            <a:off x="3530138" y="3766757"/>
+            <a:ext cx="807868" cy="793815"/>
+          </a:xfrm>
+          <a:prstGeom prst="rect">
+            <a:avLst/>
+          </a:prstGeom>
+          <a:ln>
+            <a:solidFill>
+              <a:srgbClr val="000000">
+                <a:alpha val="100000"/>
+              </a:srgbClr>
+            </a:solidFill>
+          </a:ln>
+        </p:spPr>
+        <p:txBody>
+          <a:bodyPr vert="horz" lIns="91440" tIns="45720" rIns="91440" bIns="45720" anchor="ctr">
+            <a:normAutofit/>
+          </a:bodyPr>
+          <a:lstStyle/>
+          <a:p>
+            <a:pPr marL="0" lvl="0" indent="0" algn="ctr" defTabSz="914400" rtl="0" eaLnBrk="1" latinLnBrk="1" hangingPunct="1">
+              <a:lnSpc>
+                <a:spcPct val="100000"/>
+              </a:lnSpc>
+              <a:spcBef>
+                <a:spcPct val="0"/>
+              </a:spcBef>
+              <a:spcAft>
+                <a:spcPts val="0"/>
+              </a:spcAft>
+              <a:buNone/>
+              <a:defRPr/>
+            </a:pPr>
+            <a:r>
+              <a:rPr kumimoji="0" lang="ko-KR" altLang="en-US" sz="1300" b="0" i="0" u="none" strike="noStrike" kern="1200" cap="none" spc="0" normalizeH="0" baseline="0">
+                <a:solidFill>
+                  <a:srgbClr val="000000"/>
+                </a:solidFill>
+                <a:latin typeface="맑은 고딕"/>
+                <a:ea typeface="맑은 고딕"/>
+                <a:cs typeface="Calibri"/>
+              </a:rPr>
+              <a:t>용족</a:t>
+            </a:r>
+          </a:p>
+        </p:txBody>
+      </p:sp>
+      <p:cxnSp>
+        <p:nvCxnSpPr>
+          <p:cNvPr id="159" name="선 158">
+            <a:extLst>
+              <a:ext uri="{FF2B5EF4-FFF2-40B4-BE49-F238E27FC236}">
+                <a16:creationId xmlns:a16="http://schemas.microsoft.com/office/drawing/2014/main" id="{AC7DCB21-BB24-EC35-D224-6139C41A947D}"/>
+              </a:ext>
+            </a:extLst>
+          </p:cNvPr>
+          <p:cNvCxnSpPr>
+            <a:stCxn id="7" idx="2"/>
+            <a:endCxn id="158" idx="0"/>
+          </p:cNvCxnSpPr>
+          <p:nvPr/>
+        </p:nvCxnSpPr>
+        <p:spPr>
+          <a:xfrm rot="5400000">
+            <a:off x="3649394" y="2703131"/>
+            <a:ext cx="1348304" cy="778948"/>
+          </a:xfrm>
+          <a:prstGeom prst="line">
+            <a:avLst/>
+          </a:prstGeom>
+        </p:spPr>
+        <p:style>
+          <a:lnRef idx="1">
+            <a:schemeClr val="accent1"/>
+          </a:lnRef>
+          <a:fillRef idx="0">
+            <a:schemeClr val="accent1"/>
+          </a:fillRef>
+          <a:effectRef idx="0">
+            <a:schemeClr val="accent1"/>
+          </a:effectRef>
+          <a:fontRef idx="minor">
+            <a:schemeClr val="tx1"/>
+          </a:fontRef>
+        </p:style>
+      </p:cxnSp>
+      <p:cxnSp>
+        <p:nvCxnSpPr>
+          <p:cNvPr id="160" name="선 159">
+            <a:extLst>
+              <a:ext uri="{FF2B5EF4-FFF2-40B4-BE49-F238E27FC236}">
+                <a16:creationId xmlns:a16="http://schemas.microsoft.com/office/drawing/2014/main" id="{C6222DBF-E469-CDE9-570D-F159FC0A554B}"/>
+              </a:ext>
+            </a:extLst>
+          </p:cNvPr>
+          <p:cNvCxnSpPr>
+            <a:stCxn id="7" idx="2"/>
+            <a:endCxn id="157" idx="0"/>
+          </p:cNvCxnSpPr>
+          <p:nvPr/>
+        </p:nvCxnSpPr>
+        <p:spPr>
+          <a:xfrm rot="16200000" flipH="1">
+            <a:off x="4145488" y="2985986"/>
+            <a:ext cx="1341426" cy="206360"/>
+          </a:xfrm>
+          <a:prstGeom prst="line">
+            <a:avLst/>
+          </a:prstGeom>
+        </p:spPr>
+        <p:style>
+          <a:lnRef idx="1">
+            <a:schemeClr val="accent1"/>
+          </a:lnRef>
+          <a:fillRef idx="0">
+            <a:schemeClr val="accent1"/>
+          </a:fillRef>
+          <a:effectRef idx="0">
+            <a:schemeClr val="accent1"/>
+          </a:effectRef>
+          <a:fontRef idx="minor">
+            <a:schemeClr val="tx1"/>
+          </a:fontRef>
+        </p:style>
+      </p:cxnSp>
+      <p:cxnSp>
+        <p:nvCxnSpPr>
+          <p:cNvPr id="161" name="선 160">
+            <a:extLst>
+              <a:ext uri="{FF2B5EF4-FFF2-40B4-BE49-F238E27FC236}">
+                <a16:creationId xmlns:a16="http://schemas.microsoft.com/office/drawing/2014/main" id="{AC3B6212-8A3A-B0CD-0537-A0292570594B}"/>
+              </a:ext>
+            </a:extLst>
+          </p:cNvPr>
+          <p:cNvCxnSpPr>
+            <a:stCxn id="7" idx="2"/>
+            <a:endCxn id="156" idx="0"/>
+          </p:cNvCxnSpPr>
+          <p:nvPr/>
+        </p:nvCxnSpPr>
+        <p:spPr>
+          <a:xfrm rot="16200000" flipH="1">
+            <a:off x="4654810" y="2476662"/>
+            <a:ext cx="1294859" cy="1178441"/>
+          </a:xfrm>
+          <a:prstGeom prst="line">
+            <a:avLst/>
+          </a:prstGeom>
+        </p:spPr>
+        <p:style>
+          <a:lnRef idx="1">
+            <a:schemeClr val="accent1"/>
+          </a:lnRef>
+          <a:fillRef idx="0">
+            <a:schemeClr val="accent1"/>
+          </a:fillRef>
+          <a:effectRef idx="0">
+            <a:schemeClr val="accent1"/>
+          </a:effectRef>
+          <a:fontRef idx="minor">
+            <a:schemeClr val="tx1"/>
+          </a:fontRef>
+        </p:style>
+      </p:cxnSp>
+      <p:sp>
+        <p:nvSpPr>
+          <p:cNvPr id="162" name="제목 1">
+            <a:extLst>
+              <a:ext uri="{FF2B5EF4-FFF2-40B4-BE49-F238E27FC236}">
+                <a16:creationId xmlns:a16="http://schemas.microsoft.com/office/drawing/2014/main" id="{F1024F04-1BD8-6B9B-61FE-7A85F2E0591E}"/>
+              </a:ext>
+            </a:extLst>
+          </p:cNvPr>
+          <p:cNvSpPr>
+            <a:spLocks noGrp="1"/>
+          </p:cNvSpPr>
+          <p:nvPr/>
+        </p:nvSpPr>
+        <p:spPr>
+          <a:xfrm>
+            <a:off x="5499259" y="5240935"/>
+            <a:ext cx="807868" cy="560319"/>
+          </a:xfrm>
+          <a:prstGeom prst="rect">
+            <a:avLst/>
+          </a:prstGeom>
+          <a:ln>
+            <a:solidFill>
+              <a:srgbClr val="000000">
+                <a:alpha val="100000"/>
+              </a:srgbClr>
+            </a:solidFill>
+          </a:ln>
+        </p:spPr>
+        <p:txBody>
+          <a:bodyPr vert="horz" lIns="91440" tIns="45720" rIns="91440" bIns="45720" anchor="ctr">
+            <a:normAutofit/>
+          </a:bodyPr>
+          <a:lstStyle/>
+          <a:p>
+            <a:pPr marL="0" lvl="0" indent="0" algn="ctr" defTabSz="914400" rtl="0" eaLnBrk="1" latinLnBrk="1" hangingPunct="1">
+              <a:lnSpc>
+                <a:spcPct val="100000"/>
+              </a:lnSpc>
+              <a:spcBef>
+                <a:spcPct val="0"/>
+              </a:spcBef>
+              <a:spcAft>
+                <a:spcPts val="0"/>
+              </a:spcAft>
+              <a:buNone/>
+              <a:defRPr/>
+            </a:pPr>
+            <a:r>
+              <a:rPr kumimoji="0" lang="ko-KR" altLang="en-US" sz="1500" b="0" i="0" u="none" strike="noStrike" kern="1200" cap="none" spc="0" normalizeH="0" baseline="0">
+                <a:solidFill>
+                  <a:srgbClr val="000000"/>
+                </a:solidFill>
+                <a:latin typeface="Calibri"/>
+                <a:ea typeface="맑은 고딕"/>
+                <a:cs typeface="Calibri"/>
+              </a:rPr>
+              <a:t>악마보스</a:t>
+            </a:r>
+          </a:p>
+        </p:txBody>
+      </p:sp>
+      <p:sp>
+        <p:nvSpPr>
+          <p:cNvPr id="164" name="제목 1">
+            <a:extLst>
+              <a:ext uri="{FF2B5EF4-FFF2-40B4-BE49-F238E27FC236}">
+                <a16:creationId xmlns:a16="http://schemas.microsoft.com/office/drawing/2014/main" id="{DDD7F2DC-543C-8FF2-41A8-E6D50294B594}"/>
+              </a:ext>
+            </a:extLst>
+          </p:cNvPr>
+          <p:cNvSpPr>
+            <a:spLocks noGrp="1"/>
+          </p:cNvSpPr>
+          <p:nvPr/>
+        </p:nvSpPr>
+        <p:spPr>
+          <a:xfrm>
+            <a:off x="3793225" y="5148860"/>
+            <a:ext cx="807868" cy="560319"/>
+          </a:xfrm>
+          <a:prstGeom prst="rect">
+            <a:avLst/>
+          </a:prstGeom>
+          <a:ln>
+            <a:solidFill>
+              <a:srgbClr val="000000">
+                <a:alpha val="100000"/>
+              </a:srgbClr>
+            </a:solidFill>
+          </a:ln>
+        </p:spPr>
+        <p:txBody>
+          <a:bodyPr vert="horz" lIns="91440" tIns="45720" rIns="91440" bIns="45720" anchor="ctr">
+            <a:normAutofit/>
+          </a:bodyPr>
+          <a:lstStyle/>
+          <a:p>
+            <a:pPr marL="0" lvl="0" indent="0" algn="ctr" defTabSz="914400" rtl="0" eaLnBrk="1" latinLnBrk="1" hangingPunct="1">
+              <a:lnSpc>
+                <a:spcPct val="100000"/>
+              </a:lnSpc>
+              <a:spcBef>
+                <a:spcPct val="0"/>
+              </a:spcBef>
+              <a:spcAft>
+                <a:spcPts val="0"/>
+              </a:spcAft>
+              <a:buNone/>
+              <a:defRPr/>
+            </a:pPr>
+            <a:r>
+              <a:rPr kumimoji="0" lang="ko-KR" altLang="en-US" sz="1500" b="0" i="0" u="none" strike="noStrike" kern="1200" cap="none" spc="0" normalizeH="0" baseline="0" dirty="0">
+                <a:solidFill>
+                  <a:srgbClr val="000000"/>
+                </a:solidFill>
+                <a:latin typeface="Calibri"/>
+                <a:ea typeface="맑은 고딕"/>
+                <a:cs typeface="Calibri"/>
+              </a:rPr>
+              <a:t>악마일반</a:t>
+            </a:r>
+            <a:endParaRPr kumimoji="0" lang="en-US" altLang="ko-KR" sz="1500" b="0" i="0" u="none" strike="noStrike" kern="1200" cap="none" spc="0" normalizeH="0" baseline="0" dirty="0">
+              <a:solidFill>
+                <a:srgbClr val="000000"/>
+              </a:solidFill>
+              <a:latin typeface="Calibri"/>
+              <a:ea typeface="맑은 고딕"/>
+              <a:cs typeface="Calibri"/>
+            </a:endParaRPr>
+          </a:p>
+        </p:txBody>
+      </p:sp>
+      <p:sp>
+        <p:nvSpPr>
+          <p:cNvPr id="165" name="제목 1">
+            <a:extLst>
+              <a:ext uri="{FF2B5EF4-FFF2-40B4-BE49-F238E27FC236}">
+                <a16:creationId xmlns:a16="http://schemas.microsoft.com/office/drawing/2014/main" id="{523C2D14-3D78-B34E-02F6-929777D6DF27}"/>
+              </a:ext>
+            </a:extLst>
+          </p:cNvPr>
+          <p:cNvSpPr>
+            <a:spLocks noGrp="1"/>
+          </p:cNvSpPr>
+          <p:nvPr/>
+        </p:nvSpPr>
+        <p:spPr>
+          <a:xfrm>
+            <a:off x="4104375" y="6297681"/>
+            <a:ext cx="807868" cy="560319"/>
+          </a:xfrm>
+          <a:prstGeom prst="rect">
+            <a:avLst/>
+          </a:prstGeom>
+          <a:ln>
+            <a:solidFill>
+              <a:srgbClr val="000000">
+                <a:alpha val="100000"/>
+              </a:srgbClr>
+            </a:solidFill>
+          </a:ln>
+        </p:spPr>
+        <p:txBody>
+          <a:bodyPr vert="horz" lIns="91440" tIns="45720" rIns="91440" bIns="45720" anchor="ctr">
+            <a:normAutofit/>
+          </a:bodyPr>
+          <a:lstStyle/>
+          <a:p>
+            <a:pPr marL="0" lvl="0" indent="0" algn="ctr" defTabSz="914400" rtl="0" eaLnBrk="1" latinLnBrk="1" hangingPunct="1">
+              <a:lnSpc>
+                <a:spcPct val="100000"/>
+              </a:lnSpc>
+              <a:spcBef>
+                <a:spcPct val="0"/>
+              </a:spcBef>
+              <a:spcAft>
+                <a:spcPts val="0"/>
+              </a:spcAft>
+              <a:buNone/>
+              <a:defRPr/>
+            </a:pPr>
+            <a:r>
+              <a:rPr kumimoji="0" lang="ko-KR" altLang="en-US" sz="1500" b="0" i="0" u="none" strike="noStrike" kern="1200" cap="none" spc="0" normalizeH="0" baseline="0">
+                <a:solidFill>
+                  <a:srgbClr val="000000"/>
+                </a:solidFill>
+                <a:latin typeface="Calibri"/>
+                <a:ea typeface="맑은 고딕"/>
+                <a:cs typeface="Calibri"/>
+              </a:rPr>
+              <a:t>용보스</a:t>
+            </a:r>
+          </a:p>
+        </p:txBody>
+      </p:sp>
+      <p:sp>
+        <p:nvSpPr>
+          <p:cNvPr id="167" name="제목 1">
+            <a:extLst>
+              <a:ext uri="{FF2B5EF4-FFF2-40B4-BE49-F238E27FC236}">
+                <a16:creationId xmlns:a16="http://schemas.microsoft.com/office/drawing/2014/main" id="{2F4827AB-2F7F-BA8A-ADA2-F7A2982A8B74}"/>
+              </a:ext>
+            </a:extLst>
+          </p:cNvPr>
+          <p:cNvSpPr>
+            <a:spLocks noGrp="1"/>
+          </p:cNvSpPr>
+          <p:nvPr/>
+        </p:nvSpPr>
+        <p:spPr>
+          <a:xfrm>
+            <a:off x="2305738" y="6161686"/>
+            <a:ext cx="807868" cy="560319"/>
+          </a:xfrm>
+          <a:prstGeom prst="rect">
+            <a:avLst/>
+          </a:prstGeom>
+          <a:ln>
+            <a:solidFill>
+              <a:srgbClr val="000000">
+                <a:alpha val="100000"/>
+              </a:srgbClr>
+            </a:solidFill>
+          </a:ln>
+        </p:spPr>
+        <p:txBody>
+          <a:bodyPr vert="horz" lIns="91440" tIns="45720" rIns="91440" bIns="45720" anchor="ctr">
+            <a:normAutofit/>
+          </a:bodyPr>
+          <a:lstStyle/>
+          <a:p>
+            <a:pPr marL="0" lvl="0" indent="0" algn="ctr" defTabSz="914400" rtl="0" eaLnBrk="1" latinLnBrk="1" hangingPunct="1">
+              <a:lnSpc>
+                <a:spcPct val="100000"/>
+              </a:lnSpc>
+              <a:spcBef>
+                <a:spcPct val="0"/>
+              </a:spcBef>
+              <a:spcAft>
+                <a:spcPts val="0"/>
+              </a:spcAft>
+              <a:buNone/>
+              <a:defRPr/>
+            </a:pPr>
+            <a:r>
+              <a:rPr kumimoji="0" lang="ko-KR" altLang="en-US" sz="1500" b="0" i="0" u="none" strike="noStrike" kern="1200" cap="none" spc="0" normalizeH="0" baseline="0" dirty="0" err="1">
+                <a:solidFill>
+                  <a:srgbClr val="000000"/>
+                </a:solidFill>
+                <a:latin typeface="Calibri"/>
+                <a:ea typeface="맑은 고딕"/>
+                <a:cs typeface="Calibri"/>
+              </a:rPr>
+              <a:t>용일반</a:t>
+            </a:r>
+            <a:endParaRPr kumimoji="0" lang="en-US" altLang="ko-KR" sz="1500" b="0" i="0" u="none" strike="noStrike" kern="1200" cap="none" spc="0" normalizeH="0" baseline="0" dirty="0">
+              <a:solidFill>
+                <a:srgbClr val="000000"/>
+              </a:solidFill>
+              <a:latin typeface="Calibri"/>
+              <a:ea typeface="맑은 고딕"/>
+              <a:cs typeface="Calibri"/>
+            </a:endParaRPr>
+          </a:p>
+        </p:txBody>
+      </p:sp>
+      <p:sp>
+        <p:nvSpPr>
+          <p:cNvPr id="168" name="제목 1">
+            <a:extLst>
+              <a:ext uri="{FF2B5EF4-FFF2-40B4-BE49-F238E27FC236}">
+                <a16:creationId xmlns:a16="http://schemas.microsoft.com/office/drawing/2014/main" id="{8D97932F-1813-EFDB-1E4E-9EDEDA70A04A}"/>
+              </a:ext>
+            </a:extLst>
+          </p:cNvPr>
+          <p:cNvSpPr>
+            <a:spLocks noGrp="1"/>
+          </p:cNvSpPr>
+          <p:nvPr/>
+        </p:nvSpPr>
+        <p:spPr>
+          <a:xfrm>
+            <a:off x="8369988" y="5994998"/>
+            <a:ext cx="807868" cy="560319"/>
+          </a:xfrm>
+          <a:prstGeom prst="rect">
+            <a:avLst/>
+          </a:prstGeom>
+          <a:ln>
+            <a:solidFill>
+              <a:srgbClr val="000000">
+                <a:alpha val="100000"/>
+              </a:srgbClr>
+            </a:solidFill>
+          </a:ln>
+        </p:spPr>
+        <p:txBody>
+          <a:bodyPr vert="horz" lIns="91440" tIns="45720" rIns="91440" bIns="45720" anchor="ctr">
+            <a:normAutofit/>
+          </a:bodyPr>
+          <a:lstStyle/>
+          <a:p>
+            <a:pPr marL="0" lvl="0" indent="0" algn="ctr" defTabSz="914400" rtl="0" eaLnBrk="1" latinLnBrk="1" hangingPunct="1">
+              <a:lnSpc>
+                <a:spcPct val="100000"/>
+              </a:lnSpc>
+              <a:spcBef>
+                <a:spcPct val="0"/>
+              </a:spcBef>
+              <a:spcAft>
+                <a:spcPts val="0"/>
+              </a:spcAft>
+              <a:buNone/>
+              <a:defRPr/>
+            </a:pPr>
+            <a:r>
+              <a:rPr kumimoji="0" lang="ko-KR" altLang="en-US" sz="1500" b="0" i="0" u="none" strike="noStrike" kern="1200" cap="none" spc="0" normalizeH="0" baseline="0">
+                <a:solidFill>
+                  <a:srgbClr val="000000"/>
+                </a:solidFill>
+                <a:latin typeface="Calibri"/>
+                <a:ea typeface="맑은 고딕"/>
+                <a:cs typeface="Calibri"/>
+              </a:rPr>
+              <a:t>기계보스</a:t>
+            </a:r>
+          </a:p>
+        </p:txBody>
+      </p:sp>
+      <p:sp>
+        <p:nvSpPr>
+          <p:cNvPr id="170" name="제목 1">
+            <a:extLst>
+              <a:ext uri="{FF2B5EF4-FFF2-40B4-BE49-F238E27FC236}">
+                <a16:creationId xmlns:a16="http://schemas.microsoft.com/office/drawing/2014/main" id="{9FB96078-EBC8-918C-1D5D-22BDB3B6D2EE}"/>
+              </a:ext>
+            </a:extLst>
+          </p:cNvPr>
+          <p:cNvSpPr>
+            <a:spLocks noGrp="1"/>
+          </p:cNvSpPr>
+          <p:nvPr/>
+        </p:nvSpPr>
+        <p:spPr>
+          <a:xfrm>
+            <a:off x="6611038" y="5995527"/>
+            <a:ext cx="807868" cy="560319"/>
+          </a:xfrm>
+          <a:prstGeom prst="rect">
+            <a:avLst/>
+          </a:prstGeom>
+          <a:ln>
+            <a:solidFill>
+              <a:srgbClr val="000000">
+                <a:alpha val="100000"/>
+              </a:srgbClr>
+            </a:solidFill>
+          </a:ln>
+        </p:spPr>
+        <p:txBody>
+          <a:bodyPr vert="horz" lIns="91440" tIns="45720" rIns="91440" bIns="45720" anchor="ctr">
+            <a:normAutofit/>
+          </a:bodyPr>
+          <a:lstStyle/>
+          <a:p>
+            <a:pPr marL="0" lvl="0" indent="0" algn="ctr" defTabSz="914400" rtl="0" eaLnBrk="1" latinLnBrk="1" hangingPunct="1">
+              <a:lnSpc>
+                <a:spcPct val="100000"/>
+              </a:lnSpc>
+              <a:spcBef>
+                <a:spcPct val="0"/>
+              </a:spcBef>
+              <a:spcAft>
+                <a:spcPts val="0"/>
+              </a:spcAft>
+              <a:buNone/>
+              <a:defRPr/>
+            </a:pPr>
+            <a:r>
+              <a:rPr kumimoji="0" lang="ko-KR" altLang="en-US" sz="1500" b="0" i="0" u="none" strike="noStrike" kern="1200" cap="none" spc="0" normalizeH="0" baseline="0" dirty="0">
+                <a:solidFill>
+                  <a:srgbClr val="000000"/>
+                </a:solidFill>
+                <a:latin typeface="Calibri"/>
+                <a:ea typeface="맑은 고딕"/>
+                <a:cs typeface="Calibri"/>
+              </a:rPr>
+              <a:t>기계일반</a:t>
+            </a:r>
+            <a:endParaRPr kumimoji="0" lang="en-US" altLang="ko-KR" sz="1500" b="0" i="0" u="none" strike="noStrike" kern="1200" cap="none" spc="0" normalizeH="0" baseline="0" dirty="0">
+              <a:solidFill>
+                <a:srgbClr val="000000"/>
+              </a:solidFill>
+              <a:latin typeface="Calibri"/>
+              <a:ea typeface="맑은 고딕"/>
+              <a:cs typeface="Calibri"/>
+            </a:endParaRPr>
+          </a:p>
+        </p:txBody>
+      </p:sp>
+      <p:cxnSp>
+        <p:nvCxnSpPr>
+          <p:cNvPr id="171" name="선 170">
+            <a:extLst>
+              <a:ext uri="{FF2B5EF4-FFF2-40B4-BE49-F238E27FC236}">
+                <a16:creationId xmlns:a16="http://schemas.microsoft.com/office/drawing/2014/main" id="{DB4B3950-0A43-D641-B890-EAD67D70412F}"/>
+              </a:ext>
+            </a:extLst>
+          </p:cNvPr>
+          <p:cNvCxnSpPr>
+            <a:stCxn id="158" idx="2"/>
+            <a:endCxn id="167" idx="0"/>
+          </p:cNvCxnSpPr>
+          <p:nvPr/>
+        </p:nvCxnSpPr>
+        <p:spPr>
+          <a:xfrm rot="5400000">
+            <a:off x="2521316" y="4748929"/>
+            <a:ext cx="1601113" cy="1224400"/>
+          </a:xfrm>
+          <a:prstGeom prst="line">
+            <a:avLst/>
+          </a:prstGeom>
+        </p:spPr>
+        <p:style>
+          <a:lnRef idx="1">
+            <a:schemeClr val="accent1"/>
+          </a:lnRef>
+          <a:fillRef idx="0">
+            <a:schemeClr val="accent1"/>
+          </a:fillRef>
+          <a:effectRef idx="0">
+            <a:schemeClr val="accent1"/>
+          </a:effectRef>
+          <a:fontRef idx="minor">
+            <a:schemeClr val="tx1"/>
+          </a:fontRef>
+        </p:style>
+      </p:cxnSp>
+      <p:cxnSp>
+        <p:nvCxnSpPr>
+          <p:cNvPr id="174" name="선 173">
+            <a:extLst>
+              <a:ext uri="{FF2B5EF4-FFF2-40B4-BE49-F238E27FC236}">
+                <a16:creationId xmlns:a16="http://schemas.microsoft.com/office/drawing/2014/main" id="{2FAB155F-A18E-98E9-8836-8E1677D9BCBC}"/>
+              </a:ext>
+            </a:extLst>
+          </p:cNvPr>
+          <p:cNvCxnSpPr>
+            <a:stCxn id="158" idx="2"/>
+            <a:endCxn id="165" idx="0"/>
+          </p:cNvCxnSpPr>
+          <p:nvPr/>
+        </p:nvCxnSpPr>
+        <p:spPr>
+          <a:xfrm rot="16200000" flipH="1">
+            <a:off x="3352637" y="5142009"/>
+            <a:ext cx="1737110" cy="574234"/>
+          </a:xfrm>
+          <a:prstGeom prst="line">
+            <a:avLst/>
+          </a:prstGeom>
+        </p:spPr>
+        <p:style>
+          <a:lnRef idx="1">
+            <a:schemeClr val="accent1"/>
+          </a:lnRef>
+          <a:fillRef idx="0">
+            <a:schemeClr val="accent1"/>
+          </a:fillRef>
+          <a:effectRef idx="0">
+            <a:schemeClr val="accent1"/>
+          </a:effectRef>
+          <a:fontRef idx="minor">
+            <a:schemeClr val="tx1"/>
+          </a:fontRef>
+        </p:style>
+      </p:cxnSp>
+      <p:cxnSp>
+        <p:nvCxnSpPr>
+          <p:cNvPr id="176" name="선 175">
+            <a:extLst>
+              <a:ext uri="{FF2B5EF4-FFF2-40B4-BE49-F238E27FC236}">
+                <a16:creationId xmlns:a16="http://schemas.microsoft.com/office/drawing/2014/main" id="{1080E950-598F-B79C-A7B7-04CAFC115B1E}"/>
+              </a:ext>
+            </a:extLst>
+          </p:cNvPr>
+          <p:cNvCxnSpPr>
+            <a:stCxn id="157" idx="2"/>
+            <a:endCxn id="164" idx="0"/>
+          </p:cNvCxnSpPr>
+          <p:nvPr/>
+        </p:nvCxnSpPr>
+        <p:spPr>
+          <a:xfrm rot="10800000" flipV="1">
+            <a:off x="4197159" y="4553695"/>
+            <a:ext cx="722225" cy="595165"/>
+          </a:xfrm>
+          <a:prstGeom prst="line">
+            <a:avLst/>
+          </a:prstGeom>
+        </p:spPr>
+        <p:style>
+          <a:lnRef idx="1">
+            <a:schemeClr val="accent1"/>
+          </a:lnRef>
+          <a:fillRef idx="0">
+            <a:schemeClr val="accent1"/>
+          </a:fillRef>
+          <a:effectRef idx="0">
+            <a:schemeClr val="accent1"/>
+          </a:effectRef>
+          <a:fontRef idx="minor">
+            <a:schemeClr val="tx1"/>
+          </a:fontRef>
+        </p:style>
+      </p:cxnSp>
+      <p:cxnSp>
+        <p:nvCxnSpPr>
+          <p:cNvPr id="178" name="선 177">
+            <a:extLst>
+              <a:ext uri="{FF2B5EF4-FFF2-40B4-BE49-F238E27FC236}">
+                <a16:creationId xmlns:a16="http://schemas.microsoft.com/office/drawing/2014/main" id="{B1F95C13-94E8-1367-95B4-00D31FAF0257}"/>
+              </a:ext>
+            </a:extLst>
+          </p:cNvPr>
+          <p:cNvCxnSpPr>
+            <a:stCxn id="157" idx="2"/>
+            <a:endCxn id="162" idx="0"/>
+          </p:cNvCxnSpPr>
+          <p:nvPr/>
+        </p:nvCxnSpPr>
+        <p:spPr>
+          <a:xfrm>
+            <a:off x="4919382" y="4553695"/>
+            <a:ext cx="983811" cy="687240"/>
+          </a:xfrm>
+          <a:prstGeom prst="line">
+            <a:avLst/>
+          </a:prstGeom>
+        </p:spPr>
+        <p:style>
+          <a:lnRef idx="1">
+            <a:schemeClr val="accent1"/>
+          </a:lnRef>
+          <a:fillRef idx="0">
+            <a:schemeClr val="accent1"/>
+          </a:fillRef>
+          <a:effectRef idx="0">
+            <a:schemeClr val="accent1"/>
+          </a:effectRef>
+          <a:fontRef idx="minor">
+            <a:schemeClr val="tx1"/>
+          </a:fontRef>
+        </p:style>
+      </p:cxnSp>
+      <p:cxnSp>
+        <p:nvCxnSpPr>
+          <p:cNvPr id="179" name="선 178">
+            <a:extLst>
+              <a:ext uri="{FF2B5EF4-FFF2-40B4-BE49-F238E27FC236}">
+                <a16:creationId xmlns:a16="http://schemas.microsoft.com/office/drawing/2014/main" id="{A4D427F2-C952-8AF4-05B3-F68E361CD887}"/>
+              </a:ext>
+            </a:extLst>
+          </p:cNvPr>
+          <p:cNvCxnSpPr>
+            <a:stCxn id="156" idx="2"/>
+            <a:endCxn id="170" idx="0"/>
+          </p:cNvCxnSpPr>
+          <p:nvPr/>
+        </p:nvCxnSpPr>
+        <p:spPr>
+          <a:xfrm rot="16200000" flipH="1">
+            <a:off x="5709016" y="4689572"/>
+            <a:ext cx="1488399" cy="1123512"/>
+          </a:xfrm>
+          <a:prstGeom prst="line">
+            <a:avLst/>
+          </a:prstGeom>
+        </p:spPr>
+        <p:style>
+          <a:lnRef idx="1">
+            <a:schemeClr val="accent1"/>
+          </a:lnRef>
+          <a:fillRef idx="0">
+            <a:schemeClr val="accent1"/>
+          </a:fillRef>
+          <a:effectRef idx="0">
+            <a:schemeClr val="accent1"/>
+          </a:effectRef>
+          <a:fontRef idx="minor">
+            <a:schemeClr val="tx1"/>
+          </a:fontRef>
+        </p:style>
+      </p:cxnSp>
+      <p:cxnSp>
+        <p:nvCxnSpPr>
+          <p:cNvPr id="182" name="선 181">
+            <a:extLst>
+              <a:ext uri="{FF2B5EF4-FFF2-40B4-BE49-F238E27FC236}">
+                <a16:creationId xmlns:a16="http://schemas.microsoft.com/office/drawing/2014/main" id="{FA3E1055-A695-19CE-7A7A-86447E3788E2}"/>
+              </a:ext>
+            </a:extLst>
+          </p:cNvPr>
+          <p:cNvCxnSpPr>
+            <a:stCxn id="156" idx="2"/>
+            <a:endCxn id="168" idx="0"/>
+          </p:cNvCxnSpPr>
+          <p:nvPr/>
+        </p:nvCxnSpPr>
+        <p:spPr>
+          <a:xfrm>
+            <a:off x="5891460" y="4507128"/>
+            <a:ext cx="2882462" cy="1487870"/>
+          </a:xfrm>
+          <a:prstGeom prst="line">
+            <a:avLst/>
+          </a:prstGeom>
+        </p:spPr>
+        <p:style>
+          <a:lnRef idx="1">
+            <a:schemeClr val="accent1"/>
+          </a:lnRef>
+          <a:fillRef idx="0">
+            <a:schemeClr val="accent1"/>
+          </a:fillRef>
+          <a:effectRef idx="0">
+            <a:schemeClr val="accent1"/>
+          </a:effectRef>
+          <a:fontRef idx="minor">
+            <a:schemeClr val="tx1"/>
+          </a:fontRef>
+        </p:style>
+      </p:cxnSp>
+      <p:sp>
+        <p:nvSpPr>
+          <p:cNvPr id="183" name="제목 1">
+            <a:extLst>
+              <a:ext uri="{FF2B5EF4-FFF2-40B4-BE49-F238E27FC236}">
+                <a16:creationId xmlns:a16="http://schemas.microsoft.com/office/drawing/2014/main" id="{756034F9-2FE4-BBC2-48CA-DBABAF2D977B}"/>
+              </a:ext>
+            </a:extLst>
+          </p:cNvPr>
+          <p:cNvSpPr>
+            <a:spLocks noGrp="1"/>
+          </p:cNvSpPr>
+          <p:nvPr/>
+        </p:nvSpPr>
+        <p:spPr>
+          <a:xfrm>
+            <a:off x="9571868" y="5400721"/>
+            <a:ext cx="1934132" cy="1229277"/>
+          </a:xfrm>
+          <a:prstGeom prst="rect">
+            <a:avLst/>
+          </a:prstGeom>
+          <a:ln>
+            <a:solidFill>
+              <a:srgbClr val="000000">
+                <a:alpha val="100000"/>
+              </a:srgbClr>
+            </a:solidFill>
+          </a:ln>
+        </p:spPr>
+        <p:txBody>
+          <a:bodyPr vert="horz" lIns="91440" tIns="45720" rIns="91440" bIns="45720" anchor="ctr">
+            <a:normAutofit/>
+          </a:bodyPr>
+          <a:lstStyle/>
+          <a:p>
+            <a:pPr marL="0" lvl="0" indent="0" algn="ctr" defTabSz="914400" rtl="0" eaLnBrk="1" latinLnBrk="1" hangingPunct="1">
+              <a:lnSpc>
+                <a:spcPct val="100000"/>
+              </a:lnSpc>
+              <a:spcBef>
+                <a:spcPct val="0"/>
+              </a:spcBef>
+              <a:spcAft>
+                <a:spcPts val="0"/>
+              </a:spcAft>
+              <a:buNone/>
+              <a:defRPr/>
+            </a:pPr>
+            <a:r>
+              <a:rPr kumimoji="0" lang="ko-KR" altLang="en-US" sz="1500" b="0" i="0" u="none" strike="noStrike" kern="1200" cap="none" spc="0" normalizeH="0" baseline="0" dirty="0">
+                <a:solidFill>
+                  <a:srgbClr val="000000"/>
+                </a:solidFill>
+                <a:latin typeface="Calibri"/>
+                <a:ea typeface="맑은 고딕"/>
+                <a:cs typeface="Calibri"/>
+              </a:rPr>
+              <a:t>인터페이스</a:t>
+            </a:r>
+          </a:p>
+          <a:p>
+            <a:pPr marL="0" lvl="0" indent="0" algn="ctr" defTabSz="914400" rtl="0" eaLnBrk="1" latinLnBrk="1" hangingPunct="1">
+              <a:lnSpc>
+                <a:spcPct val="100000"/>
+              </a:lnSpc>
+              <a:spcBef>
+                <a:spcPct val="0"/>
+              </a:spcBef>
+              <a:spcAft>
+                <a:spcPts val="0"/>
+              </a:spcAft>
+              <a:buNone/>
+              <a:defRPr/>
+            </a:pPr>
+            <a:r>
+              <a:rPr kumimoji="0" lang="ko-KR" altLang="en-US" sz="1500" b="0" i="0" u="none" strike="noStrike" kern="1200" cap="none" spc="0" normalizeH="0" baseline="0" dirty="0">
+                <a:solidFill>
+                  <a:srgbClr val="000000"/>
+                </a:solidFill>
+                <a:latin typeface="Calibri"/>
+                <a:ea typeface="맑은 고딕"/>
+                <a:cs typeface="Calibri"/>
+              </a:rPr>
+              <a:t>스킬</a:t>
+            </a:r>
+          </a:p>
+          <a:p>
+            <a:pPr marL="0" lvl="0" indent="0" algn="ctr" defTabSz="914400" rtl="0" eaLnBrk="1" latinLnBrk="1" hangingPunct="1">
+              <a:lnSpc>
+                <a:spcPct val="100000"/>
+              </a:lnSpc>
+              <a:spcBef>
+                <a:spcPct val="0"/>
+              </a:spcBef>
+              <a:spcAft>
+                <a:spcPts val="0"/>
+              </a:spcAft>
+              <a:buNone/>
+              <a:defRPr/>
+            </a:pPr>
+            <a:r>
+              <a:rPr kumimoji="0" lang="ko-KR" altLang="en-US" sz="1500" b="0" i="0" u="none" strike="noStrike" kern="1200" cap="none" spc="0" normalizeH="0" baseline="0" dirty="0">
+                <a:solidFill>
+                  <a:srgbClr val="000000"/>
+                </a:solidFill>
+                <a:latin typeface="Calibri"/>
+                <a:ea typeface="맑은 고딕"/>
+                <a:cs typeface="Calibri"/>
+              </a:rPr>
+              <a:t>메서드 </a:t>
+            </a:r>
+            <a:r>
+              <a:rPr kumimoji="0" lang="en-US" altLang="ko-KR" sz="1500" b="0" i="0" u="none" strike="noStrike" kern="1200" cap="none" spc="0" normalizeH="0" baseline="0" dirty="0">
+                <a:solidFill>
+                  <a:srgbClr val="000000"/>
+                </a:solidFill>
+                <a:latin typeface="Calibri"/>
+                <a:ea typeface="맑은 고딕"/>
+                <a:cs typeface="Calibri"/>
+              </a:rPr>
+              <a:t>: </a:t>
+            </a:r>
+            <a:r>
+              <a:rPr kumimoji="0" lang="ko-KR" altLang="en-US" sz="1500" b="0" i="0" u="none" strike="noStrike" kern="1200" cap="none" spc="0" normalizeH="0" baseline="0" dirty="0">
+                <a:solidFill>
+                  <a:srgbClr val="000000"/>
+                </a:solidFill>
+                <a:latin typeface="Calibri"/>
+                <a:ea typeface="맑은 고딕"/>
+                <a:cs typeface="Calibri"/>
+              </a:rPr>
+              <a:t>스킬</a:t>
+            </a:r>
+          </a:p>
+        </p:txBody>
+      </p:sp>
+      <p:cxnSp>
+        <p:nvCxnSpPr>
+          <p:cNvPr id="29" name="직선 연결선 28">
+            <a:extLst>
+              <a:ext uri="{FF2B5EF4-FFF2-40B4-BE49-F238E27FC236}">
+                <a16:creationId xmlns:a16="http://schemas.microsoft.com/office/drawing/2014/main" id="{FB3DD1C4-707F-F8D1-D380-DA46EEA46FCC}"/>
+              </a:ext>
+            </a:extLst>
+          </p:cNvPr>
+          <p:cNvCxnSpPr>
+            <a:stCxn id="6" idx="3"/>
+            <a:endCxn id="183" idx="1"/>
+          </p:cNvCxnSpPr>
+          <p:nvPr/>
+        </p:nvCxnSpPr>
+        <p:spPr>
+          <a:xfrm>
+            <a:off x="3023250" y="1417549"/>
+            <a:ext cx="6548618" cy="4597811"/>
+          </a:xfrm>
+          <a:prstGeom prst="line">
+            <a:avLst/>
+          </a:prstGeom>
+        </p:spPr>
+        <p:style>
+          <a:lnRef idx="1">
+            <a:schemeClr val="accent1"/>
+          </a:lnRef>
+          <a:fillRef idx="0">
+            <a:schemeClr val="accent1"/>
+          </a:fillRef>
+          <a:effectRef idx="0">
+            <a:schemeClr val="accent1"/>
+          </a:effectRef>
+          <a:fontRef idx="minor">
+            <a:schemeClr val="tx1"/>
+          </a:fontRef>
+        </p:style>
+      </p:cxnSp>
+      <p:sp>
+        <p:nvSpPr>
+          <p:cNvPr id="206" name="제목 1">
+            <a:extLst>
+              <a:ext uri="{FF2B5EF4-FFF2-40B4-BE49-F238E27FC236}">
+                <a16:creationId xmlns:a16="http://schemas.microsoft.com/office/drawing/2014/main" id="{D4E67C93-FFA7-A63A-93B4-9B1BDD7068A8}"/>
+              </a:ext>
+            </a:extLst>
+          </p:cNvPr>
+          <p:cNvSpPr>
+            <a:spLocks noGrp="1"/>
+          </p:cNvSpPr>
+          <p:nvPr/>
+        </p:nvSpPr>
+        <p:spPr>
+          <a:xfrm>
+            <a:off x="9849679" y="4091031"/>
+            <a:ext cx="1934132" cy="1229277"/>
+          </a:xfrm>
+          <a:prstGeom prst="rect">
+            <a:avLst/>
+          </a:prstGeom>
+          <a:ln>
+            <a:solidFill>
+              <a:srgbClr val="000000">
+                <a:alpha val="100000"/>
+              </a:srgbClr>
+            </a:solidFill>
+          </a:ln>
+        </p:spPr>
+        <p:txBody>
+          <a:bodyPr vert="horz" lIns="91440" tIns="45720" rIns="91440" bIns="45720" anchor="ctr">
+            <a:normAutofit/>
+          </a:bodyPr>
+          <a:lstStyle/>
+          <a:p>
+            <a:pPr marL="0" lvl="0" indent="0" algn="ctr" defTabSz="914400" rtl="0" eaLnBrk="1" latinLnBrk="1" hangingPunct="1">
+              <a:lnSpc>
+                <a:spcPct val="100000"/>
+              </a:lnSpc>
+              <a:spcBef>
+                <a:spcPct val="0"/>
+              </a:spcBef>
+              <a:spcAft>
+                <a:spcPts val="0"/>
+              </a:spcAft>
+              <a:buNone/>
+              <a:defRPr/>
+            </a:pPr>
+            <a:r>
+              <a:rPr kumimoji="0" lang="ko-KR" altLang="en-US" sz="1500" b="0" i="0" u="none" strike="noStrike" kern="1200" cap="none" spc="0" normalizeH="0" baseline="0" dirty="0">
+                <a:solidFill>
+                  <a:srgbClr val="000000"/>
+                </a:solidFill>
+                <a:latin typeface="Calibri"/>
+                <a:ea typeface="맑은 고딕"/>
+                <a:cs typeface="Calibri"/>
+              </a:rPr>
+              <a:t>인터페이스</a:t>
+            </a:r>
+          </a:p>
+          <a:p>
+            <a:pPr marL="0" lvl="0" indent="0" algn="ctr" defTabSz="914400" rtl="0" eaLnBrk="1" latinLnBrk="1" hangingPunct="1">
+              <a:lnSpc>
+                <a:spcPct val="100000"/>
+              </a:lnSpc>
+              <a:spcBef>
+                <a:spcPct val="0"/>
+              </a:spcBef>
+              <a:spcAft>
+                <a:spcPts val="0"/>
+              </a:spcAft>
+              <a:buNone/>
+              <a:defRPr/>
+            </a:pPr>
+            <a:r>
+              <a:rPr kumimoji="0" lang="ko-KR" altLang="en-US" sz="1500" b="0" i="0" u="none" strike="noStrike" kern="1200" cap="none" spc="0" normalizeH="0" baseline="0" dirty="0" err="1">
+                <a:solidFill>
+                  <a:srgbClr val="000000"/>
+                </a:solidFill>
+                <a:latin typeface="Calibri"/>
+                <a:ea typeface="맑은 고딕"/>
+                <a:cs typeface="Calibri"/>
+              </a:rPr>
+              <a:t>몬스터공격</a:t>
+            </a:r>
+            <a:endParaRPr kumimoji="0" lang="ko-KR" altLang="en-US" sz="1500" b="0" i="0" u="none" strike="noStrike" kern="1200" cap="none" spc="0" normalizeH="0" baseline="0" dirty="0">
+              <a:solidFill>
+                <a:srgbClr val="000000"/>
+              </a:solidFill>
+              <a:latin typeface="Calibri"/>
+              <a:ea typeface="맑은 고딕"/>
+              <a:cs typeface="Calibri"/>
+            </a:endParaRPr>
+          </a:p>
+          <a:p>
+            <a:pPr marL="0" lvl="0" indent="0" algn="ctr" defTabSz="914400" rtl="0" eaLnBrk="1" latinLnBrk="1" hangingPunct="1">
+              <a:lnSpc>
+                <a:spcPct val="100000"/>
+              </a:lnSpc>
+              <a:spcBef>
+                <a:spcPct val="0"/>
+              </a:spcBef>
+              <a:spcAft>
+                <a:spcPts val="0"/>
+              </a:spcAft>
+              <a:buNone/>
+              <a:defRPr/>
+            </a:pPr>
+            <a:r>
+              <a:rPr kumimoji="0" lang="ko-KR" altLang="en-US" sz="1500" b="0" i="0" u="none" strike="noStrike" kern="1200" cap="none" spc="0" normalizeH="0" baseline="0" dirty="0">
+                <a:solidFill>
+                  <a:srgbClr val="000000"/>
+                </a:solidFill>
+                <a:latin typeface="Calibri"/>
+                <a:ea typeface="맑은 고딕"/>
+                <a:cs typeface="Calibri"/>
+              </a:rPr>
+              <a:t>메서드 </a:t>
+            </a:r>
+            <a:r>
+              <a:rPr kumimoji="0" lang="en-US" altLang="ko-KR" sz="1500" b="0" i="0" u="none" strike="noStrike" kern="1200" cap="none" spc="0" normalizeH="0" baseline="0" dirty="0">
+                <a:solidFill>
+                  <a:srgbClr val="000000"/>
+                </a:solidFill>
+                <a:latin typeface="Calibri"/>
+                <a:ea typeface="맑은 고딕"/>
+                <a:cs typeface="Calibri"/>
+              </a:rPr>
+              <a:t>: </a:t>
+            </a:r>
+            <a:r>
+              <a:rPr kumimoji="0" lang="ko-KR" altLang="en-US" sz="1500" b="0" i="0" u="none" strike="noStrike" kern="1200" cap="none" spc="0" normalizeH="0" baseline="0" dirty="0">
+                <a:solidFill>
+                  <a:srgbClr val="000000"/>
+                </a:solidFill>
+                <a:latin typeface="Calibri"/>
+                <a:ea typeface="맑은 고딕"/>
+                <a:cs typeface="Calibri"/>
+              </a:rPr>
+              <a:t>기본공격</a:t>
+            </a:r>
+            <a:endParaRPr kumimoji="0" lang="en-US" altLang="ko-KR" sz="1500" b="0" i="0" u="none" strike="noStrike" kern="1200" cap="none" spc="0" normalizeH="0" baseline="0" dirty="0">
+              <a:solidFill>
+                <a:srgbClr val="000000"/>
+              </a:solidFill>
+              <a:latin typeface="Calibri"/>
+              <a:ea typeface="맑은 고딕"/>
+              <a:cs typeface="Calibri"/>
+            </a:endParaRPr>
+          </a:p>
+        </p:txBody>
+      </p:sp>
+      <p:cxnSp>
+        <p:nvCxnSpPr>
+          <p:cNvPr id="207" name="선 206">
+            <a:extLst>
+              <a:ext uri="{FF2B5EF4-FFF2-40B4-BE49-F238E27FC236}">
+                <a16:creationId xmlns:a16="http://schemas.microsoft.com/office/drawing/2014/main" id="{F35BACEF-A4F7-9539-06E1-5088AB3FC0A6}"/>
+              </a:ext>
+            </a:extLst>
+          </p:cNvPr>
+          <p:cNvCxnSpPr>
+            <a:stCxn id="7" idx="3"/>
+            <a:endCxn id="206" idx="1"/>
+          </p:cNvCxnSpPr>
+          <p:nvPr/>
+        </p:nvCxnSpPr>
+        <p:spPr>
+          <a:xfrm>
+            <a:off x="5272857" y="1929305"/>
+            <a:ext cx="4576822" cy="2776365"/>
+          </a:xfrm>
+          <a:prstGeom prst="line">
+            <a:avLst/>
+          </a:prstGeom>
+        </p:spPr>
+        <p:style>
+          <a:lnRef idx="1">
+            <a:schemeClr val="accent1"/>
+          </a:lnRef>
+          <a:fillRef idx="0">
+            <a:schemeClr val="accent1"/>
+          </a:fillRef>
+          <a:effectRef idx="0">
+            <a:schemeClr val="accent1"/>
+          </a:effectRef>
+          <a:fontRef idx="minor">
+            <a:schemeClr val="tx1"/>
+          </a:fontRef>
+        </p:style>
+      </p:cxnSp>
+      <p:sp>
+        <p:nvSpPr>
+          <p:cNvPr id="208" name="제목 1">
+            <a:extLst>
+              <a:ext uri="{FF2B5EF4-FFF2-40B4-BE49-F238E27FC236}">
+                <a16:creationId xmlns:a16="http://schemas.microsoft.com/office/drawing/2014/main" id="{0207956A-A400-F0F4-75A3-4863AF47C97E}"/>
+              </a:ext>
+            </a:extLst>
+          </p:cNvPr>
+          <p:cNvSpPr>
+            <a:spLocks noGrp="1"/>
+          </p:cNvSpPr>
+          <p:nvPr/>
+        </p:nvSpPr>
+        <p:spPr>
+          <a:xfrm>
+            <a:off x="10081454" y="2887122"/>
+            <a:ext cx="1934132" cy="1083756"/>
+          </a:xfrm>
+          <a:prstGeom prst="rect">
+            <a:avLst/>
+          </a:prstGeom>
+          <a:ln>
+            <a:solidFill>
+              <a:srgbClr val="000000">
+                <a:alpha val="100000"/>
+              </a:srgbClr>
+            </a:solidFill>
+          </a:ln>
+        </p:spPr>
+        <p:txBody>
+          <a:bodyPr vert="horz" lIns="91440" tIns="45720" rIns="91440" bIns="45720" anchor="ctr">
+            <a:normAutofit/>
+          </a:bodyPr>
+          <a:lstStyle/>
+          <a:p>
+            <a:pPr marL="0" lvl="0" indent="0" algn="ctr" defTabSz="914400" rtl="0" eaLnBrk="1" latinLnBrk="1" hangingPunct="1">
+              <a:lnSpc>
+                <a:spcPct val="100000"/>
+              </a:lnSpc>
+              <a:spcBef>
+                <a:spcPct val="0"/>
+              </a:spcBef>
+              <a:spcAft>
+                <a:spcPts val="0"/>
+              </a:spcAft>
+              <a:buNone/>
+              <a:defRPr/>
+            </a:pPr>
+            <a:r>
+              <a:rPr kumimoji="0" lang="ko-KR" altLang="en-US" sz="1500" b="0" i="0" u="none" strike="noStrike" kern="1200" cap="none" spc="0" normalizeH="0" baseline="0" dirty="0">
+                <a:solidFill>
+                  <a:srgbClr val="000000"/>
+                </a:solidFill>
+                <a:latin typeface="Calibri"/>
+                <a:ea typeface="맑은 고딕"/>
+                <a:cs typeface="Calibri"/>
+              </a:rPr>
+              <a:t>인터페이스</a:t>
+            </a:r>
+          </a:p>
+          <a:p>
+            <a:pPr marL="0" lvl="0" indent="0" algn="ctr" defTabSz="914400" rtl="0" eaLnBrk="1" latinLnBrk="1" hangingPunct="1">
+              <a:lnSpc>
+                <a:spcPct val="100000"/>
+              </a:lnSpc>
+              <a:spcBef>
+                <a:spcPct val="0"/>
+              </a:spcBef>
+              <a:spcAft>
+                <a:spcPts val="0"/>
+              </a:spcAft>
+              <a:buNone/>
+              <a:defRPr/>
+            </a:pPr>
+            <a:r>
+              <a:rPr kumimoji="0" lang="ko-KR" altLang="en-US" sz="1500" b="0" i="0" u="none" strike="noStrike" kern="1200" cap="none" spc="0" normalizeH="0" baseline="0" dirty="0" err="1">
+                <a:solidFill>
+                  <a:srgbClr val="000000"/>
+                </a:solidFill>
+                <a:latin typeface="Calibri"/>
+                <a:ea typeface="맑은 고딕"/>
+                <a:cs typeface="Calibri"/>
+              </a:rPr>
+              <a:t>몬스터스킬</a:t>
+            </a:r>
+            <a:endParaRPr kumimoji="0" lang="ko-KR" altLang="en-US" sz="1500" b="0" i="0" u="none" strike="noStrike" kern="1200" cap="none" spc="0" normalizeH="0" baseline="0" dirty="0">
+              <a:solidFill>
+                <a:srgbClr val="000000"/>
+              </a:solidFill>
+              <a:latin typeface="Calibri"/>
+              <a:ea typeface="맑은 고딕"/>
+              <a:cs typeface="Calibri"/>
+            </a:endParaRPr>
+          </a:p>
+          <a:p>
+            <a:pPr marL="0" lvl="0" indent="0" algn="ctr" defTabSz="914400" rtl="0" eaLnBrk="1" latinLnBrk="1" hangingPunct="1">
+              <a:lnSpc>
+                <a:spcPct val="100000"/>
+              </a:lnSpc>
+              <a:spcBef>
+                <a:spcPct val="0"/>
+              </a:spcBef>
+              <a:spcAft>
+                <a:spcPts val="0"/>
+              </a:spcAft>
+              <a:buNone/>
+              <a:defRPr/>
+            </a:pPr>
+            <a:r>
+              <a:rPr kumimoji="0" lang="ko-KR" altLang="en-US" sz="1500" b="0" i="0" u="none" strike="noStrike" kern="1200" cap="none" spc="0" normalizeH="0" baseline="0" dirty="0">
+                <a:solidFill>
+                  <a:srgbClr val="000000"/>
+                </a:solidFill>
+                <a:latin typeface="Calibri"/>
+                <a:ea typeface="맑은 고딕"/>
+                <a:cs typeface="Calibri"/>
+              </a:rPr>
+              <a:t>메서드 </a:t>
+            </a:r>
+            <a:r>
+              <a:rPr kumimoji="0" lang="en-US" altLang="ko-KR" sz="1500" b="0" i="0" u="none" strike="noStrike" kern="1200" cap="none" spc="0" normalizeH="0" baseline="0" dirty="0">
+                <a:solidFill>
+                  <a:srgbClr val="000000"/>
+                </a:solidFill>
+                <a:latin typeface="Calibri"/>
+                <a:ea typeface="맑은 고딕"/>
+                <a:cs typeface="Calibri"/>
+              </a:rPr>
+              <a:t>: </a:t>
+            </a:r>
+            <a:r>
+              <a:rPr kumimoji="0" lang="ko-KR" altLang="en-US" sz="1500" b="0" i="0" u="none" strike="noStrike" kern="1200" cap="none" spc="0" normalizeH="0" baseline="0" dirty="0">
+                <a:solidFill>
+                  <a:srgbClr val="000000"/>
+                </a:solidFill>
+                <a:latin typeface="Calibri"/>
+                <a:ea typeface="맑은 고딕"/>
+                <a:cs typeface="Calibri"/>
+              </a:rPr>
+              <a:t>스킬</a:t>
+            </a:r>
+          </a:p>
+        </p:txBody>
+      </p:sp>
+      <p:cxnSp>
+        <p:nvCxnSpPr>
+          <p:cNvPr id="209" name="선 208">
+            <a:extLst>
+              <a:ext uri="{FF2B5EF4-FFF2-40B4-BE49-F238E27FC236}">
+                <a16:creationId xmlns:a16="http://schemas.microsoft.com/office/drawing/2014/main" id="{8EC87D8F-0273-D44E-5CC1-CBF8584FD2F0}"/>
+              </a:ext>
+            </a:extLst>
+          </p:cNvPr>
+          <p:cNvCxnSpPr>
+            <a:stCxn id="7" idx="3"/>
+            <a:endCxn id="208" idx="1"/>
+          </p:cNvCxnSpPr>
+          <p:nvPr/>
+        </p:nvCxnSpPr>
+        <p:spPr>
+          <a:xfrm>
+            <a:off x="5272857" y="1929305"/>
+            <a:ext cx="4808597" cy="1499695"/>
+          </a:xfrm>
+          <a:prstGeom prst="line">
+            <a:avLst/>
+          </a:prstGeom>
+        </p:spPr>
+        <p:style>
+          <a:lnRef idx="1">
+            <a:schemeClr val="accent1"/>
+          </a:lnRef>
+          <a:fillRef idx="0">
+            <a:schemeClr val="accent1"/>
+          </a:fillRef>
+          <a:effectRef idx="0">
+            <a:schemeClr val="accent1"/>
+          </a:effectRef>
+          <a:fontRef idx="minor">
+            <a:schemeClr val="tx1"/>
+          </a:fontRef>
+        </p:style>
+      </p:cxnSp>
+      <p:cxnSp>
+        <p:nvCxnSpPr>
+          <p:cNvPr id="3" name="직선 연결선 2">
+            <a:extLst>
+              <a:ext uri="{FF2B5EF4-FFF2-40B4-BE49-F238E27FC236}">
+                <a16:creationId xmlns:a16="http://schemas.microsoft.com/office/drawing/2014/main" id="{264AE8B6-9485-0CC6-21C7-1366775A1C82}"/>
+              </a:ext>
+            </a:extLst>
+          </p:cNvPr>
+          <p:cNvCxnSpPr>
+            <a:cxnSpLocks/>
+            <a:stCxn id="4" idx="2"/>
+            <a:endCxn id="14" idx="0"/>
+          </p:cNvCxnSpPr>
+          <p:nvPr/>
+        </p:nvCxnSpPr>
+        <p:spPr>
+          <a:xfrm flipH="1">
+            <a:off x="5818436" y="802911"/>
+            <a:ext cx="170482" cy="1765814"/>
+          </a:xfrm>
+          <a:prstGeom prst="line">
+            <a:avLst/>
+          </a:prstGeom>
+        </p:spPr>
+        <p:style>
+          <a:lnRef idx="1">
+            <a:schemeClr val="accent1"/>
+          </a:lnRef>
+          <a:fillRef idx="0">
+            <a:schemeClr val="accent1"/>
+          </a:fillRef>
+          <a:effectRef idx="0">
+            <a:schemeClr val="accent1"/>
+          </a:effectRef>
+          <a:fontRef idx="minor">
+            <a:schemeClr val="tx1"/>
+          </a:fontRef>
+        </p:style>
+      </p:cxnSp>
+    </p:spTree>
+    <p:extLst>
+      <p:ext uri="{BB962C8B-B14F-4D97-AF65-F5344CB8AC3E}">
+        <p14:creationId xmlns:p14="http://schemas.microsoft.com/office/powerpoint/2010/main" val="4294355728"/>
+      </p:ext>
+    </p:extLst>
+  </p:cSld>
+  <p:clrMapOvr>
+    <a:masterClrMapping/>
+  </p:clrMapOvr>
+  <mc:AlternateContent xmlns:mc="http://schemas.openxmlformats.org/markup-compatibility/2006" xmlns:p14="http://schemas.microsoft.com/office/powerpoint/2010/main">
+    <mc:Choice Requires="p14">
+      <p:transition/>
+    </mc:Choice>
+    <mc:Fallback xmlns:dsp="http://schemas.microsoft.com/office/drawing/2008/diagram" xmlns:dgm="http://schemas.openxmlformats.org/drawingml/2006/diagram" xmlns:c="http://schemas.openxmlformats.org/drawingml/2006/chart" xmlns="">
       <p:transition/>
     </mc:Fallback>
   </mc:AlternateContent>
@@ -8188,44 +11878,44 @@
 </file>
 
 <file path=ppt/theme/theme1.xml><?xml version="1.0" encoding="utf-8"?>
-<a:theme xmlns:r="http://schemas.openxmlformats.org/officeDocument/2006/relationships" xmlns:c="http://schemas.openxmlformats.org/drawingml/2006/chart" xmlns:dgm="http://schemas.openxmlformats.org/drawingml/2006/diagram" xmlns:dsp="http://schemas.microsoft.com/office/drawing/2008/diagram" xmlns:a="http://schemas.openxmlformats.org/drawingml/2006/main" xmlns:pic="http://schemas.openxmlformats.org/drawingml/2006/picture" xmlns:wp="http://schemas.openxmlformats.org/drawingml/2006/wordprocessingDrawing" xmlns:xdr="http://schemas.openxmlformats.org/drawingml/2006/spreadsheetDrawing" xmlns:lc="http://schemas.openxmlformats.org/drawingml/2006/lockedCanvas" xmlns:p="http://schemas.openxmlformats.org/presentationml/2006/main" name="Office 테마">
+<a:theme xmlns:a="http://schemas.openxmlformats.org/drawingml/2006/main" name="Office 테마">
   <a:themeElements>
     <a:clrScheme name="Office">
       <a:dk1>
         <a:sysClr val="windowText" lastClr="000000"/>
       </a:dk1>
       <a:lt1>
-        <a:sysClr val="window" lastClr="ffffff"/>
+        <a:sysClr val="window" lastClr="FFFFFF"/>
       </a:lt1>
       <a:dk2>
-        <a:srgbClr val="44546a"/>
+        <a:srgbClr val="44546A"/>
       </a:dk2>
       <a:lt2>
-        <a:srgbClr val="e7e6e6"/>
+        <a:srgbClr val="E7E6E6"/>
       </a:lt2>
       <a:accent1>
-        <a:srgbClr val="4472c4"/>
+        <a:srgbClr val="4472C4"/>
       </a:accent1>
       <a:accent2>
-        <a:srgbClr val="ed7d31"/>
+        <a:srgbClr val="ED7D31"/>
       </a:accent2>
       <a:accent3>
-        <a:srgbClr val="a5a5a5"/>
+        <a:srgbClr val="A5A5A5"/>
       </a:accent3>
       <a:accent4>
-        <a:srgbClr val="ffc000"/>
+        <a:srgbClr val="FFC000"/>
       </a:accent4>
       <a:accent5>
-        <a:srgbClr val="5b9bd5"/>
+        <a:srgbClr val="5B9BD5"/>
       </a:accent5>
       <a:accent6>
-        <a:srgbClr val="70ad47"/>
+        <a:srgbClr val="70AD47"/>
       </a:accent6>
       <a:hlink>
-        <a:srgbClr val="0563c1"/>
+        <a:srgbClr val="0563C1"/>
       </a:hlink>
       <a:folHlink>
-        <a:srgbClr val="954f72"/>
+        <a:srgbClr val="954F72"/>
       </a:folHlink>
     </a:clrScheme>
     <a:fontScheme name="Office">
@@ -8472,5 +12162,7 @@
       </a:bgFillStyleLst>
     </a:fmtScheme>
   </a:themeElements>
+  <a:objectDefaults/>
+  <a:extraClrSchemeLst/>
 </a:theme>
 </file>
--- a/rpg수정수정수정.pptx
+++ b/rpg수정수정수정.pptx
@@ -1,6 +1,6 @@
 
 <file path=ppt/presentation.xml><?xml version="1.0" encoding="utf-8"?>
-<p:presentation xmlns:a="http://schemas.openxmlformats.org/drawingml/2006/main" xmlns:r="http://schemas.openxmlformats.org/officeDocument/2006/relationships" xmlns:p="http://schemas.openxmlformats.org/presentationml/2006/main">
+<p:presentation xmlns:r="http://schemas.openxmlformats.org/officeDocument/2006/relationships" xmlns:c="http://schemas.openxmlformats.org/drawingml/2006/chart" xmlns:a="http://schemas.openxmlformats.org/drawingml/2006/main" xmlns:dgm="http://schemas.openxmlformats.org/drawingml/2006/diagram" xmlns:dsp="http://schemas.microsoft.com/office/drawing/2008/diagram" xmlns:p="http://schemas.openxmlformats.org/presentationml/2006/main">
   <p:sldMasterIdLst>
     <p:sldMasterId id="2147483648" r:id="rId1"/>
   </p:sldMasterIdLst>
@@ -105,11 +105,6 @@
       </a:defRPr>
     </a:lvl9pPr>
   </p:defaultTextStyle>
-  <p:extLst>
-    <p:ext uri="{EFAFB233-063F-42B5-8137-9DF3F51BA10A}">
-      <p15:sldGuideLst xmlns:p15="http://schemas.microsoft.com/office/powerpoint/2012/main"/>
-    </p:ext>
-  </p:extLst>
 </p:presentation>
 </file>
 
@@ -7836,17 +7831,11 @@
 </file>
 
 <file path=ppt/slides/slide2.xml><?xml version="1.0" encoding="utf-8"?>
-<p:sld xmlns:a="http://schemas.openxmlformats.org/drawingml/2006/main" xmlns:r="http://schemas.openxmlformats.org/officeDocument/2006/relationships" xmlns:p="http://schemas.openxmlformats.org/presentationml/2006/main">
+<p:sld xmlns:r="http://schemas.openxmlformats.org/officeDocument/2006/relationships" xmlns:c="http://schemas.openxmlformats.org/drawingml/2006/chart" xmlns:a="http://schemas.openxmlformats.org/drawingml/2006/main" xmlns:dgm="http://schemas.openxmlformats.org/drawingml/2006/diagram" xmlns:dsp="http://schemas.microsoft.com/office/drawing/2008/diagram" xmlns:p="http://schemas.openxmlformats.org/presentationml/2006/main">
   <p:cSld>
     <p:spTree>
       <p:nvGrpSpPr>
-        <p:cNvPr id="1" name="">
-          <a:extLst>
-            <a:ext uri="{FF2B5EF4-FFF2-40B4-BE49-F238E27FC236}">
-              <a16:creationId xmlns:a16="http://schemas.microsoft.com/office/drawing/2014/main" id="{9561454C-691A-F1D3-25C0-F36AD4C89137}"/>
-            </a:ext>
-          </a:extLst>
-        </p:cNvPr>
+        <p:cNvPr id="1" name=""/>
         <p:cNvGrpSpPr/>
         <p:nvPr/>
       </p:nvGrpSpPr>
@@ -7860,18 +7849,12 @@
       </p:grpSpPr>
       <p:sp>
         <p:nvSpPr>
-          <p:cNvPr id="4" name="제목 1">
-            <a:extLst>
-              <a:ext uri="{FF2B5EF4-FFF2-40B4-BE49-F238E27FC236}">
-                <a16:creationId xmlns:a16="http://schemas.microsoft.com/office/drawing/2014/main" id="{615A44C1-7054-F80A-322D-033AF15CBEC6}"/>
-              </a:ext>
-            </a:extLst>
-          </p:cNvPr>
+          <p:cNvPr id="4" name="제목 1"/>
           <p:cNvSpPr>
             <a:spLocks noGrp="1"/>
           </p:cNvSpPr>
           <p:nvPr>
-            <p:ph type="ctrTitle"/>
+            <p:ph type="ctrTitle" idx="0"/>
           </p:nvPr>
         </p:nvSpPr>
         <p:spPr>
@@ -7895,7 +7878,7 @@
               <a:defRPr/>
             </a:pPr>
             <a:r>
-              <a:rPr lang="en-US" altLang="ko-KR" sz="1300" b="0" dirty="0" err="1">
+              <a:rPr lang="en-US" altLang="ko-KR" sz="1300" b="0">
                 <a:ln w="9525"/>
                 <a:solidFill>
                   <a:schemeClr val="dk1"/>
@@ -7905,7 +7888,7 @@
               <a:t>rpg</a:t>
             </a:r>
             <a:br>
-              <a:rPr lang="en-US" altLang="ko-KR" sz="1300" b="0" dirty="0">
+              <a:rPr lang="en-US" altLang="ko-KR" sz="1300" b="0">
                 <a:ln w="9525"/>
                 <a:solidFill>
                   <a:schemeClr val="dk1"/>
@@ -7914,7 +7897,7 @@
               </a:rPr>
             </a:br>
             <a:r>
-              <a:rPr lang="ko-KR" altLang="en-US" sz="1300" b="0" dirty="0">
+              <a:rPr lang="ko-KR" altLang="en-US" sz="1300" b="0">
                 <a:ln w="9525"/>
                 <a:solidFill>
                   <a:schemeClr val="dk1"/>
@@ -7924,7 +7907,7 @@
               <a:t>변수 </a:t>
             </a:r>
             <a:r>
-              <a:rPr lang="en-US" altLang="ko-KR" sz="1300" b="0" dirty="0">
+              <a:rPr lang="en-US" altLang="ko-KR" sz="1300" b="0">
                 <a:ln w="9525"/>
                 <a:solidFill>
                   <a:schemeClr val="dk1"/>
@@ -7934,55 +7917,25 @@
               <a:t>: </a:t>
             </a:r>
             <a:r>
-              <a:rPr lang="en-US" altLang="ko-KR" sz="1300" dirty="0">
+              <a:rPr lang="en-US" altLang="ko-KR" sz="1300">
                 <a:ln w="9525"/>
                 <a:solidFill>
                   <a:schemeClr val="dk1"/>
                 </a:solidFill>
                 <a:latin typeface="맑은 고딕"/>
               </a:rPr>
-              <a:t>name, hp, </a:t>
-            </a:r>
-            <a:r>
-              <a:rPr lang="en-US" altLang="ko-KR" sz="1300" dirty="0" err="1">
+              <a:t>name, hp, mp, atk</a:t>
+            </a:r>
+            <a:br>
+              <a:rPr lang="en-US" altLang="ko-KR" sz="1300">
                 <a:ln w="9525"/>
                 <a:solidFill>
                   <a:schemeClr val="dk1"/>
                 </a:solidFill>
                 <a:latin typeface="맑은 고딕"/>
               </a:rPr>
-              <a:t>mp</a:t>
-            </a:r>
-            <a:r>
-              <a:rPr lang="en-US" altLang="ko-KR" sz="1300" dirty="0">
-                <a:ln w="9525"/>
-                <a:solidFill>
-                  <a:schemeClr val="dk1"/>
-                </a:solidFill>
-                <a:latin typeface="맑은 고딕"/>
-              </a:rPr>
-              <a:t>, </a:t>
-            </a:r>
-            <a:r>
-              <a:rPr lang="en-US" altLang="ko-KR" sz="1300" dirty="0" err="1">
-                <a:ln w="9525"/>
-                <a:solidFill>
-                  <a:schemeClr val="dk1"/>
-                </a:solidFill>
-                <a:latin typeface="맑은 고딕"/>
-              </a:rPr>
-              <a:t>atk</a:t>
-            </a:r>
-            <a:br>
-              <a:rPr lang="en-US" altLang="ko-KR" sz="1300" dirty="0">
-                <a:ln w="9525"/>
-                <a:solidFill>
-                  <a:schemeClr val="dk1"/>
-                </a:solidFill>
-                <a:latin typeface="맑은 고딕"/>
-              </a:rPr>
             </a:br>
-            <a:endParaRPr lang="en-US" altLang="ko-KR" sz="1300" dirty="0">
+            <a:endParaRPr lang="en-US" altLang="ko-KR" sz="1300">
               <a:ln w="9525"/>
               <a:solidFill>
                 <a:schemeClr val="dk1"/>
@@ -7994,13 +7947,7 @@
       </p:sp>
       <p:sp>
         <p:nvSpPr>
-          <p:cNvPr id="6" name="제목 1">
-            <a:extLst>
-              <a:ext uri="{FF2B5EF4-FFF2-40B4-BE49-F238E27FC236}">
-                <a16:creationId xmlns:a16="http://schemas.microsoft.com/office/drawing/2014/main" id="{06F4FA3D-3AFF-3A8F-0519-87C60324A293}"/>
-              </a:ext>
-            </a:extLst>
-          </p:cNvPr>
+          <p:cNvPr id="6" name="제목 1"/>
           <p:cNvSpPr>
             <a:spLocks noGrp="1"/>
           </p:cNvSpPr>
@@ -8052,6 +7999,14 @@
               </a:rPr>
               <a:t>모험가</a:t>
             </a:r>
+            <a:endParaRPr kumimoji="0" lang="ko-KR" altLang="en-US" sz="1200" b="0" i="0" u="none" strike="noStrike" kern="1200" cap="none" spc="0" normalizeH="0" baseline="0">
+              <a:solidFill>
+                <a:srgbClr val="000000"/>
+              </a:solidFill>
+              <a:latin typeface="Calibri"/>
+              <a:ea typeface="맑은 고딕"/>
+              <a:cs typeface="Calibri"/>
+            </a:endParaRPr>
           </a:p>
           <a:p>
             <a:pPr marL="0" lvl="0" indent="0" algn="ctr" defTabSz="914400" rtl="0" eaLnBrk="1" latinLnBrk="1" hangingPunct="1">
@@ -8111,6 +8066,14 @@
               </a:rPr>
               <a:t>exp,level,job,skillatk,needexp,addexp, addhp,</a:t>
             </a:r>
+            <a:endParaRPr lang="en-US" altLang="ko-KR" sz="1200">
+              <a:solidFill>
+                <a:srgbClr val="000000"/>
+              </a:solidFill>
+              <a:latin typeface="Calibri"/>
+              <a:ea typeface="맑은 고딕"/>
+              <a:cs typeface="Calibri"/>
+            </a:endParaRPr>
           </a:p>
           <a:p>
             <a:pPr marL="0" lvl="0" indent="0" algn="ctr" defTabSz="914400" rtl="0" eaLnBrk="1" latinLnBrk="1" hangingPunct="1">
@@ -8137,6 +8100,14 @@
               </a:rPr>
               <a:t>addmp,addatk,addskillatk.maxhp,maxmp</a:t>
             </a:r>
+            <a:endParaRPr lang="en-US" altLang="ko-KR" sz="1200">
+              <a:solidFill>
+                <a:srgbClr val="000000"/>
+              </a:solidFill>
+              <a:latin typeface="Calibri"/>
+              <a:ea typeface="맑은 고딕"/>
+              <a:cs typeface="Calibri"/>
+            </a:endParaRPr>
           </a:p>
           <a:p>
             <a:pPr marL="0" lvl="0" indent="0" algn="ctr" defTabSz="914400" rtl="0" eaLnBrk="1" latinLnBrk="1" hangingPunct="1">
@@ -8185,18 +8156,20 @@
               </a:rPr>
               <a:t>BuyItems</a:t>
             </a:r>
-          </a:p>
-        </p:txBody>
-      </p:sp>
-      <p:sp>
-        <p:nvSpPr>
-          <p:cNvPr id="7" name="제목 1">
-            <a:extLst>
-              <a:ext uri="{FF2B5EF4-FFF2-40B4-BE49-F238E27FC236}">
-                <a16:creationId xmlns:a16="http://schemas.microsoft.com/office/drawing/2014/main" id="{A72FC669-E7DA-820E-1DB8-CC77B0BC8D2B}"/>
-              </a:ext>
-            </a:extLst>
-          </p:cNvPr>
+            <a:endParaRPr lang="en-US" altLang="ko-KR" sz="1200">
+              <a:solidFill>
+                <a:srgbClr val="000000"/>
+              </a:solidFill>
+              <a:latin typeface="Calibri"/>
+              <a:ea typeface="맑은 고딕"/>
+              <a:cs typeface="Calibri"/>
+            </a:endParaRPr>
+          </a:p>
+        </p:txBody>
+      </p:sp>
+      <p:sp>
+        <p:nvSpPr>
+          <p:cNvPr id="7" name="제목 1"/>
           <p:cNvSpPr>
             <a:spLocks noGrp="1"/>
           </p:cNvSpPr>
@@ -8248,6 +8221,14 @@
               </a:rPr>
               <a:t>몬스터</a:t>
             </a:r>
+            <a:endParaRPr kumimoji="0" lang="ko-KR" altLang="en-US" sz="1500" b="0" i="0" u="none" strike="noStrike" kern="1200" cap="none" spc="0" normalizeH="0" baseline="0">
+              <a:solidFill>
+                <a:srgbClr val="000000"/>
+              </a:solidFill>
+              <a:latin typeface="Calibri"/>
+              <a:ea typeface="맑은 고딕"/>
+              <a:cs typeface="Calibri"/>
+            </a:endParaRPr>
           </a:p>
           <a:p>
             <a:pPr marL="0" lvl="0" indent="0" algn="ctr" defTabSz="914400" rtl="0" eaLnBrk="1" latinLnBrk="1" hangingPunct="1">
@@ -8285,6 +8266,14 @@
               </a:rPr>
               <a:t>: species</a:t>
             </a:r>
+            <a:endParaRPr lang="en-US" altLang="ko-KR" sz="1500">
+              <a:solidFill>
+                <a:srgbClr val="000000"/>
+              </a:solidFill>
+              <a:latin typeface="Calibri"/>
+              <a:ea typeface="맑은 고딕"/>
+              <a:cs typeface="Calibri"/>
+            </a:endParaRPr>
           </a:p>
           <a:p>
             <a:pPr marL="0" lvl="0" indent="0" algn="ctr" defTabSz="914400" rtl="0" eaLnBrk="1" latinLnBrk="1" hangingPunct="1">
@@ -8311,18 +8300,20 @@
               </a:rPr>
               <a:t>difficulty</a:t>
             </a:r>
-          </a:p>
-        </p:txBody>
-      </p:sp>
-      <p:sp>
-        <p:nvSpPr>
-          <p:cNvPr id="9" name="제목 1">
-            <a:extLst>
-              <a:ext uri="{FF2B5EF4-FFF2-40B4-BE49-F238E27FC236}">
-                <a16:creationId xmlns:a16="http://schemas.microsoft.com/office/drawing/2014/main" id="{7B93BBE6-5BAD-5AFD-F935-622A8CF4FEE2}"/>
-              </a:ext>
-            </a:extLst>
-          </p:cNvPr>
+            <a:endParaRPr lang="en-US" altLang="ko-KR" sz="1500">
+              <a:solidFill>
+                <a:srgbClr val="000000"/>
+              </a:solidFill>
+              <a:latin typeface="Calibri"/>
+              <a:ea typeface="맑은 고딕"/>
+              <a:cs typeface="Calibri"/>
+            </a:endParaRPr>
+          </a:p>
+        </p:txBody>
+      </p:sp>
+      <p:sp>
+        <p:nvSpPr>
+          <p:cNvPr id="9" name="제목 1"/>
           <p:cNvSpPr>
             <a:spLocks noGrp="1"/>
           </p:cNvSpPr>
@@ -8331,7 +8322,7 @@
         <p:spPr>
           <a:xfrm>
             <a:off x="133744" y="2455845"/>
-            <a:ext cx="1495551" cy="1304352"/>
+            <a:ext cx="1495551" cy="973155"/>
           </a:xfrm>
           <a:prstGeom prst="rect">
             <a:avLst/>
@@ -8385,6 +8376,14 @@
               </a:rPr>
               <a:t>사</a:t>
             </a:r>
+            <a:endParaRPr lang="ko-KR" altLang="en-US" sz="1200">
+              <a:solidFill>
+                <a:srgbClr val="000000"/>
+              </a:solidFill>
+              <a:latin typeface="Calibri"/>
+              <a:ea typeface="맑은 고딕"/>
+              <a:cs typeface="Calibri"/>
+            </a:endParaRPr>
           </a:p>
           <a:p>
             <a:pPr marL="0" lvl="0" indent="0" algn="ctr" defTabSz="914400" rtl="0" eaLnBrk="1" latinLnBrk="1" hangingPunct="1">
@@ -8400,7 +8399,40 @@
               <a:buNone/>
               <a:defRPr/>
             </a:pPr>
-            <a:endParaRPr kumimoji="0" lang="ko-KR" altLang="en-US" sz="1200" b="0" i="0" u="none" strike="noStrike" kern="1200" cap="none" spc="0" normalizeH="0" baseline="0">
+            <a:r>
+              <a:rPr lang="ko-KR" altLang="en-US" sz="1200">
+                <a:solidFill>
+                  <a:srgbClr val="000000"/>
+                </a:solidFill>
+                <a:latin typeface="Calibri"/>
+                <a:ea typeface="맑은 고딕"/>
+                <a:cs typeface="Calibri"/>
+              </a:rPr>
+              <a:t>메서드 </a:t>
+            </a:r>
+            <a:r>
+              <a:rPr lang="en-US" altLang="ko-KR" sz="1200">
+                <a:solidFill>
+                  <a:srgbClr val="000000"/>
+                </a:solidFill>
+                <a:latin typeface="Calibri"/>
+                <a:ea typeface="맑은 고딕"/>
+                <a:cs typeface="Calibri"/>
+              </a:rPr>
+              <a:t>:</a:t>
+            </a:r>
+            <a:r>
+              <a:rPr lang="ko-KR" altLang="en-US" sz="1200">
+                <a:solidFill>
+                  <a:srgbClr val="000000"/>
+                </a:solidFill>
+                <a:latin typeface="Calibri"/>
+                <a:ea typeface="맑은 고딕"/>
+                <a:cs typeface="Calibri"/>
+              </a:rPr>
+              <a:t> 무기스킬</a:t>
+            </a:r>
+            <a:endParaRPr lang="ko-KR" altLang="en-US" sz="1200">
               <a:solidFill>
                 <a:srgbClr val="000000"/>
               </a:solidFill>
@@ -8409,43 +8441,6 @@
               <a:cs typeface="Calibri"/>
             </a:endParaRPr>
           </a:p>
-        </p:txBody>
-      </p:sp>
-      <p:sp>
-        <p:nvSpPr>
-          <p:cNvPr id="10" name="제목 1">
-            <a:extLst>
-              <a:ext uri="{FF2B5EF4-FFF2-40B4-BE49-F238E27FC236}">
-                <a16:creationId xmlns:a16="http://schemas.microsoft.com/office/drawing/2014/main" id="{DFAC6532-0932-C65A-2954-C805044D6F39}"/>
-              </a:ext>
-            </a:extLst>
-          </p:cNvPr>
-          <p:cNvSpPr>
-            <a:spLocks noGrp="1"/>
-          </p:cNvSpPr>
-          <p:nvPr/>
-        </p:nvSpPr>
-        <p:spPr>
-          <a:xfrm>
-            <a:off x="1788148" y="2460244"/>
-            <a:ext cx="1189036" cy="1293453"/>
-          </a:xfrm>
-          <a:prstGeom prst="rect">
-            <a:avLst/>
-          </a:prstGeom>
-          <a:ln>
-            <a:solidFill>
-              <a:srgbClr val="000000">
-                <a:alpha val="100000"/>
-              </a:srgbClr>
-            </a:solidFill>
-          </a:ln>
-        </p:spPr>
-        <p:txBody>
-          <a:bodyPr vert="horz" lIns="91440" tIns="45720" rIns="91440" bIns="45720" anchor="ctr">
-            <a:noAutofit/>
-          </a:bodyPr>
-          <a:lstStyle/>
           <a:p>
             <a:pPr marL="0" lvl="0" indent="0" algn="ctr" defTabSz="914400" rtl="0" eaLnBrk="1" latinLnBrk="1" hangingPunct="1">
               <a:lnSpc>
@@ -8460,6 +8455,60 @@
               <a:buNone/>
               <a:defRPr/>
             </a:pPr>
+            <a:endParaRPr kumimoji="0" lang="ko-KR" altLang="en-US" sz="1200" b="0" i="0" u="none" strike="noStrike" kern="1200" cap="none" spc="0" normalizeH="0" baseline="0">
+              <a:solidFill>
+                <a:srgbClr val="000000"/>
+              </a:solidFill>
+              <a:latin typeface="Calibri"/>
+              <a:ea typeface="맑은 고딕"/>
+              <a:cs typeface="Calibri"/>
+            </a:endParaRPr>
+          </a:p>
+        </p:txBody>
+      </p:sp>
+      <p:sp>
+        <p:nvSpPr>
+          <p:cNvPr id="10" name="제목 1"/>
+          <p:cNvSpPr>
+            <a:spLocks noGrp="1"/>
+          </p:cNvSpPr>
+          <p:nvPr/>
+        </p:nvSpPr>
+        <p:spPr>
+          <a:xfrm>
+            <a:off x="1788148" y="2460244"/>
+            <a:ext cx="1189036" cy="968756"/>
+          </a:xfrm>
+          <a:prstGeom prst="rect">
+            <a:avLst/>
+          </a:prstGeom>
+          <a:ln>
+            <a:solidFill>
+              <a:srgbClr val="000000">
+                <a:alpha val="100000"/>
+              </a:srgbClr>
+            </a:solidFill>
+          </a:ln>
+        </p:spPr>
+        <p:txBody>
+          <a:bodyPr vert="horz" lIns="91440" tIns="45720" rIns="91440" bIns="45720" anchor="ctr">
+            <a:noAutofit/>
+          </a:bodyPr>
+          <a:lstStyle/>
+          <a:p>
+            <a:pPr marL="0" lvl="0" indent="0" algn="ctr" defTabSz="914400" rtl="0" eaLnBrk="1" latinLnBrk="1" hangingPunct="1">
+              <a:lnSpc>
+                <a:spcPct val="100000"/>
+              </a:lnSpc>
+              <a:spcBef>
+                <a:spcPct val="0"/>
+              </a:spcBef>
+              <a:spcAft>
+                <a:spcPts val="0"/>
+              </a:spcAft>
+              <a:buNone/>
+              <a:defRPr/>
+            </a:pPr>
             <a:r>
               <a:rPr kumimoji="0" lang="ko-KR" altLang="en-US" sz="1200" b="0" i="0" u="none" strike="noStrike" kern="1200" cap="none" spc="0" normalizeH="0" baseline="0">
                 <a:solidFill>
@@ -8471,6 +8520,70 @@
               </a:rPr>
               <a:t>궁수</a:t>
             </a:r>
+            <a:endParaRPr kumimoji="0" lang="ko-KR" altLang="en-US" sz="1200" b="0" i="0" u="none" strike="noStrike" kern="1200" cap="none" spc="0" normalizeH="0" baseline="0">
+              <a:solidFill>
+                <a:srgbClr val="000000"/>
+              </a:solidFill>
+              <a:latin typeface="Calibri"/>
+              <a:ea typeface="맑은 고딕"/>
+              <a:cs typeface="Calibri"/>
+            </a:endParaRPr>
+          </a:p>
+          <a:p>
+            <a:pPr marL="0" lvl="0" indent="0" algn="ctr" defTabSz="914400" rtl="0" eaLnBrk="1" latinLnBrk="1" hangingPunct="1">
+              <a:lnSpc>
+                <a:spcPct val="100000"/>
+              </a:lnSpc>
+              <a:spcBef>
+                <a:spcPct val="0"/>
+              </a:spcBef>
+              <a:spcAft>
+                <a:spcPts val="0"/>
+              </a:spcAft>
+              <a:buNone/>
+              <a:defRPr/>
+            </a:pPr>
+            <a:r>
+              <a:rPr lang="ko-KR" altLang="en-US" sz="1200">
+                <a:solidFill>
+                  <a:srgbClr val="000000"/>
+                </a:solidFill>
+                <a:latin typeface="Calibri"/>
+                <a:ea typeface="맑은 고딕"/>
+                <a:cs typeface="Calibri"/>
+              </a:rPr>
+              <a:t>메서드 </a:t>
+            </a:r>
+            <a:r>
+              <a:rPr lang="en-US" altLang="ko-KR" sz="1200">
+                <a:solidFill>
+                  <a:srgbClr val="000000"/>
+                </a:solidFill>
+                <a:latin typeface="Calibri"/>
+                <a:ea typeface="맑은 고딕"/>
+                <a:cs typeface="Calibri"/>
+              </a:rPr>
+              <a:t>:</a:t>
+            </a:r>
+            <a:r>
+              <a:rPr lang="ko-KR" altLang="en-US" sz="1200">
+                <a:solidFill>
+                  <a:srgbClr val="000000"/>
+                </a:solidFill>
+                <a:latin typeface="Calibri"/>
+                <a:ea typeface="맑은 고딕"/>
+                <a:cs typeface="Calibri"/>
+              </a:rPr>
+              <a:t> 무기스킬</a:t>
+            </a:r>
+            <a:endParaRPr kumimoji="0" lang="ko-KR" altLang="en-US" sz="1200" b="0" i="0" u="none" strike="noStrike" kern="1200" cap="none" spc="0" normalizeH="0" baseline="0">
+              <a:solidFill>
+                <a:srgbClr val="000000"/>
+              </a:solidFill>
+              <a:latin typeface="Calibri"/>
+              <a:ea typeface="맑은 고딕"/>
+              <a:cs typeface="Calibri"/>
+            </a:endParaRPr>
           </a:p>
           <a:p>
             <a:pPr lvl="0" algn="ctr">
@@ -8515,13 +8628,7 @@
       </p:sp>
       <p:sp>
         <p:nvSpPr>
-          <p:cNvPr id="11" name="제목 1">
-            <a:extLst>
-              <a:ext uri="{FF2B5EF4-FFF2-40B4-BE49-F238E27FC236}">
-                <a16:creationId xmlns:a16="http://schemas.microsoft.com/office/drawing/2014/main" id="{819B0718-8622-3FB6-B57F-74B002071D05}"/>
-              </a:ext>
-            </a:extLst>
-          </p:cNvPr>
+          <p:cNvPr id="11" name="제목 1"/>
           <p:cNvSpPr>
             <a:spLocks noGrp="1"/>
           </p:cNvSpPr>
@@ -8530,7 +8637,7 @@
         <p:spPr>
           <a:xfrm>
             <a:off x="3085122" y="2480418"/>
-            <a:ext cx="1256826" cy="1216431"/>
+            <a:ext cx="1256826" cy="948582"/>
           </a:xfrm>
           <a:prstGeom prst="rect">
             <a:avLst/>
@@ -8573,6 +8680,14 @@
               </a:rPr>
               <a:t>마법사</a:t>
             </a:r>
+            <a:endParaRPr kumimoji="0" lang="ko-KR" altLang="en-US" sz="1200" b="0" i="0" u="none" strike="noStrike" kern="1200" cap="none" spc="0" normalizeH="0" baseline="0">
+              <a:solidFill>
+                <a:srgbClr val="000000"/>
+              </a:solidFill>
+              <a:latin typeface="Calibri"/>
+              <a:ea typeface="맑은 고딕"/>
+              <a:cs typeface="Calibri"/>
+            </a:endParaRPr>
           </a:p>
           <a:p>
             <a:pPr marL="0" lvl="0" indent="0" algn="ctr" defTabSz="914400" rtl="0" eaLnBrk="1" latinLnBrk="1" hangingPunct="1">
@@ -8588,6 +8703,39 @@
               <a:buNone/>
               <a:defRPr/>
             </a:pPr>
+            <a:r>
+              <a:rPr lang="ko-KR" altLang="en-US" sz="1200">
+                <a:solidFill>
+                  <a:srgbClr val="000000"/>
+                </a:solidFill>
+                <a:latin typeface="Calibri"/>
+                <a:ea typeface="맑은 고딕"/>
+                <a:cs typeface="Calibri"/>
+              </a:rPr>
+              <a:t>메서드 </a:t>
+            </a:r>
+            <a:r>
+              <a:rPr lang="en-US" altLang="ko-KR" sz="1200">
+                <a:solidFill>
+                  <a:srgbClr val="000000"/>
+                </a:solidFill>
+                <a:latin typeface="Calibri"/>
+                <a:ea typeface="맑은 고딕"/>
+                <a:cs typeface="Calibri"/>
+              </a:rPr>
+              <a:t>:</a:t>
+            </a:r>
+            <a:r>
+              <a:rPr lang="ko-KR" altLang="en-US" sz="1200">
+                <a:solidFill>
+                  <a:srgbClr val="000000"/>
+                </a:solidFill>
+                <a:latin typeface="Calibri"/>
+                <a:ea typeface="맑은 고딕"/>
+                <a:cs typeface="Calibri"/>
+              </a:rPr>
+              <a:t> 무기스킬</a:t>
+            </a:r>
             <a:endParaRPr kumimoji="0" lang="ko-KR" altLang="en-US" sz="1200" b="0" i="0" u="none" strike="noStrike" kern="1200" cap="none" spc="0" normalizeH="0" baseline="0">
               <a:solidFill>
                 <a:srgbClr val="000000"/>
@@ -8597,43 +8745,6 @@
               <a:cs typeface="Calibri"/>
             </a:endParaRPr>
           </a:p>
-        </p:txBody>
-      </p:sp>
-      <p:sp>
-        <p:nvSpPr>
-          <p:cNvPr id="14" name="제목 1">
-            <a:extLst>
-              <a:ext uri="{FF2B5EF4-FFF2-40B4-BE49-F238E27FC236}">
-                <a16:creationId xmlns:a16="http://schemas.microsoft.com/office/drawing/2014/main" id="{16FAF825-F4FB-8E08-1E9B-0AF6ABD6E076}"/>
-              </a:ext>
-            </a:extLst>
-          </p:cNvPr>
-          <p:cNvSpPr>
-            <a:spLocks noGrp="1"/>
-          </p:cNvSpPr>
-          <p:nvPr/>
-        </p:nvSpPr>
-        <p:spPr>
-          <a:xfrm>
-            <a:off x="5414502" y="2568725"/>
-            <a:ext cx="807868" cy="793815"/>
-          </a:xfrm>
-          <a:prstGeom prst="rect">
-            <a:avLst/>
-          </a:prstGeom>
-          <a:ln>
-            <a:solidFill>
-              <a:srgbClr val="000000">
-                <a:alpha val="100000"/>
-              </a:srgbClr>
-            </a:solidFill>
-          </a:ln>
-        </p:spPr>
-        <p:txBody>
-          <a:bodyPr vert="horz" lIns="91440" tIns="45720" rIns="91440" bIns="45720" anchor="ctr">
-            <a:normAutofit/>
-          </a:bodyPr>
-          <a:lstStyle/>
           <a:p>
             <a:pPr marL="0" lvl="0" indent="0" algn="ctr" defTabSz="914400" rtl="0" eaLnBrk="1" latinLnBrk="1" hangingPunct="1">
               <a:lnSpc>
@@ -8648,22 +8759,11 @@
               <a:buNone/>
               <a:defRPr/>
             </a:pPr>
-            <a:r>
-              <a:rPr kumimoji="0" lang="en-US" altLang="ko-KR" sz="1300" b="0" i="0" u="none" strike="noStrike" kern="1200" cap="none" spc="0" normalizeH="0" baseline="0" dirty="0" err="1">
-                <a:solidFill>
-                  <a:srgbClr val="000000"/>
-                </a:solidFill>
-                <a:latin typeface="맑은 고딕"/>
-                <a:ea typeface="맑은 고딕"/>
-                <a:cs typeface="Calibri"/>
-              </a:rPr>
-              <a:t>npc</a:t>
-            </a:r>
-            <a:endParaRPr kumimoji="0" lang="ko-KR" altLang="en-US" sz="1300" b="0" i="0" u="none" strike="noStrike" kern="1200" cap="none" spc="0" normalizeH="0" baseline="0" dirty="0">
+            <a:endParaRPr kumimoji="0" lang="ko-KR" altLang="en-US" sz="1200" b="0" i="0" u="none" strike="noStrike" kern="1200" cap="none" spc="0" normalizeH="0" baseline="0">
               <a:solidFill>
                 <a:srgbClr val="000000"/>
               </a:solidFill>
-              <a:latin typeface="맑은 고딕"/>
+              <a:latin typeface="Calibri"/>
               <a:ea typeface="맑은 고딕"/>
               <a:cs typeface="Calibri"/>
             </a:endParaRPr>
@@ -8672,22 +8772,16 @@
       </p:sp>
       <p:sp>
         <p:nvSpPr>
-          <p:cNvPr id="20" name="제목 1">
-            <a:extLst>
-              <a:ext uri="{FF2B5EF4-FFF2-40B4-BE49-F238E27FC236}">
-                <a16:creationId xmlns:a16="http://schemas.microsoft.com/office/drawing/2014/main" id="{A67A2917-47BE-A5C9-A23B-95F19520B590}"/>
-              </a:ext>
-            </a:extLst>
-          </p:cNvPr>
-          <p:cNvSpPr>
-            <a:spLocks noGrp="1"/>
-          </p:cNvSpPr>
-          <p:nvPr/>
-        </p:nvSpPr>
-        <p:spPr>
-          <a:xfrm>
-            <a:off x="7810758" y="1213369"/>
-            <a:ext cx="579520" cy="408154"/>
+          <p:cNvPr id="14" name="제목 1"/>
+          <p:cNvSpPr>
+            <a:spLocks noGrp="1"/>
+          </p:cNvSpPr>
+          <p:nvPr/>
+        </p:nvSpPr>
+        <p:spPr>
+          <a:xfrm>
+            <a:off x="5414502" y="2568725"/>
+            <a:ext cx="807868" cy="793815"/>
           </a:xfrm>
           <a:prstGeom prst="rect">
             <a:avLst/>
@@ -8720,36 +8814,38 @@
               <a:defRPr/>
             </a:pPr>
             <a:r>
-              <a:rPr kumimoji="0" lang="ko-KR" altLang="en-US" sz="1500" b="0" i="0" u="none" strike="noStrike" kern="1200" cap="none" spc="0" normalizeH="0" baseline="0">
-                <a:solidFill>
-                  <a:srgbClr val="000000"/>
-                </a:solidFill>
-                <a:latin typeface="Calibri"/>
-                <a:ea typeface="맑은 고딕"/>
-                <a:cs typeface="Calibri"/>
-              </a:rPr>
-              <a:t>검류</a:t>
-            </a:r>
-          </a:p>
-        </p:txBody>
-      </p:sp>
-      <p:sp>
-        <p:nvSpPr>
-          <p:cNvPr id="21" name="제목 1">
-            <a:extLst>
-              <a:ext uri="{FF2B5EF4-FFF2-40B4-BE49-F238E27FC236}">
-                <a16:creationId xmlns:a16="http://schemas.microsoft.com/office/drawing/2014/main" id="{064D7EF8-DB41-B0D9-F49C-DF2D03ACD49A}"/>
-              </a:ext>
-            </a:extLst>
-          </p:cNvPr>
-          <p:cNvSpPr>
-            <a:spLocks noGrp="1"/>
-          </p:cNvSpPr>
-          <p:nvPr/>
-        </p:nvSpPr>
-        <p:spPr>
-          <a:xfrm>
-            <a:off x="8948634" y="1141177"/>
+              <a:rPr kumimoji="0" lang="en-US" altLang="ko-KR" sz="1300" b="0" i="0" u="none" strike="noStrike" kern="1200" cap="none" spc="0" normalizeH="0" baseline="0">
+                <a:solidFill>
+                  <a:srgbClr val="000000"/>
+                </a:solidFill>
+                <a:latin typeface="맑은 고딕"/>
+                <a:ea typeface="맑은 고딕"/>
+                <a:cs typeface="Calibri"/>
+              </a:rPr>
+              <a:t>npc</a:t>
+            </a:r>
+            <a:endParaRPr kumimoji="0" lang="ko-KR" altLang="en-US" sz="1300" b="0" i="0" u="none" strike="noStrike" kern="1200" cap="none" spc="0" normalizeH="0" baseline="0">
+              <a:solidFill>
+                <a:srgbClr val="000000"/>
+              </a:solidFill>
+              <a:latin typeface="맑은 고딕"/>
+              <a:ea typeface="맑은 고딕"/>
+              <a:cs typeface="Calibri"/>
+            </a:endParaRPr>
+          </a:p>
+        </p:txBody>
+      </p:sp>
+      <p:sp>
+        <p:nvSpPr>
+          <p:cNvPr id="20" name="제목 1"/>
+          <p:cNvSpPr>
+            <a:spLocks noGrp="1"/>
+          </p:cNvSpPr>
+          <p:nvPr/>
+        </p:nvSpPr>
+        <p:spPr>
+          <a:xfrm>
+            <a:off x="7810758" y="1213369"/>
             <a:ext cx="579520" cy="408154"/>
           </a:xfrm>
           <a:prstGeom prst="rect">
@@ -8791,28 +8887,30 @@
                 <a:ea typeface="맑은 고딕"/>
                 <a:cs typeface="Calibri"/>
               </a:rPr>
-              <a:t>활류</a:t>
-            </a:r>
-          </a:p>
-        </p:txBody>
-      </p:sp>
-      <p:sp>
-        <p:nvSpPr>
-          <p:cNvPr id="22" name="제목 1">
-            <a:extLst>
-              <a:ext uri="{FF2B5EF4-FFF2-40B4-BE49-F238E27FC236}">
-                <a16:creationId xmlns:a16="http://schemas.microsoft.com/office/drawing/2014/main" id="{F657BFE4-C169-0D44-C7BE-3DA4FC4CC053}"/>
-              </a:ext>
-            </a:extLst>
-          </p:cNvPr>
-          <p:cNvSpPr>
-            <a:spLocks noGrp="1"/>
-          </p:cNvSpPr>
-          <p:nvPr/>
-        </p:nvSpPr>
-        <p:spPr>
-          <a:xfrm>
-            <a:off x="9821906" y="1045779"/>
+              <a:t>검류</a:t>
+            </a:r>
+            <a:endParaRPr kumimoji="0" lang="ko-KR" altLang="en-US" sz="1500" b="0" i="0" u="none" strike="noStrike" kern="1200" cap="none" spc="0" normalizeH="0" baseline="0">
+              <a:solidFill>
+                <a:srgbClr val="000000"/>
+              </a:solidFill>
+              <a:latin typeface="Calibri"/>
+              <a:ea typeface="맑은 고딕"/>
+              <a:cs typeface="Calibri"/>
+            </a:endParaRPr>
+          </a:p>
+        </p:txBody>
+      </p:sp>
+      <p:sp>
+        <p:nvSpPr>
+          <p:cNvPr id="21" name="제목 1"/>
+          <p:cNvSpPr>
+            <a:spLocks noGrp="1"/>
+          </p:cNvSpPr>
+          <p:nvPr/>
+        </p:nvSpPr>
+        <p:spPr>
+          <a:xfrm>
+            <a:off x="8948634" y="1141177"/>
             <a:ext cx="579520" cy="408154"/>
           </a:xfrm>
           <a:prstGeom prst="rect">
@@ -8854,226 +8952,31 @@
                 <a:ea typeface="맑은 고딕"/>
                 <a:cs typeface="Calibri"/>
               </a:rPr>
-              <a:t>봉류</a:t>
-            </a:r>
-          </a:p>
-        </p:txBody>
-      </p:sp>
-      <p:cxnSp>
-        <p:nvCxnSpPr>
-          <p:cNvPr id="24" name="직선 연결선 23">
-            <a:extLst>
-              <a:ext uri="{FF2B5EF4-FFF2-40B4-BE49-F238E27FC236}">
-                <a16:creationId xmlns:a16="http://schemas.microsoft.com/office/drawing/2014/main" id="{2414916F-7C74-3F5F-CD37-97593EEC94A2}"/>
-              </a:ext>
-            </a:extLst>
-          </p:cNvPr>
-          <p:cNvCxnSpPr>
-            <a:cxnSpLocks/>
-            <a:stCxn id="4" idx="1"/>
-            <a:endCxn id="6" idx="3"/>
-          </p:cNvCxnSpPr>
-          <p:nvPr/>
-        </p:nvCxnSpPr>
-        <p:spPr>
-          <a:xfrm flipH="1">
-            <a:off x="3023250" y="450283"/>
-            <a:ext cx="1708276" cy="967266"/>
-          </a:xfrm>
-          <a:prstGeom prst="line">
-            <a:avLst/>
-          </a:prstGeom>
-        </p:spPr>
-        <p:style>
-          <a:lnRef idx="1">
-            <a:schemeClr val="accent1"/>
-          </a:lnRef>
-          <a:fillRef idx="0">
-            <a:schemeClr val="accent1"/>
-          </a:fillRef>
-          <a:effectRef idx="0">
-            <a:schemeClr val="accent1"/>
-          </a:effectRef>
-          <a:fontRef idx="minor">
-            <a:schemeClr val="tx1"/>
-          </a:fontRef>
-        </p:style>
-      </p:cxnSp>
-      <p:cxnSp>
-        <p:nvCxnSpPr>
-          <p:cNvPr id="26" name="직선 연결선 25">
-            <a:extLst>
-              <a:ext uri="{FF2B5EF4-FFF2-40B4-BE49-F238E27FC236}">
-                <a16:creationId xmlns:a16="http://schemas.microsoft.com/office/drawing/2014/main" id="{6350069B-70EF-CD1A-A190-0068BDBDF993}"/>
-              </a:ext>
-            </a:extLst>
-          </p:cNvPr>
-          <p:cNvCxnSpPr>
-            <a:cxnSpLocks/>
-            <a:stCxn id="4" idx="2"/>
-            <a:endCxn id="7" idx="0"/>
-          </p:cNvCxnSpPr>
-          <p:nvPr/>
-        </p:nvCxnSpPr>
-        <p:spPr>
-          <a:xfrm flipH="1">
-            <a:off x="4713020" y="802911"/>
-            <a:ext cx="1275898" cy="637245"/>
-          </a:xfrm>
-          <a:prstGeom prst="line">
-            <a:avLst/>
-          </a:prstGeom>
-        </p:spPr>
-        <p:style>
-          <a:lnRef idx="1">
-            <a:schemeClr val="accent1"/>
-          </a:lnRef>
-          <a:fillRef idx="0">
-            <a:schemeClr val="accent1"/>
-          </a:fillRef>
-          <a:effectRef idx="0">
-            <a:schemeClr val="accent1"/>
-          </a:effectRef>
-          <a:fontRef idx="minor">
-            <a:schemeClr val="tx1"/>
-          </a:fontRef>
-        </p:style>
-      </p:cxnSp>
-      <p:cxnSp>
-        <p:nvCxnSpPr>
-          <p:cNvPr id="30" name="직선 연결선 29">
-            <a:extLst>
-              <a:ext uri="{FF2B5EF4-FFF2-40B4-BE49-F238E27FC236}">
-                <a16:creationId xmlns:a16="http://schemas.microsoft.com/office/drawing/2014/main" id="{1E052515-34AF-0FC1-8F04-473A0F998E03}"/>
-              </a:ext>
-            </a:extLst>
-          </p:cNvPr>
-          <p:cNvCxnSpPr>
-            <a:stCxn id="6" idx="2"/>
-            <a:endCxn id="9" idx="0"/>
-          </p:cNvCxnSpPr>
-          <p:nvPr/>
-        </p:nvCxnSpPr>
-        <p:spPr>
-          <a:xfrm flipH="1">
-            <a:off x="881520" y="2176340"/>
-            <a:ext cx="906629" cy="279505"/>
-          </a:xfrm>
-          <a:prstGeom prst="line">
-            <a:avLst/>
-          </a:prstGeom>
-        </p:spPr>
-        <p:style>
-          <a:lnRef idx="1">
-            <a:schemeClr val="accent1"/>
-          </a:lnRef>
-          <a:fillRef idx="0">
-            <a:schemeClr val="accent1"/>
-          </a:fillRef>
-          <a:effectRef idx="0">
-            <a:schemeClr val="accent1"/>
-          </a:effectRef>
-          <a:fontRef idx="minor">
-            <a:schemeClr val="tx1"/>
-          </a:fontRef>
-        </p:style>
-      </p:cxnSp>
-      <p:cxnSp>
-        <p:nvCxnSpPr>
-          <p:cNvPr id="32" name="직선 연결선 31">
-            <a:extLst>
-              <a:ext uri="{FF2B5EF4-FFF2-40B4-BE49-F238E27FC236}">
-                <a16:creationId xmlns:a16="http://schemas.microsoft.com/office/drawing/2014/main" id="{37C2DE09-783A-BFBB-3D51-C7EFCCE69925}"/>
-              </a:ext>
-            </a:extLst>
-          </p:cNvPr>
-          <p:cNvCxnSpPr>
-            <a:stCxn id="6" idx="2"/>
-            <a:endCxn id="10" idx="0"/>
-          </p:cNvCxnSpPr>
-          <p:nvPr/>
-        </p:nvCxnSpPr>
-        <p:spPr>
-          <a:xfrm>
-            <a:off x="1788149" y="2176340"/>
-            <a:ext cx="594517" cy="283904"/>
-          </a:xfrm>
-          <a:prstGeom prst="line">
-            <a:avLst/>
-          </a:prstGeom>
-        </p:spPr>
-        <p:style>
-          <a:lnRef idx="1">
-            <a:schemeClr val="accent1"/>
-          </a:lnRef>
-          <a:fillRef idx="0">
-            <a:schemeClr val="accent1"/>
-          </a:fillRef>
-          <a:effectRef idx="0">
-            <a:schemeClr val="accent1"/>
-          </a:effectRef>
-          <a:fontRef idx="minor">
-            <a:schemeClr val="tx1"/>
-          </a:fontRef>
-        </p:style>
-      </p:cxnSp>
-      <p:cxnSp>
-        <p:nvCxnSpPr>
-          <p:cNvPr id="34" name="직선 연결선 33">
-            <a:extLst>
-              <a:ext uri="{FF2B5EF4-FFF2-40B4-BE49-F238E27FC236}">
-                <a16:creationId xmlns:a16="http://schemas.microsoft.com/office/drawing/2014/main" id="{4A927310-C861-E7F6-E1E2-C0204B22CA74}"/>
-              </a:ext>
-            </a:extLst>
-          </p:cNvPr>
-          <p:cNvCxnSpPr>
-            <a:stCxn id="6" idx="2"/>
-            <a:endCxn id="11" idx="0"/>
-          </p:cNvCxnSpPr>
-          <p:nvPr/>
-        </p:nvCxnSpPr>
-        <p:spPr>
-          <a:xfrm>
-            <a:off x="1788149" y="2176340"/>
-            <a:ext cx="1925386" cy="304078"/>
-          </a:xfrm>
-          <a:prstGeom prst="line">
-            <a:avLst/>
-          </a:prstGeom>
-        </p:spPr>
-        <p:style>
-          <a:lnRef idx="1">
-            <a:schemeClr val="accent1"/>
-          </a:lnRef>
-          <a:fillRef idx="0">
-            <a:schemeClr val="accent1"/>
-          </a:fillRef>
-          <a:effectRef idx="0">
-            <a:schemeClr val="accent1"/>
-          </a:effectRef>
-          <a:fontRef idx="minor">
-            <a:schemeClr val="tx1"/>
-          </a:fontRef>
-        </p:style>
-      </p:cxnSp>
-      <p:sp>
-        <p:nvSpPr>
-          <p:cNvPr id="59" name="제목 1">
-            <a:extLst>
-              <a:ext uri="{FF2B5EF4-FFF2-40B4-BE49-F238E27FC236}">
-                <a16:creationId xmlns:a16="http://schemas.microsoft.com/office/drawing/2014/main" id="{371C91A4-B356-5F6A-4A38-9AEA9FFB2103}"/>
-              </a:ext>
-            </a:extLst>
-          </p:cNvPr>
-          <p:cNvSpPr>
-            <a:spLocks noGrp="1"/>
-          </p:cNvSpPr>
-          <p:nvPr/>
-        </p:nvSpPr>
-        <p:spPr>
-          <a:xfrm>
-            <a:off x="873426" y="4626550"/>
-            <a:ext cx="1934132" cy="1229277"/>
+              <a:t>활류</a:t>
+            </a:r>
+            <a:endParaRPr kumimoji="0" lang="ko-KR" altLang="en-US" sz="1500" b="0" i="0" u="none" strike="noStrike" kern="1200" cap="none" spc="0" normalizeH="0" baseline="0">
+              <a:solidFill>
+                <a:srgbClr val="000000"/>
+              </a:solidFill>
+              <a:latin typeface="Calibri"/>
+              <a:ea typeface="맑은 고딕"/>
+              <a:cs typeface="Calibri"/>
+            </a:endParaRPr>
+          </a:p>
+        </p:txBody>
+      </p:sp>
+      <p:sp>
+        <p:nvSpPr>
+          <p:cNvPr id="22" name="제목 1"/>
+          <p:cNvSpPr>
+            <a:spLocks noGrp="1"/>
+          </p:cNvSpPr>
+          <p:nvPr/>
+        </p:nvSpPr>
+        <p:spPr>
+          <a:xfrm>
+            <a:off x="9821906" y="1045779"/>
+            <a:ext cx="579520" cy="408154"/>
           </a:xfrm>
           <a:prstGeom prst="rect">
             <a:avLst/>
@@ -9106,17 +9009,221 @@
               <a:defRPr/>
             </a:pPr>
             <a:r>
-              <a:rPr lang="ko-KR" altLang="en-US" sz="1500">
-                <a:solidFill>
-                  <a:srgbClr val="000000"/>
-                </a:solidFill>
-                <a:latin typeface="Calibri"/>
-                <a:ea typeface="맑은 고딕"/>
-                <a:cs typeface="Calibri"/>
-              </a:rPr>
-              <a:t>인터페이스</a:t>
-            </a:r>
-          </a:p>
+              <a:rPr kumimoji="0" lang="ko-KR" altLang="en-US" sz="1500" b="0" i="0" u="none" strike="noStrike" kern="1200" cap="none" spc="0" normalizeH="0" baseline="0">
+                <a:solidFill>
+                  <a:srgbClr val="000000"/>
+                </a:solidFill>
+                <a:latin typeface="Calibri"/>
+                <a:ea typeface="맑은 고딕"/>
+                <a:cs typeface="Calibri"/>
+              </a:rPr>
+              <a:t>봉류</a:t>
+            </a:r>
+            <a:endParaRPr kumimoji="0" lang="ko-KR" altLang="en-US" sz="1500" b="0" i="0" u="none" strike="noStrike" kern="1200" cap="none" spc="0" normalizeH="0" baseline="0">
+              <a:solidFill>
+                <a:srgbClr val="000000"/>
+              </a:solidFill>
+              <a:latin typeface="Calibri"/>
+              <a:ea typeface="맑은 고딕"/>
+              <a:cs typeface="Calibri"/>
+            </a:endParaRPr>
+          </a:p>
+        </p:txBody>
+      </p:sp>
+      <p:cxnSp>
+        <p:nvCxnSpPr>
+          <p:cNvPr id="24" name="직선 연결선 23"/>
+          <p:cNvCxnSpPr>
+            <a:stCxn id="4" idx="1"/>
+            <a:endCxn id="6" idx="3"/>
+          </p:cNvCxnSpPr>
+          <p:nvPr/>
+        </p:nvCxnSpPr>
+        <p:spPr>
+          <a:xfrm flipH="1">
+            <a:off x="3023250" y="450283"/>
+            <a:ext cx="1708276" cy="967266"/>
+          </a:xfrm>
+          <a:prstGeom prst="line">
+            <a:avLst/>
+          </a:prstGeom>
+        </p:spPr>
+        <p:style>
+          <a:lnRef idx="1">
+            <a:schemeClr val="accent1"/>
+          </a:lnRef>
+          <a:fillRef idx="0">
+            <a:schemeClr val="accent1"/>
+          </a:fillRef>
+          <a:effectRef idx="0">
+            <a:schemeClr val="accent1"/>
+          </a:effectRef>
+          <a:fontRef idx="minor">
+            <a:schemeClr val="tx1"/>
+          </a:fontRef>
+        </p:style>
+      </p:cxnSp>
+      <p:cxnSp>
+        <p:nvCxnSpPr>
+          <p:cNvPr id="26" name="직선 연결선 25"/>
+          <p:cNvCxnSpPr>
+            <a:stCxn id="4" idx="2"/>
+            <a:endCxn id="7" idx="0"/>
+          </p:cNvCxnSpPr>
+          <p:nvPr/>
+        </p:nvCxnSpPr>
+        <p:spPr>
+          <a:xfrm flipH="1">
+            <a:off x="4713020" y="802911"/>
+            <a:ext cx="1275898" cy="637245"/>
+          </a:xfrm>
+          <a:prstGeom prst="line">
+            <a:avLst/>
+          </a:prstGeom>
+        </p:spPr>
+        <p:style>
+          <a:lnRef idx="1">
+            <a:schemeClr val="accent1"/>
+          </a:lnRef>
+          <a:fillRef idx="0">
+            <a:schemeClr val="accent1"/>
+          </a:fillRef>
+          <a:effectRef idx="0">
+            <a:schemeClr val="accent1"/>
+          </a:effectRef>
+          <a:fontRef idx="minor">
+            <a:schemeClr val="tx1"/>
+          </a:fontRef>
+        </p:style>
+      </p:cxnSp>
+      <p:cxnSp>
+        <p:nvCxnSpPr>
+          <p:cNvPr id="30" name="직선 연결선 29"/>
+          <p:cNvCxnSpPr>
+            <a:stCxn id="6" idx="2"/>
+            <a:endCxn id="9" idx="0"/>
+          </p:cNvCxnSpPr>
+          <p:nvPr/>
+        </p:nvCxnSpPr>
+        <p:spPr>
+          <a:xfrm rot="10800000" flipV="1">
+            <a:off x="881519" y="2176340"/>
+            <a:ext cx="906629" cy="279505"/>
+          </a:xfrm>
+          <a:prstGeom prst="line">
+            <a:avLst/>
+          </a:prstGeom>
+        </p:spPr>
+        <p:style>
+          <a:lnRef idx="1">
+            <a:schemeClr val="accent1"/>
+          </a:lnRef>
+          <a:fillRef idx="0">
+            <a:schemeClr val="accent1"/>
+          </a:fillRef>
+          <a:effectRef idx="0">
+            <a:schemeClr val="accent1"/>
+          </a:effectRef>
+          <a:fontRef idx="minor">
+            <a:schemeClr val="tx1"/>
+          </a:fontRef>
+        </p:style>
+      </p:cxnSp>
+      <p:cxnSp>
+        <p:nvCxnSpPr>
+          <p:cNvPr id="32" name="직선 연결선 31"/>
+          <p:cNvCxnSpPr>
+            <a:stCxn id="6" idx="2"/>
+            <a:endCxn id="10" idx="0"/>
+          </p:cNvCxnSpPr>
+          <p:nvPr/>
+        </p:nvCxnSpPr>
+        <p:spPr>
+          <a:xfrm>
+            <a:off x="1788148" y="2176340"/>
+            <a:ext cx="594517" cy="283904"/>
+          </a:xfrm>
+          <a:prstGeom prst="line">
+            <a:avLst/>
+          </a:prstGeom>
+        </p:spPr>
+        <p:style>
+          <a:lnRef idx="1">
+            <a:schemeClr val="accent1"/>
+          </a:lnRef>
+          <a:fillRef idx="0">
+            <a:schemeClr val="accent1"/>
+          </a:fillRef>
+          <a:effectRef idx="0">
+            <a:schemeClr val="accent1"/>
+          </a:effectRef>
+          <a:fontRef idx="minor">
+            <a:schemeClr val="tx1"/>
+          </a:fontRef>
+        </p:style>
+      </p:cxnSp>
+      <p:cxnSp>
+        <p:nvCxnSpPr>
+          <p:cNvPr id="34" name="직선 연결선 33"/>
+          <p:cNvCxnSpPr>
+            <a:stCxn id="6" idx="2"/>
+            <a:endCxn id="11" idx="0"/>
+          </p:cNvCxnSpPr>
+          <p:nvPr/>
+        </p:nvCxnSpPr>
+        <p:spPr>
+          <a:xfrm>
+            <a:off x="1788148" y="2176340"/>
+            <a:ext cx="1925386" cy="304078"/>
+          </a:xfrm>
+          <a:prstGeom prst="line">
+            <a:avLst/>
+          </a:prstGeom>
+        </p:spPr>
+        <p:style>
+          <a:lnRef idx="1">
+            <a:schemeClr val="accent1"/>
+          </a:lnRef>
+          <a:fillRef idx="0">
+            <a:schemeClr val="accent1"/>
+          </a:fillRef>
+          <a:effectRef idx="0">
+            <a:schemeClr val="accent1"/>
+          </a:effectRef>
+          <a:fontRef idx="minor">
+            <a:schemeClr val="tx1"/>
+          </a:fontRef>
+        </p:style>
+      </p:cxnSp>
+      <p:sp>
+        <p:nvSpPr>
+          <p:cNvPr id="59" name="제목 1"/>
+          <p:cNvSpPr>
+            <a:spLocks noGrp="1"/>
+          </p:cNvSpPr>
+          <p:nvPr/>
+        </p:nvSpPr>
+        <p:spPr>
+          <a:xfrm>
+            <a:off x="873426" y="4626550"/>
+            <a:ext cx="1934132" cy="1229277"/>
+          </a:xfrm>
+          <a:prstGeom prst="rect">
+            <a:avLst/>
+          </a:prstGeom>
+          <a:ln>
+            <a:solidFill>
+              <a:srgbClr val="000000">
+                <a:alpha val="100000"/>
+              </a:srgbClr>
+            </a:solidFill>
+          </a:ln>
+        </p:spPr>
+        <p:txBody>
+          <a:bodyPr vert="horz" lIns="91440" tIns="45720" rIns="91440" bIns="45720" anchor="ctr">
+            <a:normAutofit/>
+          </a:bodyPr>
+          <a:lstStyle/>
           <a:p>
             <a:pPr marL="0" lvl="0" indent="0" algn="ctr" defTabSz="914400" rtl="0" eaLnBrk="1" latinLnBrk="1" hangingPunct="1">
               <a:lnSpc>
@@ -9140,8 +9247,16 @@
                 <a:ea typeface="맑은 고딕"/>
                 <a:cs typeface="Calibri"/>
               </a:rPr>
-              <a:t>공격</a:t>
-            </a:r>
+              <a:t>인터페이스</a:t>
+            </a:r>
+            <a:endParaRPr lang="ko-KR" altLang="en-US" sz="1500">
+              <a:solidFill>
+                <a:srgbClr val="000000"/>
+              </a:solidFill>
+              <a:latin typeface="Calibri"/>
+              <a:ea typeface="맑은 고딕"/>
+              <a:cs typeface="Calibri"/>
+            </a:endParaRPr>
           </a:p>
           <a:p>
             <a:pPr marL="0" lvl="0" indent="0" algn="ctr" defTabSz="914400" rtl="0" eaLnBrk="1" latinLnBrk="1" hangingPunct="1">
@@ -9166,31 +9281,9 @@
                 <a:ea typeface="맑은 고딕"/>
                 <a:cs typeface="Calibri"/>
               </a:rPr>
-              <a:t>메서드 </a:t>
-            </a:r>
-            <a:r>
-              <a:rPr lang="en-US" altLang="ko-KR" sz="1500">
-                <a:solidFill>
-                  <a:srgbClr val="000000"/>
-                </a:solidFill>
-                <a:latin typeface="Calibri"/>
-                <a:ea typeface="맑은 고딕"/>
-                <a:cs typeface="Calibri"/>
-              </a:rPr>
-              <a:t>: </a:t>
-            </a:r>
-            <a:r>
-              <a:rPr lang="ko-KR" altLang="en-US" sz="1500">
-                <a:solidFill>
-                  <a:srgbClr val="000000"/>
-                </a:solidFill>
-                <a:latin typeface="Calibri"/>
-                <a:ea typeface="맑은 고딕"/>
-                <a:cs typeface="Calibri"/>
-              </a:rPr>
-              <a:t>기본공격</a:t>
-            </a:r>
-            <a:endParaRPr lang="en-US" altLang="ko-KR" sz="1500">
+              <a:t>공격</a:t>
+            </a:r>
+            <a:endParaRPr lang="ko-KR" altLang="en-US" sz="1500">
               <a:solidFill>
                 <a:srgbClr val="000000"/>
               </a:solidFill>
@@ -9199,121 +9292,6 @@
               <a:cs typeface="Calibri"/>
             </a:endParaRPr>
           </a:p>
-        </p:txBody>
-      </p:sp>
-      <p:cxnSp>
-        <p:nvCxnSpPr>
-          <p:cNvPr id="61" name="직선 연결선 60">
-            <a:extLst>
-              <a:ext uri="{FF2B5EF4-FFF2-40B4-BE49-F238E27FC236}">
-                <a16:creationId xmlns:a16="http://schemas.microsoft.com/office/drawing/2014/main" id="{50B5C9AD-8C14-B7F5-E6B0-794365044A53}"/>
-              </a:ext>
-            </a:extLst>
-          </p:cNvPr>
-          <p:cNvCxnSpPr>
-            <a:stCxn id="6" idx="2"/>
-            <a:endCxn id="59" idx="0"/>
-          </p:cNvCxnSpPr>
-          <p:nvPr/>
-        </p:nvCxnSpPr>
-        <p:spPr>
-          <a:xfrm>
-            <a:off x="1788149" y="2176340"/>
-            <a:ext cx="52343" cy="2450210"/>
-          </a:xfrm>
-          <a:prstGeom prst="line">
-            <a:avLst/>
-          </a:prstGeom>
-        </p:spPr>
-        <p:style>
-          <a:lnRef idx="1">
-            <a:schemeClr val="accent1"/>
-          </a:lnRef>
-          <a:fillRef idx="0">
-            <a:schemeClr val="accent1"/>
-          </a:fillRef>
-          <a:effectRef idx="0">
-            <a:schemeClr val="accent1"/>
-          </a:effectRef>
-          <a:fontRef idx="minor">
-            <a:schemeClr val="tx1"/>
-          </a:fontRef>
-        </p:style>
-      </p:cxnSp>
-      <p:cxnSp>
-        <p:nvCxnSpPr>
-          <p:cNvPr id="65" name="직선 연결선 64">
-            <a:extLst>
-              <a:ext uri="{FF2B5EF4-FFF2-40B4-BE49-F238E27FC236}">
-                <a16:creationId xmlns:a16="http://schemas.microsoft.com/office/drawing/2014/main" id="{27176E17-3D09-1CDE-7066-DE6956876566}"/>
-              </a:ext>
-            </a:extLst>
-          </p:cNvPr>
-          <p:cNvCxnSpPr>
-            <a:stCxn id="14" idx="1"/>
-            <a:endCxn id="59" idx="3"/>
-          </p:cNvCxnSpPr>
-          <p:nvPr/>
-        </p:nvCxnSpPr>
-        <p:spPr>
-          <a:xfrm flipH="1">
-            <a:off x="2807558" y="2965633"/>
-            <a:ext cx="2606944" cy="2275556"/>
-          </a:xfrm>
-          <a:prstGeom prst="line">
-            <a:avLst/>
-          </a:prstGeom>
-        </p:spPr>
-        <p:style>
-          <a:lnRef idx="1">
-            <a:schemeClr val="accent1"/>
-          </a:lnRef>
-          <a:fillRef idx="0">
-            <a:schemeClr val="accent1"/>
-          </a:fillRef>
-          <a:effectRef idx="0">
-            <a:schemeClr val="accent1"/>
-          </a:effectRef>
-          <a:fontRef idx="minor">
-            <a:schemeClr val="tx1"/>
-          </a:fontRef>
-        </p:style>
-      </p:cxnSp>
-      <p:sp>
-        <p:nvSpPr>
-          <p:cNvPr id="66" name="제목 1">
-            <a:extLst>
-              <a:ext uri="{FF2B5EF4-FFF2-40B4-BE49-F238E27FC236}">
-                <a16:creationId xmlns:a16="http://schemas.microsoft.com/office/drawing/2014/main" id="{EE7957DF-463B-B324-959C-F975C5E842BE}"/>
-              </a:ext>
-            </a:extLst>
-          </p:cNvPr>
-          <p:cNvSpPr>
-            <a:spLocks noGrp="1"/>
-          </p:cNvSpPr>
-          <p:nvPr/>
-        </p:nvSpPr>
-        <p:spPr>
-          <a:xfrm>
-            <a:off x="7143312" y="1694465"/>
-            <a:ext cx="963872" cy="631711"/>
-          </a:xfrm>
-          <a:prstGeom prst="rect">
-            <a:avLst/>
-          </a:prstGeom>
-          <a:ln>
-            <a:solidFill>
-              <a:srgbClr val="000000">
-                <a:alpha val="100000"/>
-              </a:srgbClr>
-            </a:solidFill>
-          </a:ln>
-        </p:spPr>
-        <p:txBody>
-          <a:bodyPr vert="horz" lIns="91440" tIns="45720" rIns="91440" bIns="45720" anchor="ctr">
-            <a:normAutofit/>
-          </a:bodyPr>
-          <a:lstStyle/>
           <a:p>
             <a:pPr marL="0" lvl="0" indent="0" algn="ctr" defTabSz="914400" rtl="0" eaLnBrk="1" latinLnBrk="1" hangingPunct="1">
               <a:lnSpc>
@@ -9329,17 +9307,39 @@
               <a:defRPr/>
             </a:pPr>
             <a:r>
-              <a:rPr kumimoji="0" lang="ko-KR" altLang="en-US" sz="1500" b="0" i="0" u="none" strike="noStrike" kern="1200" cap="none" spc="0" normalizeH="0" baseline="0">
-                <a:solidFill>
-                  <a:srgbClr val="000000"/>
-                </a:solidFill>
-                <a:latin typeface="Calibri"/>
-                <a:ea typeface="맑은 고딕"/>
-                <a:cs typeface="Calibri"/>
-              </a:rPr>
-              <a:t>대검</a:t>
-            </a:r>
-            <a:endParaRPr kumimoji="0" lang="en-US" altLang="ko-KR" sz="1500" b="0" i="0" u="none" strike="noStrike" kern="1200" cap="none" spc="0" normalizeH="0" baseline="0">
+              <a:rPr lang="ko-KR" altLang="en-US" sz="1500">
+                <a:solidFill>
+                  <a:srgbClr val="000000"/>
+                </a:solidFill>
+                <a:latin typeface="Calibri"/>
+                <a:ea typeface="맑은 고딕"/>
+                <a:cs typeface="Calibri"/>
+              </a:rPr>
+              <a:t>메서드 </a:t>
+            </a:r>
+            <a:r>
+              <a:rPr lang="en-US" altLang="ko-KR" sz="1500">
+                <a:solidFill>
+                  <a:srgbClr val="000000"/>
+                </a:solidFill>
+                <a:latin typeface="Calibri"/>
+                <a:ea typeface="맑은 고딕"/>
+                <a:cs typeface="Calibri"/>
+              </a:rPr>
+              <a:t>: </a:t>
+            </a:r>
+            <a:r>
+              <a:rPr lang="ko-KR" altLang="en-US" sz="1500">
+                <a:solidFill>
+                  <a:srgbClr val="000000"/>
+                </a:solidFill>
+                <a:latin typeface="Calibri"/>
+                <a:ea typeface="맑은 고딕"/>
+                <a:cs typeface="Calibri"/>
+              </a:rPr>
+              <a:t>기본공격</a:t>
+            </a:r>
+            <a:endParaRPr lang="en-US" altLang="ko-KR" sz="1500">
               <a:solidFill>
                 <a:srgbClr val="000000"/>
               </a:solidFill>
@@ -9350,24 +9350,84 @@
           </a:p>
         </p:txBody>
       </p:sp>
-      <p:sp>
-        <p:nvSpPr>
-          <p:cNvPr id="67" name="제목 1">
-            <a:extLst>
-              <a:ext uri="{FF2B5EF4-FFF2-40B4-BE49-F238E27FC236}">
-                <a16:creationId xmlns:a16="http://schemas.microsoft.com/office/drawing/2014/main" id="{847C37CE-1314-2D60-6EF9-6AF117DC54DB}"/>
-              </a:ext>
-            </a:extLst>
-          </p:cNvPr>
-          <p:cNvSpPr>
-            <a:spLocks noGrp="1"/>
-          </p:cNvSpPr>
-          <p:nvPr/>
-        </p:nvSpPr>
-        <p:spPr>
-          <a:xfrm>
-            <a:off x="8205814" y="1726744"/>
-            <a:ext cx="662138" cy="697909"/>
+      <p:cxnSp>
+        <p:nvCxnSpPr>
+          <p:cNvPr id="61" name="직선 연결선 60"/>
+          <p:cNvCxnSpPr>
+            <a:stCxn id="6" idx="2"/>
+            <a:endCxn id="59" idx="0"/>
+          </p:cNvCxnSpPr>
+          <p:nvPr/>
+        </p:nvCxnSpPr>
+        <p:spPr>
+          <a:xfrm>
+            <a:off x="1788149" y="2176340"/>
+            <a:ext cx="52343" cy="2450210"/>
+          </a:xfrm>
+          <a:prstGeom prst="line">
+            <a:avLst/>
+          </a:prstGeom>
+        </p:spPr>
+        <p:style>
+          <a:lnRef idx="1">
+            <a:schemeClr val="accent1"/>
+          </a:lnRef>
+          <a:fillRef idx="0">
+            <a:schemeClr val="accent1"/>
+          </a:fillRef>
+          <a:effectRef idx="0">
+            <a:schemeClr val="accent1"/>
+          </a:effectRef>
+          <a:fontRef idx="minor">
+            <a:schemeClr val="tx1"/>
+          </a:fontRef>
+        </p:style>
+      </p:cxnSp>
+      <p:cxnSp>
+        <p:nvCxnSpPr>
+          <p:cNvPr id="65" name="직선 연결선 64"/>
+          <p:cNvCxnSpPr>
+            <a:stCxn id="14" idx="1"/>
+            <a:endCxn id="59" idx="3"/>
+          </p:cNvCxnSpPr>
+          <p:nvPr/>
+        </p:nvCxnSpPr>
+        <p:spPr>
+          <a:xfrm flipH="1">
+            <a:off x="2807558" y="2965633"/>
+            <a:ext cx="2606944" cy="2275556"/>
+          </a:xfrm>
+          <a:prstGeom prst="line">
+            <a:avLst/>
+          </a:prstGeom>
+        </p:spPr>
+        <p:style>
+          <a:lnRef idx="1">
+            <a:schemeClr val="accent1"/>
+          </a:lnRef>
+          <a:fillRef idx="0">
+            <a:schemeClr val="accent1"/>
+          </a:fillRef>
+          <a:effectRef idx="0">
+            <a:schemeClr val="accent1"/>
+          </a:effectRef>
+          <a:fontRef idx="minor">
+            <a:schemeClr val="tx1"/>
+          </a:fontRef>
+        </p:style>
+      </p:cxnSp>
+      <p:sp>
+        <p:nvSpPr>
+          <p:cNvPr id="118" name="제목 1"/>
+          <p:cNvSpPr>
+            <a:spLocks noGrp="1"/>
+          </p:cNvSpPr>
+          <p:nvPr/>
+        </p:nvSpPr>
+        <p:spPr>
+          <a:xfrm>
+            <a:off x="7844644" y="158958"/>
+            <a:ext cx="1171135" cy="629244"/>
           </a:xfrm>
           <a:prstGeom prst="rect">
             <a:avLst/>
@@ -9382,7 +9442,7 @@
         </p:spPr>
         <p:txBody>
           <a:bodyPr vert="horz" lIns="91440" tIns="45720" rIns="91440" bIns="45720" anchor="ctr">
-            <a:normAutofit/>
+            <a:normAutofit fontScale="92500" lnSpcReduction="10000"/>
           </a:bodyPr>
           <a:lstStyle/>
           <a:p>
@@ -9400,16 +9460,24 @@
               <a:defRPr/>
             </a:pPr>
             <a:r>
-              <a:rPr kumimoji="0" lang="ko-KR" altLang="en-US" sz="1500" b="0" u="none" strike="noStrike" kern="1200" cap="none" spc="0" normalizeH="0" baseline="0">
-                <a:solidFill>
-                  <a:srgbClr val="000000"/>
-                </a:solidFill>
-                <a:latin typeface="Calibri"/>
-                <a:ea typeface="맑은 고딕"/>
-                <a:cs typeface="Calibri"/>
-              </a:rPr>
-              <a:t>소검</a:t>
-            </a:r>
+              <a:rPr lang="en-US" altLang="ko-KR" sz="1300">
+                <a:solidFill>
+                  <a:srgbClr val="000000"/>
+                </a:solidFill>
+                <a:latin typeface="맑은 고딕"/>
+                <a:ea typeface="맑은 고딕"/>
+                <a:cs typeface="Calibri"/>
+              </a:rPr>
+              <a:t>item</a:t>
+            </a:r>
+            <a:endParaRPr lang="en-US" altLang="ko-KR" sz="1300">
+              <a:solidFill>
+                <a:srgbClr val="000000"/>
+              </a:solidFill>
+              <a:latin typeface="맑은 고딕"/>
+              <a:ea typeface="맑은 고딕"/>
+              <a:cs typeface="Calibri"/>
+            </a:endParaRPr>
           </a:p>
           <a:p>
             <a:pPr marL="0" lvl="0" indent="0" algn="ctr" defTabSz="914400" rtl="0" eaLnBrk="1" latinLnBrk="1" hangingPunct="1">
@@ -9425,35 +9493,150 @@
               <a:buNone/>
               <a:defRPr/>
             </a:pPr>
-            <a:endParaRPr lang="en-US" altLang="ko-KR" sz="1500" i="1">
+            <a:r>
+              <a:rPr lang="ko-KR" altLang="en-US" sz="1300">
+                <a:solidFill>
+                  <a:srgbClr val="000000"/>
+                </a:solidFill>
+                <a:latin typeface="맑은 고딕"/>
+                <a:ea typeface="맑은 고딕"/>
+                <a:cs typeface="Calibri"/>
+              </a:rPr>
+              <a:t>변수</a:t>
+            </a:r>
+            <a:r>
+              <a:rPr lang="en-US" altLang="ko-KR" sz="1300">
+                <a:solidFill>
+                  <a:srgbClr val="000000"/>
+                </a:solidFill>
+                <a:latin typeface="맑은 고딕"/>
+                <a:ea typeface="맑은 고딕"/>
+                <a:cs typeface="Calibri"/>
+              </a:rPr>
+              <a:t>:price, weaponatk</a:t>
+            </a:r>
+            <a:endParaRPr lang="en-US" altLang="ko-KR" sz="1300">
               <a:solidFill>
                 <a:srgbClr val="000000"/>
               </a:solidFill>
-              <a:latin typeface="Calibri"/>
+              <a:latin typeface="맑은 고딕"/>
               <a:ea typeface="맑은 고딕"/>
               <a:cs typeface="Calibri"/>
             </a:endParaRPr>
           </a:p>
         </p:txBody>
       </p:sp>
-      <p:sp>
-        <p:nvSpPr>
-          <p:cNvPr id="68" name="제목 1">
-            <a:extLst>
-              <a:ext uri="{FF2B5EF4-FFF2-40B4-BE49-F238E27FC236}">
-                <a16:creationId xmlns:a16="http://schemas.microsoft.com/office/drawing/2014/main" id="{6F1F13EA-712A-A26D-271C-77485003FEAE}"/>
-              </a:ext>
-            </a:extLst>
-          </p:cNvPr>
-          <p:cNvSpPr>
-            <a:spLocks noGrp="1"/>
-          </p:cNvSpPr>
-          <p:nvPr/>
-        </p:nvSpPr>
-        <p:spPr>
-          <a:xfrm>
-            <a:off x="9015779" y="1782509"/>
-            <a:ext cx="579520" cy="697909"/>
+      <p:cxnSp>
+        <p:nvCxnSpPr>
+          <p:cNvPr id="141" name="직선 연결선 140"/>
+          <p:cNvCxnSpPr>
+            <a:stCxn id="118" idx="2"/>
+            <a:endCxn id="20" idx="0"/>
+          </p:cNvCxnSpPr>
+          <p:nvPr/>
+        </p:nvCxnSpPr>
+        <p:spPr>
+          <a:xfrm flipH="1">
+            <a:off x="8100518" y="788202"/>
+            <a:ext cx="329694" cy="425167"/>
+          </a:xfrm>
+          <a:prstGeom prst="line">
+            <a:avLst/>
+          </a:prstGeom>
+        </p:spPr>
+        <p:style>
+          <a:lnRef idx="1">
+            <a:schemeClr val="accent1"/>
+          </a:lnRef>
+          <a:fillRef idx="0">
+            <a:schemeClr val="accent1"/>
+          </a:fillRef>
+          <a:effectRef idx="0">
+            <a:schemeClr val="accent1"/>
+          </a:effectRef>
+          <a:fontRef idx="minor">
+            <a:schemeClr val="tx1"/>
+          </a:fontRef>
+        </p:style>
+      </p:cxnSp>
+      <p:cxnSp>
+        <p:nvCxnSpPr>
+          <p:cNvPr id="143" name="직선 연결선 142"/>
+          <p:cNvCxnSpPr>
+            <a:stCxn id="118" idx="2"/>
+            <a:endCxn id="21" idx="0"/>
+          </p:cNvCxnSpPr>
+          <p:nvPr/>
+        </p:nvCxnSpPr>
+        <p:spPr>
+          <a:xfrm>
+            <a:off x="8430212" y="788202"/>
+            <a:ext cx="808182" cy="352975"/>
+          </a:xfrm>
+          <a:prstGeom prst="line">
+            <a:avLst/>
+          </a:prstGeom>
+        </p:spPr>
+        <p:style>
+          <a:lnRef idx="1">
+            <a:schemeClr val="accent1"/>
+          </a:lnRef>
+          <a:fillRef idx="0">
+            <a:schemeClr val="accent1"/>
+          </a:fillRef>
+          <a:effectRef idx="0">
+            <a:schemeClr val="accent1"/>
+          </a:effectRef>
+          <a:fontRef idx="minor">
+            <a:schemeClr val="tx1"/>
+          </a:fontRef>
+        </p:style>
+      </p:cxnSp>
+      <p:cxnSp>
+        <p:nvCxnSpPr>
+          <p:cNvPr id="145" name="직선 연결선 144"/>
+          <p:cNvCxnSpPr>
+            <a:stCxn id="118" idx="2"/>
+            <a:endCxn id="22" idx="0"/>
+          </p:cNvCxnSpPr>
+          <p:nvPr/>
+        </p:nvCxnSpPr>
+        <p:spPr>
+          <a:xfrm>
+            <a:off x="8430212" y="788202"/>
+            <a:ext cx="1681454" cy="257577"/>
+          </a:xfrm>
+          <a:prstGeom prst="line">
+            <a:avLst/>
+          </a:prstGeom>
+        </p:spPr>
+        <p:style>
+          <a:lnRef idx="1">
+            <a:schemeClr val="accent1"/>
+          </a:lnRef>
+          <a:fillRef idx="0">
+            <a:schemeClr val="accent1"/>
+          </a:fillRef>
+          <a:effectRef idx="0">
+            <a:schemeClr val="accent1"/>
+          </a:effectRef>
+          <a:fontRef idx="minor">
+            <a:schemeClr val="tx1"/>
+          </a:fontRef>
+        </p:style>
+      </p:cxnSp>
+      <p:sp>
+        <p:nvSpPr>
+          <p:cNvPr id="156" name="제목 1"/>
+          <p:cNvSpPr>
+            <a:spLocks noGrp="1"/>
+          </p:cNvSpPr>
+          <p:nvPr/>
+        </p:nvSpPr>
+        <p:spPr>
+          <a:xfrm>
+            <a:off x="5487526" y="3713312"/>
+            <a:ext cx="807868" cy="793815"/>
           </a:xfrm>
           <a:prstGeom prst="rect">
             <a:avLst/>
@@ -9486,17 +9669,56 @@
               <a:defRPr/>
             </a:pPr>
             <a:r>
-              <a:rPr kumimoji="0" lang="ko-KR" altLang="en-US" sz="1500" b="0" i="0" u="none" strike="noStrike" kern="1200" cap="none" spc="0" normalizeH="0" baseline="0">
-                <a:solidFill>
-                  <a:srgbClr val="000000"/>
-                </a:solidFill>
-                <a:latin typeface="Calibri"/>
-                <a:ea typeface="맑은 고딕"/>
-                <a:cs typeface="Calibri"/>
-              </a:rPr>
-              <a:t>둔기</a:t>
-            </a:r>
-          </a:p>
+              <a:rPr kumimoji="0" lang="ko-KR" altLang="en-US" sz="1300" b="0" i="0" u="none" strike="noStrike" kern="1200" cap="none" spc="0" normalizeH="0" baseline="0">
+                <a:solidFill>
+                  <a:srgbClr val="000000"/>
+                </a:solidFill>
+                <a:latin typeface="맑은 고딕"/>
+                <a:ea typeface="맑은 고딕"/>
+                <a:cs typeface="Calibri"/>
+              </a:rPr>
+              <a:t>기계족</a:t>
+            </a:r>
+            <a:endParaRPr kumimoji="0" lang="ko-KR" altLang="en-US" sz="1300" b="0" i="0" u="none" strike="noStrike" kern="1200" cap="none" spc="0" normalizeH="0" baseline="0">
+              <a:solidFill>
+                <a:srgbClr val="000000"/>
+              </a:solidFill>
+              <a:latin typeface="맑은 고딕"/>
+              <a:ea typeface="맑은 고딕"/>
+              <a:cs typeface="Calibri"/>
+            </a:endParaRPr>
+          </a:p>
+        </p:txBody>
+      </p:sp>
+      <p:sp>
+        <p:nvSpPr>
+          <p:cNvPr id="157" name="제목 1"/>
+          <p:cNvSpPr>
+            <a:spLocks noGrp="1"/>
+          </p:cNvSpPr>
+          <p:nvPr/>
+        </p:nvSpPr>
+        <p:spPr>
+          <a:xfrm>
+            <a:off x="4515448" y="3759879"/>
+            <a:ext cx="807868" cy="793815"/>
+          </a:xfrm>
+          <a:prstGeom prst="rect">
+            <a:avLst/>
+          </a:prstGeom>
+          <a:ln>
+            <a:solidFill>
+              <a:srgbClr val="000000">
+                <a:alpha val="100000"/>
+              </a:srgbClr>
+            </a:solidFill>
+          </a:ln>
+        </p:spPr>
+        <p:txBody>
+          <a:bodyPr vert="horz" lIns="91440" tIns="45720" rIns="91440" bIns="45720" anchor="ctr">
+            <a:normAutofit/>
+          </a:bodyPr>
+          <a:lstStyle/>
           <a:p>
             <a:pPr marL="0" lvl="0" indent="0" algn="ctr" defTabSz="914400" rtl="0" eaLnBrk="1" latinLnBrk="1" hangingPunct="1">
               <a:lnSpc>
@@ -9511,11 +9733,22 @@
               <a:buNone/>
               <a:defRPr/>
             </a:pPr>
-            <a:endParaRPr kumimoji="0" lang="ko-KR" altLang="en-US" sz="1500" b="0" i="0" u="none" strike="noStrike" kern="1200" cap="none" spc="0" normalizeH="0" baseline="0">
+            <a:r>
+              <a:rPr kumimoji="0" lang="ko-KR" altLang="en-US" sz="1300" b="0" i="0" u="none" strike="noStrike" kern="1200" cap="none" spc="0" normalizeH="0" baseline="0">
+                <a:solidFill>
+                  <a:srgbClr val="000000"/>
+                </a:solidFill>
+                <a:latin typeface="맑은 고딕"/>
+                <a:ea typeface="맑은 고딕"/>
+                <a:cs typeface="Calibri"/>
+              </a:rPr>
+              <a:t>악마족</a:t>
+            </a:r>
+            <a:endParaRPr kumimoji="0" lang="ko-KR" altLang="en-US" sz="1300" b="0" i="0" u="none" strike="noStrike" kern="1200" cap="none" spc="0" normalizeH="0" baseline="0">
               <a:solidFill>
                 <a:srgbClr val="000000"/>
               </a:solidFill>
-              <a:latin typeface="Calibri"/>
+              <a:latin typeface="맑은 고딕"/>
               <a:ea typeface="맑은 고딕"/>
               <a:cs typeface="Calibri"/>
             </a:endParaRPr>
@@ -9524,22 +9757,16 @@
       </p:sp>
       <p:sp>
         <p:nvSpPr>
-          <p:cNvPr id="69" name="제목 1">
-            <a:extLst>
-              <a:ext uri="{FF2B5EF4-FFF2-40B4-BE49-F238E27FC236}">
-                <a16:creationId xmlns:a16="http://schemas.microsoft.com/office/drawing/2014/main" id="{11EC2A90-06F9-DA13-3994-BAEA090BDCD9}"/>
-              </a:ext>
-            </a:extLst>
-          </p:cNvPr>
-          <p:cNvSpPr>
-            <a:spLocks noGrp="1"/>
-          </p:cNvSpPr>
-          <p:nvPr/>
-        </p:nvSpPr>
-        <p:spPr>
-          <a:xfrm>
-            <a:off x="8133067" y="3080045"/>
-            <a:ext cx="730041" cy="697909"/>
+          <p:cNvPr id="158" name="제목 1"/>
+          <p:cNvSpPr>
+            <a:spLocks noGrp="1"/>
+          </p:cNvSpPr>
+          <p:nvPr/>
+        </p:nvSpPr>
+        <p:spPr>
+          <a:xfrm>
+            <a:off x="3530138" y="3766757"/>
+            <a:ext cx="807868" cy="793815"/>
           </a:xfrm>
           <a:prstGeom prst="rect">
             <a:avLst/>
@@ -9572,45 +9799,138 @@
               <a:defRPr/>
             </a:pPr>
             <a:r>
-              <a:rPr kumimoji="0" lang="ko-KR" altLang="en-US" sz="1500" b="0" i="0" u="none" strike="noStrike" kern="1200" cap="none" spc="0" normalizeH="0" baseline="0">
-                <a:solidFill>
-                  <a:srgbClr val="000000"/>
-                </a:solidFill>
-                <a:latin typeface="Calibri"/>
-                <a:ea typeface="맑은 고딕"/>
-                <a:cs typeface="Calibri"/>
-              </a:rPr>
-              <a:t>석궁</a:t>
-            </a:r>
-            <a:endParaRPr kumimoji="0" lang="en-US" altLang="ko-KR" sz="1500" b="0" i="0" u="none" strike="noStrike" kern="1200" cap="none" spc="0" normalizeH="0" baseline="0">
+              <a:rPr kumimoji="0" lang="ko-KR" altLang="en-US" sz="1300" b="0" i="0" u="none" strike="noStrike" kern="1200" cap="none" spc="0" normalizeH="0" baseline="0">
+                <a:solidFill>
+                  <a:srgbClr val="000000"/>
+                </a:solidFill>
+                <a:latin typeface="맑은 고딕"/>
+                <a:ea typeface="맑은 고딕"/>
+                <a:cs typeface="Calibri"/>
+              </a:rPr>
+              <a:t>용족</a:t>
+            </a:r>
+            <a:endParaRPr kumimoji="0" lang="ko-KR" altLang="en-US" sz="1300" b="0" i="0" u="none" strike="noStrike" kern="1200" cap="none" spc="0" normalizeH="0" baseline="0">
               <a:solidFill>
                 <a:srgbClr val="000000"/>
               </a:solidFill>
-              <a:latin typeface="Calibri"/>
+              <a:latin typeface="맑은 고딕"/>
               <a:ea typeface="맑은 고딕"/>
               <a:cs typeface="Calibri"/>
             </a:endParaRPr>
           </a:p>
         </p:txBody>
       </p:sp>
-      <p:sp>
-        <p:nvSpPr>
-          <p:cNvPr id="70" name="제목 1">
-            <a:extLst>
-              <a:ext uri="{FF2B5EF4-FFF2-40B4-BE49-F238E27FC236}">
-                <a16:creationId xmlns:a16="http://schemas.microsoft.com/office/drawing/2014/main" id="{BDC0AB02-B6E1-B21D-1FE8-0B3EC1F43E9B}"/>
-              </a:ext>
-            </a:extLst>
-          </p:cNvPr>
-          <p:cNvSpPr>
-            <a:spLocks noGrp="1"/>
-          </p:cNvSpPr>
-          <p:nvPr/>
-        </p:nvSpPr>
-        <p:spPr>
-          <a:xfrm>
-            <a:off x="9062133" y="3080046"/>
-            <a:ext cx="813472" cy="697908"/>
+      <p:cxnSp>
+        <p:nvCxnSpPr>
+          <p:cNvPr id="159" name="선 158"/>
+          <p:cNvCxnSpPr>
+            <a:stCxn id="7" idx="2"/>
+            <a:endCxn id="158" idx="0"/>
+          </p:cNvCxnSpPr>
+          <p:nvPr/>
+        </p:nvCxnSpPr>
+        <p:spPr>
+          <a:xfrm rot="5400000">
+            <a:off x="3649394" y="2703131"/>
+            <a:ext cx="1348304" cy="778948"/>
+          </a:xfrm>
+          <a:prstGeom prst="line">
+            <a:avLst/>
+          </a:prstGeom>
+        </p:spPr>
+        <p:style>
+          <a:lnRef idx="1">
+            <a:schemeClr val="accent1"/>
+          </a:lnRef>
+          <a:fillRef idx="0">
+            <a:schemeClr val="accent1"/>
+          </a:fillRef>
+          <a:effectRef idx="0">
+            <a:schemeClr val="accent1"/>
+          </a:effectRef>
+          <a:fontRef idx="minor">
+            <a:schemeClr val="tx1"/>
+          </a:fontRef>
+        </p:style>
+      </p:cxnSp>
+      <p:cxnSp>
+        <p:nvCxnSpPr>
+          <p:cNvPr id="160" name="선 159"/>
+          <p:cNvCxnSpPr>
+            <a:stCxn id="7" idx="2"/>
+            <a:endCxn id="157" idx="0"/>
+          </p:cNvCxnSpPr>
+          <p:nvPr/>
+        </p:nvCxnSpPr>
+        <p:spPr>
+          <a:xfrm rot="16200000" flipH="1">
+            <a:off x="4145488" y="2985986"/>
+            <a:ext cx="1341426" cy="206360"/>
+          </a:xfrm>
+          <a:prstGeom prst="line">
+            <a:avLst/>
+          </a:prstGeom>
+        </p:spPr>
+        <p:style>
+          <a:lnRef idx="1">
+            <a:schemeClr val="accent1"/>
+          </a:lnRef>
+          <a:fillRef idx="0">
+            <a:schemeClr val="accent1"/>
+          </a:fillRef>
+          <a:effectRef idx="0">
+            <a:schemeClr val="accent1"/>
+          </a:effectRef>
+          <a:fontRef idx="minor">
+            <a:schemeClr val="tx1"/>
+          </a:fontRef>
+        </p:style>
+      </p:cxnSp>
+      <p:cxnSp>
+        <p:nvCxnSpPr>
+          <p:cNvPr id="161" name="선 160"/>
+          <p:cNvCxnSpPr>
+            <a:stCxn id="7" idx="2"/>
+            <a:endCxn id="156" idx="0"/>
+          </p:cNvCxnSpPr>
+          <p:nvPr/>
+        </p:nvCxnSpPr>
+        <p:spPr>
+          <a:xfrm rot="16200000" flipH="1">
+            <a:off x="4654810" y="2476662"/>
+            <a:ext cx="1294859" cy="1178441"/>
+          </a:xfrm>
+          <a:prstGeom prst="line">
+            <a:avLst/>
+          </a:prstGeom>
+        </p:spPr>
+        <p:style>
+          <a:lnRef idx="1">
+            <a:schemeClr val="accent1"/>
+          </a:lnRef>
+          <a:fillRef idx="0">
+            <a:schemeClr val="accent1"/>
+          </a:fillRef>
+          <a:effectRef idx="0">
+            <a:schemeClr val="accent1"/>
+          </a:effectRef>
+          <a:fontRef idx="minor">
+            <a:schemeClr val="tx1"/>
+          </a:fontRef>
+        </p:style>
+      </p:cxnSp>
+      <p:sp>
+        <p:nvSpPr>
+          <p:cNvPr id="162" name="제목 1"/>
+          <p:cNvSpPr>
+            <a:spLocks noGrp="1"/>
+          </p:cNvSpPr>
+          <p:nvPr/>
+        </p:nvSpPr>
+        <p:spPr>
+          <a:xfrm>
+            <a:off x="5499259" y="5240935"/>
+            <a:ext cx="807868" cy="560319"/>
           </a:xfrm>
           <a:prstGeom prst="rect">
             <a:avLst/>
@@ -9651,9 +9971,48 @@
                 <a:ea typeface="맑은 고딕"/>
                 <a:cs typeface="Calibri"/>
               </a:rPr>
-              <a:t>활</a:t>
-            </a:r>
-          </a:p>
+              <a:t>악마보스</a:t>
+            </a:r>
+            <a:endParaRPr kumimoji="0" lang="ko-KR" altLang="en-US" sz="1500" b="0" i="0" u="none" strike="noStrike" kern="1200" cap="none" spc="0" normalizeH="0" baseline="0">
+              <a:solidFill>
+                <a:srgbClr val="000000"/>
+              </a:solidFill>
+              <a:latin typeface="Calibri"/>
+              <a:ea typeface="맑은 고딕"/>
+              <a:cs typeface="Calibri"/>
+            </a:endParaRPr>
+          </a:p>
+        </p:txBody>
+      </p:sp>
+      <p:sp>
+        <p:nvSpPr>
+          <p:cNvPr id="164" name="제목 1"/>
+          <p:cNvSpPr>
+            <a:spLocks noGrp="1"/>
+          </p:cNvSpPr>
+          <p:nvPr/>
+        </p:nvSpPr>
+        <p:spPr>
+          <a:xfrm>
+            <a:off x="3793225" y="5148860"/>
+            <a:ext cx="807868" cy="560319"/>
+          </a:xfrm>
+          <a:prstGeom prst="rect">
+            <a:avLst/>
+          </a:prstGeom>
+          <a:ln>
+            <a:solidFill>
+              <a:srgbClr val="000000">
+                <a:alpha val="100000"/>
+              </a:srgbClr>
+            </a:solidFill>
+          </a:ln>
+        </p:spPr>
+        <p:txBody>
+          <a:bodyPr vert="horz" lIns="91440" tIns="45720" rIns="91440" bIns="45720" anchor="ctr">
+            <a:normAutofit/>
+          </a:bodyPr>
+          <a:lstStyle/>
           <a:p>
             <a:pPr marL="0" lvl="0" indent="0" algn="ctr" defTabSz="914400" rtl="0" eaLnBrk="1" latinLnBrk="1" hangingPunct="1">
               <a:lnSpc>
@@ -9668,7 +10027,18 @@
               <a:buNone/>
               <a:defRPr/>
             </a:pPr>
-            <a:endParaRPr lang="en-US" altLang="ko-KR" sz="1500">
+            <a:r>
+              <a:rPr kumimoji="0" lang="ko-KR" altLang="en-US" sz="1500" b="0" i="0" u="none" strike="noStrike" kern="1200" cap="none" spc="0" normalizeH="0" baseline="0">
+                <a:solidFill>
+                  <a:srgbClr val="000000"/>
+                </a:solidFill>
+                <a:latin typeface="Calibri"/>
+                <a:ea typeface="맑은 고딕"/>
+                <a:cs typeface="Calibri"/>
+              </a:rPr>
+              <a:t>악마일반</a:t>
+            </a:r>
+            <a:endParaRPr kumimoji="0" lang="en-US" altLang="ko-KR" sz="1500" b="0" i="0" u="none" strike="noStrike" kern="1200" cap="none" spc="0" normalizeH="0" baseline="0">
               <a:solidFill>
                 <a:srgbClr val="000000"/>
               </a:solidFill>
@@ -9681,22 +10051,16 @@
       </p:sp>
       <p:sp>
         <p:nvSpPr>
-          <p:cNvPr id="72" name="제목 1">
-            <a:extLst>
-              <a:ext uri="{FF2B5EF4-FFF2-40B4-BE49-F238E27FC236}">
-                <a16:creationId xmlns:a16="http://schemas.microsoft.com/office/drawing/2014/main" id="{3855B808-17F3-15FF-B998-34BEA0D5E3F1}"/>
-              </a:ext>
-            </a:extLst>
-          </p:cNvPr>
-          <p:cNvSpPr>
-            <a:spLocks noGrp="1"/>
-          </p:cNvSpPr>
-          <p:nvPr/>
-        </p:nvSpPr>
-        <p:spPr>
-          <a:xfrm>
-            <a:off x="10897008" y="1818778"/>
-            <a:ext cx="1016126" cy="805425"/>
+          <p:cNvPr id="165" name="제목 1"/>
+          <p:cNvSpPr>
+            <a:spLocks noGrp="1"/>
+          </p:cNvSpPr>
+          <p:nvPr/>
+        </p:nvSpPr>
+        <p:spPr>
+          <a:xfrm>
+            <a:off x="4104375" y="6297681"/>
+            <a:ext cx="807868" cy="560319"/>
           </a:xfrm>
           <a:prstGeom prst="rect">
             <a:avLst/>
@@ -9737,18 +10101,7 @@
                 <a:ea typeface="맑은 고딕"/>
                 <a:cs typeface="Calibri"/>
               </a:rPr>
-              <a:t>빗자루</a:t>
-            </a:r>
-            <a:r>
-              <a:rPr lang="en-US" altLang="ko-KR" sz="1500">
-                <a:solidFill>
-                  <a:srgbClr val="000000"/>
-                </a:solidFill>
-                <a:latin typeface="Calibri"/>
-                <a:ea typeface="맑은 고딕"/>
-                <a:cs typeface="Calibri"/>
-              </a:rPr>
-              <a:t> </a:t>
+              <a:t>용보스</a:t>
             </a:r>
             <a:endParaRPr kumimoji="0" lang="ko-KR" altLang="en-US" sz="1500" b="0" i="0" u="none" strike="noStrike" kern="1200" cap="none" spc="0" normalizeH="0" baseline="0">
               <a:solidFill>
@@ -9763,22 +10116,16 @@
       </p:sp>
       <p:sp>
         <p:nvSpPr>
-          <p:cNvPr id="73" name="제목 1">
-            <a:extLst>
-              <a:ext uri="{FF2B5EF4-FFF2-40B4-BE49-F238E27FC236}">
-                <a16:creationId xmlns:a16="http://schemas.microsoft.com/office/drawing/2014/main" id="{7426E2D9-AFDA-0BBE-7FED-3229CB97C1D7}"/>
-              </a:ext>
-            </a:extLst>
-          </p:cNvPr>
-          <p:cNvSpPr>
-            <a:spLocks noGrp="1"/>
-          </p:cNvSpPr>
-          <p:nvPr/>
-        </p:nvSpPr>
-        <p:spPr>
-          <a:xfrm>
-            <a:off x="10897008" y="1022952"/>
-            <a:ext cx="1165640" cy="662394"/>
+          <p:cNvPr id="167" name="제목 1"/>
+          <p:cNvSpPr>
+            <a:spLocks noGrp="1"/>
+          </p:cNvSpPr>
+          <p:nvPr/>
+        </p:nvSpPr>
+        <p:spPr>
+          <a:xfrm>
+            <a:off x="2305738" y="6161686"/>
+            <a:ext cx="807868" cy="560319"/>
           </a:xfrm>
           <a:prstGeom prst="rect">
             <a:avLst/>
@@ -9811,17 +10158,17 @@
               <a:defRPr/>
             </a:pPr>
             <a:r>
-              <a:rPr lang="ko-KR" altLang="en-US" sz="1500">
-                <a:solidFill>
-                  <a:srgbClr val="000000"/>
-                </a:solidFill>
-                <a:latin typeface="Calibri"/>
-                <a:ea typeface="맑은 고딕"/>
-                <a:cs typeface="Calibri"/>
-              </a:rPr>
-              <a:t>완드</a:t>
-            </a:r>
-            <a:endParaRPr lang="en-US" altLang="ko-KR" sz="1500">
+              <a:rPr kumimoji="0" lang="ko-KR" altLang="en-US" sz="1500" b="0" i="0" u="none" strike="noStrike" kern="1200" cap="none" spc="0" normalizeH="0" baseline="0">
+                <a:solidFill>
+                  <a:srgbClr val="000000"/>
+                </a:solidFill>
+                <a:latin typeface="Calibri"/>
+                <a:ea typeface="맑은 고딕"/>
+                <a:cs typeface="Calibri"/>
+              </a:rPr>
+              <a:t>용일반</a:t>
+            </a:r>
+            <a:endParaRPr kumimoji="0" lang="en-US" altLang="ko-KR" sz="1500" b="0" i="0" u="none" strike="noStrike" kern="1200" cap="none" spc="0" normalizeH="0" baseline="0">
               <a:solidFill>
                 <a:srgbClr val="000000"/>
               </a:solidFill>
@@ -9832,297 +10179,18 @@
           </a:p>
         </p:txBody>
       </p:sp>
-      <p:cxnSp>
-        <p:nvCxnSpPr>
-          <p:cNvPr id="75" name="직선 연결선 74">
-            <a:extLst>
-              <a:ext uri="{FF2B5EF4-FFF2-40B4-BE49-F238E27FC236}">
-                <a16:creationId xmlns:a16="http://schemas.microsoft.com/office/drawing/2014/main" id="{FA4EF5FD-1310-480C-AA86-077F6102C64B}"/>
-              </a:ext>
-            </a:extLst>
-          </p:cNvPr>
-          <p:cNvCxnSpPr>
-            <a:stCxn id="22" idx="3"/>
-            <a:endCxn id="73" idx="1"/>
-          </p:cNvCxnSpPr>
-          <p:nvPr/>
-        </p:nvCxnSpPr>
-        <p:spPr>
-          <a:xfrm>
-            <a:off x="10401426" y="1249856"/>
-            <a:ext cx="495582" cy="104293"/>
-          </a:xfrm>
-          <a:prstGeom prst="line">
-            <a:avLst/>
-          </a:prstGeom>
-        </p:spPr>
-        <p:style>
-          <a:lnRef idx="1">
-            <a:schemeClr val="accent1"/>
-          </a:lnRef>
-          <a:fillRef idx="0">
-            <a:schemeClr val="accent1"/>
-          </a:fillRef>
-          <a:effectRef idx="0">
-            <a:schemeClr val="accent1"/>
-          </a:effectRef>
-          <a:fontRef idx="minor">
-            <a:schemeClr val="tx1"/>
-          </a:fontRef>
-        </p:style>
-      </p:cxnSp>
-      <p:cxnSp>
-        <p:nvCxnSpPr>
-          <p:cNvPr id="77" name="직선 연결선 76">
-            <a:extLst>
-              <a:ext uri="{FF2B5EF4-FFF2-40B4-BE49-F238E27FC236}">
-                <a16:creationId xmlns:a16="http://schemas.microsoft.com/office/drawing/2014/main" id="{494578C3-1F62-14B3-50E0-CD22A9A630B4}"/>
-              </a:ext>
-            </a:extLst>
-          </p:cNvPr>
-          <p:cNvCxnSpPr>
-            <a:stCxn id="22" idx="3"/>
-            <a:endCxn id="72" idx="1"/>
-          </p:cNvCxnSpPr>
-          <p:nvPr/>
-        </p:nvCxnSpPr>
-        <p:spPr>
-          <a:xfrm>
-            <a:off x="10401426" y="1249856"/>
-            <a:ext cx="495582" cy="971635"/>
-          </a:xfrm>
-          <a:prstGeom prst="line">
-            <a:avLst/>
-          </a:prstGeom>
-        </p:spPr>
-        <p:style>
-          <a:lnRef idx="1">
-            <a:schemeClr val="accent1"/>
-          </a:lnRef>
-          <a:fillRef idx="0">
-            <a:schemeClr val="accent1"/>
-          </a:fillRef>
-          <a:effectRef idx="0">
-            <a:schemeClr val="accent1"/>
-          </a:effectRef>
-          <a:fontRef idx="minor">
-            <a:schemeClr val="tx1"/>
-          </a:fontRef>
-        </p:style>
-      </p:cxnSp>
-      <p:cxnSp>
-        <p:nvCxnSpPr>
-          <p:cNvPr id="79" name="직선 연결선 78">
-            <a:extLst>
-              <a:ext uri="{FF2B5EF4-FFF2-40B4-BE49-F238E27FC236}">
-                <a16:creationId xmlns:a16="http://schemas.microsoft.com/office/drawing/2014/main" id="{959072C2-06C2-07C2-73EF-1BDA59595514}"/>
-              </a:ext>
-            </a:extLst>
-          </p:cNvPr>
-          <p:cNvCxnSpPr>
-            <a:stCxn id="21" idx="2"/>
-            <a:endCxn id="69" idx="0"/>
-          </p:cNvCxnSpPr>
-          <p:nvPr/>
-        </p:nvCxnSpPr>
-        <p:spPr>
-          <a:xfrm rot="5400000">
-            <a:off x="8102884" y="1944535"/>
-            <a:ext cx="1530714" cy="740306"/>
-          </a:xfrm>
-          <a:prstGeom prst="line">
-            <a:avLst/>
-          </a:prstGeom>
-        </p:spPr>
-        <p:style>
-          <a:lnRef idx="1">
-            <a:schemeClr val="accent1"/>
-          </a:lnRef>
-          <a:fillRef idx="0">
-            <a:schemeClr val="accent1"/>
-          </a:fillRef>
-          <a:effectRef idx="0">
-            <a:schemeClr val="accent1"/>
-          </a:effectRef>
-          <a:fontRef idx="minor">
-            <a:schemeClr val="tx1"/>
-          </a:fontRef>
-        </p:style>
-      </p:cxnSp>
-      <p:cxnSp>
-        <p:nvCxnSpPr>
-          <p:cNvPr id="81" name="직선 연결선 80">
-            <a:extLst>
-              <a:ext uri="{FF2B5EF4-FFF2-40B4-BE49-F238E27FC236}">
-                <a16:creationId xmlns:a16="http://schemas.microsoft.com/office/drawing/2014/main" id="{7B65E813-6BCC-5C8A-08EF-46634303E735}"/>
-              </a:ext>
-            </a:extLst>
-          </p:cNvPr>
-          <p:cNvCxnSpPr>
-            <a:stCxn id="21" idx="2"/>
-            <a:endCxn id="70" idx="0"/>
-          </p:cNvCxnSpPr>
-          <p:nvPr/>
-        </p:nvCxnSpPr>
-        <p:spPr>
-          <a:xfrm rot="16200000" flipH="1">
-            <a:off x="8588274" y="2199451"/>
-            <a:ext cx="1530715" cy="230475"/>
-          </a:xfrm>
-          <a:prstGeom prst="line">
-            <a:avLst/>
-          </a:prstGeom>
-        </p:spPr>
-        <p:style>
-          <a:lnRef idx="1">
-            <a:schemeClr val="accent1"/>
-          </a:lnRef>
-          <a:fillRef idx="0">
-            <a:schemeClr val="accent1"/>
-          </a:fillRef>
-          <a:effectRef idx="0">
-            <a:schemeClr val="accent1"/>
-          </a:effectRef>
-          <a:fontRef idx="minor">
-            <a:schemeClr val="tx1"/>
-          </a:fontRef>
-        </p:style>
-      </p:cxnSp>
-      <p:cxnSp>
-        <p:nvCxnSpPr>
-          <p:cNvPr id="86" name="직선 연결선 85">
-            <a:extLst>
-              <a:ext uri="{FF2B5EF4-FFF2-40B4-BE49-F238E27FC236}">
-                <a16:creationId xmlns:a16="http://schemas.microsoft.com/office/drawing/2014/main" id="{B47C2ED7-D53C-F3FA-4940-0357B674F660}"/>
-              </a:ext>
-            </a:extLst>
-          </p:cNvPr>
-          <p:cNvCxnSpPr>
-            <a:stCxn id="20" idx="2"/>
-            <a:endCxn id="66" idx="0"/>
-          </p:cNvCxnSpPr>
-          <p:nvPr/>
-        </p:nvCxnSpPr>
-        <p:spPr>
-          <a:xfrm flipH="1">
-            <a:off x="7625248" y="1621523"/>
-            <a:ext cx="475270" cy="72942"/>
-          </a:xfrm>
-          <a:prstGeom prst="line">
-            <a:avLst/>
-          </a:prstGeom>
-        </p:spPr>
-        <p:style>
-          <a:lnRef idx="1">
-            <a:schemeClr val="accent1"/>
-          </a:lnRef>
-          <a:fillRef idx="0">
-            <a:schemeClr val="accent1"/>
-          </a:fillRef>
-          <a:effectRef idx="0">
-            <a:schemeClr val="accent1"/>
-          </a:effectRef>
-          <a:fontRef idx="minor">
-            <a:schemeClr val="tx1"/>
-          </a:fontRef>
-        </p:style>
-      </p:cxnSp>
-      <p:cxnSp>
-        <p:nvCxnSpPr>
-          <p:cNvPr id="88" name="직선 연결선 87">
-            <a:extLst>
-              <a:ext uri="{FF2B5EF4-FFF2-40B4-BE49-F238E27FC236}">
-                <a16:creationId xmlns:a16="http://schemas.microsoft.com/office/drawing/2014/main" id="{F312F633-4F7E-0961-2AC9-C65A902456C2}"/>
-              </a:ext>
-            </a:extLst>
-          </p:cNvPr>
-          <p:cNvCxnSpPr>
-            <a:stCxn id="20" idx="2"/>
-            <a:endCxn id="67" idx="0"/>
-          </p:cNvCxnSpPr>
-          <p:nvPr/>
-        </p:nvCxnSpPr>
-        <p:spPr>
-          <a:xfrm>
-            <a:off x="8100518" y="1621523"/>
-            <a:ext cx="436365" cy="105221"/>
-          </a:xfrm>
-          <a:prstGeom prst="line">
-            <a:avLst/>
-          </a:prstGeom>
-        </p:spPr>
-        <p:style>
-          <a:lnRef idx="1">
-            <a:schemeClr val="accent1"/>
-          </a:lnRef>
-          <a:fillRef idx="0">
-            <a:schemeClr val="accent1"/>
-          </a:fillRef>
-          <a:effectRef idx="0">
-            <a:schemeClr val="accent1"/>
-          </a:effectRef>
-          <a:fontRef idx="minor">
-            <a:schemeClr val="tx1"/>
-          </a:fontRef>
-        </p:style>
-      </p:cxnSp>
-      <p:cxnSp>
-        <p:nvCxnSpPr>
-          <p:cNvPr id="90" name="직선 연결선 89">
-            <a:extLst>
-              <a:ext uri="{FF2B5EF4-FFF2-40B4-BE49-F238E27FC236}">
-                <a16:creationId xmlns:a16="http://schemas.microsoft.com/office/drawing/2014/main" id="{9E88DA08-CB6D-AAB9-7205-B8E2D3AB9E02}"/>
-              </a:ext>
-            </a:extLst>
-          </p:cNvPr>
-          <p:cNvCxnSpPr>
-            <a:stCxn id="20" idx="2"/>
-            <a:endCxn id="68" idx="0"/>
-          </p:cNvCxnSpPr>
-          <p:nvPr/>
-        </p:nvCxnSpPr>
-        <p:spPr>
-          <a:xfrm>
-            <a:off x="8100518" y="1621523"/>
-            <a:ext cx="1205021" cy="160986"/>
-          </a:xfrm>
-          <a:prstGeom prst="line">
-            <a:avLst/>
-          </a:prstGeom>
-        </p:spPr>
-        <p:style>
-          <a:lnRef idx="1">
-            <a:schemeClr val="accent1"/>
-          </a:lnRef>
-          <a:fillRef idx="0">
-            <a:schemeClr val="accent1"/>
-          </a:fillRef>
-          <a:effectRef idx="0">
-            <a:schemeClr val="accent1"/>
-          </a:effectRef>
-          <a:fontRef idx="minor">
-            <a:schemeClr val="tx1"/>
-          </a:fontRef>
-        </p:style>
-      </p:cxnSp>
-      <p:sp>
-        <p:nvSpPr>
-          <p:cNvPr id="118" name="제목 1">
-            <a:extLst>
-              <a:ext uri="{FF2B5EF4-FFF2-40B4-BE49-F238E27FC236}">
-                <a16:creationId xmlns:a16="http://schemas.microsoft.com/office/drawing/2014/main" id="{0FEC93D2-CB7F-FA4F-12A1-D779B55D23B1}"/>
-              </a:ext>
-            </a:extLst>
-          </p:cNvPr>
-          <p:cNvSpPr>
-            <a:spLocks noGrp="1"/>
-          </p:cNvSpPr>
-          <p:nvPr/>
-        </p:nvSpPr>
-        <p:spPr>
-          <a:xfrm>
-            <a:off x="7844644" y="158958"/>
-            <a:ext cx="1171135" cy="629244"/>
+      <p:sp>
+        <p:nvSpPr>
+          <p:cNvPr id="168" name="제목 1"/>
+          <p:cNvSpPr>
+            <a:spLocks noGrp="1"/>
+          </p:cNvSpPr>
+          <p:nvPr/>
+        </p:nvSpPr>
+        <p:spPr>
+          <a:xfrm>
+            <a:off x="8369988" y="5994998"/>
+            <a:ext cx="807868" cy="560319"/>
           </a:xfrm>
           <a:prstGeom prst="rect">
             <a:avLst/>
@@ -10137,7 +10205,7 @@
         </p:spPr>
         <p:txBody>
           <a:bodyPr vert="horz" lIns="91440" tIns="45720" rIns="91440" bIns="45720" anchor="ctr">
-            <a:normAutofit fontScale="92500" lnSpcReduction="10000"/>
+            <a:normAutofit/>
           </a:bodyPr>
           <a:lstStyle/>
           <a:p>
@@ -10155,17 +10223,56 @@
               <a:defRPr/>
             </a:pPr>
             <a:r>
-              <a:rPr lang="en-US" altLang="ko-KR" sz="1300">
-                <a:solidFill>
-                  <a:srgbClr val="000000"/>
-                </a:solidFill>
-                <a:latin typeface="맑은 고딕"/>
-                <a:ea typeface="맑은 고딕"/>
-                <a:cs typeface="Calibri"/>
-              </a:rPr>
-              <a:t>item</a:t>
-            </a:r>
-          </a:p>
+              <a:rPr kumimoji="0" lang="ko-KR" altLang="en-US" sz="1500" b="0" i="0" u="none" strike="noStrike" kern="1200" cap="none" spc="0" normalizeH="0" baseline="0">
+                <a:solidFill>
+                  <a:srgbClr val="000000"/>
+                </a:solidFill>
+                <a:latin typeface="Calibri"/>
+                <a:ea typeface="맑은 고딕"/>
+                <a:cs typeface="Calibri"/>
+              </a:rPr>
+              <a:t>기계보스</a:t>
+            </a:r>
+            <a:endParaRPr kumimoji="0" lang="ko-KR" altLang="en-US" sz="1500" b="0" i="0" u="none" strike="noStrike" kern="1200" cap="none" spc="0" normalizeH="0" baseline="0">
+              <a:solidFill>
+                <a:srgbClr val="000000"/>
+              </a:solidFill>
+              <a:latin typeface="Calibri"/>
+              <a:ea typeface="맑은 고딕"/>
+              <a:cs typeface="Calibri"/>
+            </a:endParaRPr>
+          </a:p>
+        </p:txBody>
+      </p:sp>
+      <p:sp>
+        <p:nvSpPr>
+          <p:cNvPr id="170" name="제목 1"/>
+          <p:cNvSpPr>
+            <a:spLocks noGrp="1"/>
+          </p:cNvSpPr>
+          <p:nvPr/>
+        </p:nvSpPr>
+        <p:spPr>
+          <a:xfrm>
+            <a:off x="6611038" y="5995527"/>
+            <a:ext cx="807868" cy="560319"/>
+          </a:xfrm>
+          <a:prstGeom prst="rect">
+            <a:avLst/>
+          </a:prstGeom>
+          <a:ln>
+            <a:solidFill>
+              <a:srgbClr val="000000">
+                <a:alpha val="100000"/>
+              </a:srgbClr>
+            </a:solidFill>
+          </a:ln>
+        </p:spPr>
+        <p:txBody>
+          <a:bodyPr vert="horz" lIns="91440" tIns="45720" rIns="91440" bIns="45720" anchor="ctr">
+            <a:normAutofit/>
+          </a:bodyPr>
+          <a:lstStyle/>
           <a:p>
             <a:pPr marL="0" lvl="0" indent="0" algn="ctr" defTabSz="914400" rtl="0" eaLnBrk="1" latinLnBrk="1" hangingPunct="1">
               <a:lnSpc>
@@ -10181,49 +10288,40 @@
               <a:defRPr/>
             </a:pPr>
             <a:r>
-              <a:rPr lang="ko-KR" altLang="en-US" sz="1300">
-                <a:solidFill>
-                  <a:srgbClr val="000000"/>
-                </a:solidFill>
-                <a:latin typeface="맑은 고딕"/>
-                <a:ea typeface="맑은 고딕"/>
-                <a:cs typeface="Calibri"/>
-              </a:rPr>
-              <a:t>변수</a:t>
-            </a:r>
-            <a:r>
-              <a:rPr lang="en-US" altLang="ko-KR" sz="1300">
-                <a:solidFill>
-                  <a:srgbClr val="000000"/>
-                </a:solidFill>
-                <a:latin typeface="맑은 고딕"/>
-                <a:ea typeface="맑은 고딕"/>
-                <a:cs typeface="Calibri"/>
-              </a:rPr>
-              <a:t>:price, weaponatk</a:t>
-            </a:r>
+              <a:rPr kumimoji="0" lang="ko-KR" altLang="en-US" sz="1500" b="0" i="0" u="none" strike="noStrike" kern="1200" cap="none" spc="0" normalizeH="0" baseline="0">
+                <a:solidFill>
+                  <a:srgbClr val="000000"/>
+                </a:solidFill>
+                <a:latin typeface="Calibri"/>
+                <a:ea typeface="맑은 고딕"/>
+                <a:cs typeface="Calibri"/>
+              </a:rPr>
+              <a:t>기계일반</a:t>
+            </a:r>
+            <a:endParaRPr kumimoji="0" lang="en-US" altLang="ko-KR" sz="1500" b="0" i="0" u="none" strike="noStrike" kern="1200" cap="none" spc="0" normalizeH="0" baseline="0">
+              <a:solidFill>
+                <a:srgbClr val="000000"/>
+              </a:solidFill>
+              <a:latin typeface="Calibri"/>
+              <a:ea typeface="맑은 고딕"/>
+              <a:cs typeface="Calibri"/>
+            </a:endParaRPr>
           </a:p>
         </p:txBody>
       </p:sp>
       <p:cxnSp>
         <p:nvCxnSpPr>
-          <p:cNvPr id="141" name="직선 연결선 140">
-            <a:extLst>
-              <a:ext uri="{FF2B5EF4-FFF2-40B4-BE49-F238E27FC236}">
-                <a16:creationId xmlns:a16="http://schemas.microsoft.com/office/drawing/2014/main" id="{3AE9DE76-4B7D-E138-BB0F-F3D00F905C0B}"/>
-              </a:ext>
-            </a:extLst>
-          </p:cNvPr>
+          <p:cNvPr id="171" name="선 170"/>
           <p:cNvCxnSpPr>
-            <a:stCxn id="118" idx="2"/>
-            <a:endCxn id="20" idx="0"/>
+            <a:stCxn id="158" idx="2"/>
+            <a:endCxn id="167" idx="0"/>
           </p:cNvCxnSpPr>
           <p:nvPr/>
         </p:nvCxnSpPr>
         <p:spPr>
-          <a:xfrm flipH="1">
-            <a:off x="8100518" y="788202"/>
-            <a:ext cx="329694" cy="425167"/>
+          <a:xfrm rot="5400000">
+            <a:off x="2521316" y="4748929"/>
+            <a:ext cx="1601113" cy="1224400"/>
           </a:xfrm>
           <a:prstGeom prst="line">
             <a:avLst/>
@@ -10246,23 +10344,17 @@
       </p:cxnSp>
       <p:cxnSp>
         <p:nvCxnSpPr>
-          <p:cNvPr id="143" name="직선 연결선 142">
-            <a:extLst>
-              <a:ext uri="{FF2B5EF4-FFF2-40B4-BE49-F238E27FC236}">
-                <a16:creationId xmlns:a16="http://schemas.microsoft.com/office/drawing/2014/main" id="{4D12AD52-9158-FDEA-2A0A-BBD3CAF8062F}"/>
-              </a:ext>
-            </a:extLst>
-          </p:cNvPr>
+          <p:cNvPr id="174" name="선 173"/>
           <p:cNvCxnSpPr>
-            <a:stCxn id="118" idx="2"/>
-            <a:endCxn id="21" idx="0"/>
+            <a:stCxn id="158" idx="2"/>
+            <a:endCxn id="165" idx="0"/>
           </p:cNvCxnSpPr>
           <p:nvPr/>
         </p:nvCxnSpPr>
         <p:spPr>
-          <a:xfrm>
-            <a:off x="8430212" y="788202"/>
-            <a:ext cx="808182" cy="352975"/>
+          <a:xfrm rot="16200000" flipH="1">
+            <a:off x="3352637" y="5142009"/>
+            <a:ext cx="1737110" cy="574234"/>
           </a:xfrm>
           <a:prstGeom prst="line">
             <a:avLst/>
@@ -10285,23 +10377,17 @@
       </p:cxnSp>
       <p:cxnSp>
         <p:nvCxnSpPr>
-          <p:cNvPr id="145" name="직선 연결선 144">
-            <a:extLst>
-              <a:ext uri="{FF2B5EF4-FFF2-40B4-BE49-F238E27FC236}">
-                <a16:creationId xmlns:a16="http://schemas.microsoft.com/office/drawing/2014/main" id="{76C925E9-E1D7-CCC2-F29A-BDEAF6BF4B8F}"/>
-              </a:ext>
-            </a:extLst>
-          </p:cNvPr>
+          <p:cNvPr id="176" name="선 175"/>
           <p:cNvCxnSpPr>
-            <a:stCxn id="118" idx="2"/>
-            <a:endCxn id="22" idx="0"/>
+            <a:stCxn id="157" idx="2"/>
+            <a:endCxn id="164" idx="0"/>
           </p:cNvCxnSpPr>
           <p:nvPr/>
         </p:nvCxnSpPr>
         <p:spPr>
-          <a:xfrm>
-            <a:off x="8430212" y="788202"/>
-            <a:ext cx="1681454" cy="257577"/>
+          <a:xfrm rot="10800000" flipV="1">
+            <a:off x="4197159" y="4553695"/>
+            <a:ext cx="722225" cy="595165"/>
           </a:xfrm>
           <a:prstGeom prst="line">
             <a:avLst/>
@@ -10322,24 +10408,117 @@
           </a:fontRef>
         </p:style>
       </p:cxnSp>
-      <p:sp>
-        <p:nvSpPr>
-          <p:cNvPr id="156" name="제목 1">
-            <a:extLst>
-              <a:ext uri="{FF2B5EF4-FFF2-40B4-BE49-F238E27FC236}">
-                <a16:creationId xmlns:a16="http://schemas.microsoft.com/office/drawing/2014/main" id="{43966A03-96AA-6C50-C757-4A16E5A6FAE9}"/>
-              </a:ext>
-            </a:extLst>
-          </p:cNvPr>
-          <p:cNvSpPr>
-            <a:spLocks noGrp="1"/>
-          </p:cNvSpPr>
-          <p:nvPr/>
-        </p:nvSpPr>
-        <p:spPr>
-          <a:xfrm>
-            <a:off x="5487526" y="3713312"/>
-            <a:ext cx="807868" cy="793815"/>
+      <p:cxnSp>
+        <p:nvCxnSpPr>
+          <p:cNvPr id="178" name="선 177"/>
+          <p:cNvCxnSpPr>
+            <a:stCxn id="157" idx="2"/>
+            <a:endCxn id="162" idx="0"/>
+          </p:cNvCxnSpPr>
+          <p:nvPr/>
+        </p:nvCxnSpPr>
+        <p:spPr>
+          <a:xfrm>
+            <a:off x="4919382" y="4553695"/>
+            <a:ext cx="983811" cy="687240"/>
+          </a:xfrm>
+          <a:prstGeom prst="line">
+            <a:avLst/>
+          </a:prstGeom>
+        </p:spPr>
+        <p:style>
+          <a:lnRef idx="1">
+            <a:schemeClr val="accent1"/>
+          </a:lnRef>
+          <a:fillRef idx="0">
+            <a:schemeClr val="accent1"/>
+          </a:fillRef>
+          <a:effectRef idx="0">
+            <a:schemeClr val="accent1"/>
+          </a:effectRef>
+          <a:fontRef idx="minor">
+            <a:schemeClr val="tx1"/>
+          </a:fontRef>
+        </p:style>
+      </p:cxnSp>
+      <p:cxnSp>
+        <p:nvCxnSpPr>
+          <p:cNvPr id="179" name="선 178"/>
+          <p:cNvCxnSpPr>
+            <a:stCxn id="156" idx="2"/>
+            <a:endCxn id="170" idx="0"/>
+          </p:cNvCxnSpPr>
+          <p:nvPr/>
+        </p:nvCxnSpPr>
+        <p:spPr>
+          <a:xfrm rot="16200000" flipH="1">
+            <a:off x="5709016" y="4689572"/>
+            <a:ext cx="1488399" cy="1123512"/>
+          </a:xfrm>
+          <a:prstGeom prst="line">
+            <a:avLst/>
+          </a:prstGeom>
+        </p:spPr>
+        <p:style>
+          <a:lnRef idx="1">
+            <a:schemeClr val="accent1"/>
+          </a:lnRef>
+          <a:fillRef idx="0">
+            <a:schemeClr val="accent1"/>
+          </a:fillRef>
+          <a:effectRef idx="0">
+            <a:schemeClr val="accent1"/>
+          </a:effectRef>
+          <a:fontRef idx="minor">
+            <a:schemeClr val="tx1"/>
+          </a:fontRef>
+        </p:style>
+      </p:cxnSp>
+      <p:cxnSp>
+        <p:nvCxnSpPr>
+          <p:cNvPr id="182" name="선 181"/>
+          <p:cNvCxnSpPr>
+            <a:stCxn id="156" idx="2"/>
+            <a:endCxn id="168" idx="0"/>
+          </p:cNvCxnSpPr>
+          <p:nvPr/>
+        </p:nvCxnSpPr>
+        <p:spPr>
+          <a:xfrm>
+            <a:off x="5891460" y="4507128"/>
+            <a:ext cx="2882462" cy="1487870"/>
+          </a:xfrm>
+          <a:prstGeom prst="line">
+            <a:avLst/>
+          </a:prstGeom>
+        </p:spPr>
+        <p:style>
+          <a:lnRef idx="1">
+            <a:schemeClr val="accent1"/>
+          </a:lnRef>
+          <a:fillRef idx="0">
+            <a:schemeClr val="accent1"/>
+          </a:fillRef>
+          <a:effectRef idx="0">
+            <a:schemeClr val="accent1"/>
+          </a:effectRef>
+          <a:fontRef idx="minor">
+            <a:schemeClr val="tx1"/>
+          </a:fontRef>
+        </p:style>
+      </p:cxnSp>
+      <p:sp>
+        <p:nvSpPr>
+          <p:cNvPr id="183" name="제목 1"/>
+          <p:cNvSpPr>
+            <a:spLocks noGrp="1"/>
+          </p:cNvSpPr>
+          <p:nvPr/>
+        </p:nvSpPr>
+        <p:spPr>
+          <a:xfrm>
+            <a:off x="9571868" y="5400721"/>
+            <a:ext cx="1934132" cy="1229277"/>
           </a:xfrm>
           <a:prstGeom prst="rect">
             <a:avLst/>
@@ -10372,54 +10551,25 @@
               <a:defRPr/>
             </a:pPr>
             <a:r>
-              <a:rPr kumimoji="0" lang="ko-KR" altLang="en-US" sz="1300" b="0" i="0" u="none" strike="noStrike" kern="1200" cap="none" spc="0" normalizeH="0" baseline="0">
-                <a:solidFill>
-                  <a:srgbClr val="000000"/>
-                </a:solidFill>
-                <a:latin typeface="맑은 고딕"/>
-                <a:ea typeface="맑은 고딕"/>
-                <a:cs typeface="Calibri"/>
-              </a:rPr>
-              <a:t>기계족</a:t>
-            </a:r>
-          </a:p>
-        </p:txBody>
-      </p:sp>
-      <p:sp>
-        <p:nvSpPr>
-          <p:cNvPr id="157" name="제목 1">
-            <a:extLst>
-              <a:ext uri="{FF2B5EF4-FFF2-40B4-BE49-F238E27FC236}">
-                <a16:creationId xmlns:a16="http://schemas.microsoft.com/office/drawing/2014/main" id="{145CEC6E-C066-C7A9-8C9D-3A5C4973ECD8}"/>
-              </a:ext>
-            </a:extLst>
-          </p:cNvPr>
-          <p:cNvSpPr>
-            <a:spLocks noGrp="1"/>
-          </p:cNvSpPr>
-          <p:nvPr/>
-        </p:nvSpPr>
-        <p:spPr>
-          <a:xfrm>
-            <a:off x="4515448" y="3759879"/>
-            <a:ext cx="807868" cy="793815"/>
-          </a:xfrm>
-          <a:prstGeom prst="rect">
-            <a:avLst/>
-          </a:prstGeom>
-          <a:ln>
-            <a:solidFill>
-              <a:srgbClr val="000000">
-                <a:alpha val="100000"/>
-              </a:srgbClr>
-            </a:solidFill>
-          </a:ln>
-        </p:spPr>
-        <p:txBody>
-          <a:bodyPr vert="horz" lIns="91440" tIns="45720" rIns="91440" bIns="45720" anchor="ctr">
-            <a:normAutofit/>
-          </a:bodyPr>
-          <a:lstStyle/>
+              <a:rPr kumimoji="0" lang="ko-KR" altLang="en-US" sz="1500" b="0" i="0" u="none" strike="noStrike" kern="1200" cap="none" spc="0" normalizeH="0" baseline="0">
+                <a:solidFill>
+                  <a:srgbClr val="000000"/>
+                </a:solidFill>
+                <a:latin typeface="Calibri"/>
+                <a:ea typeface="맑은 고딕"/>
+                <a:cs typeface="Calibri"/>
+              </a:rPr>
+              <a:t>인터페이스</a:t>
+            </a:r>
+            <a:endParaRPr kumimoji="0" lang="ko-KR" altLang="en-US" sz="1500" b="0" i="0" u="none" strike="noStrike" kern="1200" cap="none" spc="0" normalizeH="0" baseline="0">
+              <a:solidFill>
+                <a:srgbClr val="000000"/>
+              </a:solidFill>
+              <a:latin typeface="Calibri"/>
+              <a:ea typeface="맑은 고딕"/>
+              <a:cs typeface="Calibri"/>
+            </a:endParaRPr>
+          </a:p>
           <a:p>
             <a:pPr marL="0" lvl="0" indent="0" algn="ctr" defTabSz="914400" rtl="0" eaLnBrk="1" latinLnBrk="1" hangingPunct="1">
               <a:lnSpc>
@@ -10435,54 +10585,25 @@
               <a:defRPr/>
             </a:pPr>
             <a:r>
-              <a:rPr kumimoji="0" lang="ko-KR" altLang="en-US" sz="1300" b="0" i="0" u="none" strike="noStrike" kern="1200" cap="none" spc="0" normalizeH="0" baseline="0">
-                <a:solidFill>
-                  <a:srgbClr val="000000"/>
-                </a:solidFill>
-                <a:latin typeface="맑은 고딕"/>
-                <a:ea typeface="맑은 고딕"/>
-                <a:cs typeface="Calibri"/>
-              </a:rPr>
-              <a:t>악마족</a:t>
-            </a:r>
-          </a:p>
-        </p:txBody>
-      </p:sp>
-      <p:sp>
-        <p:nvSpPr>
-          <p:cNvPr id="158" name="제목 1">
-            <a:extLst>
-              <a:ext uri="{FF2B5EF4-FFF2-40B4-BE49-F238E27FC236}">
-                <a16:creationId xmlns:a16="http://schemas.microsoft.com/office/drawing/2014/main" id="{5B63EC10-F019-939E-07B4-39EA8E47E823}"/>
-              </a:ext>
-            </a:extLst>
-          </p:cNvPr>
-          <p:cNvSpPr>
-            <a:spLocks noGrp="1"/>
-          </p:cNvSpPr>
-          <p:nvPr/>
-        </p:nvSpPr>
-        <p:spPr>
-          <a:xfrm>
-            <a:off x="3530138" y="3766757"/>
-            <a:ext cx="807868" cy="793815"/>
-          </a:xfrm>
-          <a:prstGeom prst="rect">
-            <a:avLst/>
-          </a:prstGeom>
-          <a:ln>
-            <a:solidFill>
-              <a:srgbClr val="000000">
-                <a:alpha val="100000"/>
-              </a:srgbClr>
-            </a:solidFill>
-          </a:ln>
-        </p:spPr>
-        <p:txBody>
-          <a:bodyPr vert="horz" lIns="91440" tIns="45720" rIns="91440" bIns="45720" anchor="ctr">
-            <a:normAutofit/>
-          </a:bodyPr>
-          <a:lstStyle/>
+              <a:rPr kumimoji="0" lang="ko-KR" altLang="en-US" sz="1500" b="0" i="0" u="none" strike="noStrike" kern="1200" cap="none" spc="0" normalizeH="0" baseline="0">
+                <a:solidFill>
+                  <a:srgbClr val="000000"/>
+                </a:solidFill>
+                <a:latin typeface="Calibri"/>
+                <a:ea typeface="맑은 고딕"/>
+                <a:cs typeface="Calibri"/>
+              </a:rPr>
+              <a:t>스킬</a:t>
+            </a:r>
+            <a:endParaRPr kumimoji="0" lang="ko-KR" altLang="en-US" sz="1500" b="0" i="0" u="none" strike="noStrike" kern="1200" cap="none" spc="0" normalizeH="0" baseline="0">
+              <a:solidFill>
+                <a:srgbClr val="000000"/>
+              </a:solidFill>
+              <a:latin typeface="Calibri"/>
+              <a:ea typeface="맑은 고딕"/>
+              <a:cs typeface="Calibri"/>
+            </a:endParaRPr>
+          </a:p>
           <a:p>
             <a:pPr marL="0" lvl="0" indent="0" algn="ctr" defTabSz="914400" rtl="0" eaLnBrk="1" latinLnBrk="1" hangingPunct="1">
               <a:lnSpc>
@@ -10498,38 +10619,62 @@
               <a:defRPr/>
             </a:pPr>
             <a:r>
-              <a:rPr kumimoji="0" lang="ko-KR" altLang="en-US" sz="1300" b="0" i="0" u="none" strike="noStrike" kern="1200" cap="none" spc="0" normalizeH="0" baseline="0">
-                <a:solidFill>
-                  <a:srgbClr val="000000"/>
-                </a:solidFill>
-                <a:latin typeface="맑은 고딕"/>
-                <a:ea typeface="맑은 고딕"/>
-                <a:cs typeface="Calibri"/>
-              </a:rPr>
-              <a:t>용족</a:t>
-            </a:r>
+              <a:rPr kumimoji="0" lang="ko-KR" altLang="en-US" sz="1500" b="0" i="0" u="none" strike="noStrike" kern="1200" cap="none" spc="0" normalizeH="0" baseline="0">
+                <a:solidFill>
+                  <a:srgbClr val="000000"/>
+                </a:solidFill>
+                <a:latin typeface="Calibri"/>
+                <a:ea typeface="맑은 고딕"/>
+                <a:cs typeface="Calibri"/>
+              </a:rPr>
+              <a:t>메서드 </a:t>
+            </a:r>
+            <a:r>
+              <a:rPr kumimoji="0" lang="en-US" altLang="ko-KR" sz="1500" b="0" i="0" u="none" strike="noStrike" kern="1200" cap="none" spc="0" normalizeH="0" baseline="0">
+                <a:solidFill>
+                  <a:srgbClr val="000000"/>
+                </a:solidFill>
+                <a:latin typeface="Calibri"/>
+                <a:ea typeface="맑은 고딕"/>
+                <a:cs typeface="Calibri"/>
+              </a:rPr>
+              <a:t>: </a:t>
+            </a:r>
+            <a:r>
+              <a:rPr kumimoji="0" lang="ko-KR" altLang="en-US" sz="1500" b="0" i="0" u="none" strike="noStrike" kern="1200" cap="none" spc="0" normalizeH="0" baseline="0">
+                <a:solidFill>
+                  <a:srgbClr val="000000"/>
+                </a:solidFill>
+                <a:latin typeface="Calibri"/>
+                <a:ea typeface="맑은 고딕"/>
+                <a:cs typeface="Calibri"/>
+              </a:rPr>
+              <a:t>스킬</a:t>
+            </a:r>
+            <a:endParaRPr kumimoji="0" lang="ko-KR" altLang="en-US" sz="1500" b="0" i="0" u="none" strike="noStrike" kern="1200" cap="none" spc="0" normalizeH="0" baseline="0">
+              <a:solidFill>
+                <a:srgbClr val="000000"/>
+              </a:solidFill>
+              <a:latin typeface="Calibri"/>
+              <a:ea typeface="맑은 고딕"/>
+              <a:cs typeface="Calibri"/>
+            </a:endParaRPr>
           </a:p>
         </p:txBody>
       </p:sp>
       <p:cxnSp>
         <p:nvCxnSpPr>
-          <p:cNvPr id="159" name="선 158">
-            <a:extLst>
-              <a:ext uri="{FF2B5EF4-FFF2-40B4-BE49-F238E27FC236}">
-                <a16:creationId xmlns:a16="http://schemas.microsoft.com/office/drawing/2014/main" id="{AC7DCB21-BB24-EC35-D224-6139C41A947D}"/>
-              </a:ext>
-            </a:extLst>
-          </p:cNvPr>
+          <p:cNvPr id="29" name="직선 연결선 28"/>
           <p:cNvCxnSpPr>
-            <a:stCxn id="7" idx="2"/>
-            <a:endCxn id="158" idx="0"/>
+            <a:stCxn id="6" idx="3"/>
+            <a:endCxn id="183" idx="1"/>
           </p:cNvCxnSpPr>
           <p:nvPr/>
         </p:nvCxnSpPr>
         <p:spPr>
-          <a:xfrm rot="5400000">
-            <a:off x="3649394" y="2703131"/>
-            <a:ext cx="1348304" cy="778948"/>
+          <a:xfrm>
+            <a:off x="3023250" y="1417549"/>
+            <a:ext cx="6548618" cy="4597811"/>
           </a:xfrm>
           <a:prstGeom prst="line">
             <a:avLst/>
@@ -10550,102 +10695,18 @@
           </a:fontRef>
         </p:style>
       </p:cxnSp>
-      <p:cxnSp>
-        <p:nvCxnSpPr>
-          <p:cNvPr id="160" name="선 159">
-            <a:extLst>
-              <a:ext uri="{FF2B5EF4-FFF2-40B4-BE49-F238E27FC236}">
-                <a16:creationId xmlns:a16="http://schemas.microsoft.com/office/drawing/2014/main" id="{C6222DBF-E469-CDE9-570D-F159FC0A554B}"/>
-              </a:ext>
-            </a:extLst>
-          </p:cNvPr>
-          <p:cNvCxnSpPr>
-            <a:stCxn id="7" idx="2"/>
-            <a:endCxn id="157" idx="0"/>
-          </p:cNvCxnSpPr>
-          <p:nvPr/>
-        </p:nvCxnSpPr>
-        <p:spPr>
-          <a:xfrm rot="16200000" flipH="1">
-            <a:off x="4145488" y="2985986"/>
-            <a:ext cx="1341426" cy="206360"/>
-          </a:xfrm>
-          <a:prstGeom prst="line">
-            <a:avLst/>
-          </a:prstGeom>
-        </p:spPr>
-        <p:style>
-          <a:lnRef idx="1">
-            <a:schemeClr val="accent1"/>
-          </a:lnRef>
-          <a:fillRef idx="0">
-            <a:schemeClr val="accent1"/>
-          </a:fillRef>
-          <a:effectRef idx="0">
-            <a:schemeClr val="accent1"/>
-          </a:effectRef>
-          <a:fontRef idx="minor">
-            <a:schemeClr val="tx1"/>
-          </a:fontRef>
-        </p:style>
-      </p:cxnSp>
-      <p:cxnSp>
-        <p:nvCxnSpPr>
-          <p:cNvPr id="161" name="선 160">
-            <a:extLst>
-              <a:ext uri="{FF2B5EF4-FFF2-40B4-BE49-F238E27FC236}">
-                <a16:creationId xmlns:a16="http://schemas.microsoft.com/office/drawing/2014/main" id="{AC3B6212-8A3A-B0CD-0537-A0292570594B}"/>
-              </a:ext>
-            </a:extLst>
-          </p:cNvPr>
-          <p:cNvCxnSpPr>
-            <a:stCxn id="7" idx="2"/>
-            <a:endCxn id="156" idx="0"/>
-          </p:cNvCxnSpPr>
-          <p:nvPr/>
-        </p:nvCxnSpPr>
-        <p:spPr>
-          <a:xfrm rot="16200000" flipH="1">
-            <a:off x="4654810" y="2476662"/>
-            <a:ext cx="1294859" cy="1178441"/>
-          </a:xfrm>
-          <a:prstGeom prst="line">
-            <a:avLst/>
-          </a:prstGeom>
-        </p:spPr>
-        <p:style>
-          <a:lnRef idx="1">
-            <a:schemeClr val="accent1"/>
-          </a:lnRef>
-          <a:fillRef idx="0">
-            <a:schemeClr val="accent1"/>
-          </a:fillRef>
-          <a:effectRef idx="0">
-            <a:schemeClr val="accent1"/>
-          </a:effectRef>
-          <a:fontRef idx="minor">
-            <a:schemeClr val="tx1"/>
-          </a:fontRef>
-        </p:style>
-      </p:cxnSp>
-      <p:sp>
-        <p:nvSpPr>
-          <p:cNvPr id="162" name="제목 1">
-            <a:extLst>
-              <a:ext uri="{FF2B5EF4-FFF2-40B4-BE49-F238E27FC236}">
-                <a16:creationId xmlns:a16="http://schemas.microsoft.com/office/drawing/2014/main" id="{F1024F04-1BD8-6B9B-61FE-7A85F2E0591E}"/>
-              </a:ext>
-            </a:extLst>
-          </p:cNvPr>
-          <p:cNvSpPr>
-            <a:spLocks noGrp="1"/>
-          </p:cNvSpPr>
-          <p:nvPr/>
-        </p:nvSpPr>
-        <p:spPr>
-          <a:xfrm>
-            <a:off x="5499259" y="5240935"/>
-            <a:ext cx="807868" cy="560319"/>
+      <p:sp>
+        <p:nvSpPr>
+          <p:cNvPr id="206" name="제목 1"/>
+          <p:cNvSpPr>
+            <a:spLocks noGrp="1"/>
+          </p:cNvSpPr>
+          <p:nvPr/>
+        </p:nvSpPr>
+        <p:spPr>
+          <a:xfrm>
+            <a:off x="9849679" y="4091031"/>
+            <a:ext cx="1934132" cy="1229277"/>
           </a:xfrm>
           <a:prstGeom prst="rect">
             <a:avLst/>
@@ -10686,46 +10747,17 @@
                 <a:ea typeface="맑은 고딕"/>
                 <a:cs typeface="Calibri"/>
               </a:rPr>
-              <a:t>악마보스</a:t>
-            </a:r>
-          </a:p>
-        </p:txBody>
-      </p:sp>
-      <p:sp>
-        <p:nvSpPr>
-          <p:cNvPr id="164" name="제목 1">
-            <a:extLst>
-              <a:ext uri="{FF2B5EF4-FFF2-40B4-BE49-F238E27FC236}">
-                <a16:creationId xmlns:a16="http://schemas.microsoft.com/office/drawing/2014/main" id="{DDD7F2DC-543C-8FF2-41A8-E6D50294B594}"/>
-              </a:ext>
-            </a:extLst>
-          </p:cNvPr>
-          <p:cNvSpPr>
-            <a:spLocks noGrp="1"/>
-          </p:cNvSpPr>
-          <p:nvPr/>
-        </p:nvSpPr>
-        <p:spPr>
-          <a:xfrm>
-            <a:off x="3793225" y="5148860"/>
-            <a:ext cx="807868" cy="560319"/>
-          </a:xfrm>
-          <a:prstGeom prst="rect">
-            <a:avLst/>
-          </a:prstGeom>
-          <a:ln>
-            <a:solidFill>
-              <a:srgbClr val="000000">
-                <a:alpha val="100000"/>
-              </a:srgbClr>
-            </a:solidFill>
-          </a:ln>
-        </p:spPr>
-        <p:txBody>
-          <a:bodyPr vert="horz" lIns="91440" tIns="45720" rIns="91440" bIns="45720" anchor="ctr">
-            <a:normAutofit/>
-          </a:bodyPr>
-          <a:lstStyle/>
+              <a:t>인터페이스</a:t>
+            </a:r>
+            <a:endParaRPr kumimoji="0" lang="ko-KR" altLang="en-US" sz="1500" b="0" i="0" u="none" strike="noStrike" kern="1200" cap="none" spc="0" normalizeH="0" baseline="0">
+              <a:solidFill>
+                <a:srgbClr val="000000"/>
+              </a:solidFill>
+              <a:latin typeface="Calibri"/>
+              <a:ea typeface="맑은 고딕"/>
+              <a:cs typeface="Calibri"/>
+            </a:endParaRPr>
+          </a:p>
           <a:p>
             <a:pPr marL="0" lvl="0" indent="0" algn="ctr" defTabSz="914400" rtl="0" eaLnBrk="1" latinLnBrk="1" hangingPunct="1">
               <a:lnSpc>
@@ -10741,17 +10773,17 @@
               <a:defRPr/>
             </a:pPr>
             <a:r>
-              <a:rPr kumimoji="0" lang="ko-KR" altLang="en-US" sz="1500" b="0" i="0" u="none" strike="noStrike" kern="1200" cap="none" spc="0" normalizeH="0" baseline="0" dirty="0">
-                <a:solidFill>
-                  <a:srgbClr val="000000"/>
-                </a:solidFill>
-                <a:latin typeface="Calibri"/>
-                <a:ea typeface="맑은 고딕"/>
-                <a:cs typeface="Calibri"/>
-              </a:rPr>
-              <a:t>악마일반</a:t>
-            </a:r>
-            <a:endParaRPr kumimoji="0" lang="en-US" altLang="ko-KR" sz="1500" b="0" i="0" u="none" strike="noStrike" kern="1200" cap="none" spc="0" normalizeH="0" baseline="0" dirty="0">
+              <a:rPr kumimoji="0" lang="ko-KR" altLang="en-US" sz="1500" b="0" i="0" u="none" strike="noStrike" kern="1200" cap="none" spc="0" normalizeH="0" baseline="0">
+                <a:solidFill>
+                  <a:srgbClr val="000000"/>
+                </a:solidFill>
+                <a:latin typeface="Calibri"/>
+                <a:ea typeface="맑은 고딕"/>
+                <a:cs typeface="Calibri"/>
+              </a:rPr>
+              <a:t>몬스터공격</a:t>
+            </a:r>
+            <a:endParaRPr kumimoji="0" lang="ko-KR" altLang="en-US" sz="1500" b="0" i="0" u="none" strike="noStrike" kern="1200" cap="none" spc="0" normalizeH="0" baseline="0">
               <a:solidFill>
                 <a:srgbClr val="000000"/>
               </a:solidFill>
@@ -10760,43 +10792,6 @@
               <a:cs typeface="Calibri"/>
             </a:endParaRPr>
           </a:p>
-        </p:txBody>
-      </p:sp>
-      <p:sp>
-        <p:nvSpPr>
-          <p:cNvPr id="165" name="제목 1">
-            <a:extLst>
-              <a:ext uri="{FF2B5EF4-FFF2-40B4-BE49-F238E27FC236}">
-                <a16:creationId xmlns:a16="http://schemas.microsoft.com/office/drawing/2014/main" id="{523C2D14-3D78-B34E-02F6-929777D6DF27}"/>
-              </a:ext>
-            </a:extLst>
-          </p:cNvPr>
-          <p:cNvSpPr>
-            <a:spLocks noGrp="1"/>
-          </p:cNvSpPr>
-          <p:nvPr/>
-        </p:nvSpPr>
-        <p:spPr>
-          <a:xfrm>
-            <a:off x="4104375" y="6297681"/>
-            <a:ext cx="807868" cy="560319"/>
-          </a:xfrm>
-          <a:prstGeom prst="rect">
-            <a:avLst/>
-          </a:prstGeom>
-          <a:ln>
-            <a:solidFill>
-              <a:srgbClr val="000000">
-                <a:alpha val="100000"/>
-              </a:srgbClr>
-            </a:solidFill>
-          </a:ln>
-        </p:spPr>
-        <p:txBody>
-          <a:bodyPr vert="horz" lIns="91440" tIns="45720" rIns="91440" bIns="45720" anchor="ctr">
-            <a:normAutofit/>
-          </a:bodyPr>
-          <a:lstStyle/>
           <a:p>
             <a:pPr marL="0" lvl="0" indent="0" algn="ctr" defTabSz="914400" rtl="0" eaLnBrk="1" latinLnBrk="1" hangingPunct="1">
               <a:lnSpc>
@@ -10820,29 +10815,86 @@
                 <a:ea typeface="맑은 고딕"/>
                 <a:cs typeface="Calibri"/>
               </a:rPr>
-              <a:t>용보스</a:t>
-            </a:r>
-          </a:p>
-        </p:txBody>
-      </p:sp>
-      <p:sp>
-        <p:nvSpPr>
-          <p:cNvPr id="167" name="제목 1">
-            <a:extLst>
-              <a:ext uri="{FF2B5EF4-FFF2-40B4-BE49-F238E27FC236}">
-                <a16:creationId xmlns:a16="http://schemas.microsoft.com/office/drawing/2014/main" id="{2F4827AB-2F7F-BA8A-ADA2-F7A2982A8B74}"/>
-              </a:ext>
-            </a:extLst>
-          </p:cNvPr>
-          <p:cNvSpPr>
-            <a:spLocks noGrp="1"/>
-          </p:cNvSpPr>
-          <p:nvPr/>
-        </p:nvSpPr>
-        <p:spPr>
-          <a:xfrm>
-            <a:off x="2305738" y="6161686"/>
-            <a:ext cx="807868" cy="560319"/>
+              <a:t>메서드 </a:t>
+            </a:r>
+            <a:r>
+              <a:rPr kumimoji="0" lang="en-US" altLang="ko-KR" sz="1500" b="0" i="0" u="none" strike="noStrike" kern="1200" cap="none" spc="0" normalizeH="0" baseline="0">
+                <a:solidFill>
+                  <a:srgbClr val="000000"/>
+                </a:solidFill>
+                <a:latin typeface="Calibri"/>
+                <a:ea typeface="맑은 고딕"/>
+                <a:cs typeface="Calibri"/>
+              </a:rPr>
+              <a:t>: </a:t>
+            </a:r>
+            <a:r>
+              <a:rPr kumimoji="0" lang="ko-KR" altLang="en-US" sz="1500" b="0" i="0" u="none" strike="noStrike" kern="1200" cap="none" spc="0" normalizeH="0" baseline="0">
+                <a:solidFill>
+                  <a:srgbClr val="000000"/>
+                </a:solidFill>
+                <a:latin typeface="Calibri"/>
+                <a:ea typeface="맑은 고딕"/>
+                <a:cs typeface="Calibri"/>
+              </a:rPr>
+              <a:t>기본공격</a:t>
+            </a:r>
+            <a:endParaRPr kumimoji="0" lang="en-US" altLang="ko-KR" sz="1500" b="0" i="0" u="none" strike="noStrike" kern="1200" cap="none" spc="0" normalizeH="0" baseline="0">
+              <a:solidFill>
+                <a:srgbClr val="000000"/>
+              </a:solidFill>
+              <a:latin typeface="Calibri"/>
+              <a:ea typeface="맑은 고딕"/>
+              <a:cs typeface="Calibri"/>
+            </a:endParaRPr>
+          </a:p>
+        </p:txBody>
+      </p:sp>
+      <p:cxnSp>
+        <p:nvCxnSpPr>
+          <p:cNvPr id="207" name="선 206"/>
+          <p:cNvCxnSpPr>
+            <a:stCxn id="7" idx="3"/>
+            <a:endCxn id="206" idx="1"/>
+          </p:cNvCxnSpPr>
+          <p:nvPr/>
+        </p:nvCxnSpPr>
+        <p:spPr>
+          <a:xfrm>
+            <a:off x="5272857" y="1929305"/>
+            <a:ext cx="4576822" cy="2776365"/>
+          </a:xfrm>
+          <a:prstGeom prst="line">
+            <a:avLst/>
+          </a:prstGeom>
+        </p:spPr>
+        <p:style>
+          <a:lnRef idx="1">
+            <a:schemeClr val="accent1"/>
+          </a:lnRef>
+          <a:fillRef idx="0">
+            <a:schemeClr val="accent1"/>
+          </a:fillRef>
+          <a:effectRef idx="0">
+            <a:schemeClr val="accent1"/>
+          </a:effectRef>
+          <a:fontRef idx="minor">
+            <a:schemeClr val="tx1"/>
+          </a:fontRef>
+        </p:style>
+      </p:cxnSp>
+      <p:sp>
+        <p:nvSpPr>
+          <p:cNvPr id="208" name="제목 1"/>
+          <p:cNvSpPr>
+            <a:spLocks noGrp="1"/>
+          </p:cNvSpPr>
+          <p:nvPr/>
+        </p:nvSpPr>
+        <p:spPr>
+          <a:xfrm>
+            <a:off x="10081454" y="2887122"/>
+            <a:ext cx="1934132" cy="1083756"/>
           </a:xfrm>
           <a:prstGeom prst="rect">
             <a:avLst/>
@@ -10875,17 +10927,17 @@
               <a:defRPr/>
             </a:pPr>
             <a:r>
-              <a:rPr kumimoji="0" lang="ko-KR" altLang="en-US" sz="1500" b="0" i="0" u="none" strike="noStrike" kern="1200" cap="none" spc="0" normalizeH="0" baseline="0" dirty="0" err="1">
-                <a:solidFill>
-                  <a:srgbClr val="000000"/>
-                </a:solidFill>
-                <a:latin typeface="Calibri"/>
-                <a:ea typeface="맑은 고딕"/>
-                <a:cs typeface="Calibri"/>
-              </a:rPr>
-              <a:t>용일반</a:t>
-            </a:r>
-            <a:endParaRPr kumimoji="0" lang="en-US" altLang="ko-KR" sz="1500" b="0" i="0" u="none" strike="noStrike" kern="1200" cap="none" spc="0" normalizeH="0" baseline="0" dirty="0">
+              <a:rPr kumimoji="0" lang="ko-KR" altLang="en-US" sz="1500" b="0" i="0" u="none" strike="noStrike" kern="1200" cap="none" spc="0" normalizeH="0" baseline="0">
+                <a:solidFill>
+                  <a:srgbClr val="000000"/>
+                </a:solidFill>
+                <a:latin typeface="Calibri"/>
+                <a:ea typeface="맑은 고딕"/>
+                <a:cs typeface="Calibri"/>
+              </a:rPr>
+              <a:t>인터페이스</a:t>
+            </a:r>
+            <a:endParaRPr kumimoji="0" lang="ko-KR" altLang="en-US" sz="1500" b="0" i="0" u="none" strike="noStrike" kern="1200" cap="none" spc="0" normalizeH="0" baseline="0">
               <a:solidFill>
                 <a:srgbClr val="000000"/>
               </a:solidFill>
@@ -10894,43 +10946,6 @@
               <a:cs typeface="Calibri"/>
             </a:endParaRPr>
           </a:p>
-        </p:txBody>
-      </p:sp>
-      <p:sp>
-        <p:nvSpPr>
-          <p:cNvPr id="168" name="제목 1">
-            <a:extLst>
-              <a:ext uri="{FF2B5EF4-FFF2-40B4-BE49-F238E27FC236}">
-                <a16:creationId xmlns:a16="http://schemas.microsoft.com/office/drawing/2014/main" id="{8D97932F-1813-EFDB-1E4E-9EDEDA70A04A}"/>
-              </a:ext>
-            </a:extLst>
-          </p:cNvPr>
-          <p:cNvSpPr>
-            <a:spLocks noGrp="1"/>
-          </p:cNvSpPr>
-          <p:nvPr/>
-        </p:nvSpPr>
-        <p:spPr>
-          <a:xfrm>
-            <a:off x="8369988" y="5994998"/>
-            <a:ext cx="807868" cy="560319"/>
-          </a:xfrm>
-          <a:prstGeom prst="rect">
-            <a:avLst/>
-          </a:prstGeom>
-          <a:ln>
-            <a:solidFill>
-              <a:srgbClr val="000000">
-                <a:alpha val="100000"/>
-              </a:srgbClr>
-            </a:solidFill>
-          </a:ln>
-        </p:spPr>
-        <p:txBody>
-          <a:bodyPr vert="horz" lIns="91440" tIns="45720" rIns="91440" bIns="45720" anchor="ctr">
-            <a:normAutofit/>
-          </a:bodyPr>
-          <a:lstStyle/>
           <a:p>
             <a:pPr marL="0" lvl="0" indent="0" algn="ctr" defTabSz="914400" rtl="0" eaLnBrk="1" latinLnBrk="1" hangingPunct="1">
               <a:lnSpc>
@@ -10954,46 +10969,17 @@
                 <a:ea typeface="맑은 고딕"/>
                 <a:cs typeface="Calibri"/>
               </a:rPr>
-              <a:t>기계보스</a:t>
-            </a:r>
-          </a:p>
-        </p:txBody>
-      </p:sp>
-      <p:sp>
-        <p:nvSpPr>
-          <p:cNvPr id="170" name="제목 1">
-            <a:extLst>
-              <a:ext uri="{FF2B5EF4-FFF2-40B4-BE49-F238E27FC236}">
-                <a16:creationId xmlns:a16="http://schemas.microsoft.com/office/drawing/2014/main" id="{9FB96078-EBC8-918C-1D5D-22BDB3B6D2EE}"/>
-              </a:ext>
-            </a:extLst>
-          </p:cNvPr>
-          <p:cNvSpPr>
-            <a:spLocks noGrp="1"/>
-          </p:cNvSpPr>
-          <p:nvPr/>
-        </p:nvSpPr>
-        <p:spPr>
-          <a:xfrm>
-            <a:off x="6611038" y="5995527"/>
-            <a:ext cx="807868" cy="560319"/>
-          </a:xfrm>
-          <a:prstGeom prst="rect">
-            <a:avLst/>
-          </a:prstGeom>
-          <a:ln>
-            <a:solidFill>
-              <a:srgbClr val="000000">
-                <a:alpha val="100000"/>
-              </a:srgbClr>
-            </a:solidFill>
-          </a:ln>
-        </p:spPr>
-        <p:txBody>
-          <a:bodyPr vert="horz" lIns="91440" tIns="45720" rIns="91440" bIns="45720" anchor="ctr">
-            <a:normAutofit/>
-          </a:bodyPr>
-          <a:lstStyle/>
+              <a:t>몬스터스킬</a:t>
+            </a:r>
+            <a:endParaRPr kumimoji="0" lang="ko-KR" altLang="en-US" sz="1500" b="0" i="0" u="none" strike="noStrike" kern="1200" cap="none" spc="0" normalizeH="0" baseline="0">
+              <a:solidFill>
+                <a:srgbClr val="000000"/>
+              </a:solidFill>
+              <a:latin typeface="Calibri"/>
+              <a:ea typeface="맑은 고딕"/>
+              <a:cs typeface="Calibri"/>
+            </a:endParaRPr>
+          </a:p>
           <a:p>
             <a:pPr marL="0" lvl="0" indent="0" algn="ctr" defTabSz="914400" rtl="0" eaLnBrk="1" latinLnBrk="1" hangingPunct="1">
               <a:lnSpc>
@@ -11009,17 +10995,39 @@
               <a:defRPr/>
             </a:pPr>
             <a:r>
-              <a:rPr kumimoji="0" lang="ko-KR" altLang="en-US" sz="1500" b="0" i="0" u="none" strike="noStrike" kern="1200" cap="none" spc="0" normalizeH="0" baseline="0" dirty="0">
-                <a:solidFill>
-                  <a:srgbClr val="000000"/>
-                </a:solidFill>
-                <a:latin typeface="Calibri"/>
-                <a:ea typeface="맑은 고딕"/>
-                <a:cs typeface="Calibri"/>
-              </a:rPr>
-              <a:t>기계일반</a:t>
-            </a:r>
-            <a:endParaRPr kumimoji="0" lang="en-US" altLang="ko-KR" sz="1500" b="0" i="0" u="none" strike="noStrike" kern="1200" cap="none" spc="0" normalizeH="0" baseline="0" dirty="0">
+              <a:rPr kumimoji="0" lang="ko-KR" altLang="en-US" sz="1500" b="0" i="0" u="none" strike="noStrike" kern="1200" cap="none" spc="0" normalizeH="0" baseline="0">
+                <a:solidFill>
+                  <a:srgbClr val="000000"/>
+                </a:solidFill>
+                <a:latin typeface="Calibri"/>
+                <a:ea typeface="맑은 고딕"/>
+                <a:cs typeface="Calibri"/>
+              </a:rPr>
+              <a:t>메서드 </a:t>
+            </a:r>
+            <a:r>
+              <a:rPr kumimoji="0" lang="en-US" altLang="ko-KR" sz="1500" b="0" i="0" u="none" strike="noStrike" kern="1200" cap="none" spc="0" normalizeH="0" baseline="0">
+                <a:solidFill>
+                  <a:srgbClr val="000000"/>
+                </a:solidFill>
+                <a:latin typeface="Calibri"/>
+                <a:ea typeface="맑은 고딕"/>
+                <a:cs typeface="Calibri"/>
+              </a:rPr>
+              <a:t>: </a:t>
+            </a:r>
+            <a:r>
+              <a:rPr kumimoji="0" lang="ko-KR" altLang="en-US" sz="1500" b="0" i="0" u="none" strike="noStrike" kern="1200" cap="none" spc="0" normalizeH="0" baseline="0">
+                <a:solidFill>
+                  <a:srgbClr val="000000"/>
+                </a:solidFill>
+                <a:latin typeface="Calibri"/>
+                <a:ea typeface="맑은 고딕"/>
+                <a:cs typeface="Calibri"/>
+              </a:rPr>
+              <a:t>스킬</a:t>
+            </a:r>
+            <a:endParaRPr kumimoji="0" lang="ko-KR" altLang="en-US" sz="1500" b="0" i="0" u="none" strike="noStrike" kern="1200" cap="none" spc="0" normalizeH="0" baseline="0">
               <a:solidFill>
                 <a:srgbClr val="000000"/>
               </a:solidFill>
@@ -11032,23 +11040,17 @@
       </p:sp>
       <p:cxnSp>
         <p:nvCxnSpPr>
-          <p:cNvPr id="171" name="선 170">
-            <a:extLst>
-              <a:ext uri="{FF2B5EF4-FFF2-40B4-BE49-F238E27FC236}">
-                <a16:creationId xmlns:a16="http://schemas.microsoft.com/office/drawing/2014/main" id="{DB4B3950-0A43-D641-B890-EAD67D70412F}"/>
-              </a:ext>
-            </a:extLst>
-          </p:cNvPr>
+          <p:cNvPr id="209" name="선 208"/>
           <p:cNvCxnSpPr>
-            <a:stCxn id="158" idx="2"/>
-            <a:endCxn id="167" idx="0"/>
+            <a:stCxn id="7" idx="3"/>
+            <a:endCxn id="208" idx="1"/>
           </p:cNvCxnSpPr>
           <p:nvPr/>
         </p:nvCxnSpPr>
         <p:spPr>
-          <a:xfrm rot="5400000">
-            <a:off x="2521316" y="4748929"/>
-            <a:ext cx="1601113" cy="1224400"/>
+          <a:xfrm>
+            <a:off x="5272857" y="1929305"/>
+            <a:ext cx="4808597" cy="1499695"/>
           </a:xfrm>
           <a:prstGeom prst="line">
             <a:avLst/>
@@ -11071,762 +11073,8 @@
       </p:cxnSp>
       <p:cxnSp>
         <p:nvCxnSpPr>
-          <p:cNvPr id="174" name="선 173">
-            <a:extLst>
-              <a:ext uri="{FF2B5EF4-FFF2-40B4-BE49-F238E27FC236}">
-                <a16:creationId xmlns:a16="http://schemas.microsoft.com/office/drawing/2014/main" id="{2FAB155F-A18E-98E9-8836-8E1677D9BCBC}"/>
-              </a:ext>
-            </a:extLst>
-          </p:cNvPr>
+          <p:cNvPr id="3" name="직선 연결선 2"/>
           <p:cNvCxnSpPr>
-            <a:stCxn id="158" idx="2"/>
-            <a:endCxn id="165" idx="0"/>
-          </p:cNvCxnSpPr>
-          <p:nvPr/>
-        </p:nvCxnSpPr>
-        <p:spPr>
-          <a:xfrm rot="16200000" flipH="1">
-            <a:off x="3352637" y="5142009"/>
-            <a:ext cx="1737110" cy="574234"/>
-          </a:xfrm>
-          <a:prstGeom prst="line">
-            <a:avLst/>
-          </a:prstGeom>
-        </p:spPr>
-        <p:style>
-          <a:lnRef idx="1">
-            <a:schemeClr val="accent1"/>
-          </a:lnRef>
-          <a:fillRef idx="0">
-            <a:schemeClr val="accent1"/>
-          </a:fillRef>
-          <a:effectRef idx="0">
-            <a:schemeClr val="accent1"/>
-          </a:effectRef>
-          <a:fontRef idx="minor">
-            <a:schemeClr val="tx1"/>
-          </a:fontRef>
-        </p:style>
-      </p:cxnSp>
-      <p:cxnSp>
-        <p:nvCxnSpPr>
-          <p:cNvPr id="176" name="선 175">
-            <a:extLst>
-              <a:ext uri="{FF2B5EF4-FFF2-40B4-BE49-F238E27FC236}">
-                <a16:creationId xmlns:a16="http://schemas.microsoft.com/office/drawing/2014/main" id="{1080E950-598F-B79C-A7B7-04CAFC115B1E}"/>
-              </a:ext>
-            </a:extLst>
-          </p:cNvPr>
-          <p:cNvCxnSpPr>
-            <a:stCxn id="157" idx="2"/>
-            <a:endCxn id="164" idx="0"/>
-          </p:cNvCxnSpPr>
-          <p:nvPr/>
-        </p:nvCxnSpPr>
-        <p:spPr>
-          <a:xfrm rot="10800000" flipV="1">
-            <a:off x="4197159" y="4553695"/>
-            <a:ext cx="722225" cy="595165"/>
-          </a:xfrm>
-          <a:prstGeom prst="line">
-            <a:avLst/>
-          </a:prstGeom>
-        </p:spPr>
-        <p:style>
-          <a:lnRef idx="1">
-            <a:schemeClr val="accent1"/>
-          </a:lnRef>
-          <a:fillRef idx="0">
-            <a:schemeClr val="accent1"/>
-          </a:fillRef>
-          <a:effectRef idx="0">
-            <a:schemeClr val="accent1"/>
-          </a:effectRef>
-          <a:fontRef idx="minor">
-            <a:schemeClr val="tx1"/>
-          </a:fontRef>
-        </p:style>
-      </p:cxnSp>
-      <p:cxnSp>
-        <p:nvCxnSpPr>
-          <p:cNvPr id="178" name="선 177">
-            <a:extLst>
-              <a:ext uri="{FF2B5EF4-FFF2-40B4-BE49-F238E27FC236}">
-                <a16:creationId xmlns:a16="http://schemas.microsoft.com/office/drawing/2014/main" id="{B1F95C13-94E8-1367-95B4-00D31FAF0257}"/>
-              </a:ext>
-            </a:extLst>
-          </p:cNvPr>
-          <p:cNvCxnSpPr>
-            <a:stCxn id="157" idx="2"/>
-            <a:endCxn id="162" idx="0"/>
-          </p:cNvCxnSpPr>
-          <p:nvPr/>
-        </p:nvCxnSpPr>
-        <p:spPr>
-          <a:xfrm>
-            <a:off x="4919382" y="4553695"/>
-            <a:ext cx="983811" cy="687240"/>
-          </a:xfrm>
-          <a:prstGeom prst="line">
-            <a:avLst/>
-          </a:prstGeom>
-        </p:spPr>
-        <p:style>
-          <a:lnRef idx="1">
-            <a:schemeClr val="accent1"/>
-          </a:lnRef>
-          <a:fillRef idx="0">
-            <a:schemeClr val="accent1"/>
-          </a:fillRef>
-          <a:effectRef idx="0">
-            <a:schemeClr val="accent1"/>
-          </a:effectRef>
-          <a:fontRef idx="minor">
-            <a:schemeClr val="tx1"/>
-          </a:fontRef>
-        </p:style>
-      </p:cxnSp>
-      <p:cxnSp>
-        <p:nvCxnSpPr>
-          <p:cNvPr id="179" name="선 178">
-            <a:extLst>
-              <a:ext uri="{FF2B5EF4-FFF2-40B4-BE49-F238E27FC236}">
-                <a16:creationId xmlns:a16="http://schemas.microsoft.com/office/drawing/2014/main" id="{A4D427F2-C952-8AF4-05B3-F68E361CD887}"/>
-              </a:ext>
-            </a:extLst>
-          </p:cNvPr>
-          <p:cNvCxnSpPr>
-            <a:stCxn id="156" idx="2"/>
-            <a:endCxn id="170" idx="0"/>
-          </p:cNvCxnSpPr>
-          <p:nvPr/>
-        </p:nvCxnSpPr>
-        <p:spPr>
-          <a:xfrm rot="16200000" flipH="1">
-            <a:off x="5709016" y="4689572"/>
-            <a:ext cx="1488399" cy="1123512"/>
-          </a:xfrm>
-          <a:prstGeom prst="line">
-            <a:avLst/>
-          </a:prstGeom>
-        </p:spPr>
-        <p:style>
-          <a:lnRef idx="1">
-            <a:schemeClr val="accent1"/>
-          </a:lnRef>
-          <a:fillRef idx="0">
-            <a:schemeClr val="accent1"/>
-          </a:fillRef>
-          <a:effectRef idx="0">
-            <a:schemeClr val="accent1"/>
-          </a:effectRef>
-          <a:fontRef idx="minor">
-            <a:schemeClr val="tx1"/>
-          </a:fontRef>
-        </p:style>
-      </p:cxnSp>
-      <p:cxnSp>
-        <p:nvCxnSpPr>
-          <p:cNvPr id="182" name="선 181">
-            <a:extLst>
-              <a:ext uri="{FF2B5EF4-FFF2-40B4-BE49-F238E27FC236}">
-                <a16:creationId xmlns:a16="http://schemas.microsoft.com/office/drawing/2014/main" id="{FA3E1055-A695-19CE-7A7A-86447E3788E2}"/>
-              </a:ext>
-            </a:extLst>
-          </p:cNvPr>
-          <p:cNvCxnSpPr>
-            <a:stCxn id="156" idx="2"/>
-            <a:endCxn id="168" idx="0"/>
-          </p:cNvCxnSpPr>
-          <p:nvPr/>
-        </p:nvCxnSpPr>
-        <p:spPr>
-          <a:xfrm>
-            <a:off x="5891460" y="4507128"/>
-            <a:ext cx="2882462" cy="1487870"/>
-          </a:xfrm>
-          <a:prstGeom prst="line">
-            <a:avLst/>
-          </a:prstGeom>
-        </p:spPr>
-        <p:style>
-          <a:lnRef idx="1">
-            <a:schemeClr val="accent1"/>
-          </a:lnRef>
-          <a:fillRef idx="0">
-            <a:schemeClr val="accent1"/>
-          </a:fillRef>
-          <a:effectRef idx="0">
-            <a:schemeClr val="accent1"/>
-          </a:effectRef>
-          <a:fontRef idx="minor">
-            <a:schemeClr val="tx1"/>
-          </a:fontRef>
-        </p:style>
-      </p:cxnSp>
-      <p:sp>
-        <p:nvSpPr>
-          <p:cNvPr id="183" name="제목 1">
-            <a:extLst>
-              <a:ext uri="{FF2B5EF4-FFF2-40B4-BE49-F238E27FC236}">
-                <a16:creationId xmlns:a16="http://schemas.microsoft.com/office/drawing/2014/main" id="{756034F9-2FE4-BBC2-48CA-DBABAF2D977B}"/>
-              </a:ext>
-            </a:extLst>
-          </p:cNvPr>
-          <p:cNvSpPr>
-            <a:spLocks noGrp="1"/>
-          </p:cNvSpPr>
-          <p:nvPr/>
-        </p:nvSpPr>
-        <p:spPr>
-          <a:xfrm>
-            <a:off x="9571868" y="5400721"/>
-            <a:ext cx="1934132" cy="1229277"/>
-          </a:xfrm>
-          <a:prstGeom prst="rect">
-            <a:avLst/>
-          </a:prstGeom>
-          <a:ln>
-            <a:solidFill>
-              <a:srgbClr val="000000">
-                <a:alpha val="100000"/>
-              </a:srgbClr>
-            </a:solidFill>
-          </a:ln>
-        </p:spPr>
-        <p:txBody>
-          <a:bodyPr vert="horz" lIns="91440" tIns="45720" rIns="91440" bIns="45720" anchor="ctr">
-            <a:normAutofit/>
-          </a:bodyPr>
-          <a:lstStyle/>
-          <a:p>
-            <a:pPr marL="0" lvl="0" indent="0" algn="ctr" defTabSz="914400" rtl="0" eaLnBrk="1" latinLnBrk="1" hangingPunct="1">
-              <a:lnSpc>
-                <a:spcPct val="100000"/>
-              </a:lnSpc>
-              <a:spcBef>
-                <a:spcPct val="0"/>
-              </a:spcBef>
-              <a:spcAft>
-                <a:spcPts val="0"/>
-              </a:spcAft>
-              <a:buNone/>
-              <a:defRPr/>
-            </a:pPr>
-            <a:r>
-              <a:rPr kumimoji="0" lang="ko-KR" altLang="en-US" sz="1500" b="0" i="0" u="none" strike="noStrike" kern="1200" cap="none" spc="0" normalizeH="0" baseline="0" dirty="0">
-                <a:solidFill>
-                  <a:srgbClr val="000000"/>
-                </a:solidFill>
-                <a:latin typeface="Calibri"/>
-                <a:ea typeface="맑은 고딕"/>
-                <a:cs typeface="Calibri"/>
-              </a:rPr>
-              <a:t>인터페이스</a:t>
-            </a:r>
-          </a:p>
-          <a:p>
-            <a:pPr marL="0" lvl="0" indent="0" algn="ctr" defTabSz="914400" rtl="0" eaLnBrk="1" latinLnBrk="1" hangingPunct="1">
-              <a:lnSpc>
-                <a:spcPct val="100000"/>
-              </a:lnSpc>
-              <a:spcBef>
-                <a:spcPct val="0"/>
-              </a:spcBef>
-              <a:spcAft>
-                <a:spcPts val="0"/>
-              </a:spcAft>
-              <a:buNone/>
-              <a:defRPr/>
-            </a:pPr>
-            <a:r>
-              <a:rPr kumimoji="0" lang="ko-KR" altLang="en-US" sz="1500" b="0" i="0" u="none" strike="noStrike" kern="1200" cap="none" spc="0" normalizeH="0" baseline="0" dirty="0">
-                <a:solidFill>
-                  <a:srgbClr val="000000"/>
-                </a:solidFill>
-                <a:latin typeface="Calibri"/>
-                <a:ea typeface="맑은 고딕"/>
-                <a:cs typeface="Calibri"/>
-              </a:rPr>
-              <a:t>스킬</a:t>
-            </a:r>
-          </a:p>
-          <a:p>
-            <a:pPr marL="0" lvl="0" indent="0" algn="ctr" defTabSz="914400" rtl="0" eaLnBrk="1" latinLnBrk="1" hangingPunct="1">
-              <a:lnSpc>
-                <a:spcPct val="100000"/>
-              </a:lnSpc>
-              <a:spcBef>
-                <a:spcPct val="0"/>
-              </a:spcBef>
-              <a:spcAft>
-                <a:spcPts val="0"/>
-              </a:spcAft>
-              <a:buNone/>
-              <a:defRPr/>
-            </a:pPr>
-            <a:r>
-              <a:rPr kumimoji="0" lang="ko-KR" altLang="en-US" sz="1500" b="0" i="0" u="none" strike="noStrike" kern="1200" cap="none" spc="0" normalizeH="0" baseline="0" dirty="0">
-                <a:solidFill>
-                  <a:srgbClr val="000000"/>
-                </a:solidFill>
-                <a:latin typeface="Calibri"/>
-                <a:ea typeface="맑은 고딕"/>
-                <a:cs typeface="Calibri"/>
-              </a:rPr>
-              <a:t>메서드 </a:t>
-            </a:r>
-            <a:r>
-              <a:rPr kumimoji="0" lang="en-US" altLang="ko-KR" sz="1500" b="0" i="0" u="none" strike="noStrike" kern="1200" cap="none" spc="0" normalizeH="0" baseline="0" dirty="0">
-                <a:solidFill>
-                  <a:srgbClr val="000000"/>
-                </a:solidFill>
-                <a:latin typeface="Calibri"/>
-                <a:ea typeface="맑은 고딕"/>
-                <a:cs typeface="Calibri"/>
-              </a:rPr>
-              <a:t>: </a:t>
-            </a:r>
-            <a:r>
-              <a:rPr kumimoji="0" lang="ko-KR" altLang="en-US" sz="1500" b="0" i="0" u="none" strike="noStrike" kern="1200" cap="none" spc="0" normalizeH="0" baseline="0" dirty="0">
-                <a:solidFill>
-                  <a:srgbClr val="000000"/>
-                </a:solidFill>
-                <a:latin typeface="Calibri"/>
-                <a:ea typeface="맑은 고딕"/>
-                <a:cs typeface="Calibri"/>
-              </a:rPr>
-              <a:t>스킬</a:t>
-            </a:r>
-          </a:p>
-        </p:txBody>
-      </p:sp>
-      <p:cxnSp>
-        <p:nvCxnSpPr>
-          <p:cNvPr id="29" name="직선 연결선 28">
-            <a:extLst>
-              <a:ext uri="{FF2B5EF4-FFF2-40B4-BE49-F238E27FC236}">
-                <a16:creationId xmlns:a16="http://schemas.microsoft.com/office/drawing/2014/main" id="{FB3DD1C4-707F-F8D1-D380-DA46EEA46FCC}"/>
-              </a:ext>
-            </a:extLst>
-          </p:cNvPr>
-          <p:cNvCxnSpPr>
-            <a:stCxn id="6" idx="3"/>
-            <a:endCxn id="183" idx="1"/>
-          </p:cNvCxnSpPr>
-          <p:nvPr/>
-        </p:nvCxnSpPr>
-        <p:spPr>
-          <a:xfrm>
-            <a:off x="3023250" y="1417549"/>
-            <a:ext cx="6548618" cy="4597811"/>
-          </a:xfrm>
-          <a:prstGeom prst="line">
-            <a:avLst/>
-          </a:prstGeom>
-        </p:spPr>
-        <p:style>
-          <a:lnRef idx="1">
-            <a:schemeClr val="accent1"/>
-          </a:lnRef>
-          <a:fillRef idx="0">
-            <a:schemeClr val="accent1"/>
-          </a:fillRef>
-          <a:effectRef idx="0">
-            <a:schemeClr val="accent1"/>
-          </a:effectRef>
-          <a:fontRef idx="minor">
-            <a:schemeClr val="tx1"/>
-          </a:fontRef>
-        </p:style>
-      </p:cxnSp>
-      <p:sp>
-        <p:nvSpPr>
-          <p:cNvPr id="206" name="제목 1">
-            <a:extLst>
-              <a:ext uri="{FF2B5EF4-FFF2-40B4-BE49-F238E27FC236}">
-                <a16:creationId xmlns:a16="http://schemas.microsoft.com/office/drawing/2014/main" id="{D4E67C93-FFA7-A63A-93B4-9B1BDD7068A8}"/>
-              </a:ext>
-            </a:extLst>
-          </p:cNvPr>
-          <p:cNvSpPr>
-            <a:spLocks noGrp="1"/>
-          </p:cNvSpPr>
-          <p:nvPr/>
-        </p:nvSpPr>
-        <p:spPr>
-          <a:xfrm>
-            <a:off x="9849679" y="4091031"/>
-            <a:ext cx="1934132" cy="1229277"/>
-          </a:xfrm>
-          <a:prstGeom prst="rect">
-            <a:avLst/>
-          </a:prstGeom>
-          <a:ln>
-            <a:solidFill>
-              <a:srgbClr val="000000">
-                <a:alpha val="100000"/>
-              </a:srgbClr>
-            </a:solidFill>
-          </a:ln>
-        </p:spPr>
-        <p:txBody>
-          <a:bodyPr vert="horz" lIns="91440" tIns="45720" rIns="91440" bIns="45720" anchor="ctr">
-            <a:normAutofit/>
-          </a:bodyPr>
-          <a:lstStyle/>
-          <a:p>
-            <a:pPr marL="0" lvl="0" indent="0" algn="ctr" defTabSz="914400" rtl="0" eaLnBrk="1" latinLnBrk="1" hangingPunct="1">
-              <a:lnSpc>
-                <a:spcPct val="100000"/>
-              </a:lnSpc>
-              <a:spcBef>
-                <a:spcPct val="0"/>
-              </a:spcBef>
-              <a:spcAft>
-                <a:spcPts val="0"/>
-              </a:spcAft>
-              <a:buNone/>
-              <a:defRPr/>
-            </a:pPr>
-            <a:r>
-              <a:rPr kumimoji="0" lang="ko-KR" altLang="en-US" sz="1500" b="0" i="0" u="none" strike="noStrike" kern="1200" cap="none" spc="0" normalizeH="0" baseline="0" dirty="0">
-                <a:solidFill>
-                  <a:srgbClr val="000000"/>
-                </a:solidFill>
-                <a:latin typeface="Calibri"/>
-                <a:ea typeface="맑은 고딕"/>
-                <a:cs typeface="Calibri"/>
-              </a:rPr>
-              <a:t>인터페이스</a:t>
-            </a:r>
-          </a:p>
-          <a:p>
-            <a:pPr marL="0" lvl="0" indent="0" algn="ctr" defTabSz="914400" rtl="0" eaLnBrk="1" latinLnBrk="1" hangingPunct="1">
-              <a:lnSpc>
-                <a:spcPct val="100000"/>
-              </a:lnSpc>
-              <a:spcBef>
-                <a:spcPct val="0"/>
-              </a:spcBef>
-              <a:spcAft>
-                <a:spcPts val="0"/>
-              </a:spcAft>
-              <a:buNone/>
-              <a:defRPr/>
-            </a:pPr>
-            <a:r>
-              <a:rPr kumimoji="0" lang="ko-KR" altLang="en-US" sz="1500" b="0" i="0" u="none" strike="noStrike" kern="1200" cap="none" spc="0" normalizeH="0" baseline="0" dirty="0" err="1">
-                <a:solidFill>
-                  <a:srgbClr val="000000"/>
-                </a:solidFill>
-                <a:latin typeface="Calibri"/>
-                <a:ea typeface="맑은 고딕"/>
-                <a:cs typeface="Calibri"/>
-              </a:rPr>
-              <a:t>몬스터공격</a:t>
-            </a:r>
-            <a:endParaRPr kumimoji="0" lang="ko-KR" altLang="en-US" sz="1500" b="0" i="0" u="none" strike="noStrike" kern="1200" cap="none" spc="0" normalizeH="0" baseline="0" dirty="0">
-              <a:solidFill>
-                <a:srgbClr val="000000"/>
-              </a:solidFill>
-              <a:latin typeface="Calibri"/>
-              <a:ea typeface="맑은 고딕"/>
-              <a:cs typeface="Calibri"/>
-            </a:endParaRPr>
-          </a:p>
-          <a:p>
-            <a:pPr marL="0" lvl="0" indent="0" algn="ctr" defTabSz="914400" rtl="0" eaLnBrk="1" latinLnBrk="1" hangingPunct="1">
-              <a:lnSpc>
-                <a:spcPct val="100000"/>
-              </a:lnSpc>
-              <a:spcBef>
-                <a:spcPct val="0"/>
-              </a:spcBef>
-              <a:spcAft>
-                <a:spcPts val="0"/>
-              </a:spcAft>
-              <a:buNone/>
-              <a:defRPr/>
-            </a:pPr>
-            <a:r>
-              <a:rPr kumimoji="0" lang="ko-KR" altLang="en-US" sz="1500" b="0" i="0" u="none" strike="noStrike" kern="1200" cap="none" spc="0" normalizeH="0" baseline="0" dirty="0">
-                <a:solidFill>
-                  <a:srgbClr val="000000"/>
-                </a:solidFill>
-                <a:latin typeface="Calibri"/>
-                <a:ea typeface="맑은 고딕"/>
-                <a:cs typeface="Calibri"/>
-              </a:rPr>
-              <a:t>메서드 </a:t>
-            </a:r>
-            <a:r>
-              <a:rPr kumimoji="0" lang="en-US" altLang="ko-KR" sz="1500" b="0" i="0" u="none" strike="noStrike" kern="1200" cap="none" spc="0" normalizeH="0" baseline="0" dirty="0">
-                <a:solidFill>
-                  <a:srgbClr val="000000"/>
-                </a:solidFill>
-                <a:latin typeface="Calibri"/>
-                <a:ea typeface="맑은 고딕"/>
-                <a:cs typeface="Calibri"/>
-              </a:rPr>
-              <a:t>: </a:t>
-            </a:r>
-            <a:r>
-              <a:rPr kumimoji="0" lang="ko-KR" altLang="en-US" sz="1500" b="0" i="0" u="none" strike="noStrike" kern="1200" cap="none" spc="0" normalizeH="0" baseline="0" dirty="0">
-                <a:solidFill>
-                  <a:srgbClr val="000000"/>
-                </a:solidFill>
-                <a:latin typeface="Calibri"/>
-                <a:ea typeface="맑은 고딕"/>
-                <a:cs typeface="Calibri"/>
-              </a:rPr>
-              <a:t>기본공격</a:t>
-            </a:r>
-            <a:endParaRPr kumimoji="0" lang="en-US" altLang="ko-KR" sz="1500" b="0" i="0" u="none" strike="noStrike" kern="1200" cap="none" spc="0" normalizeH="0" baseline="0" dirty="0">
-              <a:solidFill>
-                <a:srgbClr val="000000"/>
-              </a:solidFill>
-              <a:latin typeface="Calibri"/>
-              <a:ea typeface="맑은 고딕"/>
-              <a:cs typeface="Calibri"/>
-            </a:endParaRPr>
-          </a:p>
-        </p:txBody>
-      </p:sp>
-      <p:cxnSp>
-        <p:nvCxnSpPr>
-          <p:cNvPr id="207" name="선 206">
-            <a:extLst>
-              <a:ext uri="{FF2B5EF4-FFF2-40B4-BE49-F238E27FC236}">
-                <a16:creationId xmlns:a16="http://schemas.microsoft.com/office/drawing/2014/main" id="{F35BACEF-A4F7-9539-06E1-5088AB3FC0A6}"/>
-              </a:ext>
-            </a:extLst>
-          </p:cNvPr>
-          <p:cNvCxnSpPr>
-            <a:stCxn id="7" idx="3"/>
-            <a:endCxn id="206" idx="1"/>
-          </p:cNvCxnSpPr>
-          <p:nvPr/>
-        </p:nvCxnSpPr>
-        <p:spPr>
-          <a:xfrm>
-            <a:off x="5272857" y="1929305"/>
-            <a:ext cx="4576822" cy="2776365"/>
-          </a:xfrm>
-          <a:prstGeom prst="line">
-            <a:avLst/>
-          </a:prstGeom>
-        </p:spPr>
-        <p:style>
-          <a:lnRef idx="1">
-            <a:schemeClr val="accent1"/>
-          </a:lnRef>
-          <a:fillRef idx="0">
-            <a:schemeClr val="accent1"/>
-          </a:fillRef>
-          <a:effectRef idx="0">
-            <a:schemeClr val="accent1"/>
-          </a:effectRef>
-          <a:fontRef idx="minor">
-            <a:schemeClr val="tx1"/>
-          </a:fontRef>
-        </p:style>
-      </p:cxnSp>
-      <p:sp>
-        <p:nvSpPr>
-          <p:cNvPr id="208" name="제목 1">
-            <a:extLst>
-              <a:ext uri="{FF2B5EF4-FFF2-40B4-BE49-F238E27FC236}">
-                <a16:creationId xmlns:a16="http://schemas.microsoft.com/office/drawing/2014/main" id="{0207956A-A400-F0F4-75A3-4863AF47C97E}"/>
-              </a:ext>
-            </a:extLst>
-          </p:cNvPr>
-          <p:cNvSpPr>
-            <a:spLocks noGrp="1"/>
-          </p:cNvSpPr>
-          <p:nvPr/>
-        </p:nvSpPr>
-        <p:spPr>
-          <a:xfrm>
-            <a:off x="10081454" y="2887122"/>
-            <a:ext cx="1934132" cy="1083756"/>
-          </a:xfrm>
-          <a:prstGeom prst="rect">
-            <a:avLst/>
-          </a:prstGeom>
-          <a:ln>
-            <a:solidFill>
-              <a:srgbClr val="000000">
-                <a:alpha val="100000"/>
-              </a:srgbClr>
-            </a:solidFill>
-          </a:ln>
-        </p:spPr>
-        <p:txBody>
-          <a:bodyPr vert="horz" lIns="91440" tIns="45720" rIns="91440" bIns="45720" anchor="ctr">
-            <a:normAutofit/>
-          </a:bodyPr>
-          <a:lstStyle/>
-          <a:p>
-            <a:pPr marL="0" lvl="0" indent="0" algn="ctr" defTabSz="914400" rtl="0" eaLnBrk="1" latinLnBrk="1" hangingPunct="1">
-              <a:lnSpc>
-                <a:spcPct val="100000"/>
-              </a:lnSpc>
-              <a:spcBef>
-                <a:spcPct val="0"/>
-              </a:spcBef>
-              <a:spcAft>
-                <a:spcPts val="0"/>
-              </a:spcAft>
-              <a:buNone/>
-              <a:defRPr/>
-            </a:pPr>
-            <a:r>
-              <a:rPr kumimoji="0" lang="ko-KR" altLang="en-US" sz="1500" b="0" i="0" u="none" strike="noStrike" kern="1200" cap="none" spc="0" normalizeH="0" baseline="0" dirty="0">
-                <a:solidFill>
-                  <a:srgbClr val="000000"/>
-                </a:solidFill>
-                <a:latin typeface="Calibri"/>
-                <a:ea typeface="맑은 고딕"/>
-                <a:cs typeface="Calibri"/>
-              </a:rPr>
-              <a:t>인터페이스</a:t>
-            </a:r>
-          </a:p>
-          <a:p>
-            <a:pPr marL="0" lvl="0" indent="0" algn="ctr" defTabSz="914400" rtl="0" eaLnBrk="1" latinLnBrk="1" hangingPunct="1">
-              <a:lnSpc>
-                <a:spcPct val="100000"/>
-              </a:lnSpc>
-              <a:spcBef>
-                <a:spcPct val="0"/>
-              </a:spcBef>
-              <a:spcAft>
-                <a:spcPts val="0"/>
-              </a:spcAft>
-              <a:buNone/>
-              <a:defRPr/>
-            </a:pPr>
-            <a:r>
-              <a:rPr kumimoji="0" lang="ko-KR" altLang="en-US" sz="1500" b="0" i="0" u="none" strike="noStrike" kern="1200" cap="none" spc="0" normalizeH="0" baseline="0" dirty="0" err="1">
-                <a:solidFill>
-                  <a:srgbClr val="000000"/>
-                </a:solidFill>
-                <a:latin typeface="Calibri"/>
-                <a:ea typeface="맑은 고딕"/>
-                <a:cs typeface="Calibri"/>
-              </a:rPr>
-              <a:t>몬스터스킬</a:t>
-            </a:r>
-            <a:endParaRPr kumimoji="0" lang="ko-KR" altLang="en-US" sz="1500" b="0" i="0" u="none" strike="noStrike" kern="1200" cap="none" spc="0" normalizeH="0" baseline="0" dirty="0">
-              <a:solidFill>
-                <a:srgbClr val="000000"/>
-              </a:solidFill>
-              <a:latin typeface="Calibri"/>
-              <a:ea typeface="맑은 고딕"/>
-              <a:cs typeface="Calibri"/>
-            </a:endParaRPr>
-          </a:p>
-          <a:p>
-            <a:pPr marL="0" lvl="0" indent="0" algn="ctr" defTabSz="914400" rtl="0" eaLnBrk="1" latinLnBrk="1" hangingPunct="1">
-              <a:lnSpc>
-                <a:spcPct val="100000"/>
-              </a:lnSpc>
-              <a:spcBef>
-                <a:spcPct val="0"/>
-              </a:spcBef>
-              <a:spcAft>
-                <a:spcPts val="0"/>
-              </a:spcAft>
-              <a:buNone/>
-              <a:defRPr/>
-            </a:pPr>
-            <a:r>
-              <a:rPr kumimoji="0" lang="ko-KR" altLang="en-US" sz="1500" b="0" i="0" u="none" strike="noStrike" kern="1200" cap="none" spc="0" normalizeH="0" baseline="0" dirty="0">
-                <a:solidFill>
-                  <a:srgbClr val="000000"/>
-                </a:solidFill>
-                <a:latin typeface="Calibri"/>
-                <a:ea typeface="맑은 고딕"/>
-                <a:cs typeface="Calibri"/>
-              </a:rPr>
-              <a:t>메서드 </a:t>
-            </a:r>
-            <a:r>
-              <a:rPr kumimoji="0" lang="en-US" altLang="ko-KR" sz="1500" b="0" i="0" u="none" strike="noStrike" kern="1200" cap="none" spc="0" normalizeH="0" baseline="0" dirty="0">
-                <a:solidFill>
-                  <a:srgbClr val="000000"/>
-                </a:solidFill>
-                <a:latin typeface="Calibri"/>
-                <a:ea typeface="맑은 고딕"/>
-                <a:cs typeface="Calibri"/>
-              </a:rPr>
-              <a:t>: </a:t>
-            </a:r>
-            <a:r>
-              <a:rPr kumimoji="0" lang="ko-KR" altLang="en-US" sz="1500" b="0" i="0" u="none" strike="noStrike" kern="1200" cap="none" spc="0" normalizeH="0" baseline="0" dirty="0">
-                <a:solidFill>
-                  <a:srgbClr val="000000"/>
-                </a:solidFill>
-                <a:latin typeface="Calibri"/>
-                <a:ea typeface="맑은 고딕"/>
-                <a:cs typeface="Calibri"/>
-              </a:rPr>
-              <a:t>스킬</a:t>
-            </a:r>
-          </a:p>
-        </p:txBody>
-      </p:sp>
-      <p:cxnSp>
-        <p:nvCxnSpPr>
-          <p:cNvPr id="209" name="선 208">
-            <a:extLst>
-              <a:ext uri="{FF2B5EF4-FFF2-40B4-BE49-F238E27FC236}">
-                <a16:creationId xmlns:a16="http://schemas.microsoft.com/office/drawing/2014/main" id="{8EC87D8F-0273-D44E-5CC1-CBF8584FD2F0}"/>
-              </a:ext>
-            </a:extLst>
-          </p:cNvPr>
-          <p:cNvCxnSpPr>
-            <a:stCxn id="7" idx="3"/>
-            <a:endCxn id="208" idx="1"/>
-          </p:cNvCxnSpPr>
-          <p:nvPr/>
-        </p:nvCxnSpPr>
-        <p:spPr>
-          <a:xfrm>
-            <a:off x="5272857" y="1929305"/>
-            <a:ext cx="4808597" cy="1499695"/>
-          </a:xfrm>
-          <a:prstGeom prst="line">
-            <a:avLst/>
-          </a:prstGeom>
-        </p:spPr>
-        <p:style>
-          <a:lnRef idx="1">
-            <a:schemeClr val="accent1"/>
-          </a:lnRef>
-          <a:fillRef idx="0">
-            <a:schemeClr val="accent1"/>
-          </a:fillRef>
-          <a:effectRef idx="0">
-            <a:schemeClr val="accent1"/>
-          </a:effectRef>
-          <a:fontRef idx="minor">
-            <a:schemeClr val="tx1"/>
-          </a:fontRef>
-        </p:style>
-      </p:cxnSp>
-      <p:cxnSp>
-        <p:nvCxnSpPr>
-          <p:cNvPr id="3" name="직선 연결선 2">
-            <a:extLst>
-              <a:ext uri="{FF2B5EF4-FFF2-40B4-BE49-F238E27FC236}">
-                <a16:creationId xmlns:a16="http://schemas.microsoft.com/office/drawing/2014/main" id="{264AE8B6-9485-0CC6-21C7-1366775A1C82}"/>
-              </a:ext>
-            </a:extLst>
-          </p:cNvPr>
-          <p:cNvCxnSpPr>
-            <a:cxnSpLocks/>
             <a:stCxn id="4" idx="2"/>
             <a:endCxn id="14" idx="0"/>
           </p:cNvCxnSpPr>
@@ -11857,20 +11105,15 @@
         </p:style>
       </p:cxnSp>
     </p:spTree>
-    <p:extLst>
-      <p:ext uri="{BB962C8B-B14F-4D97-AF65-F5344CB8AC3E}">
-        <p14:creationId xmlns:p14="http://schemas.microsoft.com/office/powerpoint/2010/main" val="4294355728"/>
-      </p:ext>
-    </p:extLst>
   </p:cSld>
   <p:clrMapOvr>
     <a:masterClrMapping/>
   </p:clrMapOvr>
-  <mc:AlternateContent xmlns:mc="http://schemas.openxmlformats.org/markup-compatibility/2006" xmlns:p14="http://schemas.microsoft.com/office/powerpoint/2010/main">
-    <mc:Choice Requires="p14">
-      <p:transition/>
+  <mc:AlternateContent xmlns:mc="http://schemas.openxmlformats.org/markup-compatibility/2006">
+    <mc:Choice xmlns:p14="http://schemas.microsoft.com/office/powerpoint/2010/main" Requires="p14">
+      <p:transition xmlns:mc="http://schemas.openxmlformats.org/markup-compatibility/2006" xmlns:p14="http://schemas.microsoft.com/office/powerpoint/2010/main" mc:Ignorable="p14" p14:dur="500"/>
     </mc:Choice>
-    <mc:Fallback xmlns:dsp="http://schemas.microsoft.com/office/drawing/2008/diagram" xmlns:dgm="http://schemas.openxmlformats.org/drawingml/2006/diagram" xmlns:c="http://schemas.openxmlformats.org/drawingml/2006/chart" xmlns="">
+    <mc:Fallback>
       <p:transition/>
     </mc:Fallback>
   </mc:AlternateContent>
@@ -11878,44 +11121,44 @@
 </file>
 
 <file path=ppt/theme/theme1.xml><?xml version="1.0" encoding="utf-8"?>
-<a:theme xmlns:a="http://schemas.openxmlformats.org/drawingml/2006/main" name="Office 테마">
+<a:theme xmlns:r="http://schemas.openxmlformats.org/officeDocument/2006/relationships" xmlns:c="http://schemas.openxmlformats.org/drawingml/2006/chart" xmlns:dgm="http://schemas.openxmlformats.org/drawingml/2006/diagram" xmlns:dsp="http://schemas.microsoft.com/office/drawing/2008/diagram" xmlns:a="http://schemas.openxmlformats.org/drawingml/2006/main" xmlns:pic="http://schemas.openxmlformats.org/drawingml/2006/picture" xmlns:wp="http://schemas.openxmlformats.org/drawingml/2006/wordprocessingDrawing" xmlns:xdr="http://schemas.openxmlformats.org/drawingml/2006/spreadsheetDrawing" xmlns:lc="http://schemas.openxmlformats.org/drawingml/2006/lockedCanvas" xmlns:p="http://schemas.openxmlformats.org/presentationml/2006/main" name="Office 테마">
   <a:themeElements>
     <a:clrScheme name="Office">
       <a:dk1>
         <a:sysClr val="windowText" lastClr="000000"/>
       </a:dk1>
       <a:lt1>
-        <a:sysClr val="window" lastClr="FFFFFF"/>
+        <a:sysClr val="window" lastClr="ffffff"/>
       </a:lt1>
       <a:dk2>
-        <a:srgbClr val="44546A"/>
+        <a:srgbClr val="44546a"/>
       </a:dk2>
       <a:lt2>
-        <a:srgbClr val="E7E6E6"/>
+        <a:srgbClr val="e7e6e6"/>
       </a:lt2>
       <a:accent1>
-        <a:srgbClr val="4472C4"/>
+        <a:srgbClr val="4472c4"/>
       </a:accent1>
       <a:accent2>
-        <a:srgbClr val="ED7D31"/>
+        <a:srgbClr val="ed7d31"/>
       </a:accent2>
       <a:accent3>
-        <a:srgbClr val="A5A5A5"/>
+        <a:srgbClr val="a5a5a5"/>
       </a:accent3>
       <a:accent4>
-        <a:srgbClr val="FFC000"/>
+        <a:srgbClr val="ffc000"/>
       </a:accent4>
       <a:accent5>
-        <a:srgbClr val="5B9BD5"/>
+        <a:srgbClr val="5b9bd5"/>
       </a:accent5>
       <a:accent6>
-        <a:srgbClr val="70AD47"/>
+        <a:srgbClr val="70ad47"/>
       </a:accent6>
       <a:hlink>
-        <a:srgbClr val="0563C1"/>
+        <a:srgbClr val="0563c1"/>
       </a:hlink>
       <a:folHlink>
-        <a:srgbClr val="954F72"/>
+        <a:srgbClr val="954f72"/>
       </a:folHlink>
     </a:clrScheme>
     <a:fontScheme name="Office">
@@ -12162,7 +11405,5 @@
       </a:bgFillStyleLst>
     </a:fmtScheme>
   </a:themeElements>
-  <a:objectDefaults/>
-  <a:extraClrSchemeLst/>
 </a:theme>
 </file>
--- a/rpg수정수정수정.pptx
+++ b/rpg수정수정수정.pptx
@@ -8576,7 +8576,7 @@
               </a:rPr>
               <a:t> 무기스킬</a:t>
             </a:r>
-            <a:endParaRPr kumimoji="0" lang="ko-KR" altLang="en-US" sz="1200" b="0" i="0" u="none" strike="noStrike" kern="1200" cap="none" spc="0" normalizeH="0" baseline="0">
+            <a:endParaRPr lang="ko-KR" altLang="en-US" sz="1200">
               <a:solidFill>
                 <a:srgbClr val="000000"/>
               </a:solidFill>
@@ -8736,7 +8736,7 @@
               </a:rPr>
               <a:t> 무기스킬</a:t>
             </a:r>
-            <a:endParaRPr kumimoji="0" lang="ko-KR" altLang="en-US" sz="1200" b="0" i="0" u="none" strike="noStrike" kern="1200" cap="none" spc="0" normalizeH="0" baseline="0">
+            <a:endParaRPr lang="ko-KR" altLang="en-US" sz="1200">
               <a:solidFill>
                 <a:srgbClr val="000000"/>
               </a:solidFill>
@@ -8829,201 +8829,6 @@
                 <a:srgbClr val="000000"/>
               </a:solidFill>
               <a:latin typeface="맑은 고딕"/>
-              <a:ea typeface="맑은 고딕"/>
-              <a:cs typeface="Calibri"/>
-            </a:endParaRPr>
-          </a:p>
-        </p:txBody>
-      </p:sp>
-      <p:sp>
-        <p:nvSpPr>
-          <p:cNvPr id="20" name="제목 1"/>
-          <p:cNvSpPr>
-            <a:spLocks noGrp="1"/>
-          </p:cNvSpPr>
-          <p:nvPr/>
-        </p:nvSpPr>
-        <p:spPr>
-          <a:xfrm>
-            <a:off x="7810758" y="1213369"/>
-            <a:ext cx="579520" cy="408154"/>
-          </a:xfrm>
-          <a:prstGeom prst="rect">
-            <a:avLst/>
-          </a:prstGeom>
-          <a:ln>
-            <a:solidFill>
-              <a:srgbClr val="000000">
-                <a:alpha val="100000"/>
-              </a:srgbClr>
-            </a:solidFill>
-          </a:ln>
-        </p:spPr>
-        <p:txBody>
-          <a:bodyPr vert="horz" lIns="91440" tIns="45720" rIns="91440" bIns="45720" anchor="ctr">
-            <a:normAutofit/>
-          </a:bodyPr>
-          <a:lstStyle/>
-          <a:p>
-            <a:pPr marL="0" lvl="0" indent="0" algn="ctr" defTabSz="914400" rtl="0" eaLnBrk="1" latinLnBrk="1" hangingPunct="1">
-              <a:lnSpc>
-                <a:spcPct val="100000"/>
-              </a:lnSpc>
-              <a:spcBef>
-                <a:spcPct val="0"/>
-              </a:spcBef>
-              <a:spcAft>
-                <a:spcPts val="0"/>
-              </a:spcAft>
-              <a:buNone/>
-              <a:defRPr/>
-            </a:pPr>
-            <a:r>
-              <a:rPr kumimoji="0" lang="ko-KR" altLang="en-US" sz="1500" b="0" i="0" u="none" strike="noStrike" kern="1200" cap="none" spc="0" normalizeH="0" baseline="0">
-                <a:solidFill>
-                  <a:srgbClr val="000000"/>
-                </a:solidFill>
-                <a:latin typeface="Calibri"/>
-                <a:ea typeface="맑은 고딕"/>
-                <a:cs typeface="Calibri"/>
-              </a:rPr>
-              <a:t>검류</a:t>
-            </a:r>
-            <a:endParaRPr kumimoji="0" lang="ko-KR" altLang="en-US" sz="1500" b="0" i="0" u="none" strike="noStrike" kern="1200" cap="none" spc="0" normalizeH="0" baseline="0">
-              <a:solidFill>
-                <a:srgbClr val="000000"/>
-              </a:solidFill>
-              <a:latin typeface="Calibri"/>
-              <a:ea typeface="맑은 고딕"/>
-              <a:cs typeface="Calibri"/>
-            </a:endParaRPr>
-          </a:p>
-        </p:txBody>
-      </p:sp>
-      <p:sp>
-        <p:nvSpPr>
-          <p:cNvPr id="21" name="제목 1"/>
-          <p:cNvSpPr>
-            <a:spLocks noGrp="1"/>
-          </p:cNvSpPr>
-          <p:nvPr/>
-        </p:nvSpPr>
-        <p:spPr>
-          <a:xfrm>
-            <a:off x="8948634" y="1141177"/>
-            <a:ext cx="579520" cy="408154"/>
-          </a:xfrm>
-          <a:prstGeom prst="rect">
-            <a:avLst/>
-          </a:prstGeom>
-          <a:ln>
-            <a:solidFill>
-              <a:srgbClr val="000000">
-                <a:alpha val="100000"/>
-              </a:srgbClr>
-            </a:solidFill>
-          </a:ln>
-        </p:spPr>
-        <p:txBody>
-          <a:bodyPr vert="horz" lIns="91440" tIns="45720" rIns="91440" bIns="45720" anchor="ctr">
-            <a:normAutofit/>
-          </a:bodyPr>
-          <a:lstStyle/>
-          <a:p>
-            <a:pPr marL="0" lvl="0" indent="0" algn="ctr" defTabSz="914400" rtl="0" eaLnBrk="1" latinLnBrk="1" hangingPunct="1">
-              <a:lnSpc>
-                <a:spcPct val="100000"/>
-              </a:lnSpc>
-              <a:spcBef>
-                <a:spcPct val="0"/>
-              </a:spcBef>
-              <a:spcAft>
-                <a:spcPts val="0"/>
-              </a:spcAft>
-              <a:buNone/>
-              <a:defRPr/>
-            </a:pPr>
-            <a:r>
-              <a:rPr kumimoji="0" lang="ko-KR" altLang="en-US" sz="1500" b="0" i="0" u="none" strike="noStrike" kern="1200" cap="none" spc="0" normalizeH="0" baseline="0">
-                <a:solidFill>
-                  <a:srgbClr val="000000"/>
-                </a:solidFill>
-                <a:latin typeface="Calibri"/>
-                <a:ea typeface="맑은 고딕"/>
-                <a:cs typeface="Calibri"/>
-              </a:rPr>
-              <a:t>활류</a:t>
-            </a:r>
-            <a:endParaRPr kumimoji="0" lang="ko-KR" altLang="en-US" sz="1500" b="0" i="0" u="none" strike="noStrike" kern="1200" cap="none" spc="0" normalizeH="0" baseline="0">
-              <a:solidFill>
-                <a:srgbClr val="000000"/>
-              </a:solidFill>
-              <a:latin typeface="Calibri"/>
-              <a:ea typeface="맑은 고딕"/>
-              <a:cs typeface="Calibri"/>
-            </a:endParaRPr>
-          </a:p>
-        </p:txBody>
-      </p:sp>
-      <p:sp>
-        <p:nvSpPr>
-          <p:cNvPr id="22" name="제목 1"/>
-          <p:cNvSpPr>
-            <a:spLocks noGrp="1"/>
-          </p:cNvSpPr>
-          <p:nvPr/>
-        </p:nvSpPr>
-        <p:spPr>
-          <a:xfrm>
-            <a:off x="9821906" y="1045779"/>
-            <a:ext cx="579520" cy="408154"/>
-          </a:xfrm>
-          <a:prstGeom prst="rect">
-            <a:avLst/>
-          </a:prstGeom>
-          <a:ln>
-            <a:solidFill>
-              <a:srgbClr val="000000">
-                <a:alpha val="100000"/>
-              </a:srgbClr>
-            </a:solidFill>
-          </a:ln>
-        </p:spPr>
-        <p:txBody>
-          <a:bodyPr vert="horz" lIns="91440" tIns="45720" rIns="91440" bIns="45720" anchor="ctr">
-            <a:normAutofit/>
-          </a:bodyPr>
-          <a:lstStyle/>
-          <a:p>
-            <a:pPr marL="0" lvl="0" indent="0" algn="ctr" defTabSz="914400" rtl="0" eaLnBrk="1" latinLnBrk="1" hangingPunct="1">
-              <a:lnSpc>
-                <a:spcPct val="100000"/>
-              </a:lnSpc>
-              <a:spcBef>
-                <a:spcPct val="0"/>
-              </a:spcBef>
-              <a:spcAft>
-                <a:spcPts val="0"/>
-              </a:spcAft>
-              <a:buNone/>
-              <a:defRPr/>
-            </a:pPr>
-            <a:r>
-              <a:rPr kumimoji="0" lang="ko-KR" altLang="en-US" sz="1500" b="0" i="0" u="none" strike="noStrike" kern="1200" cap="none" spc="0" normalizeH="0" baseline="0">
-                <a:solidFill>
-                  <a:srgbClr val="000000"/>
-                </a:solidFill>
-                <a:latin typeface="Calibri"/>
-                <a:ea typeface="맑은 고딕"/>
-                <a:cs typeface="Calibri"/>
-              </a:rPr>
-              <a:t>봉류</a:t>
-            </a:r>
-            <a:endParaRPr kumimoji="0" lang="ko-KR" altLang="en-US" sz="1500" b="0" i="0" u="none" strike="noStrike" kern="1200" cap="none" spc="0" normalizeH="0" baseline="0">
-              <a:solidFill>
-                <a:srgbClr val="000000"/>
-              </a:solidFill>
-              <a:latin typeface="Calibri"/>
               <a:ea typeface="맑은 고딕"/>
               <a:cs typeface="Calibri"/>
             </a:endParaRPr>
@@ -9426,8 +9231,8 @@
         </p:nvSpPr>
         <p:spPr>
           <a:xfrm>
-            <a:off x="7844644" y="158958"/>
-            <a:ext cx="1171135" cy="629244"/>
+            <a:off x="7844645" y="158958"/>
+            <a:ext cx="3333310" cy="2057994"/>
           </a:xfrm>
           <a:prstGeom prst="rect">
             <a:avLst/>
@@ -9526,105 +9331,6 @@
           </a:p>
         </p:txBody>
       </p:sp>
-      <p:cxnSp>
-        <p:nvCxnSpPr>
-          <p:cNvPr id="141" name="직선 연결선 140"/>
-          <p:cNvCxnSpPr>
-            <a:stCxn id="118" idx="2"/>
-            <a:endCxn id="20" idx="0"/>
-          </p:cNvCxnSpPr>
-          <p:nvPr/>
-        </p:nvCxnSpPr>
-        <p:spPr>
-          <a:xfrm flipH="1">
-            <a:off x="8100518" y="788202"/>
-            <a:ext cx="329694" cy="425167"/>
-          </a:xfrm>
-          <a:prstGeom prst="line">
-            <a:avLst/>
-          </a:prstGeom>
-        </p:spPr>
-        <p:style>
-          <a:lnRef idx="1">
-            <a:schemeClr val="accent1"/>
-          </a:lnRef>
-          <a:fillRef idx="0">
-            <a:schemeClr val="accent1"/>
-          </a:fillRef>
-          <a:effectRef idx="0">
-            <a:schemeClr val="accent1"/>
-          </a:effectRef>
-          <a:fontRef idx="minor">
-            <a:schemeClr val="tx1"/>
-          </a:fontRef>
-        </p:style>
-      </p:cxnSp>
-      <p:cxnSp>
-        <p:nvCxnSpPr>
-          <p:cNvPr id="143" name="직선 연결선 142"/>
-          <p:cNvCxnSpPr>
-            <a:stCxn id="118" idx="2"/>
-            <a:endCxn id="21" idx="0"/>
-          </p:cNvCxnSpPr>
-          <p:nvPr/>
-        </p:nvCxnSpPr>
-        <p:spPr>
-          <a:xfrm>
-            <a:off x="8430212" y="788202"/>
-            <a:ext cx="808182" cy="352975"/>
-          </a:xfrm>
-          <a:prstGeom prst="line">
-            <a:avLst/>
-          </a:prstGeom>
-        </p:spPr>
-        <p:style>
-          <a:lnRef idx="1">
-            <a:schemeClr val="accent1"/>
-          </a:lnRef>
-          <a:fillRef idx="0">
-            <a:schemeClr val="accent1"/>
-          </a:fillRef>
-          <a:effectRef idx="0">
-            <a:schemeClr val="accent1"/>
-          </a:effectRef>
-          <a:fontRef idx="minor">
-            <a:schemeClr val="tx1"/>
-          </a:fontRef>
-        </p:style>
-      </p:cxnSp>
-      <p:cxnSp>
-        <p:nvCxnSpPr>
-          <p:cNvPr id="145" name="직선 연결선 144"/>
-          <p:cNvCxnSpPr>
-            <a:stCxn id="118" idx="2"/>
-            <a:endCxn id="22" idx="0"/>
-          </p:cNvCxnSpPr>
-          <p:nvPr/>
-        </p:nvCxnSpPr>
-        <p:spPr>
-          <a:xfrm>
-            <a:off x="8430212" y="788202"/>
-            <a:ext cx="1681454" cy="257577"/>
-          </a:xfrm>
-          <a:prstGeom prst="line">
-            <a:avLst/>
-          </a:prstGeom>
-        </p:spPr>
-        <p:style>
-          <a:lnRef idx="1">
-            <a:schemeClr val="accent1"/>
-          </a:lnRef>
-          <a:fillRef idx="0">
-            <a:schemeClr val="accent1"/>
-          </a:fillRef>
-          <a:effectRef idx="0">
-            <a:schemeClr val="accent1"/>
-          </a:effectRef>
-          <a:fontRef idx="minor">
-            <a:schemeClr val="tx1"/>
-          </a:fontRef>
-        </p:style>
-      </p:cxnSp>
       <p:sp>
         <p:nvSpPr>
           <p:cNvPr id="156" name="제목 1"/>
